--- a/Day_2/Day_2_Lectures/Day_2_Lecture_Metadata2.pptx
+++ b/Day_2/Day_2_Lectures/Day_2_Lecture_Metadata2.pptx
@@ -5,7 +5,7 @@
     <p:sldMasterId id="2147483648" r:id="rId1"/>
   </p:sldMasterIdLst>
   <p:notesMasterIdLst>
-    <p:notesMasterId r:id="rId28"/>
+    <p:notesMasterId r:id="rId31"/>
   </p:notesMasterIdLst>
   <p:sldIdLst>
     <p:sldId id="256" r:id="rId2"/>
@@ -14,26 +14,29 @@
     <p:sldId id="262" r:id="rId5"/>
     <p:sldId id="261" r:id="rId6"/>
     <p:sldId id="263" r:id="rId7"/>
-    <p:sldId id="265" r:id="rId8"/>
-    <p:sldId id="260" r:id="rId9"/>
-    <p:sldId id="269" r:id="rId10"/>
-    <p:sldId id="270" r:id="rId11"/>
-    <p:sldId id="273" r:id="rId12"/>
-    <p:sldId id="277" r:id="rId13"/>
-    <p:sldId id="275" r:id="rId14"/>
-    <p:sldId id="258" r:id="rId15"/>
-    <p:sldId id="259" r:id="rId16"/>
-    <p:sldId id="268" r:id="rId17"/>
-    <p:sldId id="271" r:id="rId18"/>
-    <p:sldId id="276" r:id="rId19"/>
-    <p:sldId id="281" r:id="rId20"/>
-    <p:sldId id="282" r:id="rId21"/>
+    <p:sldId id="289" r:id="rId8"/>
+    <p:sldId id="288" r:id="rId9"/>
+    <p:sldId id="290" r:id="rId10"/>
+    <p:sldId id="265" r:id="rId11"/>
+    <p:sldId id="275" r:id="rId12"/>
+    <p:sldId id="259" r:id="rId13"/>
+    <p:sldId id="268" r:id="rId14"/>
+    <p:sldId id="271" r:id="rId15"/>
+    <p:sldId id="276" r:id="rId16"/>
+    <p:sldId id="281" r:id="rId17"/>
+    <p:sldId id="292" r:id="rId18"/>
+    <p:sldId id="282" r:id="rId19"/>
+    <p:sldId id="291" r:id="rId20"/>
+    <p:sldId id="293" r:id="rId21"/>
     <p:sldId id="283" r:id="rId22"/>
     <p:sldId id="278" r:id="rId23"/>
     <p:sldId id="280" r:id="rId24"/>
-    <p:sldId id="279" r:id="rId25"/>
-    <p:sldId id="266" r:id="rId26"/>
-    <p:sldId id="274" r:id="rId27"/>
+    <p:sldId id="266" r:id="rId25"/>
+    <p:sldId id="279" r:id="rId26"/>
+    <p:sldId id="284" r:id="rId27"/>
+    <p:sldId id="274" r:id="rId28"/>
+    <p:sldId id="285" r:id="rId29"/>
+    <p:sldId id="286" r:id="rId30"/>
   </p:sldIdLst>
   <p:sldSz cx="9144000" cy="6858000" type="screen4x3"/>
   <p:notesSz cx="6858000" cy="9144000"/>
@@ -217,7 +220,7 @@
           <a:p>
             <a:fld id="{9A0E6E77-3283-344D-9AC2-FD5DD182305F}" type="datetimeFigureOut">
               <a:rPr lang="en-US" smtClean="0"/>
-              <a:t>1/18/15</a:t>
+              <a:t>1/19/15</a:t>
             </a:fld>
             <a:endParaRPr lang="en-US"/>
           </a:p>
@@ -634,7 +637,7 @@
           <a:p>
             <a:fld id="{036A4C59-9997-D64D-B418-4F4AB05D75FD}" type="slidenum">
               <a:rPr lang="en-US" smtClean="0"/>
-              <a:t>19</a:t>
+              <a:t>17</a:t>
             </a:fld>
             <a:endParaRPr lang="en-US"/>
           </a:p>
@@ -770,7 +773,7 @@
           <a:p>
             <a:fld id="{036A4C59-9997-D64D-B418-4F4AB05D75FD}" type="slidenum">
               <a:rPr lang="en-US" smtClean="0"/>
-              <a:t>20</a:t>
+              <a:t>18</a:t>
             </a:fld>
             <a:endParaRPr lang="en-US"/>
           </a:p>
@@ -835,13 +838,325 @@
           <a:p>
             <a:r>
               <a:rPr lang="en-US" dirty="0" smtClean="0"/>
-              <a:t>My </a:t>
-            </a:r>
-            <a:r>
-              <a:rPr lang="en-US" dirty="0" err="1" smtClean="0"/>
-              <a:t>poit</a:t>
+              <a:t>Note</a:t>
+            </a:r>
+            <a:r>
+              <a:rPr lang="en-US" baseline="0" dirty="0" smtClean="0"/>
+              <a:t> that these are equally flawed, too…</a:t>
+            </a:r>
+          </a:p>
+          <a:p>
+            <a:endParaRPr lang="en-US" baseline="0" dirty="0" smtClean="0"/>
+          </a:p>
+          <a:p>
+            <a:r>
+              <a:rPr lang="en-US" baseline="0" dirty="0" smtClean="0"/>
+              <a:t>Talk more about trade offs and affordances here</a:t>
+            </a:r>
+          </a:p>
+          <a:p>
+            <a:endParaRPr lang="en-US" baseline="0" dirty="0" smtClean="0"/>
+          </a:p>
+          <a:p>
+            <a:r>
+              <a:rPr lang="en-US" baseline="0" dirty="0" smtClean="0"/>
+              <a:t>GCMD is broader, RDA is more specific (narrower Designated community)</a:t>
+            </a:r>
+          </a:p>
+          <a:p>
+            <a:endParaRPr lang="en-US" baseline="0" dirty="0" smtClean="0"/>
+          </a:p>
+          <a:p>
+            <a:r>
+              <a:rPr lang="en-US" baseline="0" dirty="0" smtClean="0"/>
+              <a:t>Then show XML</a:t>
+            </a:r>
+          </a:p>
+          <a:p>
+            <a:endParaRPr lang="en-US" baseline="0" dirty="0" smtClean="0"/>
+          </a:p>
+          <a:p>
+            <a:r>
+              <a:rPr lang="en-US" baseline="0" dirty="0" smtClean="0"/>
+              <a:t>Decision of what </a:t>
+            </a:r>
+            <a:r>
+              <a:rPr lang="en-US" baseline="0" dirty="0" err="1" smtClean="0"/>
+              <a:t>attrinbute</a:t>
+            </a:r>
+            <a:r>
+              <a:rPr lang="en-US" baseline="0" dirty="0" smtClean="0"/>
+              <a:t> value pair to use has a real consequence</a:t>
             </a:r>
             <a:endParaRPr lang="en-US" dirty="0"/>
+          </a:p>
+        </p:txBody>
+      </p:sp>
+      <p:sp>
+        <p:nvSpPr>
+          <p:cNvPr id="4" name="Slide Number Placeholder 3"/>
+          <p:cNvSpPr>
+            <a:spLocks noGrp="1"/>
+          </p:cNvSpPr>
+          <p:nvPr>
+            <p:ph type="sldNum" sz="quarter" idx="10"/>
+          </p:nvPr>
+        </p:nvSpPr>
+        <p:spPr/>
+        <p:txBody>
+          <a:bodyPr/>
+          <a:lstStyle/>
+          <a:p>
+            <a:fld id="{036A4C59-9997-D64D-B418-4F4AB05D75FD}" type="slidenum">
+              <a:rPr lang="en-US" smtClean="0"/>
+              <a:t>19</a:t>
+            </a:fld>
+            <a:endParaRPr lang="en-US"/>
+          </a:p>
+        </p:txBody>
+      </p:sp>
+    </p:spTree>
+    <p:extLst>
+      <p:ext uri="{BB962C8B-B14F-4D97-AF65-F5344CB8AC3E}">
+        <p14:creationId xmlns:p14="http://schemas.microsoft.com/office/powerpoint/2010/main" val="4089888638"/>
+      </p:ext>
+    </p:extLst>
+  </p:cSld>
+  <p:clrMapOvr>
+    <a:masterClrMapping/>
+  </p:clrMapOvr>
+</p:notes>
+</file>
+
+<file path=ppt/notesSlides/notesSlide13.xml><?xml version="1.0" encoding="utf-8"?>
+<p:notes xmlns:a="http://schemas.openxmlformats.org/drawingml/2006/main" xmlns:r="http://schemas.openxmlformats.org/officeDocument/2006/relationships" xmlns:p="http://schemas.openxmlformats.org/presentationml/2006/main">
+  <p:cSld>
+    <p:spTree>
+      <p:nvGrpSpPr>
+        <p:cNvPr id="1" name=""/>
+        <p:cNvGrpSpPr/>
+        <p:nvPr/>
+      </p:nvGrpSpPr>
+      <p:grpSpPr>
+        <a:xfrm>
+          <a:off x="0" y="0"/>
+          <a:ext cx="0" cy="0"/>
+          <a:chOff x="0" y="0"/>
+          <a:chExt cx="0" cy="0"/>
+        </a:xfrm>
+      </p:grpSpPr>
+      <p:sp>
+        <p:nvSpPr>
+          <p:cNvPr id="2" name="Slide Image Placeholder 1"/>
+          <p:cNvSpPr>
+            <a:spLocks noGrp="1" noRot="1" noChangeAspect="1"/>
+          </p:cNvSpPr>
+          <p:nvPr>
+            <p:ph type="sldImg"/>
+          </p:nvPr>
+        </p:nvSpPr>
+        <p:spPr/>
+      </p:sp>
+      <p:sp>
+        <p:nvSpPr>
+          <p:cNvPr id="3" name="Notes Placeholder 2"/>
+          <p:cNvSpPr>
+            <a:spLocks noGrp="1"/>
+          </p:cNvSpPr>
+          <p:nvPr>
+            <p:ph type="body" idx="1"/>
+          </p:nvPr>
+        </p:nvSpPr>
+        <p:spPr/>
+        <p:txBody>
+          <a:bodyPr/>
+          <a:lstStyle/>
+          <a:p>
+            <a:r>
+              <a:rPr lang="en-US" dirty="0" smtClean="0"/>
+              <a:t>Note</a:t>
+            </a:r>
+            <a:r>
+              <a:rPr lang="en-US" baseline="0" dirty="0" smtClean="0"/>
+              <a:t> that these are equally flawed, too…</a:t>
+            </a:r>
+          </a:p>
+          <a:p>
+            <a:endParaRPr lang="en-US" baseline="0" dirty="0" smtClean="0"/>
+          </a:p>
+          <a:p>
+            <a:r>
+              <a:rPr lang="en-US" baseline="0" dirty="0" smtClean="0"/>
+              <a:t>Talk more about trade offs and affordances here</a:t>
+            </a:r>
+          </a:p>
+          <a:p>
+            <a:endParaRPr lang="en-US" baseline="0" dirty="0" smtClean="0"/>
+          </a:p>
+          <a:p>
+            <a:r>
+              <a:rPr lang="en-US" baseline="0" dirty="0" smtClean="0"/>
+              <a:t>GCMD is broader, RDA is more specific (narrower Designated community)</a:t>
+            </a:r>
+          </a:p>
+          <a:p>
+            <a:endParaRPr lang="en-US" baseline="0" dirty="0" smtClean="0"/>
+          </a:p>
+          <a:p>
+            <a:r>
+              <a:rPr lang="en-US" baseline="0" dirty="0" smtClean="0"/>
+              <a:t>Then show XML</a:t>
+            </a:r>
+          </a:p>
+          <a:p>
+            <a:endParaRPr lang="en-US" baseline="0" dirty="0" smtClean="0"/>
+          </a:p>
+          <a:p>
+            <a:r>
+              <a:rPr lang="en-US" baseline="0" dirty="0" smtClean="0"/>
+              <a:t>Decision of what </a:t>
+            </a:r>
+            <a:r>
+              <a:rPr lang="en-US" baseline="0" dirty="0" err="1" smtClean="0"/>
+              <a:t>attrinbute</a:t>
+            </a:r>
+            <a:r>
+              <a:rPr lang="en-US" baseline="0" dirty="0" smtClean="0"/>
+              <a:t> value pair to use has a real consequence</a:t>
+            </a:r>
+            <a:endParaRPr lang="en-US" dirty="0"/>
+          </a:p>
+        </p:txBody>
+      </p:sp>
+      <p:sp>
+        <p:nvSpPr>
+          <p:cNvPr id="4" name="Slide Number Placeholder 3"/>
+          <p:cNvSpPr>
+            <a:spLocks noGrp="1"/>
+          </p:cNvSpPr>
+          <p:nvPr>
+            <p:ph type="sldNum" sz="quarter" idx="10"/>
+          </p:nvPr>
+        </p:nvSpPr>
+        <p:spPr/>
+        <p:txBody>
+          <a:bodyPr/>
+          <a:lstStyle/>
+          <a:p>
+            <a:fld id="{036A4C59-9997-D64D-B418-4F4AB05D75FD}" type="slidenum">
+              <a:rPr lang="en-US" smtClean="0"/>
+              <a:t>20</a:t>
+            </a:fld>
+            <a:endParaRPr lang="en-US"/>
+          </a:p>
+        </p:txBody>
+      </p:sp>
+    </p:spTree>
+    <p:extLst>
+      <p:ext uri="{BB962C8B-B14F-4D97-AF65-F5344CB8AC3E}">
+        <p14:creationId xmlns:p14="http://schemas.microsoft.com/office/powerpoint/2010/main" val="4089888638"/>
+      </p:ext>
+    </p:extLst>
+  </p:cSld>
+  <p:clrMapOvr>
+    <a:masterClrMapping/>
+  </p:clrMapOvr>
+</p:notes>
+</file>
+
+<file path=ppt/notesSlides/notesSlide14.xml><?xml version="1.0" encoding="utf-8"?>
+<p:notes xmlns:a="http://schemas.openxmlformats.org/drawingml/2006/main" xmlns:r="http://schemas.openxmlformats.org/officeDocument/2006/relationships" xmlns:p="http://schemas.openxmlformats.org/presentationml/2006/main">
+  <p:cSld>
+    <p:spTree>
+      <p:nvGrpSpPr>
+        <p:cNvPr id="1" name=""/>
+        <p:cNvGrpSpPr/>
+        <p:nvPr/>
+      </p:nvGrpSpPr>
+      <p:grpSpPr>
+        <a:xfrm>
+          <a:off x="0" y="0"/>
+          <a:ext cx="0" cy="0"/>
+          <a:chOff x="0" y="0"/>
+          <a:chExt cx="0" cy="0"/>
+        </a:xfrm>
+      </p:grpSpPr>
+      <p:sp>
+        <p:nvSpPr>
+          <p:cNvPr id="2" name="Slide Image Placeholder 1"/>
+          <p:cNvSpPr>
+            <a:spLocks noGrp="1" noRot="1" noChangeAspect="1"/>
+          </p:cNvSpPr>
+          <p:nvPr>
+            <p:ph type="sldImg"/>
+          </p:nvPr>
+        </p:nvSpPr>
+        <p:spPr/>
+      </p:sp>
+      <p:sp>
+        <p:nvSpPr>
+          <p:cNvPr id="3" name="Notes Placeholder 2"/>
+          <p:cNvSpPr>
+            <a:spLocks noGrp="1"/>
+          </p:cNvSpPr>
+          <p:nvPr>
+            <p:ph type="body" idx="1"/>
+          </p:nvPr>
+        </p:nvSpPr>
+        <p:spPr/>
+        <p:txBody>
+          <a:bodyPr/>
+          <a:lstStyle/>
+          <a:p>
+            <a:r>
+              <a:rPr lang="en-US" dirty="0" smtClean="0"/>
+              <a:t>There</a:t>
+            </a:r>
+            <a:r>
+              <a:rPr lang="en-US" baseline="0" dirty="0" smtClean="0"/>
+              <a:t> have been efforts to ask similar questions of the schemas themselves</a:t>
+            </a:r>
+            <a:endParaRPr lang="en-US" dirty="0" smtClean="0"/>
+          </a:p>
+          <a:p>
+            <a:endParaRPr lang="en-US" dirty="0" smtClean="0"/>
+          </a:p>
+          <a:p>
+            <a:pPr marL="171450" indent="-171450">
+              <a:buFontTx/>
+              <a:buChar char="-"/>
+            </a:pPr>
+            <a:r>
+              <a:rPr lang="en-US" baseline="0" dirty="0" smtClean="0"/>
+              <a:t>Going to step through one example that’s out of the Research in DC world</a:t>
+            </a:r>
+          </a:p>
+          <a:p>
+            <a:pPr marL="171450" indent="-171450">
+              <a:buFontTx/>
+              <a:buChar char="-"/>
+            </a:pPr>
+            <a:r>
+              <a:rPr lang="en-US" baseline="0" dirty="0" smtClean="0"/>
+              <a:t>It is more complex than the last example but might still be useful. </a:t>
+            </a:r>
+          </a:p>
+          <a:p>
+            <a:pPr marL="171450" indent="-171450">
+              <a:buFontTx/>
+              <a:buChar char="-"/>
+            </a:pPr>
+            <a:endParaRPr lang="en-US" baseline="0" dirty="0" smtClean="0"/>
+          </a:p>
+          <a:p>
+            <a:pPr marL="171450" indent="-171450">
+              <a:buFontTx/>
+              <a:buChar char="-"/>
+            </a:pPr>
+            <a:r>
+              <a:rPr lang="en-US" dirty="0" smtClean="0"/>
+              <a:t>community, domain, function, and purpose</a:t>
+            </a:r>
           </a:p>
         </p:txBody>
       </p:sp>
@@ -872,6 +1187,198 @@
     <p:extLst>
       <p:ext uri="{BB962C8B-B14F-4D97-AF65-F5344CB8AC3E}">
         <p14:creationId xmlns:p14="http://schemas.microsoft.com/office/powerpoint/2010/main" val="3350389385"/>
+      </p:ext>
+    </p:extLst>
+  </p:cSld>
+  <p:clrMapOvr>
+    <a:masterClrMapping/>
+  </p:clrMapOvr>
+</p:notes>
+</file>
+
+<file path=ppt/notesSlides/notesSlide15.xml><?xml version="1.0" encoding="utf-8"?>
+<p:notes xmlns:a="http://schemas.openxmlformats.org/drawingml/2006/main" xmlns:r="http://schemas.openxmlformats.org/officeDocument/2006/relationships" xmlns:p="http://schemas.openxmlformats.org/presentationml/2006/main">
+  <p:cSld>
+    <p:spTree>
+      <p:nvGrpSpPr>
+        <p:cNvPr id="1" name=""/>
+        <p:cNvGrpSpPr/>
+        <p:nvPr/>
+      </p:nvGrpSpPr>
+      <p:grpSpPr>
+        <a:xfrm>
+          <a:off x="0" y="0"/>
+          <a:ext cx="0" cy="0"/>
+          <a:chOff x="0" y="0"/>
+          <a:chExt cx="0" cy="0"/>
+        </a:xfrm>
+      </p:grpSpPr>
+      <p:sp>
+        <p:nvSpPr>
+          <p:cNvPr id="2" name="Slide Image Placeholder 1"/>
+          <p:cNvSpPr>
+            <a:spLocks noGrp="1" noRot="1" noChangeAspect="1"/>
+          </p:cNvSpPr>
+          <p:nvPr>
+            <p:ph type="sldImg"/>
+          </p:nvPr>
+        </p:nvSpPr>
+        <p:spPr/>
+      </p:sp>
+      <p:sp>
+        <p:nvSpPr>
+          <p:cNvPr id="3" name="Notes Placeholder 2"/>
+          <p:cNvSpPr>
+            <a:spLocks noGrp="1"/>
+          </p:cNvSpPr>
+          <p:nvPr>
+            <p:ph type="body" idx="1"/>
+          </p:nvPr>
+        </p:nvSpPr>
+        <p:spPr/>
+        <p:txBody>
+          <a:bodyPr/>
+          <a:lstStyle/>
+          <a:p>
+            <a:r>
+              <a:rPr lang="en-US" dirty="0" smtClean="0"/>
+              <a:t>My </a:t>
+            </a:r>
+            <a:r>
+              <a:rPr lang="en-US" dirty="0" err="1" smtClean="0"/>
+              <a:t>poit</a:t>
+            </a:r>
+            <a:endParaRPr lang="en-US" dirty="0"/>
+          </a:p>
+        </p:txBody>
+      </p:sp>
+      <p:sp>
+        <p:nvSpPr>
+          <p:cNvPr id="4" name="Slide Number Placeholder 3"/>
+          <p:cNvSpPr>
+            <a:spLocks noGrp="1"/>
+          </p:cNvSpPr>
+          <p:nvPr>
+            <p:ph type="sldNum" sz="quarter" idx="10"/>
+          </p:nvPr>
+        </p:nvSpPr>
+        <p:spPr/>
+        <p:txBody>
+          <a:bodyPr/>
+          <a:lstStyle/>
+          <a:p>
+            <a:fld id="{036A4C59-9997-D64D-B418-4F4AB05D75FD}" type="slidenum">
+              <a:rPr lang="en-US" smtClean="0"/>
+              <a:t>27</a:t>
+            </a:fld>
+            <a:endParaRPr lang="en-US"/>
+          </a:p>
+        </p:txBody>
+      </p:sp>
+    </p:spTree>
+    <p:extLst>
+      <p:ext uri="{BB962C8B-B14F-4D97-AF65-F5344CB8AC3E}">
+        <p14:creationId xmlns:p14="http://schemas.microsoft.com/office/powerpoint/2010/main" val="3350389385"/>
+      </p:ext>
+    </p:extLst>
+  </p:cSld>
+  <p:clrMapOvr>
+    <a:masterClrMapping/>
+  </p:clrMapOvr>
+</p:notes>
+</file>
+
+<file path=ppt/notesSlides/notesSlide16.xml><?xml version="1.0" encoding="utf-8"?>
+<p:notes xmlns:a="http://schemas.openxmlformats.org/drawingml/2006/main" xmlns:r="http://schemas.openxmlformats.org/officeDocument/2006/relationships" xmlns:p="http://schemas.openxmlformats.org/presentationml/2006/main">
+  <p:cSld>
+    <p:spTree>
+      <p:nvGrpSpPr>
+        <p:cNvPr id="1" name=""/>
+        <p:cNvGrpSpPr/>
+        <p:nvPr/>
+      </p:nvGrpSpPr>
+      <p:grpSpPr>
+        <a:xfrm>
+          <a:off x="0" y="0"/>
+          <a:ext cx="0" cy="0"/>
+          <a:chOff x="0" y="0"/>
+          <a:chExt cx="0" cy="0"/>
+        </a:xfrm>
+      </p:grpSpPr>
+      <p:sp>
+        <p:nvSpPr>
+          <p:cNvPr id="2" name="Slide Image Placeholder 1"/>
+          <p:cNvSpPr>
+            <a:spLocks noGrp="1" noRot="1" noChangeAspect="1"/>
+          </p:cNvSpPr>
+          <p:nvPr>
+            <p:ph type="sldImg"/>
+          </p:nvPr>
+        </p:nvSpPr>
+        <p:spPr/>
+      </p:sp>
+      <p:sp>
+        <p:nvSpPr>
+          <p:cNvPr id="3" name="Notes Placeholder 2"/>
+          <p:cNvSpPr>
+            <a:spLocks noGrp="1"/>
+          </p:cNvSpPr>
+          <p:nvPr>
+            <p:ph type="body" idx="1"/>
+          </p:nvPr>
+        </p:nvSpPr>
+        <p:spPr/>
+        <p:txBody>
+          <a:bodyPr/>
+          <a:lstStyle/>
+          <a:p>
+            <a:r>
+              <a:rPr lang="en-US" dirty="0" smtClean="0"/>
+              <a:t>Note</a:t>
+            </a:r>
+            <a:r>
+              <a:rPr lang="en-US" baseline="0" dirty="0" smtClean="0"/>
+              <a:t> that these categories are similar to </a:t>
+            </a:r>
+            <a:r>
+              <a:rPr lang="en-US" baseline="0" dirty="0" err="1" smtClean="0"/>
+              <a:t>descrptive</a:t>
+            </a:r>
+            <a:r>
+              <a:rPr lang="en-US" baseline="0" dirty="0" smtClean="0"/>
+              <a:t>, technical </a:t>
+            </a:r>
+            <a:endParaRPr lang="en-US" dirty="0"/>
+          </a:p>
+        </p:txBody>
+      </p:sp>
+      <p:sp>
+        <p:nvSpPr>
+          <p:cNvPr id="4" name="Slide Number Placeholder 3"/>
+          <p:cNvSpPr>
+            <a:spLocks noGrp="1"/>
+          </p:cNvSpPr>
+          <p:nvPr>
+            <p:ph type="sldNum" sz="quarter" idx="10"/>
+          </p:nvPr>
+        </p:nvSpPr>
+        <p:spPr/>
+        <p:txBody>
+          <a:bodyPr/>
+          <a:lstStyle/>
+          <a:p>
+            <a:fld id="{036A4C59-9997-D64D-B418-4F4AB05D75FD}" type="slidenum">
+              <a:rPr lang="en-US" smtClean="0"/>
+              <a:t>28</a:t>
+            </a:fld>
+            <a:endParaRPr lang="en-US"/>
+          </a:p>
+        </p:txBody>
+      </p:sp>
+    </p:spTree>
+    <p:extLst>
+      <p:ext uri="{BB962C8B-B14F-4D97-AF65-F5344CB8AC3E}">
+        <p14:creationId xmlns:p14="http://schemas.microsoft.com/office/powerpoint/2010/main" val="3091892597"/>
       </p:ext>
     </p:extLst>
   </p:cSld>
@@ -1034,40 +1541,11 @@
           <a:p>
             <a:r>
               <a:rPr lang="en-US" dirty="0" smtClean="0"/>
-              <a:t>With these requirements in mind</a:t>
+              <a:t>After understanding strengths priorities and constraints of</a:t>
             </a:r>
             <a:r>
               <a:rPr lang="en-US" baseline="0" dirty="0" smtClean="0"/>
-              <a:t>, you can return to resources like “Seeing Standards” or </a:t>
-            </a:r>
-          </a:p>
-          <a:p>
-            <a:r>
-              <a:rPr lang="en-US" baseline="0" dirty="0" smtClean="0"/>
-              <a:t>http://</a:t>
-            </a:r>
-            <a:r>
-              <a:rPr lang="en-US" baseline="0" dirty="0" err="1" smtClean="0"/>
-              <a:t>www.dcc.ac.uk</a:t>
-            </a:r>
-            <a:r>
-              <a:rPr lang="en-US" baseline="0" dirty="0" smtClean="0"/>
-              <a:t>/resources/metadata-standards </a:t>
-            </a:r>
-          </a:p>
-          <a:p>
-            <a:r>
-              <a:rPr lang="en-US" baseline="0" dirty="0" smtClean="0"/>
-              <a:t>and begin the process of choosing a metadata schema.  </a:t>
-            </a:r>
-          </a:p>
-          <a:p>
-            <a:endParaRPr lang="en-US" baseline="0" dirty="0" smtClean="0"/>
-          </a:p>
-          <a:p>
-            <a:r>
-              <a:rPr lang="en-US" baseline="0" dirty="0" smtClean="0"/>
-              <a:t>Unfortunately, while the 9 questions do help you determine the scope of your collections and needs, they don’t provide you with a mechanism to point you to a schema</a:t>
+              <a:t> your repository</a:t>
             </a:r>
             <a:endParaRPr lang="en-US" dirty="0"/>
           </a:p>
@@ -1090,7 +1568,7 @@
           <a:p>
             <a:fld id="{036A4C59-9997-D64D-B418-4F4AB05D75FD}" type="slidenum">
               <a:rPr lang="en-US" smtClean="0"/>
-              <a:t>7</a:t>
+              <a:t>8</a:t>
             </a:fld>
             <a:endParaRPr lang="en-US"/>
           </a:p>
@@ -1099,7 +1577,7 @@
     </p:spTree>
     <p:extLst>
       <p:ext uri="{BB962C8B-B14F-4D97-AF65-F5344CB8AC3E}">
-        <p14:creationId xmlns:p14="http://schemas.microsoft.com/office/powerpoint/2010/main" val="1844635102"/>
+        <p14:creationId xmlns:p14="http://schemas.microsoft.com/office/powerpoint/2010/main" val="2765581035"/>
       </p:ext>
     </p:extLst>
   </p:cSld>
@@ -1153,55 +1631,7 @@
           <a:bodyPr/>
           <a:lstStyle/>
           <a:p>
-            <a:r>
-              <a:rPr lang="en-US" dirty="0" smtClean="0"/>
-              <a:t>There</a:t>
-            </a:r>
-            <a:r>
-              <a:rPr lang="en-US" baseline="0" dirty="0" smtClean="0"/>
-              <a:t> have been efforts to ask similar questions of the schemas themselves</a:t>
-            </a:r>
-            <a:endParaRPr lang="en-US" dirty="0" smtClean="0"/>
-          </a:p>
-          <a:p>
-            <a:endParaRPr lang="en-US" dirty="0" smtClean="0"/>
-          </a:p>
-          <a:p>
-            <a:pPr marL="171450" indent="-171450">
-              <a:buFontTx/>
-              <a:buChar char="-"/>
-            </a:pPr>
-            <a:r>
-              <a:rPr lang="en-US" baseline="0" dirty="0" smtClean="0"/>
-              <a:t>Going to step through one example that’s out of the Research in DC world</a:t>
-            </a:r>
-          </a:p>
-          <a:p>
-            <a:pPr marL="171450" indent="-171450">
-              <a:buFontTx/>
-              <a:buChar char="-"/>
-            </a:pPr>
-            <a:r>
-              <a:rPr lang="en-US" baseline="0" dirty="0" smtClean="0"/>
-              <a:t>It is more complex than the last example but might still be useful. </a:t>
-            </a:r>
-          </a:p>
-          <a:p>
-            <a:pPr marL="171450" indent="-171450">
-              <a:buFontTx/>
-              <a:buChar char="-"/>
-            </a:pPr>
-            <a:endParaRPr lang="en-US" baseline="0" dirty="0" smtClean="0"/>
-          </a:p>
-          <a:p>
-            <a:pPr marL="171450" indent="-171450">
-              <a:buFontTx/>
-              <a:buChar char="-"/>
-            </a:pPr>
-            <a:r>
-              <a:rPr lang="en-US" dirty="0" smtClean="0"/>
-              <a:t>community, domain, function, and purpose</a:t>
-            </a:r>
+            <a:endParaRPr lang="en-US" dirty="0"/>
           </a:p>
         </p:txBody>
       </p:sp>
@@ -1222,7 +1652,7 @@
           <a:p>
             <a:fld id="{036A4C59-9997-D64D-B418-4F4AB05D75FD}" type="slidenum">
               <a:rPr lang="en-US" smtClean="0"/>
-              <a:t>8</a:t>
+              <a:t>9</a:t>
             </a:fld>
             <a:endParaRPr lang="en-US"/>
           </a:p>
@@ -1231,7 +1661,7 @@
     </p:spTree>
     <p:extLst>
       <p:ext uri="{BB962C8B-B14F-4D97-AF65-F5344CB8AC3E}">
-        <p14:creationId xmlns:p14="http://schemas.microsoft.com/office/powerpoint/2010/main" val="3350389385"/>
+        <p14:creationId xmlns:p14="http://schemas.microsoft.com/office/powerpoint/2010/main" val="2067169483"/>
       </p:ext>
     </p:extLst>
   </p:cSld>
@@ -1287,19 +1717,40 @@
           <a:p>
             <a:r>
               <a:rPr lang="en-US" dirty="0" smtClean="0"/>
-              <a:t>Note</a:t>
+              <a:t>With these requirements in mind</a:t>
             </a:r>
             <a:r>
               <a:rPr lang="en-US" baseline="0" dirty="0" smtClean="0"/>
-              <a:t> that these categories are similar to </a:t>
+              <a:t>, you can return to resources like “Seeing Standards” or </a:t>
+            </a:r>
+          </a:p>
+          <a:p>
+            <a:r>
+              <a:rPr lang="en-US" baseline="0" dirty="0" smtClean="0"/>
+              <a:t>http://</a:t>
             </a:r>
             <a:r>
               <a:rPr lang="en-US" baseline="0" dirty="0" err="1" smtClean="0"/>
-              <a:t>descrptive</a:t>
+              <a:t>www.dcc.ac.uk</a:t>
             </a:r>
             <a:r>
               <a:rPr lang="en-US" baseline="0" dirty="0" smtClean="0"/>
-              <a:t>, technical </a:t>
+              <a:t>/resources/metadata-standards </a:t>
+            </a:r>
+          </a:p>
+          <a:p>
+            <a:r>
+              <a:rPr lang="en-US" baseline="0" dirty="0" smtClean="0"/>
+              <a:t>and begin the process of choosing a metadata schema.  </a:t>
+            </a:r>
+          </a:p>
+          <a:p>
+            <a:endParaRPr lang="en-US" baseline="0" dirty="0" smtClean="0"/>
+          </a:p>
+          <a:p>
+            <a:r>
+              <a:rPr lang="en-US" baseline="0" dirty="0" smtClean="0"/>
+              <a:t>Unfortunately, while the 9 questions do help you determine the scope of your collections and needs, they don’t provide you with a mechanism to point you to a schema</a:t>
             </a:r>
             <a:endParaRPr lang="en-US" dirty="0"/>
           </a:p>
@@ -1322,7 +1773,7 @@
           <a:p>
             <a:fld id="{036A4C59-9997-D64D-B418-4F4AB05D75FD}" type="slidenum">
               <a:rPr lang="en-US" smtClean="0"/>
-              <a:t>9</a:t>
+              <a:t>10</a:t>
             </a:fld>
             <a:endParaRPr lang="en-US"/>
           </a:p>
@@ -1331,7 +1782,7 @@
     </p:spTree>
     <p:extLst>
       <p:ext uri="{BB962C8B-B14F-4D97-AF65-F5344CB8AC3E}">
-        <p14:creationId xmlns:p14="http://schemas.microsoft.com/office/powerpoint/2010/main" val="3091892597"/>
+        <p14:creationId xmlns:p14="http://schemas.microsoft.com/office/powerpoint/2010/main" val="1844635102"/>
       </p:ext>
     </p:extLst>
   </p:cSld>
@@ -1387,7 +1838,11 @@
           <a:p>
             <a:r>
               <a:rPr lang="en-US" dirty="0" smtClean="0"/>
-              <a:t>Come back to this slide</a:t>
+              <a:t>Note</a:t>
+            </a:r>
+            <a:r>
+              <a:rPr lang="en-US" baseline="0" dirty="0" smtClean="0"/>
+              <a:t> that these are equally flawed, too…</a:t>
             </a:r>
             <a:endParaRPr lang="en-US" dirty="0"/>
           </a:p>
@@ -1419,7 +1874,7 @@
     </p:spTree>
     <p:extLst>
       <p:ext uri="{BB962C8B-B14F-4D97-AF65-F5344CB8AC3E}">
-        <p14:creationId xmlns:p14="http://schemas.microsoft.com/office/powerpoint/2010/main" val="2078914979"/>
+        <p14:creationId xmlns:p14="http://schemas.microsoft.com/office/powerpoint/2010/main" val="4089888638"/>
       </p:ext>
     </p:extLst>
   </p:cSld>
@@ -1473,15 +1928,7 @@
           <a:bodyPr/>
           <a:lstStyle/>
           <a:p>
-            <a:r>
-              <a:rPr lang="en-US" dirty="0" smtClean="0"/>
-              <a:t>Note</a:t>
-            </a:r>
-            <a:r>
-              <a:rPr lang="en-US" baseline="0" dirty="0" smtClean="0"/>
-              <a:t> that these are equally flawed, too…</a:t>
-            </a:r>
-            <a:endParaRPr lang="en-US" dirty="0"/>
+            <a:endParaRPr lang="en-US" baseline="0" dirty="0" smtClean="0"/>
           </a:p>
         </p:txBody>
       </p:sp>
@@ -1511,7 +1958,7 @@
     </p:spTree>
     <p:extLst>
       <p:ext uri="{BB962C8B-B14F-4D97-AF65-F5344CB8AC3E}">
-        <p14:creationId xmlns:p14="http://schemas.microsoft.com/office/powerpoint/2010/main" val="4089888638"/>
+        <p14:creationId xmlns:p14="http://schemas.microsoft.com/office/powerpoint/2010/main" val="2547542338"/>
       </p:ext>
     </p:extLst>
   </p:cSld>
@@ -1566,12 +2013,16 @@
           <a:lstStyle/>
           <a:p>
             <a:r>
-              <a:rPr lang="en-US" dirty="0" smtClean="0"/>
-              <a:t>Delete</a:t>
+              <a:rPr lang="en-US" smtClean="0"/>
+              <a:t>Those tensions</a:t>
+            </a:r>
+            <a:r>
+              <a:rPr lang="en-US" baseline="0" smtClean="0"/>
+              <a:t>– </a:t>
             </a:r>
             <a:r>
               <a:rPr lang="en-US" baseline="0" dirty="0" smtClean="0"/>
-              <a:t> probably</a:t>
+              <a:t>mean that </a:t>
             </a:r>
             <a:endParaRPr lang="en-US" dirty="0"/>
           </a:p>
@@ -1594,7 +2045,7 @@
           <a:p>
             <a:fld id="{036A4C59-9997-D64D-B418-4F4AB05D75FD}" type="slidenum">
               <a:rPr lang="en-US" smtClean="0"/>
-              <a:t>14</a:t>
+              <a:t>15</a:t>
             </a:fld>
             <a:endParaRPr lang="en-US"/>
           </a:p>
@@ -1603,7 +2054,7 @@
     </p:spTree>
     <p:extLst>
       <p:ext uri="{BB962C8B-B14F-4D97-AF65-F5344CB8AC3E}">
-        <p14:creationId xmlns:p14="http://schemas.microsoft.com/office/powerpoint/2010/main" val="3541738306"/>
+        <p14:creationId xmlns:p14="http://schemas.microsoft.com/office/powerpoint/2010/main" val="460468296"/>
       </p:ext>
     </p:extLst>
   </p:cSld>
@@ -1657,7 +2108,7 @@
           <a:bodyPr/>
           <a:lstStyle/>
           <a:p>
-            <a:endParaRPr lang="en-US" baseline="0" dirty="0" smtClean="0"/>
+            <a:endParaRPr lang="en-US" dirty="0"/>
           </a:p>
         </p:txBody>
       </p:sp>
@@ -1687,7 +2138,7 @@
     </p:spTree>
     <p:extLst>
       <p:ext uri="{BB962C8B-B14F-4D97-AF65-F5344CB8AC3E}">
-        <p14:creationId xmlns:p14="http://schemas.microsoft.com/office/powerpoint/2010/main" val="2547542338"/>
+        <p14:creationId xmlns:p14="http://schemas.microsoft.com/office/powerpoint/2010/main" val="4089888638"/>
       </p:ext>
     </p:extLst>
   </p:cSld>
@@ -1878,7 +2329,7 @@
           <a:p>
             <a:fld id="{9D6228D5-5F93-BB4A-964B-203967C46295}" type="datetimeFigureOut">
               <a:rPr lang="en-US" smtClean="0"/>
-              <a:t>1/18/15</a:t>
+              <a:t>1/19/15</a:t>
             </a:fld>
             <a:endParaRPr lang="en-US"/>
           </a:p>
@@ -2048,7 +2499,7 @@
           <a:p>
             <a:fld id="{9D6228D5-5F93-BB4A-964B-203967C46295}" type="datetimeFigureOut">
               <a:rPr lang="en-US" smtClean="0"/>
-              <a:t>1/18/15</a:t>
+              <a:t>1/19/15</a:t>
             </a:fld>
             <a:endParaRPr lang="en-US"/>
           </a:p>
@@ -2228,7 +2679,7 @@
           <a:p>
             <a:fld id="{9D6228D5-5F93-BB4A-964B-203967C46295}" type="datetimeFigureOut">
               <a:rPr lang="en-US" smtClean="0"/>
-              <a:t>1/18/15</a:t>
+              <a:t>1/19/15</a:t>
             </a:fld>
             <a:endParaRPr lang="en-US"/>
           </a:p>
@@ -2398,7 +2849,7 @@
           <a:p>
             <a:fld id="{9D6228D5-5F93-BB4A-964B-203967C46295}" type="datetimeFigureOut">
               <a:rPr lang="en-US" smtClean="0"/>
-              <a:t>1/18/15</a:t>
+              <a:t>1/19/15</a:t>
             </a:fld>
             <a:endParaRPr lang="en-US"/>
           </a:p>
@@ -2644,7 +3095,7 @@
           <a:p>
             <a:fld id="{9D6228D5-5F93-BB4A-964B-203967C46295}" type="datetimeFigureOut">
               <a:rPr lang="en-US" smtClean="0"/>
-              <a:t>1/18/15</a:t>
+              <a:t>1/19/15</a:t>
             </a:fld>
             <a:endParaRPr lang="en-US"/>
           </a:p>
@@ -2932,7 +3383,7 @@
           <a:p>
             <a:fld id="{9D6228D5-5F93-BB4A-964B-203967C46295}" type="datetimeFigureOut">
               <a:rPr lang="en-US" smtClean="0"/>
-              <a:t>1/18/15</a:t>
+              <a:t>1/19/15</a:t>
             </a:fld>
             <a:endParaRPr lang="en-US"/>
           </a:p>
@@ -3354,7 +3805,7 @@
           <a:p>
             <a:fld id="{9D6228D5-5F93-BB4A-964B-203967C46295}" type="datetimeFigureOut">
               <a:rPr lang="en-US" smtClean="0"/>
-              <a:t>1/18/15</a:t>
+              <a:t>1/19/15</a:t>
             </a:fld>
             <a:endParaRPr lang="en-US"/>
           </a:p>
@@ -3472,7 +3923,7 @@
           <a:p>
             <a:fld id="{9D6228D5-5F93-BB4A-964B-203967C46295}" type="datetimeFigureOut">
               <a:rPr lang="en-US" smtClean="0"/>
-              <a:t>1/18/15</a:t>
+              <a:t>1/19/15</a:t>
             </a:fld>
             <a:endParaRPr lang="en-US"/>
           </a:p>
@@ -3567,7 +4018,7 @@
           <a:p>
             <a:fld id="{9D6228D5-5F93-BB4A-964B-203967C46295}" type="datetimeFigureOut">
               <a:rPr lang="en-US" smtClean="0"/>
-              <a:t>1/18/15</a:t>
+              <a:t>1/19/15</a:t>
             </a:fld>
             <a:endParaRPr lang="en-US"/>
           </a:p>
@@ -3844,7 +4295,7 @@
           <a:p>
             <a:fld id="{9D6228D5-5F93-BB4A-964B-203967C46295}" type="datetimeFigureOut">
               <a:rPr lang="en-US" smtClean="0"/>
-              <a:t>1/18/15</a:t>
+              <a:t>1/19/15</a:t>
             </a:fld>
             <a:endParaRPr lang="en-US"/>
           </a:p>
@@ -4097,7 +4548,7 @@
           <a:p>
             <a:fld id="{9D6228D5-5F93-BB4A-964B-203967C46295}" type="datetimeFigureOut">
               <a:rPr lang="en-US" smtClean="0"/>
-              <a:t>1/18/15</a:t>
+              <a:t>1/19/15</a:t>
             </a:fld>
             <a:endParaRPr lang="en-US"/>
           </a:p>
@@ -4310,7 +4761,7 @@
           <a:p>
             <a:fld id="{9D6228D5-5F93-BB4A-964B-203967C46295}" type="datetimeFigureOut">
               <a:rPr lang="en-US" smtClean="0"/>
-              <a:t>1/18/15</a:t>
+              <a:t>1/19/15</a:t>
             </a:fld>
             <a:endParaRPr lang="en-US"/>
           </a:p>
@@ -4829,7 +5280,11 @@
           <a:p>
             <a:r>
               <a:rPr lang="en-US" dirty="0" smtClean="0"/>
-              <a:t>MODAL applied</a:t>
+              <a:t>THEN Evaluate </a:t>
+            </a:r>
+            <a:r>
+              <a:rPr lang="en-US" dirty="0" smtClean="0"/>
+              <a:t>Schemas</a:t>
             </a:r>
             <a:endParaRPr lang="en-US" dirty="0"/>
           </a:p>
@@ -4850,246 +5305,64 @@
           <a:bodyPr/>
           <a:lstStyle/>
           <a:p>
-            <a:pPr marL="0" indent="0">
+            <a:pPr marL="457200" lvl="1" indent="0">
               <a:buNone/>
             </a:pPr>
-            <a:r>
-              <a:rPr lang="en-US" dirty="0" smtClean="0"/>
-              <a:t>Research questions:</a:t>
-            </a:r>
-          </a:p>
-          <a:p>
-            <a:pPr marL="914400" lvl="1" indent="-514350">
-              <a:buFont typeface="+mj-lt"/>
-              <a:buAutoNum type="arabicPeriod"/>
-            </a:pPr>
-            <a:r>
-              <a:rPr lang="en-US" dirty="0" smtClean="0"/>
-              <a:t>What </a:t>
-            </a:r>
-            <a:r>
-              <a:rPr lang="en-US" dirty="0"/>
-              <a:t>is the scope of scientific metadata schemes? </a:t>
-            </a:r>
-            <a:endParaRPr lang="en-US" dirty="0" smtClean="0"/>
-          </a:p>
-          <a:p>
-            <a:pPr marL="914400" lvl="1" indent="-514350">
-              <a:buFont typeface="+mj-lt"/>
-              <a:buAutoNum type="arabicPeriod"/>
-            </a:pPr>
-            <a:r>
-              <a:rPr lang="en-US" dirty="0" smtClean="0"/>
-              <a:t>What </a:t>
-            </a:r>
-            <a:r>
-              <a:rPr lang="en-US" dirty="0"/>
-              <a:t>are the similarities and differences between </a:t>
-            </a:r>
-            <a:r>
-              <a:rPr lang="en-US" dirty="0" smtClean="0"/>
-              <a:t>scientific </a:t>
-            </a:r>
-            <a:r>
-              <a:rPr lang="en-US" dirty="0"/>
-              <a:t>metadata schemes</a:t>
-            </a:r>
-            <a:r>
-              <a:rPr lang="en-US" dirty="0" smtClean="0"/>
-              <a:t>?</a:t>
-            </a:r>
-          </a:p>
-          <a:p>
-            <a:pPr marL="914400" lvl="1" indent="-514350">
-              <a:buFont typeface="+mj-lt"/>
-              <a:buAutoNum type="arabicPeriod"/>
-            </a:pPr>
-            <a:r>
-              <a:rPr lang="en-US" dirty="0" smtClean="0"/>
-              <a:t>What </a:t>
-            </a:r>
-            <a:r>
-              <a:rPr lang="en-US" dirty="0"/>
-              <a:t>may be the fundamental requirements of metadata schemes for scientific data</a:t>
-            </a:r>
-            <a:r>
-              <a:rPr lang="en-US" dirty="0" smtClean="0"/>
-              <a:t>?</a:t>
-            </a:r>
             <a:endParaRPr lang="en-US" dirty="0"/>
           </a:p>
         </p:txBody>
       </p:sp>
+      <p:pic>
+        <p:nvPicPr>
+          <p:cNvPr id="4" name="Picture 3" descr="seeingstandards.pdf"/>
+          <p:cNvPicPr>
+            <a:picLocks noChangeAspect="1"/>
+          </p:cNvPicPr>
+          <p:nvPr/>
+        </p:nvPicPr>
+        <p:blipFill>
+          <a:blip r:embed="rId3">
+            <a:extLst>
+              <a:ext uri="{28A0092B-C50C-407E-A947-70E740481C1C}">
+                <a14:useLocalDpi xmlns:a14="http://schemas.microsoft.com/office/drawing/2010/main" val="0"/>
+              </a:ext>
+            </a:extLst>
+          </a:blip>
+          <a:stretch>
+            <a:fillRect/>
+          </a:stretch>
+        </p:blipFill>
+        <p:spPr>
+          <a:xfrm>
+            <a:off x="0" y="2416198"/>
+            <a:ext cx="9144000" cy="3048000"/>
+          </a:xfrm>
+          <a:prstGeom prst="rect">
+            <a:avLst/>
+          </a:prstGeom>
+        </p:spPr>
+      </p:pic>
     </p:spTree>
     <p:extLst>
       <p:ext uri="{BB962C8B-B14F-4D97-AF65-F5344CB8AC3E}">
-        <p14:creationId xmlns:p14="http://schemas.microsoft.com/office/powerpoint/2010/main" val="2744696797"/>
+        <p14:creationId xmlns:p14="http://schemas.microsoft.com/office/powerpoint/2010/main" val="1228390011"/>
       </p:ext>
     </p:extLst>
   </p:cSld>
   <p:clrMapOvr>
     <a:masterClrMapping/>
   </p:clrMapOvr>
+  <p:timing>
+    <p:tnLst>
+      <p:par>
+        <p:cTn xmlns:p14="http://schemas.microsoft.com/office/powerpoint/2010/main" id="1" dur="indefinite" restart="never" nodeType="tmRoot"/>
+      </p:par>
+    </p:tnLst>
+  </p:timing>
 </p:sld>
 </file>
 
 <file path=ppt/slides/slide11.xml><?xml version="1.0" encoding="utf-8"?>
-<p:sld xmlns:a="http://schemas.openxmlformats.org/drawingml/2006/main" xmlns:r="http://schemas.openxmlformats.org/officeDocument/2006/relationships" xmlns:p="http://schemas.openxmlformats.org/presentationml/2006/main">
-  <p:cSld>
-    <p:spTree>
-      <p:nvGrpSpPr>
-        <p:cNvPr id="1" name=""/>
-        <p:cNvGrpSpPr/>
-        <p:nvPr/>
-      </p:nvGrpSpPr>
-      <p:grpSpPr>
-        <a:xfrm>
-          <a:off x="0" y="0"/>
-          <a:ext cx="0" cy="0"/>
-          <a:chOff x="0" y="0"/>
-          <a:chExt cx="0" cy="0"/>
-        </a:xfrm>
-      </p:grpSpPr>
-      <p:sp>
-        <p:nvSpPr>
-          <p:cNvPr id="2" name="Title 1"/>
-          <p:cNvSpPr>
-            <a:spLocks noGrp="1"/>
-          </p:cNvSpPr>
-          <p:nvPr>
-            <p:ph type="title"/>
-          </p:nvPr>
-        </p:nvSpPr>
-        <p:spPr/>
-        <p:txBody>
-          <a:bodyPr/>
-          <a:lstStyle/>
-          <a:p>
-            <a:r>
-              <a:rPr lang="en-US" dirty="0" smtClean="0"/>
-              <a:t>Application to Practice</a:t>
-            </a:r>
-            <a:endParaRPr lang="en-US" dirty="0"/>
-          </a:p>
-        </p:txBody>
-      </p:sp>
-      <p:sp>
-        <p:nvSpPr>
-          <p:cNvPr id="3" name="Content Placeholder 2"/>
-          <p:cNvSpPr>
-            <a:spLocks noGrp="1"/>
-          </p:cNvSpPr>
-          <p:nvPr>
-            <p:ph idx="1"/>
-          </p:nvPr>
-        </p:nvSpPr>
-        <p:spPr/>
-        <p:txBody>
-          <a:bodyPr/>
-          <a:lstStyle/>
-          <a:p>
-            <a:r>
-              <a:rPr lang="en-US" dirty="0" smtClean="0"/>
-              <a:t>MODAL is a more robust way of analyzing schemas? </a:t>
-            </a:r>
-          </a:p>
-          <a:p>
-            <a:r>
-              <a:rPr lang="en-US" dirty="0" smtClean="0"/>
-              <a:t>That said, it’s not a magic bullet (because there is no magic bullet)</a:t>
-            </a:r>
-            <a:endParaRPr lang="en-US" dirty="0"/>
-          </a:p>
-        </p:txBody>
-      </p:sp>
-    </p:spTree>
-    <p:extLst>
-      <p:ext uri="{BB962C8B-B14F-4D97-AF65-F5344CB8AC3E}">
-        <p14:creationId xmlns:p14="http://schemas.microsoft.com/office/powerpoint/2010/main" val="912285991"/>
-      </p:ext>
-    </p:extLst>
-  </p:cSld>
-  <p:clrMapOvr>
-    <a:masterClrMapping/>
-  </p:clrMapOvr>
-</p:sld>
-</file>
-
-<file path=ppt/slides/slide12.xml><?xml version="1.0" encoding="utf-8"?>
-<p:sld xmlns:a="http://schemas.openxmlformats.org/drawingml/2006/main" xmlns:r="http://schemas.openxmlformats.org/officeDocument/2006/relationships" xmlns:p="http://schemas.openxmlformats.org/presentationml/2006/main">
-  <p:cSld>
-    <p:spTree>
-      <p:nvGrpSpPr>
-        <p:cNvPr id="1" name=""/>
-        <p:cNvGrpSpPr/>
-        <p:nvPr/>
-      </p:nvGrpSpPr>
-      <p:grpSpPr>
-        <a:xfrm>
-          <a:off x="0" y="0"/>
-          <a:ext cx="0" cy="0"/>
-          <a:chOff x="0" y="0"/>
-          <a:chExt cx="0" cy="0"/>
-        </a:xfrm>
-      </p:grpSpPr>
-      <p:sp>
-        <p:nvSpPr>
-          <p:cNvPr id="2" name="Title 1"/>
-          <p:cNvSpPr>
-            <a:spLocks noGrp="1"/>
-          </p:cNvSpPr>
-          <p:nvPr>
-            <p:ph type="title"/>
-          </p:nvPr>
-        </p:nvSpPr>
-        <p:spPr/>
-        <p:txBody>
-          <a:bodyPr>
-            <a:normAutofit fontScale="90000"/>
-          </a:bodyPr>
-          <a:lstStyle/>
-          <a:p>
-            <a:r>
-              <a:rPr lang="en-US" dirty="0" smtClean="0"/>
-              <a:t>Need to find some more resources on ACTUALLY PICKING SOMETHING</a:t>
-            </a:r>
-            <a:endParaRPr lang="en-US" dirty="0"/>
-          </a:p>
-        </p:txBody>
-      </p:sp>
-      <p:sp>
-        <p:nvSpPr>
-          <p:cNvPr id="3" name="Content Placeholder 2"/>
-          <p:cNvSpPr>
-            <a:spLocks noGrp="1"/>
-          </p:cNvSpPr>
-          <p:nvPr>
-            <p:ph idx="1"/>
-          </p:nvPr>
-        </p:nvSpPr>
-        <p:spPr/>
-        <p:txBody>
-          <a:bodyPr/>
-          <a:lstStyle/>
-          <a:p>
-            <a:endParaRPr lang="en-US"/>
-          </a:p>
-        </p:txBody>
-      </p:sp>
-    </p:spTree>
-    <p:extLst>
-      <p:ext uri="{BB962C8B-B14F-4D97-AF65-F5344CB8AC3E}">
-        <p14:creationId xmlns:p14="http://schemas.microsoft.com/office/powerpoint/2010/main" val="3278632672"/>
-      </p:ext>
-    </p:extLst>
-  </p:cSld>
-  <p:clrMapOvr>
-    <a:masterClrMapping/>
-  </p:clrMapOvr>
-</p:sld>
-</file>
-
-<file path=ppt/slides/slide13.xml><?xml version="1.0" encoding="utf-8"?>
 <p:sld xmlns:a="http://schemas.openxmlformats.org/drawingml/2006/main" xmlns:r="http://schemas.openxmlformats.org/officeDocument/2006/relationships" xmlns:p="http://schemas.openxmlformats.org/presentationml/2006/main">
   <p:cSld>
     <p:spTree>
@@ -5462,7 +5735,7 @@
 </p:sld>
 </file>
 
-<file path=ppt/slides/slide14.xml><?xml version="1.0" encoding="utf-8"?>
+<file path=ppt/slides/slide12.xml><?xml version="1.0" encoding="utf-8"?>
 <p:sld xmlns:a="http://schemas.openxmlformats.org/drawingml/2006/main" xmlns:r="http://schemas.openxmlformats.org/officeDocument/2006/relationships" xmlns:p="http://schemas.openxmlformats.org/presentationml/2006/main">
   <p:cSld>
     <p:spTree>
@@ -5497,120 +5770,10 @@
           <a:lstStyle/>
           <a:p>
             <a:r>
-              <a:rPr lang="en-US" dirty="0" smtClean="0"/>
-              <a:t>Avoid the </a:t>
-            </a:r>
-            <a:r>
-              <a:rPr lang="en-US" dirty="0" smtClean="0"/>
-              <a:t>Goldilocks </a:t>
-            </a:r>
-            <a:r>
-              <a:rPr lang="en-US" dirty="0" smtClean="0"/>
-              <a:t>problem</a:t>
-            </a:r>
-            <a:endParaRPr lang="en-US" dirty="0"/>
-          </a:p>
-        </p:txBody>
-      </p:sp>
-      <p:sp>
-        <p:nvSpPr>
-          <p:cNvPr id="3" name="Content Placeholder 2"/>
-          <p:cNvSpPr>
-            <a:spLocks noGrp="1"/>
-          </p:cNvSpPr>
-          <p:nvPr>
-            <p:ph idx="1"/>
-          </p:nvPr>
-        </p:nvSpPr>
-        <p:spPr/>
-        <p:txBody>
-          <a:bodyPr>
-            <a:normAutofit/>
-          </a:bodyPr>
-          <a:lstStyle/>
-          <a:p>
-            <a:r>
               <a:rPr lang="en-US" sz="3000" dirty="0" smtClean="0"/>
-              <a:t>Dublin Core is too sparse but MARC is too verbose!</a:t>
-            </a:r>
-          </a:p>
-          <a:p>
-            <a:endParaRPr lang="en-US" sz="3000" dirty="0" smtClean="0"/>
-          </a:p>
-          <a:p>
-            <a:r>
-              <a:rPr lang="en-US" sz="3000" dirty="0" smtClean="0"/>
-              <a:t>CDWA is too complicated but VRA Core doesn’t describe all my data!</a:t>
-            </a:r>
-          </a:p>
-          <a:p>
-            <a:endParaRPr lang="en-US" sz="3000" dirty="0" smtClean="0"/>
-          </a:p>
-          <a:p>
-            <a:r>
-              <a:rPr lang="en-US" sz="3000" dirty="0" err="1" smtClean="0"/>
-              <a:t>DarwinCore</a:t>
-            </a:r>
-            <a:r>
-              <a:rPr lang="en-US" sz="3000" dirty="0" smtClean="0"/>
-              <a:t> looks like it will work, but it doesn’t have a DTD!</a:t>
+              <a:t>Standards (and your ability to implement them) will always have limitations</a:t>
             </a:r>
             <a:endParaRPr lang="en-US" sz="3000" dirty="0"/>
-          </a:p>
-        </p:txBody>
-      </p:sp>
-    </p:spTree>
-    <p:extLst>
-      <p:ext uri="{BB962C8B-B14F-4D97-AF65-F5344CB8AC3E}">
-        <p14:creationId xmlns:p14="http://schemas.microsoft.com/office/powerpoint/2010/main" val="1062428975"/>
-      </p:ext>
-    </p:extLst>
-  </p:cSld>
-  <p:clrMapOvr>
-    <a:masterClrMapping/>
-  </p:clrMapOvr>
-</p:sld>
-</file>
-
-<file path=ppt/slides/slide15.xml><?xml version="1.0" encoding="utf-8"?>
-<p:sld xmlns:a="http://schemas.openxmlformats.org/drawingml/2006/main" xmlns:r="http://schemas.openxmlformats.org/officeDocument/2006/relationships" xmlns:p="http://schemas.openxmlformats.org/presentationml/2006/main">
-  <p:cSld>
-    <p:spTree>
-      <p:nvGrpSpPr>
-        <p:cNvPr id="1" name=""/>
-        <p:cNvGrpSpPr/>
-        <p:nvPr/>
-      </p:nvGrpSpPr>
-      <p:grpSpPr>
-        <a:xfrm>
-          <a:off x="0" y="0"/>
-          <a:ext cx="0" cy="0"/>
-          <a:chOff x="0" y="0"/>
-          <a:chExt cx="0" cy="0"/>
-        </a:xfrm>
-      </p:grpSpPr>
-      <p:sp>
-        <p:nvSpPr>
-          <p:cNvPr id="2" name="Title 1"/>
-          <p:cNvSpPr>
-            <a:spLocks noGrp="1"/>
-          </p:cNvSpPr>
-          <p:nvPr>
-            <p:ph type="title"/>
-          </p:nvPr>
-        </p:nvSpPr>
-        <p:spPr/>
-        <p:txBody>
-          <a:bodyPr>
-            <a:normAutofit fontScale="90000"/>
-          </a:bodyPr>
-          <a:lstStyle/>
-          <a:p>
-            <a:r>
-              <a:rPr lang="en-US" dirty="0" smtClean="0"/>
-              <a:t>Step 3: Understand that “good enough” is better than instead of “just right”</a:t>
-            </a:r>
-            <a:endParaRPr lang="en-US" dirty="0"/>
           </a:p>
         </p:txBody>
       </p:sp>
@@ -5651,15 +5814,6 @@
               <a:buNone/>
             </a:pPr>
             <a:endParaRPr lang="en-US" dirty="0"/>
-          </a:p>
-          <a:p>
-            <a:pPr marL="0" indent="0" algn="ctr">
-              <a:buNone/>
-            </a:pPr>
-            <a:r>
-              <a:rPr lang="en-US" dirty="0"/>
-              <a:t>Standards will always have limitations</a:t>
-            </a:r>
           </a:p>
           <a:p>
             <a:pPr marL="0" indent="0" algn="ctr">
@@ -5677,7 +5831,7 @@
         </p:nvCxnSpPr>
         <p:spPr>
           <a:xfrm>
-            <a:off x="2963477" y="2734378"/>
+            <a:off x="2698730" y="3636211"/>
             <a:ext cx="3475028" cy="0"/>
           </a:xfrm>
           <a:prstGeom prst="straightConnector1">
@@ -5711,8 +5865,8 @@
         </p:nvSpPr>
         <p:spPr>
           <a:xfrm>
-            <a:off x="862914" y="2411212"/>
-            <a:ext cx="1659569" cy="646331"/>
+            <a:off x="881322" y="3313045"/>
+            <a:ext cx="1659569" cy="369332"/>
           </a:xfrm>
           <a:prstGeom prst="rect">
             <a:avLst/>
@@ -5729,9 +5883,7 @@
               <a:rPr lang="en-US" dirty="0" smtClean="0"/>
               <a:t>Expressivity</a:t>
             </a:r>
-          </a:p>
-          <a:p>
-            <a:endParaRPr lang="en-US" dirty="0"/>
+            <a:endParaRPr lang="en-US" dirty="0" smtClean="0"/>
           </a:p>
         </p:txBody>
       </p:sp>
@@ -5743,8 +5895,8 @@
         </p:nvSpPr>
         <p:spPr>
           <a:xfrm>
-            <a:off x="6571832" y="2411212"/>
-            <a:ext cx="1659569" cy="646331"/>
+            <a:off x="6590240" y="3313259"/>
+            <a:ext cx="1659569" cy="369332"/>
           </a:xfrm>
           <a:prstGeom prst="rect">
             <a:avLst/>
@@ -5758,8 +5910,77 @@
           <a:lstStyle/>
           <a:p>
             <a:r>
-              <a:rPr lang="en-US" dirty="0" err="1" smtClean="0"/>
-              <a:t>Interoperablity</a:t>
+              <a:rPr lang="en-US" dirty="0" smtClean="0"/>
+              <a:t>Interoperability</a:t>
+            </a:r>
+            <a:endParaRPr lang="en-US" dirty="0" smtClean="0"/>
+          </a:p>
+        </p:txBody>
+      </p:sp>
+      <p:sp>
+        <p:nvSpPr>
+          <p:cNvPr id="10" name="TextBox 9"/>
+          <p:cNvSpPr txBox="1"/>
+          <p:nvPr/>
+        </p:nvSpPr>
+        <p:spPr>
+          <a:xfrm>
+            <a:off x="6329180" y="3862809"/>
+            <a:ext cx="2357620" cy="646331"/>
+          </a:xfrm>
+          <a:prstGeom prst="rect">
+            <a:avLst/>
+          </a:prstGeom>
+          <a:noFill/>
+        </p:spPr>
+        <p:txBody>
+          <a:bodyPr wrap="square" rtlCol="0">
+            <a:spAutoFit/>
+          </a:bodyPr>
+          <a:lstStyle/>
+          <a:p>
+            <a:pPr algn="ctr"/>
+            <a:r>
+              <a:rPr lang="en-US" dirty="0" smtClean="0"/>
+              <a:t>Community needs</a:t>
+            </a:r>
+            <a:endParaRPr lang="en-US" dirty="0" smtClean="0"/>
+          </a:p>
+          <a:p>
+            <a:endParaRPr lang="en-US" dirty="0"/>
+          </a:p>
+        </p:txBody>
+      </p:sp>
+      <p:sp>
+        <p:nvSpPr>
+          <p:cNvPr id="11" name="TextBox 10"/>
+          <p:cNvSpPr txBox="1"/>
+          <p:nvPr/>
+        </p:nvSpPr>
+        <p:spPr>
+          <a:xfrm>
+            <a:off x="457200" y="3862800"/>
+            <a:ext cx="2357620" cy="646331"/>
+          </a:xfrm>
+          <a:prstGeom prst="rect">
+            <a:avLst/>
+          </a:prstGeom>
+          <a:noFill/>
+        </p:spPr>
+        <p:txBody>
+          <a:bodyPr wrap="square" rtlCol="0">
+            <a:spAutoFit/>
+          </a:bodyPr>
+          <a:lstStyle/>
+          <a:p>
+            <a:pPr algn="ctr"/>
+            <a:r>
+              <a:rPr lang="en-US" dirty="0" smtClean="0"/>
+              <a:t>Loca</a:t>
+            </a:r>
+            <a:r>
+              <a:rPr lang="en-US" dirty="0" smtClean="0"/>
+              <a:t>l needs</a:t>
             </a:r>
             <a:endParaRPr lang="en-US" dirty="0" smtClean="0"/>
           </a:p>
@@ -5781,7 +6002,7 @@
 </p:sld>
 </file>
 
-<file path=ppt/slides/slide16.xml><?xml version="1.0" encoding="utf-8"?>
+<file path=ppt/slides/slide13.xml><?xml version="1.0" encoding="utf-8"?>
 <p:sld xmlns:a="http://schemas.openxmlformats.org/drawingml/2006/main" xmlns:r="http://schemas.openxmlformats.org/officeDocument/2006/relationships" xmlns:p="http://schemas.openxmlformats.org/presentationml/2006/main">
   <p:cSld>
     <p:spTree>
@@ -5901,7 +6122,7 @@
 </p:sld>
 </file>
 
-<file path=ppt/slides/slide17.xml><?xml version="1.0" encoding="utf-8"?>
+<file path=ppt/slides/slide14.xml><?xml version="1.0" encoding="utf-8"?>
 <p:sld xmlns:a="http://schemas.openxmlformats.org/drawingml/2006/main" xmlns:r="http://schemas.openxmlformats.org/officeDocument/2006/relationships" xmlns:p="http://schemas.openxmlformats.org/presentationml/2006/main">
   <p:cSld>
     <p:spTree>
@@ -5942,11 +6163,7 @@
           <a:p>
             <a:r>
               <a:rPr lang="en-US" b="1" dirty="0" smtClean="0"/>
-              <a:t>Metadata </a:t>
-            </a:r>
-            <a:r>
-              <a:rPr lang="en-US" b="1" dirty="0" smtClean="0"/>
-              <a:t>III: </a:t>
+              <a:t>Metadata III: </a:t>
             </a:r>
             <a:r>
               <a:rPr lang="en-US" b="1" dirty="0" err="1" smtClean="0"/>
@@ -6010,7 +6227,7 @@
 </p:sld>
 </file>
 
-<file path=ppt/slides/slide18.xml><?xml version="1.0" encoding="utf-8"?>
+<file path=ppt/slides/slide15.xml><?xml version="1.0" encoding="utf-8"?>
 <p:sld xmlns:a="http://schemas.openxmlformats.org/drawingml/2006/main" xmlns:r="http://schemas.openxmlformats.org/officeDocument/2006/relationships" xmlns:p="http://schemas.openxmlformats.org/presentationml/2006/main">
   <p:cSld>
     <p:spTree>
@@ -6059,7 +6276,7 @@
           <p:nvPr/>
         </p:nvPicPr>
         <p:blipFill>
-          <a:blip r:embed="rId2">
+          <a:blip r:embed="rId3">
             <a:extLst>
               <a:ext uri="{28A0092B-C50C-407E-A947-70E740481C1C}">
                 <a14:useLocalDpi xmlns:a14="http://schemas.microsoft.com/office/drawing/2010/main" val="0"/>
@@ -6100,7 +6317,7 @@
 </p:sld>
 </file>
 
-<file path=ppt/slides/slide19.xml><?xml version="1.0" encoding="utf-8"?>
+<file path=ppt/slides/slide16.xml><?xml version="1.0" encoding="utf-8"?>
 <p:sld xmlns:a="http://schemas.openxmlformats.org/drawingml/2006/main" xmlns:r="http://schemas.openxmlformats.org/officeDocument/2006/relationships" xmlns:p="http://schemas.openxmlformats.org/presentationml/2006/main">
   <p:cSld>
     <p:spTree>
@@ -6513,7 +6730,7 @@
 </p:sld>
 </file>
 
-<file path=ppt/slides/slide2.xml><?xml version="1.0" encoding="utf-8"?>
+<file path=ppt/slides/slide17.xml><?xml version="1.0" encoding="utf-8"?>
 <p:sld xmlns:a="http://schemas.openxmlformats.org/drawingml/2006/main" xmlns:r="http://schemas.openxmlformats.org/officeDocument/2006/relationships" xmlns:p="http://schemas.openxmlformats.org/presentationml/2006/main">
   <p:cSld>
     <p:spTree>
@@ -6530,141 +6747,136 @@
           <a:chExt cx="0" cy="0"/>
         </a:xfrm>
       </p:grpSpPr>
-      <p:pic>
-        <p:nvPicPr>
-          <p:cNvPr id="2" name="Picture 1" descr="seeingstandards.pdf"/>
-          <p:cNvPicPr>
-            <a:picLocks noChangeAspect="1"/>
-          </p:cNvPicPr>
-          <p:nvPr/>
-        </p:nvPicPr>
-        <p:blipFill>
-          <a:blip r:embed="rId2">
-            <a:extLst>
-              <a:ext uri="{28A0092B-C50C-407E-A947-70E740481C1C}">
-                <a14:useLocalDpi xmlns:a14="http://schemas.microsoft.com/office/drawing/2010/main" val="0"/>
-              </a:ext>
-            </a:extLst>
-          </a:blip>
-          <a:stretch>
-            <a:fillRect/>
-          </a:stretch>
-        </p:blipFill>
+      <p:sp>
+        <p:nvSpPr>
+          <p:cNvPr id="2" name="Title 1"/>
+          <p:cNvSpPr>
+            <a:spLocks noGrp="1"/>
+          </p:cNvSpPr>
+          <p:nvPr>
+            <p:ph type="title"/>
+          </p:nvPr>
+        </p:nvSpPr>
+        <p:spPr/>
+        <p:txBody>
+          <a:bodyPr>
+            <a:normAutofit/>
+          </a:bodyPr>
+          <a:lstStyle/>
+          <a:p>
+            <a:r>
+              <a:rPr lang="en-US" dirty="0" smtClean="0"/>
+              <a:t>Consider the following</a:t>
+            </a:r>
+            <a:endParaRPr lang="en-US" dirty="0"/>
+          </a:p>
+        </p:txBody>
+      </p:sp>
+      <p:sp>
+        <p:nvSpPr>
+          <p:cNvPr id="3" name="Content Placeholder 2"/>
+          <p:cNvSpPr>
+            <a:spLocks noGrp="1"/>
+          </p:cNvSpPr>
+          <p:nvPr>
+            <p:ph idx="1"/>
+          </p:nvPr>
+        </p:nvSpPr>
         <p:spPr>
           <a:xfrm>
-            <a:off x="0" y="2103271"/>
-            <a:ext cx="9144000" cy="3048000"/>
+            <a:off x="457199" y="1600200"/>
+            <a:ext cx="7974597" cy="1398797"/>
           </a:xfrm>
-          <a:prstGeom prst="rect">
-            <a:avLst/>
-          </a:prstGeom>
-        </p:spPr>
-      </p:pic>
-      <p:sp>
-        <p:nvSpPr>
-          <p:cNvPr id="3" name="Title 1"/>
-          <p:cNvSpPr txBox="1">
-            <a:spLocks/>
-          </p:cNvSpPr>
-          <p:nvPr/>
-        </p:nvSpPr>
-        <p:spPr>
-          <a:xfrm>
-            <a:off x="457200" y="274638"/>
-            <a:ext cx="8229600" cy="1143000"/>
-          </a:xfrm>
-          <a:prstGeom prst="rect">
-            <a:avLst/>
-          </a:prstGeom>
+          <a:ln>
+            <a:solidFill>
+              <a:srgbClr val="000000"/>
+            </a:solidFill>
+          </a:ln>
         </p:spPr>
         <p:txBody>
           <a:bodyPr>
             <a:noAutofit/>
           </a:bodyPr>
-          <a:lstStyle>
-            <a:lvl1pPr algn="ctr" defTabSz="457200" rtl="0" eaLnBrk="1" latinLnBrk="0" hangingPunct="1">
-              <a:spcBef>
-                <a:spcPct val="0"/>
-              </a:spcBef>
+          <a:lstStyle/>
+          <a:p>
+            <a:pPr marL="0" indent="0">
               <a:buNone/>
-              <a:defRPr sz="4400" kern="1200">
-                <a:solidFill>
-                  <a:schemeClr val="tx1"/>
-                </a:solidFill>
-                <a:latin typeface="+mj-lt"/>
-                <a:ea typeface="+mj-ea"/>
-                <a:cs typeface="+mj-cs"/>
-              </a:defRPr>
-            </a:lvl1pPr>
-          </a:lstStyle>
-          <a:p>
-            <a:r>
-              <a:rPr lang="en-US" sz="3600" dirty="0" smtClean="0"/>
-              <a:t>There are a LOT of different metadata schemas…</a:t>
-            </a:r>
-            <a:endParaRPr lang="en-US" sz="3600" i="1" dirty="0"/>
-          </a:p>
-        </p:txBody>
-      </p:sp>
-    </p:spTree>
-    <p:extLst>
-      <p:ext uri="{BB962C8B-B14F-4D97-AF65-F5344CB8AC3E}">
-        <p14:creationId xmlns:p14="http://schemas.microsoft.com/office/powerpoint/2010/main" val="298525638"/>
-      </p:ext>
-    </p:extLst>
-  </p:cSld>
-  <p:clrMapOvr>
-    <a:masterClrMapping/>
-  </p:clrMapOvr>
-  <p:timing>
-    <p:tnLst>
-      <p:par>
-        <p:cTn xmlns:p14="http://schemas.microsoft.com/office/powerpoint/2010/main" id="1" dur="indefinite" restart="never" nodeType="tmRoot"/>
-      </p:par>
-    </p:tnLst>
-  </p:timing>
-</p:sld>
-</file>
-
-<file path=ppt/slides/slide20.xml><?xml version="1.0" encoding="utf-8"?>
-<p:sld xmlns:a="http://schemas.openxmlformats.org/drawingml/2006/main" xmlns:r="http://schemas.openxmlformats.org/officeDocument/2006/relationships" xmlns:p="http://schemas.openxmlformats.org/presentationml/2006/main">
-  <p:cSld>
-    <p:spTree>
-      <p:nvGrpSpPr>
-        <p:cNvPr id="1" name=""/>
-        <p:cNvGrpSpPr/>
-        <p:nvPr/>
-      </p:nvGrpSpPr>
-      <p:grpSpPr>
-        <a:xfrm>
-          <a:off x="0" y="0"/>
-          <a:ext cx="0" cy="0"/>
-          <a:chOff x="0" y="0"/>
-          <a:chExt cx="0" cy="0"/>
-        </a:xfrm>
-      </p:grpSpPr>
-      <p:sp>
-        <p:nvSpPr>
-          <p:cNvPr id="2" name="Title 1"/>
-          <p:cNvSpPr>
-            <a:spLocks noGrp="1"/>
-          </p:cNvSpPr>
-          <p:nvPr>
-            <p:ph type="title"/>
-          </p:nvPr>
-        </p:nvSpPr>
-        <p:spPr/>
-        <p:txBody>
-          <a:bodyPr>
-            <a:normAutofit/>
-          </a:bodyPr>
-          <a:lstStyle/>
-          <a:p>
-            <a:r>
-              <a:rPr lang="en-US" dirty="0" smtClean="0"/>
-              <a:t>Consider the following</a:t>
-            </a:r>
-            <a:endParaRPr lang="en-US" dirty="0"/>
+            </a:pPr>
+            <a:r>
+              <a:rPr lang="en-US" sz="2400" dirty="0"/>
+              <a:t>100	a	Shakespeare, William   d   1564-</a:t>
+            </a:r>
+            <a:r>
+              <a:rPr lang="en-US" sz="2400" dirty="0" smtClean="0"/>
+              <a:t>1616</a:t>
+            </a:r>
+          </a:p>
+          <a:p>
+            <a:pPr marL="0" indent="0">
+              <a:buNone/>
+            </a:pPr>
+            <a:r>
+              <a:rPr lang="en-US" sz="2400" dirty="0" smtClean="0"/>
+              <a:t>245</a:t>
+            </a:r>
+            <a:r>
+              <a:rPr lang="en-US" sz="2400" dirty="0"/>
+              <a:t>	</a:t>
+            </a:r>
+            <a:r>
+              <a:rPr lang="en-US" sz="2400" dirty="0" smtClean="0"/>
+              <a:t>a</a:t>
+            </a:r>
+            <a:r>
+              <a:rPr lang="en-US" sz="2400" dirty="0"/>
+              <a:t>	</a:t>
+            </a:r>
+            <a:r>
+              <a:rPr lang="en-US" sz="2400" dirty="0" smtClean="0"/>
+              <a:t>The Tempest</a:t>
+            </a:r>
+            <a:r>
+              <a:rPr lang="en-US" sz="2400" dirty="0"/>
+              <a:t>	      </a:t>
+            </a:r>
+            <a:endParaRPr lang="en-US" sz="2400" dirty="0" smtClean="0"/>
+          </a:p>
+          <a:p>
+            <a:pPr marL="0" indent="0">
+              <a:buNone/>
+            </a:pPr>
+            <a:r>
+              <a:rPr lang="en-US" sz="2400" dirty="0" smtClean="0"/>
+              <a:t>260</a:t>
+            </a:r>
+            <a:r>
+              <a:rPr lang="en-US" sz="2400" dirty="0"/>
+              <a:t>	a	</a:t>
+            </a:r>
+            <a:r>
+              <a:rPr lang="en-US" sz="2400" dirty="0" smtClean="0"/>
+              <a:t>London: </a:t>
+            </a:r>
+            <a:r>
+              <a:rPr lang="en-US" sz="2400" dirty="0"/>
+              <a:t>b  </a:t>
+            </a:r>
+            <a:r>
+              <a:rPr lang="en-US" sz="2400" dirty="0" smtClean="0"/>
+              <a:t>Arden Shakespeare,   </a:t>
+            </a:r>
+            <a:r>
+              <a:rPr lang="en-US" sz="2400" dirty="0"/>
+              <a:t>c </a:t>
+            </a:r>
+            <a:r>
+              <a:rPr lang="en-US" sz="2400" dirty="0" smtClean="0"/>
+              <a:t>1999</a:t>
+            </a:r>
+            <a:r>
+              <a:rPr lang="en-US" sz="2400" dirty="0"/>
+              <a:t>	     </a:t>
+            </a:r>
           </a:p>
         </p:txBody>
       </p:sp>
@@ -6835,6 +7047,311 @@
           </a:p>
         </p:txBody>
       </p:sp>
+      <p:sp>
+        <p:nvSpPr>
+          <p:cNvPr id="7" name="Rectangle 6"/>
+          <p:cNvSpPr/>
+          <p:nvPr/>
+        </p:nvSpPr>
+        <p:spPr>
+          <a:xfrm>
+            <a:off x="457199" y="3752166"/>
+            <a:ext cx="8229601" cy="1569660"/>
+          </a:xfrm>
+          <a:prstGeom prst="rect">
+            <a:avLst/>
+          </a:prstGeom>
+          <a:ln>
+            <a:solidFill>
+              <a:srgbClr val="000000"/>
+            </a:solidFill>
+          </a:ln>
+        </p:spPr>
+        <p:txBody>
+          <a:bodyPr wrap="square">
+            <a:spAutoFit/>
+          </a:bodyPr>
+          <a:lstStyle/>
+          <a:p>
+            <a:r>
+              <a:rPr lang="en-US" sz="2400" dirty="0" smtClean="0"/>
+              <a:t>&lt;</a:t>
+            </a:r>
+            <a:r>
+              <a:rPr lang="en-US" sz="2400" dirty="0" err="1"/>
+              <a:t>dc:creator</a:t>
+            </a:r>
+            <a:r>
+              <a:rPr lang="en-US" sz="2400" dirty="0"/>
+              <a:t>&gt;Shakespeare, William, 1564-1616&lt;/&gt;</a:t>
+            </a:r>
+          </a:p>
+          <a:p>
+            <a:r>
+              <a:rPr lang="en-US" sz="2400" dirty="0" smtClean="0"/>
+              <a:t>&lt;</a:t>
+            </a:r>
+            <a:r>
+              <a:rPr lang="en-US" sz="2400" dirty="0" err="1"/>
+              <a:t>dc:title</a:t>
+            </a:r>
+            <a:r>
+              <a:rPr lang="en-US" sz="2400" dirty="0"/>
+              <a:t>&gt;Hamlet&lt;/&gt;</a:t>
+            </a:r>
+          </a:p>
+          <a:p>
+            <a:r>
+              <a:rPr lang="en-US" sz="2400" dirty="0" smtClean="0"/>
+              <a:t>&lt;</a:t>
+            </a:r>
+            <a:r>
+              <a:rPr lang="en-US" sz="2400" dirty="0" err="1"/>
+              <a:t>dc:publisher</a:t>
+            </a:r>
+            <a:r>
+              <a:rPr lang="en-US" sz="2400" dirty="0"/>
+              <a:t>&gt;Penguin Books&lt;/&gt;</a:t>
+            </a:r>
+          </a:p>
+          <a:p>
+            <a:r>
+              <a:rPr lang="en-US" sz="2400" dirty="0" smtClean="0"/>
+              <a:t>&lt;</a:t>
+            </a:r>
+            <a:r>
+              <a:rPr lang="en-US" sz="2400" dirty="0" err="1"/>
+              <a:t>dc:date</a:t>
+            </a:r>
+            <a:r>
+              <a:rPr lang="en-US" sz="2400" dirty="0"/>
+              <a:t>&gt;2003&lt;/&gt;</a:t>
+            </a:r>
+          </a:p>
+        </p:txBody>
+      </p:sp>
+    </p:spTree>
+    <p:extLst>
+      <p:ext uri="{BB962C8B-B14F-4D97-AF65-F5344CB8AC3E}">
+        <p14:creationId xmlns:p14="http://schemas.microsoft.com/office/powerpoint/2010/main" val="2725698964"/>
+      </p:ext>
+    </p:extLst>
+  </p:cSld>
+  <p:clrMapOvr>
+    <a:masterClrMapping/>
+  </p:clrMapOvr>
+</p:sld>
+</file>
+
+<file path=ppt/slides/slide18.xml><?xml version="1.0" encoding="utf-8"?>
+<p:sld xmlns:a="http://schemas.openxmlformats.org/drawingml/2006/main" xmlns:r="http://schemas.openxmlformats.org/officeDocument/2006/relationships" xmlns:p="http://schemas.openxmlformats.org/presentationml/2006/main">
+  <p:cSld>
+    <p:spTree>
+      <p:nvGrpSpPr>
+        <p:cNvPr id="1" name=""/>
+        <p:cNvGrpSpPr/>
+        <p:nvPr/>
+      </p:nvGrpSpPr>
+      <p:grpSpPr>
+        <a:xfrm>
+          <a:off x="0" y="0"/>
+          <a:ext cx="0" cy="0"/>
+          <a:chOff x="0" y="0"/>
+          <a:chExt cx="0" cy="0"/>
+        </a:xfrm>
+      </p:grpSpPr>
+      <p:sp>
+        <p:nvSpPr>
+          <p:cNvPr id="2" name="Title 1"/>
+          <p:cNvSpPr>
+            <a:spLocks noGrp="1"/>
+          </p:cNvSpPr>
+          <p:nvPr>
+            <p:ph type="title"/>
+          </p:nvPr>
+        </p:nvSpPr>
+        <p:spPr/>
+        <p:txBody>
+          <a:bodyPr>
+            <a:normAutofit/>
+          </a:bodyPr>
+          <a:lstStyle/>
+          <a:p>
+            <a:r>
+              <a:rPr lang="en-US" dirty="0" smtClean="0"/>
+              <a:t>Consider the following</a:t>
+            </a:r>
+            <a:endParaRPr lang="en-US" dirty="0"/>
+          </a:p>
+        </p:txBody>
+      </p:sp>
+      <p:sp>
+        <p:nvSpPr>
+          <p:cNvPr id="6" name="Content Placeholder 2"/>
+          <p:cNvSpPr txBox="1">
+            <a:spLocks/>
+          </p:cNvSpPr>
+          <p:nvPr/>
+        </p:nvSpPr>
+        <p:spPr>
+          <a:xfrm>
+            <a:off x="609599" y="3499075"/>
+            <a:ext cx="4129133" cy="851921"/>
+          </a:xfrm>
+          <a:prstGeom prst="rect">
+            <a:avLst/>
+          </a:prstGeom>
+        </p:spPr>
+        <p:txBody>
+          <a:bodyPr vert="horz" lIns="91440" tIns="45720" rIns="91440" bIns="45720" rtlCol="0">
+            <a:normAutofit/>
+          </a:bodyPr>
+          <a:lstStyle>
+            <a:lvl1pPr marL="342900" indent="-342900" algn="l" defTabSz="457200" rtl="0" eaLnBrk="1" latinLnBrk="0" hangingPunct="1">
+              <a:spcBef>
+                <a:spcPct val="20000"/>
+              </a:spcBef>
+              <a:buFont typeface="Arial"/>
+              <a:buChar char="•"/>
+              <a:defRPr sz="3200" kern="1200">
+                <a:solidFill>
+                  <a:schemeClr val="tx1"/>
+                </a:solidFill>
+                <a:latin typeface="+mn-lt"/>
+                <a:ea typeface="+mn-ea"/>
+                <a:cs typeface="+mn-cs"/>
+              </a:defRPr>
+            </a:lvl1pPr>
+            <a:lvl2pPr marL="742950" indent="-285750" algn="l" defTabSz="457200" rtl="0" eaLnBrk="1" latinLnBrk="0" hangingPunct="1">
+              <a:spcBef>
+                <a:spcPct val="20000"/>
+              </a:spcBef>
+              <a:buFont typeface="Arial"/>
+              <a:buChar char="–"/>
+              <a:defRPr sz="2800" kern="1200">
+                <a:solidFill>
+                  <a:schemeClr val="tx1"/>
+                </a:solidFill>
+                <a:latin typeface="+mn-lt"/>
+                <a:ea typeface="+mn-ea"/>
+                <a:cs typeface="+mn-cs"/>
+              </a:defRPr>
+            </a:lvl2pPr>
+            <a:lvl3pPr marL="1143000" indent="-228600" algn="l" defTabSz="457200" rtl="0" eaLnBrk="1" latinLnBrk="0" hangingPunct="1">
+              <a:spcBef>
+                <a:spcPct val="20000"/>
+              </a:spcBef>
+              <a:buFont typeface="Arial"/>
+              <a:buChar char="•"/>
+              <a:defRPr sz="2400" kern="1200">
+                <a:solidFill>
+                  <a:schemeClr val="tx1"/>
+                </a:solidFill>
+                <a:latin typeface="+mn-lt"/>
+                <a:ea typeface="+mn-ea"/>
+                <a:cs typeface="+mn-cs"/>
+              </a:defRPr>
+            </a:lvl3pPr>
+            <a:lvl4pPr marL="1600200" indent="-228600" algn="l" defTabSz="457200" rtl="0" eaLnBrk="1" latinLnBrk="0" hangingPunct="1">
+              <a:spcBef>
+                <a:spcPct val="20000"/>
+              </a:spcBef>
+              <a:buFont typeface="Arial"/>
+              <a:buChar char="–"/>
+              <a:defRPr sz="2000" kern="1200">
+                <a:solidFill>
+                  <a:schemeClr val="tx1"/>
+                </a:solidFill>
+                <a:latin typeface="+mn-lt"/>
+                <a:ea typeface="+mn-ea"/>
+                <a:cs typeface="+mn-cs"/>
+              </a:defRPr>
+            </a:lvl4pPr>
+            <a:lvl5pPr marL="2057400" indent="-228600" algn="l" defTabSz="457200" rtl="0" eaLnBrk="1" latinLnBrk="0" hangingPunct="1">
+              <a:spcBef>
+                <a:spcPct val="20000"/>
+              </a:spcBef>
+              <a:buFont typeface="Arial"/>
+              <a:buChar char="»"/>
+              <a:defRPr sz="2000" kern="1200">
+                <a:solidFill>
+                  <a:schemeClr val="tx1"/>
+                </a:solidFill>
+                <a:latin typeface="+mn-lt"/>
+                <a:ea typeface="+mn-ea"/>
+                <a:cs typeface="+mn-cs"/>
+              </a:defRPr>
+            </a:lvl5pPr>
+            <a:lvl6pPr marL="2514600" indent="-228600" algn="l" defTabSz="457200" rtl="0" eaLnBrk="1" latinLnBrk="0" hangingPunct="1">
+              <a:spcBef>
+                <a:spcPct val="20000"/>
+              </a:spcBef>
+              <a:buFont typeface="Arial"/>
+              <a:buChar char="•"/>
+              <a:defRPr sz="2000" kern="1200">
+                <a:solidFill>
+                  <a:schemeClr val="tx1"/>
+                </a:solidFill>
+                <a:latin typeface="+mn-lt"/>
+                <a:ea typeface="+mn-ea"/>
+                <a:cs typeface="+mn-cs"/>
+              </a:defRPr>
+            </a:lvl6pPr>
+            <a:lvl7pPr marL="2971800" indent="-228600" algn="l" defTabSz="457200" rtl="0" eaLnBrk="1" latinLnBrk="0" hangingPunct="1">
+              <a:spcBef>
+                <a:spcPct val="20000"/>
+              </a:spcBef>
+              <a:buFont typeface="Arial"/>
+              <a:buChar char="•"/>
+              <a:defRPr sz="2000" kern="1200">
+                <a:solidFill>
+                  <a:schemeClr val="tx1"/>
+                </a:solidFill>
+                <a:latin typeface="+mn-lt"/>
+                <a:ea typeface="+mn-ea"/>
+                <a:cs typeface="+mn-cs"/>
+              </a:defRPr>
+            </a:lvl7pPr>
+            <a:lvl8pPr marL="3429000" indent="-228600" algn="l" defTabSz="457200" rtl="0" eaLnBrk="1" latinLnBrk="0" hangingPunct="1">
+              <a:spcBef>
+                <a:spcPct val="20000"/>
+              </a:spcBef>
+              <a:buFont typeface="Arial"/>
+              <a:buChar char="•"/>
+              <a:defRPr sz="2000" kern="1200">
+                <a:solidFill>
+                  <a:schemeClr val="tx1"/>
+                </a:solidFill>
+                <a:latin typeface="+mn-lt"/>
+                <a:ea typeface="+mn-ea"/>
+                <a:cs typeface="+mn-cs"/>
+              </a:defRPr>
+            </a:lvl8pPr>
+            <a:lvl9pPr marL="3886200" indent="-228600" algn="l" defTabSz="457200" rtl="0" eaLnBrk="1" latinLnBrk="0" hangingPunct="1">
+              <a:spcBef>
+                <a:spcPct val="20000"/>
+              </a:spcBef>
+              <a:buFont typeface="Arial"/>
+              <a:buChar char="•"/>
+              <a:defRPr sz="2000" kern="1200">
+                <a:solidFill>
+                  <a:schemeClr val="tx1"/>
+                </a:solidFill>
+                <a:latin typeface="+mn-lt"/>
+                <a:ea typeface="+mn-ea"/>
+                <a:cs typeface="+mn-cs"/>
+              </a:defRPr>
+            </a:lvl9pPr>
+          </a:lstStyle>
+          <a:p>
+            <a:pPr marL="0" indent="0">
+              <a:buFont typeface="Arial"/>
+              <a:buNone/>
+            </a:pPr>
+            <a:endParaRPr lang="en-US" sz="1200" dirty="0"/>
+          </a:p>
+        </p:txBody>
+      </p:sp>
       <p:pic>
         <p:nvPicPr>
           <p:cNvPr id="8" name="Picture 7" descr="ICOADSRDA.tiff"/>
@@ -6943,6 +7460,563 @@
 </p:sld>
 </file>
 
+<file path=ppt/slides/slide19.xml><?xml version="1.0" encoding="utf-8"?>
+<p:sld xmlns:a="http://schemas.openxmlformats.org/drawingml/2006/main" xmlns:r="http://schemas.openxmlformats.org/officeDocument/2006/relationships" xmlns:p="http://schemas.openxmlformats.org/presentationml/2006/main">
+  <p:cSld>
+    <p:spTree>
+      <p:nvGrpSpPr>
+        <p:cNvPr id="1" name=""/>
+        <p:cNvGrpSpPr/>
+        <p:nvPr/>
+      </p:nvGrpSpPr>
+      <p:grpSpPr>
+        <a:xfrm>
+          <a:off x="0" y="0"/>
+          <a:ext cx="0" cy="0"/>
+          <a:chOff x="0" y="0"/>
+          <a:chExt cx="0" cy="0"/>
+        </a:xfrm>
+      </p:grpSpPr>
+      <p:sp>
+        <p:nvSpPr>
+          <p:cNvPr id="2" name="Title 1"/>
+          <p:cNvSpPr>
+            <a:spLocks noGrp="1"/>
+          </p:cNvSpPr>
+          <p:nvPr>
+            <p:ph type="title"/>
+          </p:nvPr>
+        </p:nvSpPr>
+        <p:spPr/>
+        <p:txBody>
+          <a:bodyPr>
+            <a:normAutofit/>
+          </a:bodyPr>
+          <a:lstStyle/>
+          <a:p>
+            <a:r>
+              <a:rPr lang="en-US" dirty="0" smtClean="0"/>
+              <a:t>RDA ICOADS record</a:t>
+            </a:r>
+            <a:endParaRPr lang="en-US" dirty="0"/>
+          </a:p>
+        </p:txBody>
+      </p:sp>
+      <p:sp>
+        <p:nvSpPr>
+          <p:cNvPr id="6" name="Content Placeholder 2"/>
+          <p:cNvSpPr txBox="1">
+            <a:spLocks/>
+          </p:cNvSpPr>
+          <p:nvPr/>
+        </p:nvSpPr>
+        <p:spPr>
+          <a:xfrm>
+            <a:off x="609599" y="3499075"/>
+            <a:ext cx="4129133" cy="851921"/>
+          </a:xfrm>
+          <a:prstGeom prst="rect">
+            <a:avLst/>
+          </a:prstGeom>
+        </p:spPr>
+        <p:txBody>
+          <a:bodyPr vert="horz" lIns="91440" tIns="45720" rIns="91440" bIns="45720" rtlCol="0">
+            <a:normAutofit/>
+          </a:bodyPr>
+          <a:lstStyle>
+            <a:lvl1pPr marL="342900" indent="-342900" algn="l" defTabSz="457200" rtl="0" eaLnBrk="1" latinLnBrk="0" hangingPunct="1">
+              <a:spcBef>
+                <a:spcPct val="20000"/>
+              </a:spcBef>
+              <a:buFont typeface="Arial"/>
+              <a:buChar char="•"/>
+              <a:defRPr sz="3200" kern="1200">
+                <a:solidFill>
+                  <a:schemeClr val="tx1"/>
+                </a:solidFill>
+                <a:latin typeface="+mn-lt"/>
+                <a:ea typeface="+mn-ea"/>
+                <a:cs typeface="+mn-cs"/>
+              </a:defRPr>
+            </a:lvl1pPr>
+            <a:lvl2pPr marL="742950" indent="-285750" algn="l" defTabSz="457200" rtl="0" eaLnBrk="1" latinLnBrk="0" hangingPunct="1">
+              <a:spcBef>
+                <a:spcPct val="20000"/>
+              </a:spcBef>
+              <a:buFont typeface="Arial"/>
+              <a:buChar char="–"/>
+              <a:defRPr sz="2800" kern="1200">
+                <a:solidFill>
+                  <a:schemeClr val="tx1"/>
+                </a:solidFill>
+                <a:latin typeface="+mn-lt"/>
+                <a:ea typeface="+mn-ea"/>
+                <a:cs typeface="+mn-cs"/>
+              </a:defRPr>
+            </a:lvl2pPr>
+            <a:lvl3pPr marL="1143000" indent="-228600" algn="l" defTabSz="457200" rtl="0" eaLnBrk="1" latinLnBrk="0" hangingPunct="1">
+              <a:spcBef>
+                <a:spcPct val="20000"/>
+              </a:spcBef>
+              <a:buFont typeface="Arial"/>
+              <a:buChar char="•"/>
+              <a:defRPr sz="2400" kern="1200">
+                <a:solidFill>
+                  <a:schemeClr val="tx1"/>
+                </a:solidFill>
+                <a:latin typeface="+mn-lt"/>
+                <a:ea typeface="+mn-ea"/>
+                <a:cs typeface="+mn-cs"/>
+              </a:defRPr>
+            </a:lvl3pPr>
+            <a:lvl4pPr marL="1600200" indent="-228600" algn="l" defTabSz="457200" rtl="0" eaLnBrk="1" latinLnBrk="0" hangingPunct="1">
+              <a:spcBef>
+                <a:spcPct val="20000"/>
+              </a:spcBef>
+              <a:buFont typeface="Arial"/>
+              <a:buChar char="–"/>
+              <a:defRPr sz="2000" kern="1200">
+                <a:solidFill>
+                  <a:schemeClr val="tx1"/>
+                </a:solidFill>
+                <a:latin typeface="+mn-lt"/>
+                <a:ea typeface="+mn-ea"/>
+                <a:cs typeface="+mn-cs"/>
+              </a:defRPr>
+            </a:lvl4pPr>
+            <a:lvl5pPr marL="2057400" indent="-228600" algn="l" defTabSz="457200" rtl="0" eaLnBrk="1" latinLnBrk="0" hangingPunct="1">
+              <a:spcBef>
+                <a:spcPct val="20000"/>
+              </a:spcBef>
+              <a:buFont typeface="Arial"/>
+              <a:buChar char="»"/>
+              <a:defRPr sz="2000" kern="1200">
+                <a:solidFill>
+                  <a:schemeClr val="tx1"/>
+                </a:solidFill>
+                <a:latin typeface="+mn-lt"/>
+                <a:ea typeface="+mn-ea"/>
+                <a:cs typeface="+mn-cs"/>
+              </a:defRPr>
+            </a:lvl5pPr>
+            <a:lvl6pPr marL="2514600" indent="-228600" algn="l" defTabSz="457200" rtl="0" eaLnBrk="1" latinLnBrk="0" hangingPunct="1">
+              <a:spcBef>
+                <a:spcPct val="20000"/>
+              </a:spcBef>
+              <a:buFont typeface="Arial"/>
+              <a:buChar char="•"/>
+              <a:defRPr sz="2000" kern="1200">
+                <a:solidFill>
+                  <a:schemeClr val="tx1"/>
+                </a:solidFill>
+                <a:latin typeface="+mn-lt"/>
+                <a:ea typeface="+mn-ea"/>
+                <a:cs typeface="+mn-cs"/>
+              </a:defRPr>
+            </a:lvl6pPr>
+            <a:lvl7pPr marL="2971800" indent="-228600" algn="l" defTabSz="457200" rtl="0" eaLnBrk="1" latinLnBrk="0" hangingPunct="1">
+              <a:spcBef>
+                <a:spcPct val="20000"/>
+              </a:spcBef>
+              <a:buFont typeface="Arial"/>
+              <a:buChar char="•"/>
+              <a:defRPr sz="2000" kern="1200">
+                <a:solidFill>
+                  <a:schemeClr val="tx1"/>
+                </a:solidFill>
+                <a:latin typeface="+mn-lt"/>
+                <a:ea typeface="+mn-ea"/>
+                <a:cs typeface="+mn-cs"/>
+              </a:defRPr>
+            </a:lvl7pPr>
+            <a:lvl8pPr marL="3429000" indent="-228600" algn="l" defTabSz="457200" rtl="0" eaLnBrk="1" latinLnBrk="0" hangingPunct="1">
+              <a:spcBef>
+                <a:spcPct val="20000"/>
+              </a:spcBef>
+              <a:buFont typeface="Arial"/>
+              <a:buChar char="•"/>
+              <a:defRPr sz="2000" kern="1200">
+                <a:solidFill>
+                  <a:schemeClr val="tx1"/>
+                </a:solidFill>
+                <a:latin typeface="+mn-lt"/>
+                <a:ea typeface="+mn-ea"/>
+                <a:cs typeface="+mn-cs"/>
+              </a:defRPr>
+            </a:lvl8pPr>
+            <a:lvl9pPr marL="3886200" indent="-228600" algn="l" defTabSz="457200" rtl="0" eaLnBrk="1" latinLnBrk="0" hangingPunct="1">
+              <a:spcBef>
+                <a:spcPct val="20000"/>
+              </a:spcBef>
+              <a:buFont typeface="Arial"/>
+              <a:buChar char="•"/>
+              <a:defRPr sz="2000" kern="1200">
+                <a:solidFill>
+                  <a:schemeClr val="tx1"/>
+                </a:solidFill>
+                <a:latin typeface="+mn-lt"/>
+                <a:ea typeface="+mn-ea"/>
+                <a:cs typeface="+mn-cs"/>
+              </a:defRPr>
+            </a:lvl9pPr>
+          </a:lstStyle>
+          <a:p>
+            <a:pPr marL="0" indent="0">
+              <a:buFont typeface="Arial"/>
+              <a:buNone/>
+            </a:pPr>
+            <a:endParaRPr lang="en-US" sz="1200" dirty="0"/>
+          </a:p>
+        </p:txBody>
+      </p:sp>
+    </p:spTree>
+    <p:extLst>
+      <p:ext uri="{BB962C8B-B14F-4D97-AF65-F5344CB8AC3E}">
+        <p14:creationId xmlns:p14="http://schemas.microsoft.com/office/powerpoint/2010/main" val="3868167453"/>
+      </p:ext>
+    </p:extLst>
+  </p:cSld>
+  <p:clrMapOvr>
+    <a:masterClrMapping/>
+  </p:clrMapOvr>
+</p:sld>
+</file>
+
+<file path=ppt/slides/slide2.xml><?xml version="1.0" encoding="utf-8"?>
+<p:sld xmlns:a="http://schemas.openxmlformats.org/drawingml/2006/main" xmlns:r="http://schemas.openxmlformats.org/officeDocument/2006/relationships" xmlns:p="http://schemas.openxmlformats.org/presentationml/2006/main">
+  <p:cSld>
+    <p:spTree>
+      <p:nvGrpSpPr>
+        <p:cNvPr id="1" name=""/>
+        <p:cNvGrpSpPr/>
+        <p:nvPr/>
+      </p:nvGrpSpPr>
+      <p:grpSpPr>
+        <a:xfrm>
+          <a:off x="0" y="0"/>
+          <a:ext cx="0" cy="0"/>
+          <a:chOff x="0" y="0"/>
+          <a:chExt cx="0" cy="0"/>
+        </a:xfrm>
+      </p:grpSpPr>
+      <p:pic>
+        <p:nvPicPr>
+          <p:cNvPr id="2" name="Picture 1" descr="seeingstandards.pdf"/>
+          <p:cNvPicPr>
+            <a:picLocks noChangeAspect="1"/>
+          </p:cNvPicPr>
+          <p:nvPr/>
+        </p:nvPicPr>
+        <p:blipFill>
+          <a:blip r:embed="rId2">
+            <a:extLst>
+              <a:ext uri="{28A0092B-C50C-407E-A947-70E740481C1C}">
+                <a14:useLocalDpi xmlns:a14="http://schemas.microsoft.com/office/drawing/2010/main" val="0"/>
+              </a:ext>
+            </a:extLst>
+          </a:blip>
+          <a:stretch>
+            <a:fillRect/>
+          </a:stretch>
+        </p:blipFill>
+        <p:spPr>
+          <a:xfrm>
+            <a:off x="0" y="2103271"/>
+            <a:ext cx="9144000" cy="3048000"/>
+          </a:xfrm>
+          <a:prstGeom prst="rect">
+            <a:avLst/>
+          </a:prstGeom>
+        </p:spPr>
+      </p:pic>
+      <p:sp>
+        <p:nvSpPr>
+          <p:cNvPr id="3" name="Title 1"/>
+          <p:cNvSpPr txBox="1">
+            <a:spLocks/>
+          </p:cNvSpPr>
+          <p:nvPr/>
+        </p:nvSpPr>
+        <p:spPr>
+          <a:xfrm>
+            <a:off x="457200" y="274638"/>
+            <a:ext cx="8229600" cy="1143000"/>
+          </a:xfrm>
+          <a:prstGeom prst="rect">
+            <a:avLst/>
+          </a:prstGeom>
+        </p:spPr>
+        <p:txBody>
+          <a:bodyPr>
+            <a:noAutofit/>
+          </a:bodyPr>
+          <a:lstStyle>
+            <a:lvl1pPr algn="ctr" defTabSz="457200" rtl="0" eaLnBrk="1" latinLnBrk="0" hangingPunct="1">
+              <a:spcBef>
+                <a:spcPct val="0"/>
+              </a:spcBef>
+              <a:buNone/>
+              <a:defRPr sz="4400" kern="1200">
+                <a:solidFill>
+                  <a:schemeClr val="tx1"/>
+                </a:solidFill>
+                <a:latin typeface="+mj-lt"/>
+                <a:ea typeface="+mj-ea"/>
+                <a:cs typeface="+mj-cs"/>
+              </a:defRPr>
+            </a:lvl1pPr>
+          </a:lstStyle>
+          <a:p>
+            <a:r>
+              <a:rPr lang="en-US" sz="3600" dirty="0" smtClean="0"/>
+              <a:t>“The great thing about standards is that there’s so many of them”</a:t>
+            </a:r>
+            <a:endParaRPr lang="en-US" sz="3600" i="1" dirty="0"/>
+          </a:p>
+        </p:txBody>
+      </p:sp>
+    </p:spTree>
+    <p:extLst>
+      <p:ext uri="{BB962C8B-B14F-4D97-AF65-F5344CB8AC3E}">
+        <p14:creationId xmlns:p14="http://schemas.microsoft.com/office/powerpoint/2010/main" val="298525638"/>
+      </p:ext>
+    </p:extLst>
+  </p:cSld>
+  <p:clrMapOvr>
+    <a:masterClrMapping/>
+  </p:clrMapOvr>
+  <p:timing>
+    <p:tnLst>
+      <p:par>
+        <p:cTn xmlns:p14="http://schemas.microsoft.com/office/powerpoint/2010/main" id="1" dur="indefinite" restart="never" nodeType="tmRoot"/>
+      </p:par>
+    </p:tnLst>
+  </p:timing>
+</p:sld>
+</file>
+
+<file path=ppt/slides/slide20.xml><?xml version="1.0" encoding="utf-8"?>
+<p:sld xmlns:a="http://schemas.openxmlformats.org/drawingml/2006/main" xmlns:r="http://schemas.openxmlformats.org/officeDocument/2006/relationships" xmlns:p="http://schemas.openxmlformats.org/presentationml/2006/main">
+  <p:cSld>
+    <p:spTree>
+      <p:nvGrpSpPr>
+        <p:cNvPr id="1" name=""/>
+        <p:cNvGrpSpPr/>
+        <p:nvPr/>
+      </p:nvGrpSpPr>
+      <p:grpSpPr>
+        <a:xfrm>
+          <a:off x="0" y="0"/>
+          <a:ext cx="0" cy="0"/>
+          <a:chOff x="0" y="0"/>
+          <a:chExt cx="0" cy="0"/>
+        </a:xfrm>
+      </p:grpSpPr>
+      <p:sp>
+        <p:nvSpPr>
+          <p:cNvPr id="2" name="Title 1"/>
+          <p:cNvSpPr>
+            <a:spLocks noGrp="1"/>
+          </p:cNvSpPr>
+          <p:nvPr>
+            <p:ph type="title"/>
+          </p:nvPr>
+        </p:nvSpPr>
+        <p:spPr/>
+        <p:txBody>
+          <a:bodyPr>
+            <a:normAutofit/>
+          </a:bodyPr>
+          <a:lstStyle/>
+          <a:p>
+            <a:r>
+              <a:rPr lang="en-US" dirty="0" smtClean="0"/>
+              <a:t>GCMD ICOADS record</a:t>
+            </a:r>
+            <a:endParaRPr lang="en-US" dirty="0"/>
+          </a:p>
+        </p:txBody>
+      </p:sp>
+      <p:sp>
+        <p:nvSpPr>
+          <p:cNvPr id="6" name="Content Placeholder 2"/>
+          <p:cNvSpPr txBox="1">
+            <a:spLocks/>
+          </p:cNvSpPr>
+          <p:nvPr/>
+        </p:nvSpPr>
+        <p:spPr>
+          <a:xfrm>
+            <a:off x="609599" y="3499075"/>
+            <a:ext cx="4129133" cy="851921"/>
+          </a:xfrm>
+          <a:prstGeom prst="rect">
+            <a:avLst/>
+          </a:prstGeom>
+        </p:spPr>
+        <p:txBody>
+          <a:bodyPr vert="horz" lIns="91440" tIns="45720" rIns="91440" bIns="45720" rtlCol="0">
+            <a:normAutofit/>
+          </a:bodyPr>
+          <a:lstStyle>
+            <a:lvl1pPr marL="342900" indent="-342900" algn="l" defTabSz="457200" rtl="0" eaLnBrk="1" latinLnBrk="0" hangingPunct="1">
+              <a:spcBef>
+                <a:spcPct val="20000"/>
+              </a:spcBef>
+              <a:buFont typeface="Arial"/>
+              <a:buChar char="•"/>
+              <a:defRPr sz="3200" kern="1200">
+                <a:solidFill>
+                  <a:schemeClr val="tx1"/>
+                </a:solidFill>
+                <a:latin typeface="+mn-lt"/>
+                <a:ea typeface="+mn-ea"/>
+                <a:cs typeface="+mn-cs"/>
+              </a:defRPr>
+            </a:lvl1pPr>
+            <a:lvl2pPr marL="742950" indent="-285750" algn="l" defTabSz="457200" rtl="0" eaLnBrk="1" latinLnBrk="0" hangingPunct="1">
+              <a:spcBef>
+                <a:spcPct val="20000"/>
+              </a:spcBef>
+              <a:buFont typeface="Arial"/>
+              <a:buChar char="–"/>
+              <a:defRPr sz="2800" kern="1200">
+                <a:solidFill>
+                  <a:schemeClr val="tx1"/>
+                </a:solidFill>
+                <a:latin typeface="+mn-lt"/>
+                <a:ea typeface="+mn-ea"/>
+                <a:cs typeface="+mn-cs"/>
+              </a:defRPr>
+            </a:lvl2pPr>
+            <a:lvl3pPr marL="1143000" indent="-228600" algn="l" defTabSz="457200" rtl="0" eaLnBrk="1" latinLnBrk="0" hangingPunct="1">
+              <a:spcBef>
+                <a:spcPct val="20000"/>
+              </a:spcBef>
+              <a:buFont typeface="Arial"/>
+              <a:buChar char="•"/>
+              <a:defRPr sz="2400" kern="1200">
+                <a:solidFill>
+                  <a:schemeClr val="tx1"/>
+                </a:solidFill>
+                <a:latin typeface="+mn-lt"/>
+                <a:ea typeface="+mn-ea"/>
+                <a:cs typeface="+mn-cs"/>
+              </a:defRPr>
+            </a:lvl3pPr>
+            <a:lvl4pPr marL="1600200" indent="-228600" algn="l" defTabSz="457200" rtl="0" eaLnBrk="1" latinLnBrk="0" hangingPunct="1">
+              <a:spcBef>
+                <a:spcPct val="20000"/>
+              </a:spcBef>
+              <a:buFont typeface="Arial"/>
+              <a:buChar char="–"/>
+              <a:defRPr sz="2000" kern="1200">
+                <a:solidFill>
+                  <a:schemeClr val="tx1"/>
+                </a:solidFill>
+                <a:latin typeface="+mn-lt"/>
+                <a:ea typeface="+mn-ea"/>
+                <a:cs typeface="+mn-cs"/>
+              </a:defRPr>
+            </a:lvl4pPr>
+            <a:lvl5pPr marL="2057400" indent="-228600" algn="l" defTabSz="457200" rtl="0" eaLnBrk="1" latinLnBrk="0" hangingPunct="1">
+              <a:spcBef>
+                <a:spcPct val="20000"/>
+              </a:spcBef>
+              <a:buFont typeface="Arial"/>
+              <a:buChar char="»"/>
+              <a:defRPr sz="2000" kern="1200">
+                <a:solidFill>
+                  <a:schemeClr val="tx1"/>
+                </a:solidFill>
+                <a:latin typeface="+mn-lt"/>
+                <a:ea typeface="+mn-ea"/>
+                <a:cs typeface="+mn-cs"/>
+              </a:defRPr>
+            </a:lvl5pPr>
+            <a:lvl6pPr marL="2514600" indent="-228600" algn="l" defTabSz="457200" rtl="0" eaLnBrk="1" latinLnBrk="0" hangingPunct="1">
+              <a:spcBef>
+                <a:spcPct val="20000"/>
+              </a:spcBef>
+              <a:buFont typeface="Arial"/>
+              <a:buChar char="•"/>
+              <a:defRPr sz="2000" kern="1200">
+                <a:solidFill>
+                  <a:schemeClr val="tx1"/>
+                </a:solidFill>
+                <a:latin typeface="+mn-lt"/>
+                <a:ea typeface="+mn-ea"/>
+                <a:cs typeface="+mn-cs"/>
+              </a:defRPr>
+            </a:lvl6pPr>
+            <a:lvl7pPr marL="2971800" indent="-228600" algn="l" defTabSz="457200" rtl="0" eaLnBrk="1" latinLnBrk="0" hangingPunct="1">
+              <a:spcBef>
+                <a:spcPct val="20000"/>
+              </a:spcBef>
+              <a:buFont typeface="Arial"/>
+              <a:buChar char="•"/>
+              <a:defRPr sz="2000" kern="1200">
+                <a:solidFill>
+                  <a:schemeClr val="tx1"/>
+                </a:solidFill>
+                <a:latin typeface="+mn-lt"/>
+                <a:ea typeface="+mn-ea"/>
+                <a:cs typeface="+mn-cs"/>
+              </a:defRPr>
+            </a:lvl7pPr>
+            <a:lvl8pPr marL="3429000" indent="-228600" algn="l" defTabSz="457200" rtl="0" eaLnBrk="1" latinLnBrk="0" hangingPunct="1">
+              <a:spcBef>
+                <a:spcPct val="20000"/>
+              </a:spcBef>
+              <a:buFont typeface="Arial"/>
+              <a:buChar char="•"/>
+              <a:defRPr sz="2000" kern="1200">
+                <a:solidFill>
+                  <a:schemeClr val="tx1"/>
+                </a:solidFill>
+                <a:latin typeface="+mn-lt"/>
+                <a:ea typeface="+mn-ea"/>
+                <a:cs typeface="+mn-cs"/>
+              </a:defRPr>
+            </a:lvl8pPr>
+            <a:lvl9pPr marL="3886200" indent="-228600" algn="l" defTabSz="457200" rtl="0" eaLnBrk="1" latinLnBrk="0" hangingPunct="1">
+              <a:spcBef>
+                <a:spcPct val="20000"/>
+              </a:spcBef>
+              <a:buFont typeface="Arial"/>
+              <a:buChar char="•"/>
+              <a:defRPr sz="2000" kern="1200">
+                <a:solidFill>
+                  <a:schemeClr val="tx1"/>
+                </a:solidFill>
+                <a:latin typeface="+mn-lt"/>
+                <a:ea typeface="+mn-ea"/>
+                <a:cs typeface="+mn-cs"/>
+              </a:defRPr>
+            </a:lvl9pPr>
+          </a:lstStyle>
+          <a:p>
+            <a:pPr marL="0" indent="0">
+              <a:buFont typeface="Arial"/>
+              <a:buNone/>
+            </a:pPr>
+            <a:endParaRPr lang="en-US" sz="1200" dirty="0"/>
+          </a:p>
+        </p:txBody>
+      </p:sp>
+    </p:spTree>
+    <p:extLst>
+      <p:ext uri="{BB962C8B-B14F-4D97-AF65-F5344CB8AC3E}">
+        <p14:creationId xmlns:p14="http://schemas.microsoft.com/office/powerpoint/2010/main" val="1705260732"/>
+      </p:ext>
+    </p:extLst>
+  </p:cSld>
+  <p:clrMapOvr>
+    <a:masterClrMapping/>
+  </p:clrMapOvr>
+</p:sld>
+</file>
+
 <file path=ppt/slides/slide21.xml><?xml version="1.0" encoding="utf-8"?>
 <p:sld xmlns:a="http://schemas.openxmlformats.org/drawingml/2006/main" xmlns:r="http://schemas.openxmlformats.org/officeDocument/2006/relationships" xmlns:p="http://schemas.openxmlformats.org/presentationml/2006/main">
   <p:cSld>
@@ -7183,10 +8257,6 @@
           <a:bodyPr/>
           <a:lstStyle/>
           <a:p>
-            <a:r>
-              <a:rPr lang="en-US" dirty="0" smtClean="0"/>
-              <a:t>But there’s hope</a:t>
-            </a:r>
             <a:endParaRPr lang="en-US" dirty="0"/>
           </a:p>
         </p:txBody>
@@ -7310,120 +8380,6 @@
 </file>
 
 <file path=ppt/slides/slide24.xml><?xml version="1.0" encoding="utf-8"?>
-<p:sld xmlns:a="http://schemas.openxmlformats.org/drawingml/2006/main" xmlns:r="http://schemas.openxmlformats.org/officeDocument/2006/relationships" xmlns:p="http://schemas.openxmlformats.org/presentationml/2006/main">
-  <p:cSld>
-    <p:spTree>
-      <p:nvGrpSpPr>
-        <p:cNvPr id="1" name=""/>
-        <p:cNvGrpSpPr/>
-        <p:nvPr/>
-      </p:nvGrpSpPr>
-      <p:grpSpPr>
-        <a:xfrm>
-          <a:off x="0" y="0"/>
-          <a:ext cx="0" cy="0"/>
-          <a:chOff x="0" y="0"/>
-          <a:chExt cx="0" cy="0"/>
-        </a:xfrm>
-      </p:grpSpPr>
-      <p:sp>
-        <p:nvSpPr>
-          <p:cNvPr id="2" name="Title 1"/>
-          <p:cNvSpPr>
-            <a:spLocks noGrp="1"/>
-          </p:cNvSpPr>
-          <p:nvPr>
-            <p:ph type="title"/>
-          </p:nvPr>
-        </p:nvSpPr>
-        <p:spPr/>
-        <p:txBody>
-          <a:bodyPr/>
-          <a:lstStyle/>
-          <a:p>
-            <a:r>
-              <a:rPr lang="en-US" dirty="0" err="1" smtClean="0"/>
-              <a:t>Crosswalking</a:t>
-            </a:r>
-            <a:endParaRPr lang="en-US" dirty="0"/>
-          </a:p>
-        </p:txBody>
-      </p:sp>
-      <p:sp>
-        <p:nvSpPr>
-          <p:cNvPr id="3" name="Content Placeholder 2"/>
-          <p:cNvSpPr>
-            <a:spLocks noGrp="1"/>
-          </p:cNvSpPr>
-          <p:nvPr>
-            <p:ph idx="1"/>
-          </p:nvPr>
-        </p:nvSpPr>
-        <p:spPr>
-          <a:xfrm>
-            <a:off x="4551053" y="1600201"/>
-            <a:ext cx="3986581" cy="4062612"/>
-          </a:xfrm>
-        </p:spPr>
-        <p:txBody>
-          <a:bodyPr/>
-          <a:lstStyle/>
-          <a:p>
-            <a:endParaRPr lang="en-US" dirty="0"/>
-          </a:p>
-        </p:txBody>
-      </p:sp>
-      <p:pic>
-        <p:nvPicPr>
-          <p:cNvPr id="5" name="Picture 4" descr="imgres.jpg"/>
-          <p:cNvPicPr>
-            <a:picLocks noChangeAspect="1"/>
-          </p:cNvPicPr>
-          <p:nvPr/>
-        </p:nvPicPr>
-        <p:blipFill>
-          <a:blip r:embed="rId2">
-            <a:extLst>
-              <a:ext uri="{28A0092B-C50C-407E-A947-70E740481C1C}">
-                <a14:useLocalDpi xmlns:a14="http://schemas.microsoft.com/office/drawing/2010/main" val="0"/>
-              </a:ext>
-            </a:extLst>
-          </a:blip>
-          <a:stretch>
-            <a:fillRect/>
-          </a:stretch>
-        </p:blipFill>
-        <p:spPr>
-          <a:xfrm>
-            <a:off x="568061" y="1842643"/>
-            <a:ext cx="2959887" cy="3551865"/>
-          </a:xfrm>
-          <a:prstGeom prst="rect">
-            <a:avLst/>
-          </a:prstGeom>
-        </p:spPr>
-      </p:pic>
-    </p:spTree>
-    <p:extLst>
-      <p:ext uri="{BB962C8B-B14F-4D97-AF65-F5344CB8AC3E}">
-        <p14:creationId xmlns:p14="http://schemas.microsoft.com/office/powerpoint/2010/main" val="3104686356"/>
-      </p:ext>
-    </p:extLst>
-  </p:cSld>
-  <p:clrMapOvr>
-    <a:masterClrMapping/>
-  </p:clrMapOvr>
-  <p:timing>
-    <p:tnLst>
-      <p:par>
-        <p:cTn xmlns:p14="http://schemas.microsoft.com/office/powerpoint/2010/main" id="1" dur="indefinite" restart="never" nodeType="tmRoot"/>
-      </p:par>
-    </p:tnLst>
-  </p:timing>
-</p:sld>
-</file>
-
-<file path=ppt/slides/slide25.xml><?xml version="1.0" encoding="utf-8"?>
 <p:sld xmlns:a="http://schemas.openxmlformats.org/drawingml/2006/main" xmlns:r="http://schemas.openxmlformats.org/officeDocument/2006/relationships" xmlns:p="http://schemas.openxmlformats.org/presentationml/2006/main">
   <p:cSld>
     <p:spTree>
@@ -7483,6 +8439,120 @@
 </p:sld>
 </file>
 
+<file path=ppt/slides/slide25.xml><?xml version="1.0" encoding="utf-8"?>
+<p:sld xmlns:a="http://schemas.openxmlformats.org/drawingml/2006/main" xmlns:r="http://schemas.openxmlformats.org/officeDocument/2006/relationships" xmlns:p="http://schemas.openxmlformats.org/presentationml/2006/main">
+  <p:cSld>
+    <p:spTree>
+      <p:nvGrpSpPr>
+        <p:cNvPr id="1" name=""/>
+        <p:cNvGrpSpPr/>
+        <p:nvPr/>
+      </p:nvGrpSpPr>
+      <p:grpSpPr>
+        <a:xfrm>
+          <a:off x="0" y="0"/>
+          <a:ext cx="0" cy="0"/>
+          <a:chOff x="0" y="0"/>
+          <a:chExt cx="0" cy="0"/>
+        </a:xfrm>
+      </p:grpSpPr>
+      <p:sp>
+        <p:nvSpPr>
+          <p:cNvPr id="2" name="Title 1"/>
+          <p:cNvSpPr>
+            <a:spLocks noGrp="1"/>
+          </p:cNvSpPr>
+          <p:nvPr>
+            <p:ph type="title"/>
+          </p:nvPr>
+        </p:nvSpPr>
+        <p:spPr/>
+        <p:txBody>
+          <a:bodyPr/>
+          <a:lstStyle/>
+          <a:p>
+            <a:r>
+              <a:rPr lang="en-US" dirty="0" err="1" smtClean="0"/>
+              <a:t>Crosswalking</a:t>
+            </a:r>
+            <a:endParaRPr lang="en-US" dirty="0"/>
+          </a:p>
+        </p:txBody>
+      </p:sp>
+      <p:sp>
+        <p:nvSpPr>
+          <p:cNvPr id="3" name="Content Placeholder 2"/>
+          <p:cNvSpPr>
+            <a:spLocks noGrp="1"/>
+          </p:cNvSpPr>
+          <p:nvPr>
+            <p:ph idx="1"/>
+          </p:nvPr>
+        </p:nvSpPr>
+        <p:spPr>
+          <a:xfrm>
+            <a:off x="4551053" y="1600201"/>
+            <a:ext cx="3986581" cy="4062612"/>
+          </a:xfrm>
+        </p:spPr>
+        <p:txBody>
+          <a:bodyPr/>
+          <a:lstStyle/>
+          <a:p>
+            <a:endParaRPr lang="en-US" dirty="0"/>
+          </a:p>
+        </p:txBody>
+      </p:sp>
+      <p:pic>
+        <p:nvPicPr>
+          <p:cNvPr id="5" name="Picture 4" descr="imgres.jpg"/>
+          <p:cNvPicPr>
+            <a:picLocks noChangeAspect="1"/>
+          </p:cNvPicPr>
+          <p:nvPr/>
+        </p:nvPicPr>
+        <p:blipFill>
+          <a:blip r:embed="rId2">
+            <a:extLst>
+              <a:ext uri="{28A0092B-C50C-407E-A947-70E740481C1C}">
+                <a14:useLocalDpi xmlns:a14="http://schemas.microsoft.com/office/drawing/2010/main" val="0"/>
+              </a:ext>
+            </a:extLst>
+          </a:blip>
+          <a:stretch>
+            <a:fillRect/>
+          </a:stretch>
+        </p:blipFill>
+        <p:spPr>
+          <a:xfrm>
+            <a:off x="568061" y="1842643"/>
+            <a:ext cx="2959887" cy="3551865"/>
+          </a:xfrm>
+          <a:prstGeom prst="rect">
+            <a:avLst/>
+          </a:prstGeom>
+        </p:spPr>
+      </p:pic>
+    </p:spTree>
+    <p:extLst>
+      <p:ext uri="{BB962C8B-B14F-4D97-AF65-F5344CB8AC3E}">
+        <p14:creationId xmlns:p14="http://schemas.microsoft.com/office/powerpoint/2010/main" val="3104686356"/>
+      </p:ext>
+    </p:extLst>
+  </p:cSld>
+  <p:clrMapOvr>
+    <a:masterClrMapping/>
+  </p:clrMapOvr>
+  <p:timing>
+    <p:tnLst>
+      <p:par>
+        <p:cTn xmlns:p14="http://schemas.microsoft.com/office/powerpoint/2010/main" id="1" dur="indefinite" restart="never" nodeType="tmRoot"/>
+      </p:par>
+    </p:tnLst>
+  </p:timing>
+</p:sld>
+</file>
+
 <file path=ppt/slides/slide26.xml><?xml version="1.0" encoding="utf-8"?>
 <p:sld xmlns:a="http://schemas.openxmlformats.org/drawingml/2006/main" xmlns:r="http://schemas.openxmlformats.org/officeDocument/2006/relationships" xmlns:p="http://schemas.openxmlformats.org/presentationml/2006/main">
   <p:cSld>
@@ -7560,6 +8630,96 @@
           </a:p>
         </p:txBody>
       </p:sp>
+    </p:spTree>
+    <p:extLst>
+      <p:ext uri="{BB962C8B-B14F-4D97-AF65-F5344CB8AC3E}">
+        <p14:creationId xmlns:p14="http://schemas.microsoft.com/office/powerpoint/2010/main" val="1052552331"/>
+      </p:ext>
+    </p:extLst>
+  </p:cSld>
+  <p:clrMapOvr>
+    <a:masterClrMapping/>
+  </p:clrMapOvr>
+</p:sld>
+</file>
+
+<file path=ppt/slides/slide27.xml><?xml version="1.0" encoding="utf-8"?>
+<p:sld xmlns:a="http://schemas.openxmlformats.org/drawingml/2006/main" xmlns:r="http://schemas.openxmlformats.org/officeDocument/2006/relationships" xmlns:p="http://schemas.openxmlformats.org/presentationml/2006/main">
+  <p:cSld>
+    <p:spTree>
+      <p:nvGrpSpPr>
+        <p:cNvPr id="1" name=""/>
+        <p:cNvGrpSpPr/>
+        <p:nvPr/>
+      </p:nvGrpSpPr>
+      <p:grpSpPr>
+        <a:xfrm>
+          <a:off x="0" y="0"/>
+          <a:ext cx="0" cy="0"/>
+          <a:chOff x="0" y="0"/>
+          <a:chExt cx="0" cy="0"/>
+        </a:xfrm>
+      </p:grpSpPr>
+      <p:pic>
+        <p:nvPicPr>
+          <p:cNvPr id="4" name="Picture 3" descr="Greenberg2005.tiff"/>
+          <p:cNvPicPr>
+            <a:picLocks noChangeAspect="1"/>
+          </p:cNvPicPr>
+          <p:nvPr/>
+        </p:nvPicPr>
+        <p:blipFill>
+          <a:blip r:embed="rId3">
+            <a:extLst>
+              <a:ext uri="{28A0092B-C50C-407E-A947-70E740481C1C}">
+                <a14:useLocalDpi xmlns:a14="http://schemas.microsoft.com/office/drawing/2010/main" val="0"/>
+              </a:ext>
+            </a:extLst>
+          </a:blip>
+          <a:stretch>
+            <a:fillRect/>
+          </a:stretch>
+        </p:blipFill>
+        <p:spPr>
+          <a:xfrm>
+            <a:off x="282209" y="386278"/>
+            <a:ext cx="8499211" cy="4787814"/>
+          </a:xfrm>
+          <a:prstGeom prst="rect">
+            <a:avLst/>
+          </a:prstGeom>
+        </p:spPr>
+      </p:pic>
+      <p:sp>
+        <p:nvSpPr>
+          <p:cNvPr id="5" name="TextBox 4"/>
+          <p:cNvSpPr txBox="1"/>
+          <p:nvPr/>
+        </p:nvSpPr>
+        <p:spPr>
+          <a:xfrm>
+            <a:off x="5150556" y="5194248"/>
+            <a:ext cx="3499555" cy="379641"/>
+          </a:xfrm>
+          <a:prstGeom prst="rect">
+            <a:avLst/>
+          </a:prstGeom>
+          <a:noFill/>
+        </p:spPr>
+        <p:txBody>
+          <a:bodyPr wrap="square" rtlCol="0">
+            <a:spAutoFit/>
+          </a:bodyPr>
+          <a:lstStyle/>
+          <a:p>
+            <a:r>
+              <a:rPr lang="en-US" dirty="0" smtClean="0"/>
+              <a:t>From Greenberg, 2005</a:t>
+            </a:r>
+            <a:endParaRPr lang="en-US" dirty="0"/>
+          </a:p>
+        </p:txBody>
+      </p:sp>
       <p:sp>
         <p:nvSpPr>
           <p:cNvPr id="2" name="TextBox 1"/>
@@ -7603,6 +8763,276 @@
     <p:extLst>
       <p:ext uri="{BB962C8B-B14F-4D97-AF65-F5344CB8AC3E}">
         <p14:creationId xmlns:p14="http://schemas.microsoft.com/office/powerpoint/2010/main" val="2604942078"/>
+      </p:ext>
+    </p:extLst>
+  </p:cSld>
+  <p:clrMapOvr>
+    <a:masterClrMapping/>
+  </p:clrMapOvr>
+</p:sld>
+</file>
+
+<file path=ppt/slides/slide28.xml><?xml version="1.0" encoding="utf-8"?>
+<p:sld xmlns:a="http://schemas.openxmlformats.org/drawingml/2006/main" xmlns:r="http://schemas.openxmlformats.org/officeDocument/2006/relationships" xmlns:p="http://schemas.openxmlformats.org/presentationml/2006/main">
+  <p:cSld>
+    <p:spTree>
+      <p:nvGrpSpPr>
+        <p:cNvPr id="1" name=""/>
+        <p:cNvGrpSpPr/>
+        <p:nvPr/>
+      </p:nvGrpSpPr>
+      <p:grpSpPr>
+        <a:xfrm>
+          <a:off x="0" y="0"/>
+          <a:ext cx="0" cy="0"/>
+          <a:chOff x="0" y="0"/>
+          <a:chExt cx="0" cy="0"/>
+        </a:xfrm>
+      </p:grpSpPr>
+      <p:sp>
+        <p:nvSpPr>
+          <p:cNvPr id="2" name="Title 1"/>
+          <p:cNvSpPr>
+            <a:spLocks noGrp="1"/>
+          </p:cNvSpPr>
+          <p:nvPr>
+            <p:ph type="title"/>
+          </p:nvPr>
+        </p:nvSpPr>
+        <p:spPr/>
+        <p:txBody>
+          <a:bodyPr/>
+          <a:lstStyle/>
+          <a:p>
+            <a:r>
+              <a:rPr lang="en-US" dirty="0" smtClean="0"/>
+              <a:t>The MODAL framework</a:t>
+            </a:r>
+            <a:endParaRPr lang="en-US" dirty="0"/>
+          </a:p>
+        </p:txBody>
+      </p:sp>
+      <p:sp>
+        <p:nvSpPr>
+          <p:cNvPr id="3" name="Content Placeholder 2"/>
+          <p:cNvSpPr>
+            <a:spLocks noGrp="1"/>
+          </p:cNvSpPr>
+          <p:nvPr>
+            <p:ph idx="1"/>
+          </p:nvPr>
+        </p:nvSpPr>
+        <p:spPr/>
+        <p:txBody>
+          <a:bodyPr/>
+          <a:lstStyle/>
+          <a:p>
+            <a:r>
+              <a:rPr lang="en-US" dirty="0" smtClean="0"/>
+              <a:t>Developed by Jane Greenberg (Drexel)</a:t>
+            </a:r>
+          </a:p>
+          <a:p>
+            <a:r>
+              <a:rPr lang="en-US" dirty="0"/>
+              <a:t>Conceptual framework for </a:t>
+            </a:r>
+            <a:r>
+              <a:rPr lang="en-US" dirty="0" smtClean="0"/>
+              <a:t>analyzing </a:t>
+            </a:r>
+            <a:r>
+              <a:rPr lang="en-US" b="1" u="sng" dirty="0" smtClean="0"/>
+              <a:t>M</a:t>
+            </a:r>
+            <a:r>
+              <a:rPr lang="en-US" dirty="0" smtClean="0"/>
+              <a:t>etadata </a:t>
+            </a:r>
+            <a:r>
+              <a:rPr lang="en-US" b="1" u="sng" dirty="0" smtClean="0"/>
+              <a:t>O</a:t>
+            </a:r>
+            <a:r>
+              <a:rPr lang="en-US" dirty="0" smtClean="0"/>
+              <a:t>bjectives and principles, </a:t>
+            </a:r>
+            <a:r>
+              <a:rPr lang="en-US" b="1" u="sng" dirty="0" smtClean="0"/>
+              <a:t>D</a:t>
+            </a:r>
+            <a:r>
+              <a:rPr lang="en-US" dirty="0" smtClean="0"/>
+              <a:t>omain, and </a:t>
+            </a:r>
+            <a:r>
+              <a:rPr lang="en-US" b="1" u="sng" dirty="0" smtClean="0"/>
+              <a:t>A</a:t>
+            </a:r>
+            <a:r>
+              <a:rPr lang="en-US" dirty="0" smtClean="0"/>
+              <a:t>rchitectural </a:t>
+            </a:r>
+            <a:r>
+              <a:rPr lang="en-US" b="1" u="sng" dirty="0" smtClean="0"/>
+              <a:t>L</a:t>
+            </a:r>
+            <a:r>
+              <a:rPr lang="en-US" dirty="0" smtClean="0"/>
+              <a:t>ayout</a:t>
+            </a:r>
+          </a:p>
+          <a:p>
+            <a:r>
+              <a:rPr lang="en-US" dirty="0" smtClean="0"/>
+              <a:t>2005 paper establishes framework, Willis, Greenberg &amp; White apply it to scientific data schemas in 2012</a:t>
+            </a:r>
+            <a:endParaRPr lang="en-US" dirty="0"/>
+          </a:p>
+        </p:txBody>
+      </p:sp>
+    </p:spTree>
+    <p:extLst>
+      <p:ext uri="{BB962C8B-B14F-4D97-AF65-F5344CB8AC3E}">
+        <p14:creationId xmlns:p14="http://schemas.microsoft.com/office/powerpoint/2010/main" val="3021850292"/>
+      </p:ext>
+    </p:extLst>
+  </p:cSld>
+  <p:clrMapOvr>
+    <a:masterClrMapping/>
+  </p:clrMapOvr>
+</p:sld>
+</file>
+
+<file path=ppt/slides/slide29.xml><?xml version="1.0" encoding="utf-8"?>
+<p:sld xmlns:a="http://schemas.openxmlformats.org/drawingml/2006/main" xmlns:r="http://schemas.openxmlformats.org/officeDocument/2006/relationships" xmlns:p="http://schemas.openxmlformats.org/presentationml/2006/main">
+  <p:cSld>
+    <p:spTree>
+      <p:nvGrpSpPr>
+        <p:cNvPr id="1" name=""/>
+        <p:cNvGrpSpPr/>
+        <p:nvPr/>
+      </p:nvGrpSpPr>
+      <p:grpSpPr>
+        <a:xfrm>
+          <a:off x="0" y="0"/>
+          <a:ext cx="0" cy="0"/>
+          <a:chOff x="0" y="0"/>
+          <a:chExt cx="0" cy="0"/>
+        </a:xfrm>
+      </p:grpSpPr>
+      <p:sp>
+        <p:nvSpPr>
+          <p:cNvPr id="2" name="Title 1"/>
+          <p:cNvSpPr>
+            <a:spLocks noGrp="1"/>
+          </p:cNvSpPr>
+          <p:nvPr>
+            <p:ph type="title"/>
+          </p:nvPr>
+        </p:nvSpPr>
+        <p:spPr/>
+        <p:txBody>
+          <a:bodyPr/>
+          <a:lstStyle/>
+          <a:p>
+            <a:r>
+              <a:rPr lang="en-US" dirty="0" smtClean="0"/>
+              <a:t>MODAL applied</a:t>
+            </a:r>
+            <a:endParaRPr lang="en-US" dirty="0"/>
+          </a:p>
+        </p:txBody>
+      </p:sp>
+      <p:sp>
+        <p:nvSpPr>
+          <p:cNvPr id="3" name="Content Placeholder 2"/>
+          <p:cNvSpPr>
+            <a:spLocks noGrp="1"/>
+          </p:cNvSpPr>
+          <p:nvPr>
+            <p:ph idx="1"/>
+          </p:nvPr>
+        </p:nvSpPr>
+        <p:spPr/>
+        <p:txBody>
+          <a:bodyPr/>
+          <a:lstStyle/>
+          <a:p>
+            <a:pPr marL="0" indent="0">
+              <a:buNone/>
+            </a:pPr>
+            <a:r>
+              <a:rPr lang="en-US" dirty="0" smtClean="0"/>
+              <a:t>Research questions:</a:t>
+            </a:r>
+          </a:p>
+          <a:p>
+            <a:pPr marL="914400" lvl="1" indent="-514350">
+              <a:buFont typeface="+mj-lt"/>
+              <a:buAutoNum type="arabicPeriod"/>
+            </a:pPr>
+            <a:r>
+              <a:rPr lang="en-US" dirty="0" smtClean="0"/>
+              <a:t>What </a:t>
+            </a:r>
+            <a:r>
+              <a:rPr lang="en-US" dirty="0"/>
+              <a:t>is the scope of scientific metadata schemes? </a:t>
+            </a:r>
+            <a:endParaRPr lang="en-US" dirty="0" smtClean="0"/>
+          </a:p>
+          <a:p>
+            <a:pPr marL="914400" lvl="1" indent="-514350">
+              <a:buFont typeface="+mj-lt"/>
+              <a:buAutoNum type="arabicPeriod"/>
+            </a:pPr>
+            <a:r>
+              <a:rPr lang="en-US" dirty="0" smtClean="0"/>
+              <a:t>What </a:t>
+            </a:r>
+            <a:r>
+              <a:rPr lang="en-US" dirty="0"/>
+              <a:t>are the similarities and differences between </a:t>
+            </a:r>
+            <a:r>
+              <a:rPr lang="en-US" dirty="0" smtClean="0"/>
+              <a:t>scientific </a:t>
+            </a:r>
+            <a:r>
+              <a:rPr lang="en-US" dirty="0"/>
+              <a:t>metadata schemes</a:t>
+            </a:r>
+            <a:r>
+              <a:rPr lang="en-US" dirty="0" smtClean="0"/>
+              <a:t>?</a:t>
+            </a:r>
+          </a:p>
+          <a:p>
+            <a:pPr marL="914400" lvl="1" indent="-514350">
+              <a:buFont typeface="+mj-lt"/>
+              <a:buAutoNum type="arabicPeriod"/>
+            </a:pPr>
+            <a:r>
+              <a:rPr lang="en-US" dirty="0" smtClean="0"/>
+              <a:t>What </a:t>
+            </a:r>
+            <a:r>
+              <a:rPr lang="en-US" dirty="0"/>
+              <a:t>may be the fundamental requirements of metadata schemes for scientific data</a:t>
+            </a:r>
+            <a:r>
+              <a:rPr lang="en-US" dirty="0" smtClean="0"/>
+              <a:t>?</a:t>
+            </a:r>
+            <a:endParaRPr lang="en-US" dirty="0"/>
+          </a:p>
+        </p:txBody>
+      </p:sp>
+    </p:spTree>
+    <p:extLst>
+      <p:ext uri="{BB962C8B-B14F-4D97-AF65-F5344CB8AC3E}">
+        <p14:creationId xmlns:p14="http://schemas.microsoft.com/office/powerpoint/2010/main" val="1282088194"/>
       </p:ext>
     </p:extLst>
   </p:cSld>
@@ -7735,7 +9165,11 @@
           <a:p>
             <a:r>
               <a:rPr lang="en-US" sz="3600" dirty="0" smtClean="0"/>
-              <a:t>And yet… </a:t>
+              <a:t>And </a:t>
+            </a:r>
+            <a:r>
+              <a:rPr lang="en-US" sz="3600" dirty="0" smtClean="0"/>
+              <a:t>yet </a:t>
             </a:r>
             <a:endParaRPr lang="en-US" sz="3600" i="1" dirty="0"/>
           </a:p>
@@ -7790,47 +9224,67 @@
         </p:nvSpPr>
         <p:spPr/>
         <p:txBody>
+          <a:bodyPr>
+            <a:normAutofit fontScale="90000"/>
+          </a:bodyPr>
+          <a:lstStyle/>
+          <a:p>
+            <a:r>
+              <a:rPr lang="en-US" dirty="0" smtClean="0"/>
+              <a:t>Understanding needs before selecting standards</a:t>
+            </a:r>
+            <a:endParaRPr lang="en-US" dirty="0"/>
+          </a:p>
+        </p:txBody>
+      </p:sp>
+      <p:sp>
+        <p:nvSpPr>
+          <p:cNvPr id="3" name="Content Placeholder 2"/>
+          <p:cNvSpPr>
+            <a:spLocks noGrp="1"/>
+          </p:cNvSpPr>
+          <p:nvPr>
+            <p:ph idx="1"/>
+          </p:nvPr>
+        </p:nvSpPr>
+        <p:spPr/>
+        <p:txBody>
           <a:bodyPr/>
           <a:lstStyle/>
           <a:p>
             <a:r>
               <a:rPr lang="en-US" dirty="0" smtClean="0"/>
-              <a:t>But there is hope	</a:t>
-            </a:r>
-            <a:endParaRPr lang="en-US" dirty="0"/>
-          </a:p>
-        </p:txBody>
-      </p:sp>
-      <p:sp>
-        <p:nvSpPr>
-          <p:cNvPr id="3" name="Content Placeholder 2"/>
-          <p:cNvSpPr>
-            <a:spLocks noGrp="1"/>
-          </p:cNvSpPr>
-          <p:nvPr>
-            <p:ph idx="1"/>
-          </p:nvPr>
-        </p:nvSpPr>
-        <p:spPr/>
-        <p:txBody>
-          <a:bodyPr/>
-          <a:lstStyle/>
-          <a:p>
+              <a:t>Before </a:t>
+            </a:r>
+            <a:r>
+              <a:rPr lang="en-US" dirty="0"/>
+              <a:t>looking at schemas, </a:t>
+            </a:r>
             <a:r>
               <a:rPr lang="en-US" dirty="0" smtClean="0"/>
-              <a:t>Clearly articulating your and your users’ needs can help you better clarify what you need out of a schema</a:t>
-            </a:r>
-          </a:p>
-          <a:p>
-            <a:endParaRPr lang="en-US" dirty="0"/>
+              <a:t>articulate the </a:t>
+            </a:r>
+            <a:r>
+              <a:rPr lang="en-US" dirty="0"/>
+              <a:t>specificities of your repository and your users</a:t>
+            </a:r>
+          </a:p>
+          <a:p>
+            <a:endParaRPr lang="en-US" dirty="0" smtClean="0"/>
           </a:p>
           <a:p>
             <a:r>
               <a:rPr lang="en-US" dirty="0" smtClean="0"/>
-              <a:t>And understanding the strengths vs. limitations of a schema will help you decide which to use, or adapt</a:t>
-            </a:r>
-          </a:p>
-          <a:p>
+              <a:t>What are </a:t>
+            </a:r>
+            <a:r>
+              <a:rPr lang="en-US" i="1" dirty="0" smtClean="0"/>
+              <a:t>your</a:t>
+            </a:r>
+            <a:r>
+              <a:rPr lang="en-US" dirty="0" smtClean="0"/>
+              <a:t> needs?  What are the practical constraints of your work?</a:t>
+            </a:r>
             <a:endParaRPr lang="en-US" dirty="0"/>
           </a:p>
         </p:txBody>
@@ -7891,15 +9345,7 @@
           <a:p>
             <a:r>
               <a:rPr lang="en-US" sz="3600" dirty="0" smtClean="0"/>
-              <a:t>Step 1: Evaluate </a:t>
-            </a:r>
-            <a:r>
-              <a:rPr lang="en-US" sz="3600" i="1" dirty="0" smtClean="0"/>
-              <a:t>your</a:t>
-            </a:r>
-            <a:r>
-              <a:rPr lang="en-US" sz="3600" dirty="0" smtClean="0"/>
-              <a:t> needs</a:t>
+              <a:t>“Nine questions”</a:t>
             </a:r>
             <a:endParaRPr lang="en-US" sz="3600" i="1" dirty="0"/>
           </a:p>
@@ -7924,27 +9370,10 @@
           <a:p>
             <a:r>
               <a:rPr lang="en-US" dirty="0" smtClean="0"/>
-              <a:t>Before </a:t>
-            </a:r>
-            <a:r>
-              <a:rPr lang="en-US" dirty="0" smtClean="0"/>
-              <a:t>looking at schemas, </a:t>
-            </a:r>
-            <a:r>
-              <a:rPr lang="en-US" dirty="0" smtClean="0"/>
-              <a:t>concentrate on the specificities of </a:t>
-            </a:r>
-            <a:r>
-              <a:rPr lang="en-US" dirty="0" smtClean="0"/>
-              <a:t>your repository and your users</a:t>
-            </a:r>
-            <a:endParaRPr lang="en-US" dirty="0"/>
-          </a:p>
-          <a:p>
-            <a:r>
-              <a:rPr lang="en-US" dirty="0" smtClean="0"/>
-              <a:t>Marie Kennedy suggests we ask following 9 questions:</a:t>
-            </a:r>
+              <a:t>Some questions to ask (from Kennedy, 2008): </a:t>
+            </a:r>
+          </a:p>
+          <a:p>
             <a:endParaRPr lang="en-US" dirty="0"/>
           </a:p>
           <a:p>
@@ -7965,8 +9394,23 @@
             <a:pPr lvl="1"/>
             <a:r>
               <a:rPr lang="en-US" dirty="0" smtClean="0"/>
-              <a:t>How much time/money do you have?</a:t>
-            </a:r>
+              <a:t>How much time/money do you have</a:t>
+            </a:r>
+            <a:r>
+              <a:rPr lang="en-US" dirty="0" smtClean="0"/>
+              <a:t>?</a:t>
+            </a:r>
+          </a:p>
+          <a:p>
+            <a:pPr lvl="1"/>
+            <a:r>
+              <a:rPr lang="en-US" dirty="0"/>
+              <a:t>How will your collection be accessed?</a:t>
+            </a:r>
+          </a:p>
+          <a:p>
+            <a:pPr lvl="1"/>
+            <a:endParaRPr lang="en-US" dirty="0" smtClean="0"/>
           </a:p>
           <a:p>
             <a:endParaRPr lang="en-US" dirty="0" smtClean="0"/>
@@ -8054,15 +9498,12 @@
           <a:p>
             <a:pPr lvl="1"/>
             <a:r>
+              <a:rPr lang="en-US" dirty="0" smtClean="0"/>
+              <a:t>How </a:t>
+            </a:r>
+            <a:r>
               <a:rPr lang="en-US" dirty="0"/>
-              <a:t>How will your collection be accessed?</a:t>
-            </a:r>
-          </a:p>
-          <a:p>
-            <a:pPr lvl="1"/>
-            <a:r>
-              <a:rPr lang="en-US" dirty="0"/>
-              <a:t>How is your collection related to other collections</a:t>
+              <a:t>is your collection related to other collections</a:t>
             </a:r>
             <a:r>
               <a:rPr lang="en-US" dirty="0" smtClean="0"/>
@@ -8153,87 +9594,89 @@
         </p:nvSpPr>
         <p:spPr/>
         <p:txBody>
-          <a:bodyPr/>
-          <a:lstStyle/>
-          <a:p>
+          <a:bodyPr>
+            <a:noAutofit/>
+          </a:bodyPr>
+          <a:lstStyle/>
+          <a:p>
+            <a:r>
+              <a:rPr lang="en-US" sz="3600" dirty="0" smtClean="0"/>
+              <a:t>Kennedy 2008 continued</a:t>
+            </a:r>
+            <a:endParaRPr lang="en-US" sz="3600" dirty="0"/>
+          </a:p>
+        </p:txBody>
+      </p:sp>
+      <p:sp>
+        <p:nvSpPr>
+          <p:cNvPr id="3" name="Content Placeholder 2"/>
+          <p:cNvSpPr>
+            <a:spLocks noGrp="1"/>
+          </p:cNvSpPr>
+          <p:nvPr>
+            <p:ph idx="1"/>
+          </p:nvPr>
+        </p:nvSpPr>
+        <p:spPr/>
+        <p:txBody>
+          <a:bodyPr>
+            <a:normAutofit/>
+          </a:bodyPr>
+          <a:lstStyle/>
+          <a:p>
+            <a:pPr lvl="1"/>
+            <a:r>
+              <a:rPr lang="en-US" b="1" dirty="0" smtClean="0"/>
+              <a:t>How </a:t>
+            </a:r>
+            <a:r>
+              <a:rPr lang="en-US" b="1" dirty="0"/>
+              <a:t>is your collection related to other collections</a:t>
+            </a:r>
+            <a:r>
+              <a:rPr lang="en-US" b="1" dirty="0" smtClean="0"/>
+              <a:t>?</a:t>
+            </a:r>
+          </a:p>
+          <a:p>
+            <a:pPr lvl="1"/>
             <a:r>
               <a:rPr lang="en-US" dirty="0" smtClean="0"/>
-              <a:t>Step 2: Evaluate Schemas</a:t>
+              <a:t>What </a:t>
+            </a:r>
+            <a:r>
+              <a:rPr lang="en-US" dirty="0"/>
+              <a:t>is the scope of your collection?</a:t>
+            </a:r>
+          </a:p>
+          <a:p>
+            <a:pPr lvl="1"/>
+            <a:r>
+              <a:rPr lang="en-US" b="1" dirty="0" smtClean="0"/>
+              <a:t>Will your metadata be harvested?</a:t>
+            </a:r>
+          </a:p>
+          <a:p>
+            <a:pPr lvl="1"/>
+            <a:r>
+              <a:rPr lang="en-US" b="1" dirty="0" smtClean="0"/>
+              <a:t>Do you want your collection to work with other collections?</a:t>
+            </a:r>
+          </a:p>
+          <a:p>
+            <a:pPr lvl="1"/>
+            <a:r>
+              <a:rPr lang="en-US" dirty="0" smtClean="0"/>
+              <a:t>How much maintenance or quality control do you wish?</a:t>
             </a:r>
             <a:endParaRPr lang="en-US" dirty="0"/>
           </a:p>
         </p:txBody>
       </p:sp>
-      <p:sp>
-        <p:nvSpPr>
-          <p:cNvPr id="3" name="Content Placeholder 2"/>
-          <p:cNvSpPr>
-            <a:spLocks noGrp="1"/>
-          </p:cNvSpPr>
-          <p:nvPr>
-            <p:ph idx="1"/>
-          </p:nvPr>
-        </p:nvSpPr>
-        <p:spPr/>
-        <p:txBody>
-          <a:bodyPr/>
-          <a:lstStyle/>
-          <a:p>
-            <a:r>
-              <a:rPr lang="en-US" dirty="0" smtClean="0"/>
-              <a:t>Returning to our </a:t>
-            </a:r>
-            <a:r>
-              <a:rPr lang="en-US" dirty="0" smtClean="0"/>
-              <a:t>many kinds of </a:t>
-            </a:r>
-            <a:r>
-              <a:rPr lang="en-US" dirty="0" smtClean="0"/>
-              <a:t>metadata</a:t>
-            </a:r>
-          </a:p>
-          <a:p>
-            <a:pPr marL="457200" lvl="1" indent="0">
-              <a:buNone/>
-            </a:pPr>
-            <a:endParaRPr lang="en-US" dirty="0"/>
-          </a:p>
-        </p:txBody>
-      </p:sp>
-      <p:pic>
-        <p:nvPicPr>
-          <p:cNvPr id="4" name="Picture 3" descr="seeingstandards.pdf"/>
-          <p:cNvPicPr>
-            <a:picLocks noChangeAspect="1"/>
-          </p:cNvPicPr>
-          <p:nvPr/>
-        </p:nvPicPr>
-        <p:blipFill>
-          <a:blip r:embed="rId3">
-            <a:extLst>
-              <a:ext uri="{28A0092B-C50C-407E-A947-70E740481C1C}">
-                <a14:useLocalDpi xmlns:a14="http://schemas.microsoft.com/office/drawing/2010/main" val="0"/>
-              </a:ext>
-            </a:extLst>
-          </a:blip>
-          <a:stretch>
-            <a:fillRect/>
-          </a:stretch>
-        </p:blipFill>
-        <p:spPr>
-          <a:xfrm>
-            <a:off x="0" y="2416198"/>
-            <a:ext cx="9144000" cy="3048000"/>
-          </a:xfrm>
-          <a:prstGeom prst="rect">
-            <a:avLst/>
-          </a:prstGeom>
-        </p:spPr>
-      </p:pic>
     </p:spTree>
     <p:extLst>
       <p:ext uri="{BB962C8B-B14F-4D97-AF65-F5344CB8AC3E}">
-        <p14:creationId xmlns:p14="http://schemas.microsoft.com/office/powerpoint/2010/main" val="1228390011"/>
+        <p14:creationId xmlns:p14="http://schemas.microsoft.com/office/powerpoint/2010/main" val="3413669261"/>
       </p:ext>
     </p:extLst>
   </p:cSld>
@@ -8267,61 +9710,68 @@
           <a:chExt cx="0" cy="0"/>
         </a:xfrm>
       </p:grpSpPr>
-      <p:pic>
-        <p:nvPicPr>
-          <p:cNvPr id="4" name="Picture 3" descr="Greenberg2005.tiff"/>
-          <p:cNvPicPr>
-            <a:picLocks noChangeAspect="1"/>
-          </p:cNvPicPr>
-          <p:nvPr/>
-        </p:nvPicPr>
-        <p:blipFill>
-          <a:blip r:embed="rId3">
-            <a:extLst>
-              <a:ext uri="{28A0092B-C50C-407E-A947-70E740481C1C}">
-                <a14:useLocalDpi xmlns:a14="http://schemas.microsoft.com/office/drawing/2010/main" val="0"/>
-              </a:ext>
-            </a:extLst>
-          </a:blip>
-          <a:stretch>
-            <a:fillRect/>
-          </a:stretch>
-        </p:blipFill>
-        <p:spPr>
-          <a:xfrm>
-            <a:off x="282209" y="386278"/>
-            <a:ext cx="8499211" cy="4787814"/>
-          </a:xfrm>
-          <a:prstGeom prst="rect">
-            <a:avLst/>
-          </a:prstGeom>
-        </p:spPr>
-      </p:pic>
-      <p:sp>
-        <p:nvSpPr>
-          <p:cNvPr id="5" name="TextBox 4"/>
-          <p:cNvSpPr txBox="1"/>
-          <p:nvPr/>
-        </p:nvSpPr>
-        <p:spPr>
-          <a:xfrm>
-            <a:off x="5150556" y="5194248"/>
-            <a:ext cx="3499555" cy="379641"/>
-          </a:xfrm>
-          <a:prstGeom prst="rect">
-            <a:avLst/>
-          </a:prstGeom>
-          <a:noFill/>
-        </p:spPr>
-        <p:txBody>
-          <a:bodyPr wrap="square" rtlCol="0">
-            <a:spAutoFit/>
-          </a:bodyPr>
+      <p:sp>
+        <p:nvSpPr>
+          <p:cNvPr id="2" name="Title 1"/>
+          <p:cNvSpPr>
+            <a:spLocks noGrp="1"/>
+          </p:cNvSpPr>
+          <p:nvPr>
+            <p:ph type="title"/>
+          </p:nvPr>
+        </p:nvSpPr>
+        <p:spPr/>
+        <p:txBody>
+          <a:bodyPr/>
           <a:lstStyle/>
           <a:p>
             <a:r>
               <a:rPr lang="en-US" dirty="0" smtClean="0"/>
-              <a:t>From Greenberg, 2005</a:t>
+              <a:t>Community needs</a:t>
+            </a:r>
+            <a:endParaRPr lang="en-US" dirty="0"/>
+          </a:p>
+        </p:txBody>
+      </p:sp>
+      <p:sp>
+        <p:nvSpPr>
+          <p:cNvPr id="3" name="Content Placeholder 2"/>
+          <p:cNvSpPr>
+            <a:spLocks noGrp="1"/>
+          </p:cNvSpPr>
+          <p:nvPr>
+            <p:ph idx="1"/>
+          </p:nvPr>
+        </p:nvSpPr>
+        <p:spPr/>
+        <p:txBody>
+          <a:bodyPr/>
+          <a:lstStyle/>
+          <a:p>
+            <a:r>
+              <a:rPr lang="en-US" dirty="0" smtClean="0"/>
+              <a:t>Remember your Designated Community?</a:t>
+            </a:r>
+          </a:p>
+          <a:p>
+            <a:pPr lvl="1"/>
+            <a:r>
+              <a:rPr lang="en-US" dirty="0" smtClean="0"/>
+              <a:t>What are their needs?</a:t>
+            </a:r>
+          </a:p>
+          <a:p>
+            <a:pPr lvl="1"/>
+            <a:r>
+              <a:rPr lang="en-US" dirty="0" smtClean="0"/>
+              <a:t>What standards do they use?</a:t>
+            </a:r>
+          </a:p>
+          <a:p>
+            <a:pPr lvl="1"/>
+            <a:r>
+              <a:rPr lang="en-US" dirty="0" smtClean="0"/>
+              <a:t>What constraints do they have?</a:t>
             </a:r>
             <a:endParaRPr lang="en-US" dirty="0"/>
           </a:p>
@@ -8330,7 +9780,7 @@
     </p:spTree>
     <p:extLst>
       <p:ext uri="{BB962C8B-B14F-4D97-AF65-F5344CB8AC3E}">
-        <p14:creationId xmlns:p14="http://schemas.microsoft.com/office/powerpoint/2010/main" val="705146296"/>
+        <p14:creationId xmlns:p14="http://schemas.microsoft.com/office/powerpoint/2010/main" val="4043475452"/>
       </p:ext>
     </p:extLst>
   </p:cSld>
@@ -8369,91 +9819,66 @@
         </p:nvSpPr>
         <p:spPr/>
         <p:txBody>
+          <a:bodyPr>
+            <a:normAutofit fontScale="90000"/>
+          </a:bodyPr>
+          <a:lstStyle/>
+          <a:p>
+            <a:r>
+              <a:rPr lang="en-US" dirty="0" smtClean="0"/>
+              <a:t>Some communities have very specific standards and needs </a:t>
+            </a:r>
+            <a:endParaRPr lang="en-US" dirty="0"/>
+          </a:p>
+        </p:txBody>
+      </p:sp>
+      <p:sp>
+        <p:nvSpPr>
+          <p:cNvPr id="3" name="Content Placeholder 2"/>
+          <p:cNvSpPr>
+            <a:spLocks noGrp="1"/>
+          </p:cNvSpPr>
+          <p:nvPr>
+            <p:ph idx="1"/>
+          </p:nvPr>
+        </p:nvSpPr>
+        <p:spPr/>
+        <p:txBody>
           <a:bodyPr/>
           <a:lstStyle/>
           <a:p>
             <a:r>
               <a:rPr lang="en-US" dirty="0" smtClean="0"/>
-              <a:t>The MODAL framework</a:t>
-            </a:r>
-            <a:endParaRPr lang="en-US" dirty="0"/>
-          </a:p>
-        </p:txBody>
-      </p:sp>
-      <p:sp>
-        <p:nvSpPr>
-          <p:cNvPr id="3" name="Content Placeholder 2"/>
-          <p:cNvSpPr>
-            <a:spLocks noGrp="1"/>
-          </p:cNvSpPr>
-          <p:nvPr>
-            <p:ph idx="1"/>
-          </p:nvPr>
-        </p:nvSpPr>
-        <p:spPr/>
-        <p:txBody>
-          <a:bodyPr/>
-          <a:lstStyle/>
-          <a:p>
+              <a:t>For instance:</a:t>
+            </a:r>
+          </a:p>
+          <a:p>
+            <a:pPr lvl="1"/>
             <a:r>
               <a:rPr lang="en-US" dirty="0" smtClean="0"/>
-              <a:t>Developed by Jane Greenberg (Drexel)</a:t>
-            </a:r>
-          </a:p>
-          <a:p>
-            <a:r>
-              <a:rPr lang="en-US" dirty="0"/>
-              <a:t>Conceptual framework for </a:t>
+              <a:t>Biodiversity scientists use </a:t>
+            </a:r>
+            <a:r>
+              <a:rPr lang="en-US" dirty="0" err="1" smtClean="0"/>
+              <a:t>DarwinCore</a:t>
             </a:r>
             <a:r>
               <a:rPr lang="en-US" dirty="0" smtClean="0"/>
-              <a:t>analyzing </a:t>
-            </a:r>
-            <a:r>
-              <a:rPr lang="en-US" b="1" u="sng" dirty="0" smtClean="0"/>
-              <a:t>M</a:t>
-            </a:r>
+              <a:t> records</a:t>
+            </a:r>
+          </a:p>
+          <a:p>
+            <a:pPr lvl="1"/>
             <a:r>
               <a:rPr lang="en-US" dirty="0" smtClean="0"/>
-              <a:t>etadata </a:t>
-            </a:r>
-            <a:r>
-              <a:rPr lang="en-US" b="1" u="sng" dirty="0" smtClean="0"/>
-              <a:t>O</a:t>
-            </a:r>
+              <a:t>GIS data are increasingly rendered in FGDC</a:t>
+            </a:r>
+          </a:p>
+          <a:p>
+            <a:pPr lvl="1"/>
             <a:r>
               <a:rPr lang="en-US" dirty="0" smtClean="0"/>
-              <a:t>bjectives and principles, </a:t>
-            </a:r>
-            <a:r>
-              <a:rPr lang="en-US" b="1" u="sng" dirty="0" smtClean="0"/>
-              <a:t>D</a:t>
-            </a:r>
-            <a:r>
-              <a:rPr lang="en-US" dirty="0" smtClean="0"/>
-              <a:t>omain, and </a:t>
-            </a:r>
-            <a:r>
-              <a:rPr lang="en-US" b="1" u="sng" dirty="0" smtClean="0"/>
-              <a:t>A</a:t>
-            </a:r>
-            <a:r>
-              <a:rPr lang="en-US" dirty="0" smtClean="0"/>
-              <a:t>rchitectural </a:t>
-            </a:r>
-            <a:r>
-              <a:rPr lang="en-US" b="1" u="sng" dirty="0" smtClean="0"/>
-              <a:t>L</a:t>
-            </a:r>
-            <a:r>
-              <a:rPr lang="en-US" dirty="0" smtClean="0"/>
-              <a:t>ayout</a:t>
-            </a:r>
-          </a:p>
-          <a:p>
-            <a:r>
-              <a:rPr lang="en-US" dirty="0" smtClean="0"/>
-              <a:t>2005 paper establishes framework, Willis, Greenberg &amp; White apply it to scientific data schemas in 2012</a:t>
+              <a:t>Something else</a:t>
             </a:r>
             <a:endParaRPr lang="en-US" dirty="0"/>
           </a:p>
@@ -8462,7 +9887,7 @@
     </p:spTree>
     <p:extLst>
       <p:ext uri="{BB962C8B-B14F-4D97-AF65-F5344CB8AC3E}">
-        <p14:creationId xmlns:p14="http://schemas.microsoft.com/office/powerpoint/2010/main" val="3845984081"/>
+        <p14:creationId xmlns:p14="http://schemas.microsoft.com/office/powerpoint/2010/main" val="4265355696"/>
       </p:ext>
     </p:extLst>
   </p:cSld>

--- a/Day_2/Day_2_Lectures/Day_2_Lecture_Metadata2.pptx
+++ b/Day_2/Day_2_Lectures/Day_2_Lecture_Metadata2.pptx
@@ -5,38 +5,42 @@
     <p:sldMasterId id="2147483648" r:id="rId1"/>
   </p:sldMasterIdLst>
   <p:notesMasterIdLst>
-    <p:notesMasterId r:id="rId31"/>
+    <p:notesMasterId r:id="rId35"/>
   </p:notesMasterIdLst>
   <p:sldIdLst>
     <p:sldId id="256" r:id="rId2"/>
     <p:sldId id="267" r:id="rId3"/>
     <p:sldId id="257" r:id="rId4"/>
-    <p:sldId id="262" r:id="rId5"/>
-    <p:sldId id="261" r:id="rId6"/>
-    <p:sldId id="263" r:id="rId7"/>
-    <p:sldId id="289" r:id="rId8"/>
-    <p:sldId id="288" r:id="rId9"/>
-    <p:sldId id="290" r:id="rId10"/>
-    <p:sldId id="265" r:id="rId11"/>
-    <p:sldId id="275" r:id="rId12"/>
-    <p:sldId id="259" r:id="rId13"/>
-    <p:sldId id="268" r:id="rId14"/>
-    <p:sldId id="271" r:id="rId15"/>
-    <p:sldId id="276" r:id="rId16"/>
-    <p:sldId id="281" r:id="rId17"/>
-    <p:sldId id="292" r:id="rId18"/>
-    <p:sldId id="282" r:id="rId19"/>
-    <p:sldId id="291" r:id="rId20"/>
-    <p:sldId id="293" r:id="rId21"/>
-    <p:sldId id="283" r:id="rId22"/>
-    <p:sldId id="278" r:id="rId23"/>
-    <p:sldId id="280" r:id="rId24"/>
-    <p:sldId id="266" r:id="rId25"/>
-    <p:sldId id="279" r:id="rId26"/>
-    <p:sldId id="284" r:id="rId27"/>
-    <p:sldId id="274" r:id="rId28"/>
-    <p:sldId id="285" r:id="rId29"/>
-    <p:sldId id="286" r:id="rId30"/>
+    <p:sldId id="297" r:id="rId5"/>
+    <p:sldId id="299" r:id="rId6"/>
+    <p:sldId id="262" r:id="rId7"/>
+    <p:sldId id="261" r:id="rId8"/>
+    <p:sldId id="263" r:id="rId9"/>
+    <p:sldId id="289" r:id="rId10"/>
+    <p:sldId id="300" r:id="rId11"/>
+    <p:sldId id="301" r:id="rId12"/>
+    <p:sldId id="302" r:id="rId13"/>
+    <p:sldId id="298" r:id="rId14"/>
+    <p:sldId id="275" r:id="rId15"/>
+    <p:sldId id="304" r:id="rId16"/>
+    <p:sldId id="259" r:id="rId17"/>
+    <p:sldId id="268" r:id="rId18"/>
+    <p:sldId id="271" r:id="rId19"/>
+    <p:sldId id="281" r:id="rId20"/>
+    <p:sldId id="282" r:id="rId21"/>
+    <p:sldId id="291" r:id="rId22"/>
+    <p:sldId id="293" r:id="rId23"/>
+    <p:sldId id="305" r:id="rId24"/>
+    <p:sldId id="278" r:id="rId25"/>
+    <p:sldId id="306" r:id="rId26"/>
+    <p:sldId id="279" r:id="rId27"/>
+    <p:sldId id="307" r:id="rId28"/>
+    <p:sldId id="276" r:id="rId29"/>
+    <p:sldId id="266" r:id="rId30"/>
+    <p:sldId id="284" r:id="rId31"/>
+    <p:sldId id="274" r:id="rId32"/>
+    <p:sldId id="285" r:id="rId33"/>
+    <p:sldId id="286" r:id="rId34"/>
   </p:sldIdLst>
   <p:sldSz cx="9144000" cy="6858000" type="screen4x3"/>
   <p:notesSz cx="6858000" cy="9144000"/>
@@ -220,7 +224,7 @@
           <a:p>
             <a:fld id="{9A0E6E77-3283-344D-9AC2-FD5DD182305F}" type="datetimeFigureOut">
               <a:rPr lang="en-US" smtClean="0"/>
-              <a:t>1/19/15</a:t>
+              <a:t>1/23/15</a:t>
             </a:fld>
             <a:endParaRPr lang="en-US"/>
           </a:p>
@@ -616,6 +620,58 @@
           <a:bodyPr/>
           <a:lstStyle/>
           <a:p>
+            <a:r>
+              <a:rPr lang="en-US" dirty="0" smtClean="0"/>
+              <a:t>Note</a:t>
+            </a:r>
+            <a:r>
+              <a:rPr lang="en-US" baseline="0" dirty="0" smtClean="0"/>
+              <a:t> that these are equally flawed, too…</a:t>
+            </a:r>
+          </a:p>
+          <a:p>
+            <a:endParaRPr lang="en-US" baseline="0" dirty="0" smtClean="0"/>
+          </a:p>
+          <a:p>
+            <a:r>
+              <a:rPr lang="en-US" baseline="0" dirty="0" smtClean="0"/>
+              <a:t>Talk more about trade offs and affordances here</a:t>
+            </a:r>
+          </a:p>
+          <a:p>
+            <a:endParaRPr lang="en-US" baseline="0" dirty="0" smtClean="0"/>
+          </a:p>
+          <a:p>
+            <a:r>
+              <a:rPr lang="en-US" baseline="0" dirty="0" smtClean="0"/>
+              <a:t>GCMD is broader, RDA is more specific (narrower Designated community)</a:t>
+            </a:r>
+          </a:p>
+          <a:p>
+            <a:endParaRPr lang="en-US" baseline="0" dirty="0" smtClean="0"/>
+          </a:p>
+          <a:p>
+            <a:r>
+              <a:rPr lang="en-US" baseline="0" dirty="0" smtClean="0"/>
+              <a:t>Then show XML</a:t>
+            </a:r>
+          </a:p>
+          <a:p>
+            <a:endParaRPr lang="en-US" baseline="0" dirty="0" smtClean="0"/>
+          </a:p>
+          <a:p>
+            <a:r>
+              <a:rPr lang="en-US" baseline="0" dirty="0" smtClean="0"/>
+              <a:t>Decision of what </a:t>
+            </a:r>
+            <a:r>
+              <a:rPr lang="en-US" baseline="0" dirty="0" err="1" smtClean="0"/>
+              <a:t>attrinbute</a:t>
+            </a:r>
+            <a:r>
+              <a:rPr lang="en-US" baseline="0" dirty="0" smtClean="0"/>
+              <a:t> value pair to use has a real consequence</a:t>
+            </a:r>
             <a:endParaRPr lang="en-US" dirty="0"/>
           </a:p>
         </p:txBody>
@@ -637,7 +693,7 @@
           <a:p>
             <a:fld id="{036A4C59-9997-D64D-B418-4F4AB05D75FD}" type="slidenum">
               <a:rPr lang="en-US" smtClean="0"/>
-              <a:t>17</a:t>
+              <a:t>20</a:t>
             </a:fld>
             <a:endParaRPr lang="en-US"/>
           </a:p>
@@ -700,58 +756,6 @@
           <a:bodyPr/>
           <a:lstStyle/>
           <a:p>
-            <a:r>
-              <a:rPr lang="en-US" dirty="0" smtClean="0"/>
-              <a:t>Note</a:t>
-            </a:r>
-            <a:r>
-              <a:rPr lang="en-US" baseline="0" dirty="0" smtClean="0"/>
-              <a:t> that these are equally flawed, too…</a:t>
-            </a:r>
-          </a:p>
-          <a:p>
-            <a:endParaRPr lang="en-US" baseline="0" dirty="0" smtClean="0"/>
-          </a:p>
-          <a:p>
-            <a:r>
-              <a:rPr lang="en-US" baseline="0" dirty="0" smtClean="0"/>
-              <a:t>Talk more about trade offs and affordances here</a:t>
-            </a:r>
-          </a:p>
-          <a:p>
-            <a:endParaRPr lang="en-US" baseline="0" dirty="0" smtClean="0"/>
-          </a:p>
-          <a:p>
-            <a:r>
-              <a:rPr lang="en-US" baseline="0" dirty="0" smtClean="0"/>
-              <a:t>GCMD is broader, RDA is more specific (narrower Designated community)</a:t>
-            </a:r>
-          </a:p>
-          <a:p>
-            <a:endParaRPr lang="en-US" baseline="0" dirty="0" smtClean="0"/>
-          </a:p>
-          <a:p>
-            <a:r>
-              <a:rPr lang="en-US" baseline="0" dirty="0" smtClean="0"/>
-              <a:t>Then show XML</a:t>
-            </a:r>
-          </a:p>
-          <a:p>
-            <a:endParaRPr lang="en-US" baseline="0" dirty="0" smtClean="0"/>
-          </a:p>
-          <a:p>
-            <a:r>
-              <a:rPr lang="en-US" baseline="0" dirty="0" smtClean="0"/>
-              <a:t>Decision of what </a:t>
-            </a:r>
-            <a:r>
-              <a:rPr lang="en-US" baseline="0" dirty="0" err="1" smtClean="0"/>
-              <a:t>attrinbute</a:t>
-            </a:r>
-            <a:r>
-              <a:rPr lang="en-US" baseline="0" dirty="0" smtClean="0"/>
-              <a:t> value pair to use has a real consequence</a:t>
-            </a:r>
             <a:endParaRPr lang="en-US" dirty="0"/>
           </a:p>
         </p:txBody>
@@ -773,7 +777,7 @@
           <a:p>
             <a:fld id="{036A4C59-9997-D64D-B418-4F4AB05D75FD}" type="slidenum">
               <a:rPr lang="en-US" smtClean="0"/>
-              <a:t>18</a:t>
+              <a:t>21</a:t>
             </a:fld>
             <a:endParaRPr lang="en-US"/>
           </a:p>
@@ -909,7 +913,7 @@
           <a:p>
             <a:fld id="{036A4C59-9997-D64D-B418-4F4AB05D75FD}" type="slidenum">
               <a:rPr lang="en-US" smtClean="0"/>
-              <a:t>19</a:t>
+              <a:t>22</a:t>
             </a:fld>
             <a:endParaRPr lang="en-US"/>
           </a:p>
@@ -1045,7 +1049,7 @@
           <a:p>
             <a:fld id="{036A4C59-9997-D64D-B418-4F4AB05D75FD}" type="slidenum">
               <a:rPr lang="en-US" smtClean="0"/>
-              <a:t>20</a:t>
+              <a:t>23</a:t>
             </a:fld>
             <a:endParaRPr lang="en-US"/>
           </a:p>
@@ -1110,53 +1114,26 @@
           <a:p>
             <a:r>
               <a:rPr lang="en-US" dirty="0" smtClean="0"/>
-              <a:t>There</a:t>
+              <a:t>As a result</a:t>
             </a:r>
             <a:r>
               <a:rPr lang="en-US" baseline="0" dirty="0" smtClean="0"/>
-              <a:t> have been efforts to ask similar questions of the schemas themselves</a:t>
-            </a:r>
-            <a:endParaRPr lang="en-US" dirty="0" smtClean="0"/>
-          </a:p>
-          <a:p>
-            <a:endParaRPr lang="en-US" dirty="0" smtClean="0"/>
-          </a:p>
-          <a:p>
-            <a:pPr marL="171450" indent="-171450">
-              <a:buFontTx/>
-              <a:buChar char="-"/>
-            </a:pPr>
+              <a:t> of the high amount of </a:t>
+            </a:r>
+            <a:r>
+              <a:rPr lang="en-US" baseline="0" dirty="0" err="1" smtClean="0"/>
+              <a:t>specificy</a:t>
+            </a:r>
             <a:r>
               <a:rPr lang="en-US" baseline="0" dirty="0" smtClean="0"/>
-              <a:t>Going to step through one example that’s out of the Research in DC world</a:t>
-            </a:r>
-          </a:p>
-          <a:p>
-            <a:pPr marL="171450" indent="-171450">
-              <a:buFontTx/>
-              <a:buChar char="-"/>
-            </a:pPr>
-            <a:r>
-              <a:rPr lang="en-US" baseline="0" dirty="0" smtClean="0"/>
-              <a:t>It is more complex than the last example but might still be useful. </a:t>
-            </a:r>
-          </a:p>
-          <a:p>
-            <a:pPr marL="171450" indent="-171450">
-              <a:buFontTx/>
-              <a:buChar char="-"/>
-            </a:pPr>
+              <a:t> for each repository and data center, when bringing records together, or publishing to more general repositories, there’s a need to translate, (or crosswalk) one standard into another. </a:t>
+            </a:r>
+          </a:p>
+          <a:p>
             <a:endParaRPr lang="en-US" baseline="0" dirty="0" smtClean="0"/>
           </a:p>
           <a:p>
-            <a:pPr marL="171450" indent="-171450">
-              <a:buFontTx/>
-              <a:buChar char="-"/>
-            </a:pPr>
-            <a:r>
-              <a:rPr lang="en-US" dirty="0" smtClean="0"/>
-              <a:t>community, domain, function, and purpose</a:t>
-            </a:r>
+            <a:endParaRPr lang="en-US" dirty="0"/>
           </a:p>
         </p:txBody>
       </p:sp>
@@ -1177,7 +1154,7 @@
           <a:p>
             <a:fld id="{036A4C59-9997-D64D-B418-4F4AB05D75FD}" type="slidenum">
               <a:rPr lang="en-US" smtClean="0"/>
-              <a:t>26</a:t>
+              <a:t>24</a:t>
             </a:fld>
             <a:endParaRPr lang="en-US"/>
           </a:p>
@@ -1186,7 +1163,7 @@
     </p:spTree>
     <p:extLst>
       <p:ext uri="{BB962C8B-B14F-4D97-AF65-F5344CB8AC3E}">
-        <p14:creationId xmlns:p14="http://schemas.microsoft.com/office/powerpoint/2010/main" val="3350389385"/>
+        <p14:creationId xmlns:p14="http://schemas.microsoft.com/office/powerpoint/2010/main" val="43029661"/>
       </p:ext>
     </p:extLst>
   </p:cSld>
@@ -1240,14 +1217,6 @@
           <a:bodyPr/>
           <a:lstStyle/>
           <a:p>
-            <a:r>
-              <a:rPr lang="en-US" dirty="0" smtClean="0"/>
-              <a:t>My </a:t>
-            </a:r>
-            <a:r>
-              <a:rPr lang="en-US" dirty="0" err="1" smtClean="0"/>
-              <a:t>poit</a:t>
-            </a:r>
             <a:endParaRPr lang="en-US" dirty="0"/>
           </a:p>
         </p:txBody>
@@ -1278,7 +1247,7 @@
     </p:spTree>
     <p:extLst>
       <p:ext uri="{BB962C8B-B14F-4D97-AF65-F5344CB8AC3E}">
-        <p14:creationId xmlns:p14="http://schemas.microsoft.com/office/powerpoint/2010/main" val="3350389385"/>
+        <p14:creationId xmlns:p14="http://schemas.microsoft.com/office/powerpoint/2010/main" val="4089888638"/>
       </p:ext>
     </p:extLst>
   </p:cSld>
@@ -1333,20 +1302,16 @@
           <a:lstStyle/>
           <a:p>
             <a:r>
-              <a:rPr lang="en-US" dirty="0" smtClean="0"/>
-              <a:t>Note</a:t>
+              <a:rPr lang="en-US" smtClean="0"/>
+              <a:t>Those tensions</a:t>
+            </a:r>
+            <a:r>
+              <a:rPr lang="en-US" baseline="0" smtClean="0"/>
+              <a:t>– </a:t>
             </a:r>
             <a:r>
               <a:rPr lang="en-US" baseline="0" dirty="0" smtClean="0"/>
-              <a:t> that these categories are similar to </a:t>
-            </a:r>
-            <a:r>
-              <a:rPr lang="en-US" baseline="0" dirty="0" err="1" smtClean="0"/>
-              <a:t>descrptive</a:t>
-            </a:r>
-            <a:r>
-              <a:rPr lang="en-US" baseline="0" dirty="0" smtClean="0"/>
-              <a:t>, technical </a:t>
+              <a:t>mean that </a:t>
             </a:r>
             <a:endParaRPr lang="en-US" dirty="0"/>
           </a:p>
@@ -1370,6 +1335,330 @@
             <a:fld id="{036A4C59-9997-D64D-B418-4F4AB05D75FD}" type="slidenum">
               <a:rPr lang="en-US" smtClean="0"/>
               <a:t>28</a:t>
+            </a:fld>
+            <a:endParaRPr lang="en-US"/>
+          </a:p>
+        </p:txBody>
+      </p:sp>
+    </p:spTree>
+    <p:extLst>
+      <p:ext uri="{BB962C8B-B14F-4D97-AF65-F5344CB8AC3E}">
+        <p14:creationId xmlns:p14="http://schemas.microsoft.com/office/powerpoint/2010/main" val="460468296"/>
+      </p:ext>
+    </p:extLst>
+  </p:cSld>
+  <p:clrMapOvr>
+    <a:masterClrMapping/>
+  </p:clrMapOvr>
+</p:notes>
+</file>
+
+<file path=ppt/notesSlides/notesSlide17.xml><?xml version="1.0" encoding="utf-8"?>
+<p:notes xmlns:a="http://schemas.openxmlformats.org/drawingml/2006/main" xmlns:r="http://schemas.openxmlformats.org/officeDocument/2006/relationships" xmlns:p="http://schemas.openxmlformats.org/presentationml/2006/main">
+  <p:cSld>
+    <p:spTree>
+      <p:nvGrpSpPr>
+        <p:cNvPr id="1" name=""/>
+        <p:cNvGrpSpPr/>
+        <p:nvPr/>
+      </p:nvGrpSpPr>
+      <p:grpSpPr>
+        <a:xfrm>
+          <a:off x="0" y="0"/>
+          <a:ext cx="0" cy="0"/>
+          <a:chOff x="0" y="0"/>
+          <a:chExt cx="0" cy="0"/>
+        </a:xfrm>
+      </p:grpSpPr>
+      <p:sp>
+        <p:nvSpPr>
+          <p:cNvPr id="2" name="Slide Image Placeholder 1"/>
+          <p:cNvSpPr>
+            <a:spLocks noGrp="1" noRot="1" noChangeAspect="1"/>
+          </p:cNvSpPr>
+          <p:nvPr>
+            <p:ph type="sldImg"/>
+          </p:nvPr>
+        </p:nvSpPr>
+        <p:spPr/>
+      </p:sp>
+      <p:sp>
+        <p:nvSpPr>
+          <p:cNvPr id="3" name="Notes Placeholder 2"/>
+          <p:cNvSpPr>
+            <a:spLocks noGrp="1"/>
+          </p:cNvSpPr>
+          <p:nvPr>
+            <p:ph type="body" idx="1"/>
+          </p:nvPr>
+        </p:nvSpPr>
+        <p:spPr/>
+        <p:txBody>
+          <a:bodyPr/>
+          <a:lstStyle/>
+          <a:p>
+            <a:r>
+              <a:rPr lang="en-US" dirty="0" smtClean="0"/>
+              <a:t>There</a:t>
+            </a:r>
+            <a:r>
+              <a:rPr lang="en-US" baseline="0" dirty="0" smtClean="0"/>
+              <a:t> have been efforts to ask similar questions of the schemas themselves</a:t>
+            </a:r>
+            <a:endParaRPr lang="en-US" dirty="0" smtClean="0"/>
+          </a:p>
+          <a:p>
+            <a:endParaRPr lang="en-US" dirty="0" smtClean="0"/>
+          </a:p>
+          <a:p>
+            <a:pPr marL="171450" indent="-171450">
+              <a:buFontTx/>
+              <a:buChar char="-"/>
+            </a:pPr>
+            <a:r>
+              <a:rPr lang="en-US" baseline="0" dirty="0" smtClean="0"/>
+              <a:t>Going to step through one example that’s out of the Research in DC world</a:t>
+            </a:r>
+          </a:p>
+          <a:p>
+            <a:pPr marL="171450" indent="-171450">
+              <a:buFontTx/>
+              <a:buChar char="-"/>
+            </a:pPr>
+            <a:r>
+              <a:rPr lang="en-US" baseline="0" dirty="0" smtClean="0"/>
+              <a:t>It is more complex than the last example but might still be useful. </a:t>
+            </a:r>
+          </a:p>
+          <a:p>
+            <a:pPr marL="171450" indent="-171450">
+              <a:buFontTx/>
+              <a:buChar char="-"/>
+            </a:pPr>
+            <a:endParaRPr lang="en-US" baseline="0" dirty="0" smtClean="0"/>
+          </a:p>
+          <a:p>
+            <a:pPr marL="171450" indent="-171450">
+              <a:buFontTx/>
+              <a:buChar char="-"/>
+            </a:pPr>
+            <a:r>
+              <a:rPr lang="en-US" dirty="0" smtClean="0"/>
+              <a:t>community, domain, function, and purpose</a:t>
+            </a:r>
+          </a:p>
+        </p:txBody>
+      </p:sp>
+      <p:sp>
+        <p:nvSpPr>
+          <p:cNvPr id="4" name="Slide Number Placeholder 3"/>
+          <p:cNvSpPr>
+            <a:spLocks noGrp="1"/>
+          </p:cNvSpPr>
+          <p:nvPr>
+            <p:ph type="sldNum" sz="quarter" idx="10"/>
+          </p:nvPr>
+        </p:nvSpPr>
+        <p:spPr/>
+        <p:txBody>
+          <a:bodyPr/>
+          <a:lstStyle/>
+          <a:p>
+            <a:fld id="{036A4C59-9997-D64D-B418-4F4AB05D75FD}" type="slidenum">
+              <a:rPr lang="en-US" smtClean="0"/>
+              <a:t>30</a:t>
+            </a:fld>
+            <a:endParaRPr lang="en-US"/>
+          </a:p>
+        </p:txBody>
+      </p:sp>
+    </p:spTree>
+    <p:extLst>
+      <p:ext uri="{BB962C8B-B14F-4D97-AF65-F5344CB8AC3E}">
+        <p14:creationId xmlns:p14="http://schemas.microsoft.com/office/powerpoint/2010/main" val="3350389385"/>
+      </p:ext>
+    </p:extLst>
+  </p:cSld>
+  <p:clrMapOvr>
+    <a:masterClrMapping/>
+  </p:clrMapOvr>
+</p:notes>
+</file>
+
+<file path=ppt/notesSlides/notesSlide18.xml><?xml version="1.0" encoding="utf-8"?>
+<p:notes xmlns:a="http://schemas.openxmlformats.org/drawingml/2006/main" xmlns:r="http://schemas.openxmlformats.org/officeDocument/2006/relationships" xmlns:p="http://schemas.openxmlformats.org/presentationml/2006/main">
+  <p:cSld>
+    <p:spTree>
+      <p:nvGrpSpPr>
+        <p:cNvPr id="1" name=""/>
+        <p:cNvGrpSpPr/>
+        <p:nvPr/>
+      </p:nvGrpSpPr>
+      <p:grpSpPr>
+        <a:xfrm>
+          <a:off x="0" y="0"/>
+          <a:ext cx="0" cy="0"/>
+          <a:chOff x="0" y="0"/>
+          <a:chExt cx="0" cy="0"/>
+        </a:xfrm>
+      </p:grpSpPr>
+      <p:sp>
+        <p:nvSpPr>
+          <p:cNvPr id="2" name="Slide Image Placeholder 1"/>
+          <p:cNvSpPr>
+            <a:spLocks noGrp="1" noRot="1" noChangeAspect="1"/>
+          </p:cNvSpPr>
+          <p:nvPr>
+            <p:ph type="sldImg"/>
+          </p:nvPr>
+        </p:nvSpPr>
+        <p:spPr/>
+      </p:sp>
+      <p:sp>
+        <p:nvSpPr>
+          <p:cNvPr id="3" name="Notes Placeholder 2"/>
+          <p:cNvSpPr>
+            <a:spLocks noGrp="1"/>
+          </p:cNvSpPr>
+          <p:nvPr>
+            <p:ph type="body" idx="1"/>
+          </p:nvPr>
+        </p:nvSpPr>
+        <p:spPr/>
+        <p:txBody>
+          <a:bodyPr/>
+          <a:lstStyle/>
+          <a:p>
+            <a:r>
+              <a:rPr lang="en-US" dirty="0" smtClean="0"/>
+              <a:t>My </a:t>
+            </a:r>
+            <a:r>
+              <a:rPr lang="en-US" dirty="0" err="1" smtClean="0"/>
+              <a:t>poit</a:t>
+            </a:r>
+            <a:endParaRPr lang="en-US" dirty="0"/>
+          </a:p>
+        </p:txBody>
+      </p:sp>
+      <p:sp>
+        <p:nvSpPr>
+          <p:cNvPr id="4" name="Slide Number Placeholder 3"/>
+          <p:cNvSpPr>
+            <a:spLocks noGrp="1"/>
+          </p:cNvSpPr>
+          <p:nvPr>
+            <p:ph type="sldNum" sz="quarter" idx="10"/>
+          </p:nvPr>
+        </p:nvSpPr>
+        <p:spPr/>
+        <p:txBody>
+          <a:bodyPr/>
+          <a:lstStyle/>
+          <a:p>
+            <a:fld id="{036A4C59-9997-D64D-B418-4F4AB05D75FD}" type="slidenum">
+              <a:rPr lang="en-US" smtClean="0"/>
+              <a:t>31</a:t>
+            </a:fld>
+            <a:endParaRPr lang="en-US"/>
+          </a:p>
+        </p:txBody>
+      </p:sp>
+    </p:spTree>
+    <p:extLst>
+      <p:ext uri="{BB962C8B-B14F-4D97-AF65-F5344CB8AC3E}">
+        <p14:creationId xmlns:p14="http://schemas.microsoft.com/office/powerpoint/2010/main" val="3350389385"/>
+      </p:ext>
+    </p:extLst>
+  </p:cSld>
+  <p:clrMapOvr>
+    <a:masterClrMapping/>
+  </p:clrMapOvr>
+</p:notes>
+</file>
+
+<file path=ppt/notesSlides/notesSlide19.xml><?xml version="1.0" encoding="utf-8"?>
+<p:notes xmlns:a="http://schemas.openxmlformats.org/drawingml/2006/main" xmlns:r="http://schemas.openxmlformats.org/officeDocument/2006/relationships" xmlns:p="http://schemas.openxmlformats.org/presentationml/2006/main">
+  <p:cSld>
+    <p:spTree>
+      <p:nvGrpSpPr>
+        <p:cNvPr id="1" name=""/>
+        <p:cNvGrpSpPr/>
+        <p:nvPr/>
+      </p:nvGrpSpPr>
+      <p:grpSpPr>
+        <a:xfrm>
+          <a:off x="0" y="0"/>
+          <a:ext cx="0" cy="0"/>
+          <a:chOff x="0" y="0"/>
+          <a:chExt cx="0" cy="0"/>
+        </a:xfrm>
+      </p:grpSpPr>
+      <p:sp>
+        <p:nvSpPr>
+          <p:cNvPr id="2" name="Slide Image Placeholder 1"/>
+          <p:cNvSpPr>
+            <a:spLocks noGrp="1" noRot="1" noChangeAspect="1"/>
+          </p:cNvSpPr>
+          <p:nvPr>
+            <p:ph type="sldImg"/>
+          </p:nvPr>
+        </p:nvSpPr>
+        <p:spPr/>
+      </p:sp>
+      <p:sp>
+        <p:nvSpPr>
+          <p:cNvPr id="3" name="Notes Placeholder 2"/>
+          <p:cNvSpPr>
+            <a:spLocks noGrp="1"/>
+          </p:cNvSpPr>
+          <p:nvPr>
+            <p:ph type="body" idx="1"/>
+          </p:nvPr>
+        </p:nvSpPr>
+        <p:spPr/>
+        <p:txBody>
+          <a:bodyPr/>
+          <a:lstStyle/>
+          <a:p>
+            <a:r>
+              <a:rPr lang="en-US" dirty="0" smtClean="0"/>
+              <a:t>Note</a:t>
+            </a:r>
+            <a:r>
+              <a:rPr lang="en-US" baseline="0" dirty="0" smtClean="0"/>
+              <a:t> that these categories are similar to </a:t>
+            </a:r>
+            <a:r>
+              <a:rPr lang="en-US" baseline="0" dirty="0" err="1" smtClean="0"/>
+              <a:t>descrptive</a:t>
+            </a:r>
+            <a:r>
+              <a:rPr lang="en-US" baseline="0" dirty="0" smtClean="0"/>
+              <a:t>, technical </a:t>
+            </a:r>
+            <a:endParaRPr lang="en-US" dirty="0"/>
+          </a:p>
+        </p:txBody>
+      </p:sp>
+      <p:sp>
+        <p:nvSpPr>
+          <p:cNvPr id="4" name="Slide Number Placeholder 3"/>
+          <p:cNvSpPr>
+            <a:spLocks noGrp="1"/>
+          </p:cNvSpPr>
+          <p:nvPr>
+            <p:ph type="sldNum" sz="quarter" idx="10"/>
+          </p:nvPr>
+        </p:nvSpPr>
+        <p:spPr/>
+        <p:txBody>
+          <a:bodyPr/>
+          <a:lstStyle/>
+          <a:p>
+            <a:fld id="{036A4C59-9997-D64D-B418-4F4AB05D75FD}" type="slidenum">
+              <a:rPr lang="en-US" smtClean="0"/>
+              <a:t>32</a:t>
             </a:fld>
             <a:endParaRPr lang="en-US"/>
           </a:p>
@@ -1434,26 +1723,11 @@
           <a:p>
             <a:r>
               <a:rPr lang="en-US" dirty="0" smtClean="0"/>
-              <a:t>Before we start looking at and comparing schemas its important to ask, “what’s</a:t>
+              <a:t>Also</a:t>
             </a:r>
             <a:r>
               <a:rPr lang="en-US" baseline="0" dirty="0" smtClean="0"/>
-              <a:t> the goal”</a:t>
-            </a:r>
-          </a:p>
-          <a:p>
-            <a:endParaRPr lang="en-US" baseline="0" dirty="0" smtClean="0"/>
-          </a:p>
-          <a:p>
-            <a:r>
-              <a:rPr lang="en-US" baseline="0" dirty="0" smtClean="0"/>
-              <a:t>She’s not talking about data – </a:t>
-            </a:r>
-          </a:p>
-          <a:p>
-            <a:r>
-              <a:rPr lang="en-US" baseline="0" dirty="0" smtClean="0"/>
-              <a:t>Still an emerging set of resources about data objects</a:t>
+              <a:t> </a:t>
             </a:r>
             <a:endParaRPr lang="en-US" dirty="0"/>
           </a:p>
@@ -1485,7 +1759,7 @@
     </p:spTree>
     <p:extLst>
       <p:ext uri="{BB962C8B-B14F-4D97-AF65-F5344CB8AC3E}">
-        <p14:creationId xmlns:p14="http://schemas.microsoft.com/office/powerpoint/2010/main" val="2126087077"/>
+        <p14:creationId xmlns:p14="http://schemas.microsoft.com/office/powerpoint/2010/main" val="3836724325"/>
       </p:ext>
     </p:extLst>
   </p:cSld>
@@ -1541,11 +1815,26 @@
           <a:p>
             <a:r>
               <a:rPr lang="en-US" dirty="0" smtClean="0"/>
-              <a:t>After understanding strengths priorities and constraints of</a:t>
+              <a:t>Before we start looking at and comparing schemas its important to ask, “what’s</a:t>
             </a:r>
             <a:r>
               <a:rPr lang="en-US" baseline="0" dirty="0" smtClean="0"/>
-              <a:t> your repository</a:t>
+              <a:t> the goal”</a:t>
+            </a:r>
+          </a:p>
+          <a:p>
+            <a:endParaRPr lang="en-US" baseline="0" dirty="0" smtClean="0"/>
+          </a:p>
+          <a:p>
+            <a:r>
+              <a:rPr lang="en-US" baseline="0" dirty="0" smtClean="0"/>
+              <a:t>She’s not talking about data – </a:t>
+            </a:r>
+          </a:p>
+          <a:p>
+            <a:r>
+              <a:rPr lang="en-US" baseline="0" dirty="0" smtClean="0"/>
+              <a:t>Still an emerging set of resources about data objects</a:t>
             </a:r>
             <a:endParaRPr lang="en-US" dirty="0"/>
           </a:p>
@@ -1568,7 +1857,7 @@
           <a:p>
             <a:fld id="{036A4C59-9997-D64D-B418-4F4AB05D75FD}" type="slidenum">
               <a:rPr lang="en-US" smtClean="0"/>
-              <a:t>8</a:t>
+              <a:t>7</a:t>
             </a:fld>
             <a:endParaRPr lang="en-US"/>
           </a:p>
@@ -1577,7 +1866,7 @@
     </p:spTree>
     <p:extLst>
       <p:ext uri="{BB962C8B-B14F-4D97-AF65-F5344CB8AC3E}">
-        <p14:creationId xmlns:p14="http://schemas.microsoft.com/office/powerpoint/2010/main" val="2765581035"/>
+        <p14:creationId xmlns:p14="http://schemas.microsoft.com/office/powerpoint/2010/main" val="2126087077"/>
       </p:ext>
     </p:extLst>
   </p:cSld>
@@ -1631,6 +1920,14 @@
           <a:bodyPr/>
           <a:lstStyle/>
           <a:p>
+            <a:r>
+              <a:rPr lang="en-US" dirty="0" smtClean="0"/>
+              <a:t>Also</a:t>
+            </a:r>
+            <a:r>
+              <a:rPr lang="en-US" baseline="0" dirty="0" smtClean="0"/>
+              <a:t> </a:t>
+            </a:r>
             <a:endParaRPr lang="en-US" dirty="0"/>
           </a:p>
         </p:txBody>
@@ -1652,7 +1949,7 @@
           <a:p>
             <a:fld id="{036A4C59-9997-D64D-B418-4F4AB05D75FD}" type="slidenum">
               <a:rPr lang="en-US" smtClean="0"/>
-              <a:t>9</a:t>
+              <a:t>10</a:t>
             </a:fld>
             <a:endParaRPr lang="en-US"/>
           </a:p>
@@ -1661,7 +1958,7 @@
     </p:spTree>
     <p:extLst>
       <p:ext uri="{BB962C8B-B14F-4D97-AF65-F5344CB8AC3E}">
-        <p14:creationId xmlns:p14="http://schemas.microsoft.com/office/powerpoint/2010/main" val="2067169483"/>
+        <p14:creationId xmlns:p14="http://schemas.microsoft.com/office/powerpoint/2010/main" val="3836724325"/>
       </p:ext>
     </p:extLst>
   </p:cSld>
@@ -1717,40 +2014,11 @@
           <a:p>
             <a:r>
               <a:rPr lang="en-US" dirty="0" smtClean="0"/>
-              <a:t>With these requirements in mind</a:t>
+              <a:t>For research data, more often than not, if</a:t>
             </a:r>
             <a:r>
               <a:rPr lang="en-US" baseline="0" dirty="0" smtClean="0"/>
-              <a:t>, you can return to resources like “Seeing Standards” or </a:t>
-            </a:r>
-          </a:p>
-          <a:p>
-            <a:r>
-              <a:rPr lang="en-US" baseline="0" dirty="0" smtClean="0"/>
-              <a:t>http://</a:t>
-            </a:r>
-            <a:r>
-              <a:rPr lang="en-US" baseline="0" dirty="0" err="1" smtClean="0"/>
-              <a:t>www.dcc.ac.uk</a:t>
-            </a:r>
-            <a:r>
-              <a:rPr lang="en-US" baseline="0" dirty="0" smtClean="0"/>
-              <a:t>/resources/metadata-standards </a:t>
-            </a:r>
-          </a:p>
-          <a:p>
-            <a:r>
-              <a:rPr lang="en-US" baseline="0" dirty="0" smtClean="0"/>
-              <a:t>and begin the process of choosing a metadata schema.  </a:t>
-            </a:r>
-          </a:p>
-          <a:p>
-            <a:endParaRPr lang="en-US" baseline="0" dirty="0" smtClean="0"/>
-          </a:p>
-          <a:p>
-            <a:r>
-              <a:rPr lang="en-US" baseline="0" dirty="0" smtClean="0"/>
-              <a:t>Unfortunately, while the 9 questions do help you determine the scope of your collections and needs, they don’t provide you with a mechanism to point you to a schema</a:t>
+              <a:t>  this means trying to find a domain-specific standard</a:t>
             </a:r>
             <a:endParaRPr lang="en-US" dirty="0"/>
           </a:p>
@@ -1773,7 +2041,7 @@
           <a:p>
             <a:fld id="{036A4C59-9997-D64D-B418-4F4AB05D75FD}" type="slidenum">
               <a:rPr lang="en-US" smtClean="0"/>
-              <a:t>10</a:t>
+              <a:t>11</a:t>
             </a:fld>
             <a:endParaRPr lang="en-US"/>
           </a:p>
@@ -1782,7 +2050,7 @@
     </p:spTree>
     <p:extLst>
       <p:ext uri="{BB962C8B-B14F-4D97-AF65-F5344CB8AC3E}">
-        <p14:creationId xmlns:p14="http://schemas.microsoft.com/office/powerpoint/2010/main" val="1844635102"/>
+        <p14:creationId xmlns:p14="http://schemas.microsoft.com/office/powerpoint/2010/main" val="3706258625"/>
       </p:ext>
     </p:extLst>
   </p:cSld>
@@ -1865,7 +2133,7 @@
           <a:p>
             <a:fld id="{036A4C59-9997-D64D-B418-4F4AB05D75FD}" type="slidenum">
               <a:rPr lang="en-US" smtClean="0"/>
-              <a:t>11</a:t>
+              <a:t>14</a:t>
             </a:fld>
             <a:endParaRPr lang="en-US"/>
           </a:p>
@@ -1928,7 +2196,59 @@
           <a:bodyPr/>
           <a:lstStyle/>
           <a:p>
+            <a:r>
+              <a:rPr lang="en-US" dirty="0" smtClean="0"/>
+              <a:t>Note</a:t>
+            </a:r>
+            <a:r>
+              <a:rPr lang="en-US" baseline="0" dirty="0" smtClean="0"/>
+              <a:t> that these are equally flawed, too…</a:t>
+            </a:r>
+          </a:p>
+          <a:p>
             <a:endParaRPr lang="en-US" baseline="0" dirty="0" smtClean="0"/>
+          </a:p>
+          <a:p>
+            <a:r>
+              <a:rPr lang="en-US" baseline="0" dirty="0" smtClean="0"/>
+              <a:t>Talk more about trade offs and affordances here</a:t>
+            </a:r>
+          </a:p>
+          <a:p>
+            <a:endParaRPr lang="en-US" baseline="0" dirty="0" smtClean="0"/>
+          </a:p>
+          <a:p>
+            <a:r>
+              <a:rPr lang="en-US" baseline="0" dirty="0" smtClean="0"/>
+              <a:t>GCMD is broader, RDA is more specific (narrower Designated community)</a:t>
+            </a:r>
+          </a:p>
+          <a:p>
+            <a:endParaRPr lang="en-US" baseline="0" dirty="0" smtClean="0"/>
+          </a:p>
+          <a:p>
+            <a:r>
+              <a:rPr lang="en-US" baseline="0" dirty="0" smtClean="0"/>
+              <a:t>Then show XML</a:t>
+            </a:r>
+          </a:p>
+          <a:p>
+            <a:endParaRPr lang="en-US" baseline="0" dirty="0" smtClean="0"/>
+          </a:p>
+          <a:p>
+            <a:r>
+              <a:rPr lang="en-US" baseline="0" dirty="0" smtClean="0"/>
+              <a:t>Decision of what </a:t>
+            </a:r>
+            <a:r>
+              <a:rPr lang="en-US" baseline="0" dirty="0" err="1" smtClean="0"/>
+              <a:t>attrinbute</a:t>
+            </a:r>
+            <a:r>
+              <a:rPr lang="en-US" baseline="0" dirty="0" smtClean="0"/>
+              <a:t> value pair to use has a real consequence</a:t>
+            </a:r>
+            <a:endParaRPr lang="en-US" dirty="0"/>
           </a:p>
         </p:txBody>
       </p:sp>
@@ -1949,7 +2269,7 @@
           <a:p>
             <a:fld id="{036A4C59-9997-D64D-B418-4F4AB05D75FD}" type="slidenum">
               <a:rPr lang="en-US" smtClean="0"/>
-              <a:t>13</a:t>
+              <a:t>15</a:t>
             </a:fld>
             <a:endParaRPr lang="en-US"/>
           </a:p>
@@ -1958,7 +2278,7 @@
     </p:spTree>
     <p:extLst>
       <p:ext uri="{BB962C8B-B14F-4D97-AF65-F5344CB8AC3E}">
-        <p14:creationId xmlns:p14="http://schemas.microsoft.com/office/powerpoint/2010/main" val="2547542338"/>
+        <p14:creationId xmlns:p14="http://schemas.microsoft.com/office/powerpoint/2010/main" val="4089888638"/>
       </p:ext>
     </p:extLst>
   </p:cSld>
@@ -2012,19 +2332,7 @@
           <a:bodyPr/>
           <a:lstStyle/>
           <a:p>
-            <a:r>
-              <a:rPr lang="en-US" smtClean="0"/>
-              <a:t>Those tensions</a:t>
-            </a:r>
-            <a:r>
-              <a:rPr lang="en-US" baseline="0" smtClean="0"/>
-              <a:t>– </a:t>
-            </a:r>
-            <a:r>
-              <a:rPr lang="en-US" baseline="0" dirty="0" smtClean="0"/>
-              <a:t>mean that </a:t>
-            </a:r>
-            <a:endParaRPr lang="en-US" dirty="0"/>
+            <a:endParaRPr lang="en-US" baseline="0" dirty="0" smtClean="0"/>
           </a:p>
         </p:txBody>
       </p:sp>
@@ -2045,7 +2353,7 @@
           <a:p>
             <a:fld id="{036A4C59-9997-D64D-B418-4F4AB05D75FD}" type="slidenum">
               <a:rPr lang="en-US" smtClean="0"/>
-              <a:t>15</a:t>
+              <a:t>17</a:t>
             </a:fld>
             <a:endParaRPr lang="en-US"/>
           </a:p>
@@ -2054,7 +2362,7 @@
     </p:spTree>
     <p:extLst>
       <p:ext uri="{BB962C8B-B14F-4D97-AF65-F5344CB8AC3E}">
-        <p14:creationId xmlns:p14="http://schemas.microsoft.com/office/powerpoint/2010/main" val="460468296"/>
+        <p14:creationId xmlns:p14="http://schemas.microsoft.com/office/powerpoint/2010/main" val="2547542338"/>
       </p:ext>
     </p:extLst>
   </p:cSld>
@@ -2129,7 +2437,7 @@
           <a:p>
             <a:fld id="{036A4C59-9997-D64D-B418-4F4AB05D75FD}" type="slidenum">
               <a:rPr lang="en-US" smtClean="0"/>
-              <a:t>16</a:t>
+              <a:t>19</a:t>
             </a:fld>
             <a:endParaRPr lang="en-US"/>
           </a:p>
@@ -2329,7 +2637,7 @@
           <a:p>
             <a:fld id="{9D6228D5-5F93-BB4A-964B-203967C46295}" type="datetimeFigureOut">
               <a:rPr lang="en-US" smtClean="0"/>
-              <a:t>1/19/15</a:t>
+              <a:t>1/23/15</a:t>
             </a:fld>
             <a:endParaRPr lang="en-US"/>
           </a:p>
@@ -2499,7 +2807,7 @@
           <a:p>
             <a:fld id="{9D6228D5-5F93-BB4A-964B-203967C46295}" type="datetimeFigureOut">
               <a:rPr lang="en-US" smtClean="0"/>
-              <a:t>1/19/15</a:t>
+              <a:t>1/23/15</a:t>
             </a:fld>
             <a:endParaRPr lang="en-US"/>
           </a:p>
@@ -2679,7 +2987,7 @@
           <a:p>
             <a:fld id="{9D6228D5-5F93-BB4A-964B-203967C46295}" type="datetimeFigureOut">
               <a:rPr lang="en-US" smtClean="0"/>
-              <a:t>1/19/15</a:t>
+              <a:t>1/23/15</a:t>
             </a:fld>
             <a:endParaRPr lang="en-US"/>
           </a:p>
@@ -2849,7 +3157,7 @@
           <a:p>
             <a:fld id="{9D6228D5-5F93-BB4A-964B-203967C46295}" type="datetimeFigureOut">
               <a:rPr lang="en-US" smtClean="0"/>
-              <a:t>1/19/15</a:t>
+              <a:t>1/23/15</a:t>
             </a:fld>
             <a:endParaRPr lang="en-US"/>
           </a:p>
@@ -3095,7 +3403,7 @@
           <a:p>
             <a:fld id="{9D6228D5-5F93-BB4A-964B-203967C46295}" type="datetimeFigureOut">
               <a:rPr lang="en-US" smtClean="0"/>
-              <a:t>1/19/15</a:t>
+              <a:t>1/23/15</a:t>
             </a:fld>
             <a:endParaRPr lang="en-US"/>
           </a:p>
@@ -3383,7 +3691,7 @@
           <a:p>
             <a:fld id="{9D6228D5-5F93-BB4A-964B-203967C46295}" type="datetimeFigureOut">
               <a:rPr lang="en-US" smtClean="0"/>
-              <a:t>1/19/15</a:t>
+              <a:t>1/23/15</a:t>
             </a:fld>
             <a:endParaRPr lang="en-US"/>
           </a:p>
@@ -3805,7 +4113,7 @@
           <a:p>
             <a:fld id="{9D6228D5-5F93-BB4A-964B-203967C46295}" type="datetimeFigureOut">
               <a:rPr lang="en-US" smtClean="0"/>
-              <a:t>1/19/15</a:t>
+              <a:t>1/23/15</a:t>
             </a:fld>
             <a:endParaRPr lang="en-US"/>
           </a:p>
@@ -3923,7 +4231,7 @@
           <a:p>
             <a:fld id="{9D6228D5-5F93-BB4A-964B-203967C46295}" type="datetimeFigureOut">
               <a:rPr lang="en-US" smtClean="0"/>
-              <a:t>1/19/15</a:t>
+              <a:t>1/23/15</a:t>
             </a:fld>
             <a:endParaRPr lang="en-US"/>
           </a:p>
@@ -4018,7 +4326,7 @@
           <a:p>
             <a:fld id="{9D6228D5-5F93-BB4A-964B-203967C46295}" type="datetimeFigureOut">
               <a:rPr lang="en-US" smtClean="0"/>
-              <a:t>1/19/15</a:t>
+              <a:t>1/23/15</a:t>
             </a:fld>
             <a:endParaRPr lang="en-US"/>
           </a:p>
@@ -4295,7 +4603,7 @@
           <a:p>
             <a:fld id="{9D6228D5-5F93-BB4A-964B-203967C46295}" type="datetimeFigureOut">
               <a:rPr lang="en-US" smtClean="0"/>
-              <a:t>1/19/15</a:t>
+              <a:t>1/23/15</a:t>
             </a:fld>
             <a:endParaRPr lang="en-US"/>
           </a:p>
@@ -4548,7 +4856,7 @@
           <a:p>
             <a:fld id="{9D6228D5-5F93-BB4A-964B-203967C46295}" type="datetimeFigureOut">
               <a:rPr lang="en-US" smtClean="0"/>
-              <a:t>1/19/15</a:t>
+              <a:t>1/23/15</a:t>
             </a:fld>
             <a:endParaRPr lang="en-US"/>
           </a:p>
@@ -4761,7 +5069,7 @@
           <a:p>
             <a:fld id="{9D6228D5-5F93-BB4A-964B-203967C46295}" type="datetimeFigureOut">
               <a:rPr lang="en-US" smtClean="0"/>
-              <a:t>1/19/15</a:t>
+              <a:t>1/23/15</a:t>
             </a:fld>
             <a:endParaRPr lang="en-US"/>
           </a:p>
@@ -5275,46 +5583,143 @@
         </p:nvSpPr>
         <p:spPr/>
         <p:txBody>
-          <a:bodyPr/>
+          <a:bodyPr>
+            <a:normAutofit/>
+          </a:bodyPr>
           <a:lstStyle/>
           <a:p>
             <a:r>
               <a:rPr lang="en-US" dirty="0" smtClean="0"/>
-              <a:t>THEN Evaluate </a:t>
-            </a:r>
-            <a:r>
-              <a:rPr lang="en-US" dirty="0" smtClean="0"/>
-              <a:t>Schemas</a:t>
-            </a:r>
-            <a:endParaRPr lang="en-US" dirty="0"/>
-          </a:p>
-        </p:txBody>
-      </p:sp>
-      <p:sp>
-        <p:nvSpPr>
-          <p:cNvPr id="3" name="Content Placeholder 2"/>
-          <p:cNvSpPr>
-            <a:spLocks noGrp="1"/>
-          </p:cNvSpPr>
-          <p:nvPr>
-            <p:ph idx="1"/>
-          </p:nvPr>
-        </p:nvSpPr>
-        <p:spPr/>
-        <p:txBody>
-          <a:bodyPr/>
-          <a:lstStyle/>
-          <a:p>
-            <a:pPr marL="457200" lvl="1" indent="0">
-              <a:buNone/>
-            </a:pPr>
+              <a:t>Consumer needs</a:t>
+            </a:r>
             <a:endParaRPr lang="en-US" dirty="0"/>
           </a:p>
         </p:txBody>
       </p:sp>
       <p:pic>
         <p:nvPicPr>
-          <p:cNvPr id="4" name="Picture 3" descr="seeingstandards.pdf"/>
+          <p:cNvPr id="4" name="Content Placeholder 3"/>
+          <p:cNvPicPr>
+            <a:picLocks noGrp="1" noChangeAspect="1"/>
+          </p:cNvPicPr>
+          <p:nvPr>
+            <p:ph idx="1"/>
+          </p:nvPr>
+        </p:nvPicPr>
+        <p:blipFill>
+          <a:blip r:embed="rId3"/>
+          <a:srcRect l="702" r="702"/>
+          <a:stretch>
+            <a:fillRect/>
+          </a:stretch>
+        </p:blipFill>
+        <p:spPr>
+          <a:xfrm>
+            <a:off x="1144494" y="1600201"/>
+            <a:ext cx="7103035" cy="3906396"/>
+          </a:xfrm>
+        </p:spPr>
+      </p:pic>
+      <p:sp>
+        <p:nvSpPr>
+          <p:cNvPr id="5" name="Donut 4"/>
+          <p:cNvSpPr/>
+          <p:nvPr/>
+        </p:nvSpPr>
+        <p:spPr>
+          <a:xfrm rot="5400000">
+            <a:off x="7270864" y="2812368"/>
+            <a:ext cx="1853688" cy="978183"/>
+          </a:xfrm>
+          <a:prstGeom prst="donut">
+            <a:avLst>
+              <a:gd name="adj" fmla="val 8663"/>
+            </a:avLst>
+          </a:prstGeom>
+        </p:spPr>
+        <p:style>
+          <a:lnRef idx="1">
+            <a:schemeClr val="accent1"/>
+          </a:lnRef>
+          <a:fillRef idx="3">
+            <a:schemeClr val="accent1"/>
+          </a:fillRef>
+          <a:effectRef idx="2">
+            <a:schemeClr val="accent1"/>
+          </a:effectRef>
+          <a:fontRef idx="minor">
+            <a:schemeClr val="lt1"/>
+          </a:fontRef>
+        </p:style>
+        <p:txBody>
+          <a:bodyPr rtlCol="0" anchor="ctr"/>
+          <a:lstStyle/>
+          <a:p>
+            <a:pPr algn="ctr"/>
+            <a:endParaRPr lang="en-US">
+              <a:solidFill>
+                <a:schemeClr val="tx1"/>
+              </a:solidFill>
+            </a:endParaRPr>
+          </a:p>
+        </p:txBody>
+      </p:sp>
+    </p:spTree>
+    <p:extLst>
+      <p:ext uri="{BB962C8B-B14F-4D97-AF65-F5344CB8AC3E}">
+        <p14:creationId xmlns:p14="http://schemas.microsoft.com/office/powerpoint/2010/main" val="751201012"/>
+      </p:ext>
+    </p:extLst>
+  </p:cSld>
+  <p:clrMapOvr>
+    <a:masterClrMapping/>
+  </p:clrMapOvr>
+</p:sld>
+</file>
+
+<file path=ppt/slides/slide11.xml><?xml version="1.0" encoding="utf-8"?>
+<p:sld xmlns:a="http://schemas.openxmlformats.org/drawingml/2006/main" xmlns:r="http://schemas.openxmlformats.org/officeDocument/2006/relationships" xmlns:p="http://schemas.openxmlformats.org/presentationml/2006/main">
+  <p:cSld>
+    <p:spTree>
+      <p:nvGrpSpPr>
+        <p:cNvPr id="1" name=""/>
+        <p:cNvGrpSpPr/>
+        <p:nvPr/>
+      </p:nvGrpSpPr>
+      <p:grpSpPr>
+        <a:xfrm>
+          <a:off x="0" y="0"/>
+          <a:ext cx="0" cy="0"/>
+          <a:chOff x="0" y="0"/>
+          <a:chExt cx="0" cy="0"/>
+        </a:xfrm>
+      </p:grpSpPr>
+      <p:sp>
+        <p:nvSpPr>
+          <p:cNvPr id="2" name="Title 1"/>
+          <p:cNvSpPr>
+            <a:spLocks noGrp="1"/>
+          </p:cNvSpPr>
+          <p:nvPr>
+            <p:ph type="title"/>
+          </p:nvPr>
+        </p:nvSpPr>
+        <p:spPr/>
+        <p:txBody>
+          <a:bodyPr/>
+          <a:lstStyle/>
+          <a:p>
+            <a:r>
+              <a:rPr lang="en-US" dirty="0" smtClean="0"/>
+              <a:t>Domain Specific Standards</a:t>
+            </a:r>
+            <a:endParaRPr lang="en-US" dirty="0"/>
+          </a:p>
+        </p:txBody>
+      </p:sp>
+      <p:pic>
+        <p:nvPicPr>
+          <p:cNvPr id="5" name="Picture 4" descr="darwin-core-unofficial-logo.jpg"/>
           <p:cNvPicPr>
             <a:picLocks noChangeAspect="1"/>
           </p:cNvPicPr>
@@ -5334,8 +5739,188 @@
         </p:blipFill>
         <p:spPr>
           <a:xfrm>
-            <a:off x="0" y="2416198"/>
-            <a:ext cx="9144000" cy="3048000"/>
+            <a:off x="457201" y="1667844"/>
+            <a:ext cx="1036048" cy="1353769"/>
+          </a:xfrm>
+          <a:prstGeom prst="rect">
+            <a:avLst/>
+          </a:prstGeom>
+        </p:spPr>
+      </p:pic>
+      <p:pic>
+        <p:nvPicPr>
+          <p:cNvPr id="6" name="Picture 5" descr="imgres.jpg"/>
+          <p:cNvPicPr>
+            <a:picLocks noChangeAspect="1"/>
+          </p:cNvPicPr>
+          <p:nvPr/>
+        </p:nvPicPr>
+        <p:blipFill>
+          <a:blip r:embed="rId4">
+            <a:extLst>
+              <a:ext uri="{28A0092B-C50C-407E-A947-70E740481C1C}">
+                <a14:useLocalDpi xmlns:a14="http://schemas.microsoft.com/office/drawing/2010/main" val="0"/>
+              </a:ext>
+            </a:extLst>
+          </a:blip>
+          <a:stretch>
+            <a:fillRect/>
+          </a:stretch>
+        </p:blipFill>
+        <p:spPr>
+          <a:xfrm>
+            <a:off x="503280" y="4312899"/>
+            <a:ext cx="812800" cy="812800"/>
+          </a:xfrm>
+          <a:prstGeom prst="rect">
+            <a:avLst/>
+          </a:prstGeom>
+        </p:spPr>
+      </p:pic>
+      <p:pic>
+        <p:nvPicPr>
+          <p:cNvPr id="7" name="Picture 6" descr="logo.png"/>
+          <p:cNvPicPr>
+            <a:picLocks noChangeAspect="1"/>
+          </p:cNvPicPr>
+          <p:nvPr/>
+        </p:nvPicPr>
+        <p:blipFill>
+          <a:blip r:embed="rId5">
+            <a:extLst>
+              <a:ext uri="{28A0092B-C50C-407E-A947-70E740481C1C}">
+                <a14:useLocalDpi xmlns:a14="http://schemas.microsoft.com/office/drawing/2010/main" val="0"/>
+              </a:ext>
+            </a:extLst>
+          </a:blip>
+          <a:stretch>
+            <a:fillRect/>
+          </a:stretch>
+        </p:blipFill>
+        <p:spPr>
+          <a:xfrm>
+            <a:off x="2621149" y="2866224"/>
+            <a:ext cx="1485900" cy="685800"/>
+          </a:xfrm>
+          <a:prstGeom prst="rect">
+            <a:avLst/>
+          </a:prstGeom>
+        </p:spPr>
+      </p:pic>
+      <p:pic>
+        <p:nvPicPr>
+          <p:cNvPr id="8" name="Picture 7" descr="imgres.jpg"/>
+          <p:cNvPicPr>
+            <a:picLocks noChangeAspect="1"/>
+          </p:cNvPicPr>
+          <p:nvPr/>
+        </p:nvPicPr>
+        <p:blipFill>
+          <a:blip r:embed="rId6">
+            <a:extLst>
+              <a:ext uri="{28A0092B-C50C-407E-A947-70E740481C1C}">
+                <a14:useLocalDpi xmlns:a14="http://schemas.microsoft.com/office/drawing/2010/main" val="0"/>
+              </a:ext>
+            </a:extLst>
+          </a:blip>
+          <a:stretch>
+            <a:fillRect/>
+          </a:stretch>
+        </p:blipFill>
+        <p:spPr>
+          <a:xfrm>
+            <a:off x="6813755" y="1880559"/>
+            <a:ext cx="1873045" cy="1313927"/>
+          </a:xfrm>
+          <a:prstGeom prst="rect">
+            <a:avLst/>
+          </a:prstGeom>
+        </p:spPr>
+      </p:pic>
+      <p:sp>
+        <p:nvSpPr>
+          <p:cNvPr id="9" name="TextBox 8"/>
+          <p:cNvSpPr txBox="1"/>
+          <p:nvPr/>
+        </p:nvSpPr>
+        <p:spPr>
+          <a:xfrm>
+            <a:off x="4514072" y="3998534"/>
+            <a:ext cx="2025325" cy="369332"/>
+          </a:xfrm>
+          <a:prstGeom prst="rect">
+            <a:avLst/>
+          </a:prstGeom>
+          <a:noFill/>
+        </p:spPr>
+        <p:txBody>
+          <a:bodyPr wrap="square" rtlCol="0">
+            <a:spAutoFit/>
+          </a:bodyPr>
+          <a:lstStyle/>
+          <a:p>
+            <a:r>
+              <a:rPr lang="en-US" dirty="0" smtClean="0"/>
+              <a:t>more</a:t>
+            </a:r>
+            <a:endParaRPr lang="en-US" dirty="0"/>
+          </a:p>
+        </p:txBody>
+      </p:sp>
+      <p:pic>
+        <p:nvPicPr>
+          <p:cNvPr id="10" name="Picture 9" descr="midas.tiff"/>
+          <p:cNvPicPr>
+            <a:picLocks noChangeAspect="1"/>
+          </p:cNvPicPr>
+          <p:nvPr/>
+        </p:nvPicPr>
+        <p:blipFill>
+          <a:blip r:embed="rId7">
+            <a:extLst>
+              <a:ext uri="{28A0092B-C50C-407E-A947-70E740481C1C}">
+                <a14:useLocalDpi xmlns:a14="http://schemas.microsoft.com/office/drawing/2010/main" val="0"/>
+              </a:ext>
+            </a:extLst>
+          </a:blip>
+          <a:stretch>
+            <a:fillRect/>
+          </a:stretch>
+        </p:blipFill>
+        <p:spPr>
+          <a:xfrm flipV="1">
+            <a:off x="6348361" y="3563319"/>
+            <a:ext cx="1907414" cy="749580"/>
+          </a:xfrm>
+          <a:prstGeom prst="rect">
+            <a:avLst/>
+          </a:prstGeom>
+        </p:spPr>
+      </p:pic>
+      <p:pic>
+        <p:nvPicPr>
+          <p:cNvPr id="11" name="Picture 10" descr="logo.png"/>
+          <p:cNvPicPr>
+            <a:picLocks noChangeAspect="1"/>
+          </p:cNvPicPr>
+          <p:nvPr/>
+        </p:nvPicPr>
+        <p:blipFill>
+          <a:blip r:embed="rId8">
+            <a:extLst>
+              <a:ext uri="{28A0092B-C50C-407E-A947-70E740481C1C}">
+                <a14:useLocalDpi xmlns:a14="http://schemas.microsoft.com/office/drawing/2010/main" val="0"/>
+              </a:ext>
+            </a:extLst>
+          </a:blip>
+          <a:stretch>
+            <a:fillRect/>
+          </a:stretch>
+        </p:blipFill>
+        <p:spPr>
+          <a:xfrm>
+            <a:off x="2378842" y="4710860"/>
+            <a:ext cx="2451100" cy="977900"/>
           </a:xfrm>
           <a:prstGeom prst="rect">
             <a:avLst/>
@@ -5345,24 +5930,212 @@
     </p:spTree>
     <p:extLst>
       <p:ext uri="{BB962C8B-B14F-4D97-AF65-F5344CB8AC3E}">
-        <p14:creationId xmlns:p14="http://schemas.microsoft.com/office/powerpoint/2010/main" val="1228390011"/>
+        <p14:creationId xmlns:p14="http://schemas.microsoft.com/office/powerpoint/2010/main" val="2634665445"/>
       </p:ext>
     </p:extLst>
   </p:cSld>
   <p:clrMapOvr>
     <a:masterClrMapping/>
   </p:clrMapOvr>
-  <p:timing>
-    <p:tnLst>
-      <p:par>
-        <p:cTn xmlns:p14="http://schemas.microsoft.com/office/powerpoint/2010/main" id="1" dur="indefinite" restart="never" nodeType="tmRoot"/>
-      </p:par>
-    </p:tnLst>
-  </p:timing>
 </p:sld>
 </file>
 
-<file path=ppt/slides/slide11.xml><?xml version="1.0" encoding="utf-8"?>
+<file path=ppt/slides/slide12.xml><?xml version="1.0" encoding="utf-8"?>
+<p:sld xmlns:a="http://schemas.openxmlformats.org/drawingml/2006/main" xmlns:r="http://schemas.openxmlformats.org/officeDocument/2006/relationships" xmlns:p="http://schemas.openxmlformats.org/presentationml/2006/main">
+  <p:cSld>
+    <p:spTree>
+      <p:nvGrpSpPr>
+        <p:cNvPr id="1" name=""/>
+        <p:cNvGrpSpPr/>
+        <p:nvPr/>
+      </p:nvGrpSpPr>
+      <p:grpSpPr>
+        <a:xfrm>
+          <a:off x="0" y="0"/>
+          <a:ext cx="0" cy="0"/>
+          <a:chOff x="0" y="0"/>
+          <a:chExt cx="0" cy="0"/>
+        </a:xfrm>
+      </p:grpSpPr>
+      <p:sp>
+        <p:nvSpPr>
+          <p:cNvPr id="2" name="Title 1"/>
+          <p:cNvSpPr>
+            <a:spLocks noGrp="1"/>
+          </p:cNvSpPr>
+          <p:nvPr>
+            <p:ph type="title"/>
+          </p:nvPr>
+        </p:nvSpPr>
+        <p:spPr/>
+        <p:txBody>
+          <a:bodyPr/>
+          <a:lstStyle/>
+          <a:p>
+            <a:endParaRPr lang="en-US" dirty="0"/>
+          </a:p>
+        </p:txBody>
+      </p:sp>
+      <p:sp>
+        <p:nvSpPr>
+          <p:cNvPr id="3" name="Content Placeholder 2"/>
+          <p:cNvSpPr>
+            <a:spLocks noGrp="1"/>
+          </p:cNvSpPr>
+          <p:nvPr>
+            <p:ph idx="1"/>
+          </p:nvPr>
+        </p:nvSpPr>
+        <p:spPr/>
+        <p:txBody>
+          <a:bodyPr/>
+          <a:lstStyle/>
+          <a:p>
+            <a:r>
+              <a:rPr lang="en-US" dirty="0" smtClean="0"/>
+              <a:t>Pros: can better facilitate reuse by better describing data; greatly improves interoperability</a:t>
+            </a:r>
+          </a:p>
+          <a:p>
+            <a:endParaRPr lang="en-US" dirty="0"/>
+          </a:p>
+          <a:p>
+            <a:r>
+              <a:rPr lang="en-US" dirty="0" smtClean="0"/>
+              <a:t>Cons: hard to use and understand by non-expert; do not cover all use cases, even for their domain</a:t>
+            </a:r>
+            <a:endParaRPr lang="en-US" dirty="0"/>
+          </a:p>
+        </p:txBody>
+      </p:sp>
+    </p:spTree>
+    <p:extLst>
+      <p:ext uri="{BB962C8B-B14F-4D97-AF65-F5344CB8AC3E}">
+        <p14:creationId xmlns:p14="http://schemas.microsoft.com/office/powerpoint/2010/main" val="1498450612"/>
+      </p:ext>
+    </p:extLst>
+  </p:cSld>
+  <p:clrMapOvr>
+    <a:masterClrMapping/>
+  </p:clrMapOvr>
+</p:sld>
+</file>
+
+<file path=ppt/slides/slide13.xml><?xml version="1.0" encoding="utf-8"?>
+<p:sld xmlns:a="http://schemas.openxmlformats.org/drawingml/2006/main" xmlns:r="http://schemas.openxmlformats.org/officeDocument/2006/relationships" xmlns:p="http://schemas.openxmlformats.org/presentationml/2006/main">
+  <p:cSld>
+    <p:spTree>
+      <p:nvGrpSpPr>
+        <p:cNvPr id="1" name=""/>
+        <p:cNvGrpSpPr/>
+        <p:nvPr/>
+      </p:nvGrpSpPr>
+      <p:grpSpPr>
+        <a:xfrm>
+          <a:off x="0" y="0"/>
+          <a:ext cx="0" cy="0"/>
+          <a:chOff x="0" y="0"/>
+          <a:chExt cx="0" cy="0"/>
+        </a:xfrm>
+      </p:grpSpPr>
+      <p:sp>
+        <p:nvSpPr>
+          <p:cNvPr id="2" name="Title 1"/>
+          <p:cNvSpPr>
+            <a:spLocks noGrp="1"/>
+          </p:cNvSpPr>
+          <p:nvPr>
+            <p:ph type="title"/>
+          </p:nvPr>
+        </p:nvSpPr>
+        <p:spPr/>
+        <p:txBody>
+          <a:bodyPr>
+            <a:normAutofit fontScale="90000"/>
+          </a:bodyPr>
+          <a:lstStyle/>
+          <a:p>
+            <a:r>
+              <a:rPr lang="en-US" dirty="0" smtClean="0"/>
+              <a:t>Different goals of scientific metadata</a:t>
+            </a:r>
+            <a:endParaRPr lang="en-US" dirty="0"/>
+          </a:p>
+        </p:txBody>
+      </p:sp>
+      <p:pic>
+        <p:nvPicPr>
+          <p:cNvPr id="4" name="Content Placeholder 3" descr="metadata goals.tiff"/>
+          <p:cNvPicPr>
+            <a:picLocks noGrp="1" noChangeAspect="1"/>
+          </p:cNvPicPr>
+          <p:nvPr>
+            <p:ph idx="1"/>
+          </p:nvPr>
+        </p:nvPicPr>
+        <p:blipFill>
+          <a:blip r:embed="rId2">
+            <a:extLst>
+              <a:ext uri="{28A0092B-C50C-407E-A947-70E740481C1C}">
+                <a14:useLocalDpi xmlns:a14="http://schemas.microsoft.com/office/drawing/2010/main" val="0"/>
+              </a:ext>
+            </a:extLst>
+          </a:blip>
+          <a:srcRect l="-21334" r="-21334"/>
+          <a:stretch>
+            <a:fillRect/>
+          </a:stretch>
+        </p:blipFill>
+        <p:spPr>
+          <a:xfrm>
+            <a:off x="826831" y="1434799"/>
+            <a:ext cx="7636837" cy="4199966"/>
+          </a:xfrm>
+        </p:spPr>
+      </p:pic>
+      <p:sp>
+        <p:nvSpPr>
+          <p:cNvPr id="5" name="TextBox 4"/>
+          <p:cNvSpPr txBox="1"/>
+          <p:nvPr/>
+        </p:nvSpPr>
+        <p:spPr>
+          <a:xfrm>
+            <a:off x="7517733" y="4479044"/>
+            <a:ext cx="1626267" cy="923330"/>
+          </a:xfrm>
+          <a:prstGeom prst="rect">
+            <a:avLst/>
+          </a:prstGeom>
+          <a:noFill/>
+        </p:spPr>
+        <p:txBody>
+          <a:bodyPr wrap="square" rtlCol="0">
+            <a:spAutoFit/>
+          </a:bodyPr>
+          <a:lstStyle/>
+          <a:p>
+            <a:r>
+              <a:rPr lang="en-US" dirty="0"/>
+              <a:t>(Willis, Greenberg &amp; White, 2012)</a:t>
+            </a:r>
+          </a:p>
+        </p:txBody>
+      </p:sp>
+    </p:spTree>
+    <p:extLst>
+      <p:ext uri="{BB962C8B-B14F-4D97-AF65-F5344CB8AC3E}">
+        <p14:creationId xmlns:p14="http://schemas.microsoft.com/office/powerpoint/2010/main" val="403930018"/>
+      </p:ext>
+    </p:extLst>
+  </p:cSld>
+  <p:clrMapOvr>
+    <a:masterClrMapping/>
+  </p:clrMapOvr>
+</p:sld>
+</file>
+
+<file path=ppt/slides/slide14.xml><?xml version="1.0" encoding="utf-8"?>
 <p:sld xmlns:a="http://schemas.openxmlformats.org/drawingml/2006/main" xmlns:r="http://schemas.openxmlformats.org/officeDocument/2006/relationships" xmlns:p="http://schemas.openxmlformats.org/presentationml/2006/main">
   <p:cSld>
     <p:spTree>
@@ -5732,491 +6505,6 @@
   <p:clrMapOvr>
     <a:masterClrMapping/>
   </p:clrMapOvr>
-</p:sld>
-</file>
-
-<file path=ppt/slides/slide12.xml><?xml version="1.0" encoding="utf-8"?>
-<p:sld xmlns:a="http://schemas.openxmlformats.org/drawingml/2006/main" xmlns:r="http://schemas.openxmlformats.org/officeDocument/2006/relationships" xmlns:p="http://schemas.openxmlformats.org/presentationml/2006/main">
-  <p:cSld>
-    <p:spTree>
-      <p:nvGrpSpPr>
-        <p:cNvPr id="1" name=""/>
-        <p:cNvGrpSpPr/>
-        <p:nvPr/>
-      </p:nvGrpSpPr>
-      <p:grpSpPr>
-        <a:xfrm>
-          <a:off x="0" y="0"/>
-          <a:ext cx="0" cy="0"/>
-          <a:chOff x="0" y="0"/>
-          <a:chExt cx="0" cy="0"/>
-        </a:xfrm>
-      </p:grpSpPr>
-      <p:sp>
-        <p:nvSpPr>
-          <p:cNvPr id="2" name="Title 1"/>
-          <p:cNvSpPr>
-            <a:spLocks noGrp="1"/>
-          </p:cNvSpPr>
-          <p:nvPr>
-            <p:ph type="title"/>
-          </p:nvPr>
-        </p:nvSpPr>
-        <p:spPr/>
-        <p:txBody>
-          <a:bodyPr>
-            <a:normAutofit/>
-          </a:bodyPr>
-          <a:lstStyle/>
-          <a:p>
-            <a:r>
-              <a:rPr lang="en-US" sz="3000" dirty="0" smtClean="0"/>
-              <a:t>Standards (and your ability to implement them) will always have limitations</a:t>
-            </a:r>
-            <a:endParaRPr lang="en-US" sz="3000" dirty="0"/>
-          </a:p>
-        </p:txBody>
-      </p:sp>
-      <p:sp>
-        <p:nvSpPr>
-          <p:cNvPr id="3" name="Content Placeholder 2"/>
-          <p:cNvSpPr>
-            <a:spLocks noGrp="1"/>
-          </p:cNvSpPr>
-          <p:nvPr>
-            <p:ph idx="1"/>
-          </p:nvPr>
-        </p:nvSpPr>
-        <p:spPr/>
-        <p:txBody>
-          <a:bodyPr/>
-          <a:lstStyle/>
-          <a:p>
-            <a:pPr marL="0" indent="0">
-              <a:buNone/>
-            </a:pPr>
-            <a:endParaRPr lang="en-US" dirty="0" smtClean="0"/>
-          </a:p>
-          <a:p>
-            <a:pPr marL="0" indent="0">
-              <a:buNone/>
-            </a:pPr>
-            <a:endParaRPr lang="en-US" dirty="0"/>
-          </a:p>
-          <a:p>
-            <a:pPr marL="0" indent="0">
-              <a:buNone/>
-            </a:pPr>
-            <a:endParaRPr lang="en-US" dirty="0" smtClean="0"/>
-          </a:p>
-          <a:p>
-            <a:pPr marL="0" indent="0">
-              <a:buNone/>
-            </a:pPr>
-            <a:endParaRPr lang="en-US" dirty="0"/>
-          </a:p>
-          <a:p>
-            <a:pPr marL="0" indent="0" algn="ctr">
-              <a:buNone/>
-            </a:pPr>
-            <a:endParaRPr lang="en-US" dirty="0"/>
-          </a:p>
-        </p:txBody>
-      </p:sp>
-      <p:cxnSp>
-        <p:nvCxnSpPr>
-          <p:cNvPr id="5" name="Straight Arrow Connector 4"/>
-          <p:cNvCxnSpPr/>
-          <p:nvPr/>
-        </p:nvCxnSpPr>
-        <p:spPr>
-          <a:xfrm>
-            <a:off x="2698730" y="3636211"/>
-            <a:ext cx="3475028" cy="0"/>
-          </a:xfrm>
-          <a:prstGeom prst="straightConnector1">
-            <a:avLst/>
-          </a:prstGeom>
-          <a:ln>
-            <a:headEnd type="arrow"/>
-            <a:tailEnd type="arrow"/>
-          </a:ln>
-        </p:spPr>
-        <p:style>
-          <a:lnRef idx="2">
-            <a:schemeClr val="accent1"/>
-          </a:lnRef>
-          <a:fillRef idx="0">
-            <a:schemeClr val="accent1"/>
-          </a:fillRef>
-          <a:effectRef idx="1">
-            <a:schemeClr val="accent1"/>
-          </a:effectRef>
-          <a:fontRef idx="minor">
-            <a:schemeClr val="tx1"/>
-          </a:fontRef>
-        </p:style>
-      </p:cxnSp>
-      <p:sp>
-        <p:nvSpPr>
-          <p:cNvPr id="7" name="TextBox 6"/>
-          <p:cNvSpPr txBox="1"/>
-          <p:nvPr/>
-        </p:nvSpPr>
-        <p:spPr>
-          <a:xfrm>
-            <a:off x="881322" y="3313045"/>
-            <a:ext cx="1659569" cy="369332"/>
-          </a:xfrm>
-          <a:prstGeom prst="rect">
-            <a:avLst/>
-          </a:prstGeom>
-          <a:noFill/>
-        </p:spPr>
-        <p:txBody>
-          <a:bodyPr wrap="square" rtlCol="0">
-            <a:spAutoFit/>
-          </a:bodyPr>
-          <a:lstStyle/>
-          <a:p>
-            <a:r>
-              <a:rPr lang="en-US" dirty="0" smtClean="0"/>
-              <a:t>Expressivity</a:t>
-            </a:r>
-            <a:endParaRPr lang="en-US" dirty="0" smtClean="0"/>
-          </a:p>
-        </p:txBody>
-      </p:sp>
-      <p:sp>
-        <p:nvSpPr>
-          <p:cNvPr id="8" name="TextBox 7"/>
-          <p:cNvSpPr txBox="1"/>
-          <p:nvPr/>
-        </p:nvSpPr>
-        <p:spPr>
-          <a:xfrm>
-            <a:off x="6590240" y="3313259"/>
-            <a:ext cx="1659569" cy="369332"/>
-          </a:xfrm>
-          <a:prstGeom prst="rect">
-            <a:avLst/>
-          </a:prstGeom>
-          <a:noFill/>
-        </p:spPr>
-        <p:txBody>
-          <a:bodyPr wrap="square" rtlCol="0">
-            <a:spAutoFit/>
-          </a:bodyPr>
-          <a:lstStyle/>
-          <a:p>
-            <a:r>
-              <a:rPr lang="en-US" dirty="0" smtClean="0"/>
-              <a:t>Interoperability</a:t>
-            </a:r>
-            <a:endParaRPr lang="en-US" dirty="0" smtClean="0"/>
-          </a:p>
-        </p:txBody>
-      </p:sp>
-      <p:sp>
-        <p:nvSpPr>
-          <p:cNvPr id="10" name="TextBox 9"/>
-          <p:cNvSpPr txBox="1"/>
-          <p:nvPr/>
-        </p:nvSpPr>
-        <p:spPr>
-          <a:xfrm>
-            <a:off x="6329180" y="3862809"/>
-            <a:ext cx="2357620" cy="646331"/>
-          </a:xfrm>
-          <a:prstGeom prst="rect">
-            <a:avLst/>
-          </a:prstGeom>
-          <a:noFill/>
-        </p:spPr>
-        <p:txBody>
-          <a:bodyPr wrap="square" rtlCol="0">
-            <a:spAutoFit/>
-          </a:bodyPr>
-          <a:lstStyle/>
-          <a:p>
-            <a:pPr algn="ctr"/>
-            <a:r>
-              <a:rPr lang="en-US" dirty="0" smtClean="0"/>
-              <a:t>Community needs</a:t>
-            </a:r>
-            <a:endParaRPr lang="en-US" dirty="0" smtClean="0"/>
-          </a:p>
-          <a:p>
-            <a:endParaRPr lang="en-US" dirty="0"/>
-          </a:p>
-        </p:txBody>
-      </p:sp>
-      <p:sp>
-        <p:nvSpPr>
-          <p:cNvPr id="11" name="TextBox 10"/>
-          <p:cNvSpPr txBox="1"/>
-          <p:nvPr/>
-        </p:nvSpPr>
-        <p:spPr>
-          <a:xfrm>
-            <a:off x="457200" y="3862800"/>
-            <a:ext cx="2357620" cy="646331"/>
-          </a:xfrm>
-          <a:prstGeom prst="rect">
-            <a:avLst/>
-          </a:prstGeom>
-          <a:noFill/>
-        </p:spPr>
-        <p:txBody>
-          <a:bodyPr wrap="square" rtlCol="0">
-            <a:spAutoFit/>
-          </a:bodyPr>
-          <a:lstStyle/>
-          <a:p>
-            <a:pPr algn="ctr"/>
-            <a:r>
-              <a:rPr lang="en-US" dirty="0" smtClean="0"/>
-              <a:t>Loca</a:t>
-            </a:r>
-            <a:r>
-              <a:rPr lang="en-US" dirty="0" smtClean="0"/>
-              <a:t>l needs</a:t>
-            </a:r>
-            <a:endParaRPr lang="en-US" dirty="0" smtClean="0"/>
-          </a:p>
-          <a:p>
-            <a:endParaRPr lang="en-US" dirty="0"/>
-          </a:p>
-        </p:txBody>
-      </p:sp>
-    </p:spTree>
-    <p:extLst>
-      <p:ext uri="{BB962C8B-B14F-4D97-AF65-F5344CB8AC3E}">
-        <p14:creationId xmlns:p14="http://schemas.microsoft.com/office/powerpoint/2010/main" val="3108970181"/>
-      </p:ext>
-    </p:extLst>
-  </p:cSld>
-  <p:clrMapOvr>
-    <a:masterClrMapping/>
-  </p:clrMapOvr>
-</p:sld>
-</file>
-
-<file path=ppt/slides/slide13.xml><?xml version="1.0" encoding="utf-8"?>
-<p:sld xmlns:a="http://schemas.openxmlformats.org/drawingml/2006/main" xmlns:r="http://schemas.openxmlformats.org/officeDocument/2006/relationships" xmlns:p="http://schemas.openxmlformats.org/presentationml/2006/main">
-  <p:cSld>
-    <p:spTree>
-      <p:nvGrpSpPr>
-        <p:cNvPr id="1" name=""/>
-        <p:cNvGrpSpPr/>
-        <p:nvPr/>
-      </p:nvGrpSpPr>
-      <p:grpSpPr>
-        <a:xfrm>
-          <a:off x="0" y="0"/>
-          <a:ext cx="0" cy="0"/>
-          <a:chOff x="0" y="0"/>
-          <a:chExt cx="0" cy="0"/>
-        </a:xfrm>
-      </p:grpSpPr>
-      <p:pic>
-        <p:nvPicPr>
-          <p:cNvPr id="4" name="Picture 3"/>
-          <p:cNvPicPr>
-            <a:picLocks noChangeAspect="1"/>
-          </p:cNvPicPr>
-          <p:nvPr/>
-        </p:nvPicPr>
-        <p:blipFill>
-          <a:blip r:embed="rId3"/>
-          <a:stretch>
-            <a:fillRect/>
-          </a:stretch>
-        </p:blipFill>
-        <p:spPr>
-          <a:xfrm>
-            <a:off x="1397000" y="1417638"/>
-            <a:ext cx="6350000" cy="3594100"/>
-          </a:xfrm>
-          <a:prstGeom prst="rect">
-            <a:avLst/>
-          </a:prstGeom>
-        </p:spPr>
-      </p:pic>
-      <p:sp>
-        <p:nvSpPr>
-          <p:cNvPr id="2" name="&quot;No&quot; Symbol 1"/>
-          <p:cNvSpPr/>
-          <p:nvPr/>
-        </p:nvSpPr>
-        <p:spPr>
-          <a:xfrm>
-            <a:off x="1789185" y="991505"/>
-            <a:ext cx="5512941" cy="4683217"/>
-          </a:xfrm>
-          <a:prstGeom prst="noSmoking">
-            <a:avLst>
-              <a:gd name="adj" fmla="val 8571"/>
-            </a:avLst>
-          </a:prstGeom>
-          <a:gradFill flip="none" rotWithShape="1">
-            <a:gsLst>
-              <a:gs pos="0">
-                <a:schemeClr val="accent1">
-                  <a:tint val="100000"/>
-                  <a:shade val="100000"/>
-                  <a:satMod val="130000"/>
-                  <a:alpha val="56000"/>
-                </a:schemeClr>
-              </a:gs>
-              <a:gs pos="100000">
-                <a:schemeClr val="accent1">
-                  <a:tint val="50000"/>
-                  <a:shade val="100000"/>
-                  <a:satMod val="350000"/>
-                  <a:alpha val="56000"/>
-                </a:schemeClr>
-              </a:gs>
-            </a:gsLst>
-            <a:lin ang="16200000" scaled="0"/>
-            <a:tileRect/>
-          </a:gradFill>
-        </p:spPr>
-        <p:style>
-          <a:lnRef idx="1">
-            <a:schemeClr val="accent1"/>
-          </a:lnRef>
-          <a:fillRef idx="3">
-            <a:schemeClr val="accent1"/>
-          </a:fillRef>
-          <a:effectRef idx="2">
-            <a:schemeClr val="accent1"/>
-          </a:effectRef>
-          <a:fontRef idx="minor">
-            <a:schemeClr val="lt1"/>
-          </a:fontRef>
-        </p:style>
-        <p:txBody>
-          <a:bodyPr rtlCol="0" anchor="ctr"/>
-          <a:lstStyle/>
-          <a:p>
-            <a:pPr algn="ctr"/>
-            <a:endParaRPr lang="en-US">
-              <a:solidFill>
-                <a:schemeClr val="tx1"/>
-              </a:solidFill>
-            </a:endParaRPr>
-          </a:p>
-        </p:txBody>
-      </p:sp>
-    </p:spTree>
-    <p:extLst>
-      <p:ext uri="{BB962C8B-B14F-4D97-AF65-F5344CB8AC3E}">
-        <p14:creationId xmlns:p14="http://schemas.microsoft.com/office/powerpoint/2010/main" val="421809245"/>
-      </p:ext>
-    </p:extLst>
-  </p:cSld>
-  <p:clrMapOvr>
-    <a:masterClrMapping/>
-  </p:clrMapOvr>
-</p:sld>
-</file>
-
-<file path=ppt/slides/slide14.xml><?xml version="1.0" encoding="utf-8"?>
-<p:sld xmlns:a="http://schemas.openxmlformats.org/drawingml/2006/main" xmlns:r="http://schemas.openxmlformats.org/officeDocument/2006/relationships" xmlns:p="http://schemas.openxmlformats.org/presentationml/2006/main">
-  <p:cSld>
-    <p:spTree>
-      <p:nvGrpSpPr>
-        <p:cNvPr id="1" name=""/>
-        <p:cNvGrpSpPr/>
-        <p:nvPr/>
-      </p:nvGrpSpPr>
-      <p:grpSpPr>
-        <a:xfrm>
-          <a:off x="0" y="0"/>
-          <a:ext cx="0" cy="0"/>
-          <a:chOff x="0" y="0"/>
-          <a:chExt cx="0" cy="0"/>
-        </a:xfrm>
-      </p:grpSpPr>
-      <p:sp>
-        <p:nvSpPr>
-          <p:cNvPr id="2" name="Title 1"/>
-          <p:cNvSpPr>
-            <a:spLocks noGrp="1"/>
-          </p:cNvSpPr>
-          <p:nvPr>
-            <p:ph type="ctrTitle"/>
-          </p:nvPr>
-        </p:nvSpPr>
-        <p:spPr>
-          <a:xfrm>
-            <a:off x="685800" y="2314773"/>
-            <a:ext cx="7772400" cy="1470025"/>
-          </a:xfrm>
-        </p:spPr>
-        <p:txBody>
-          <a:bodyPr>
-            <a:normAutofit fontScale="90000"/>
-          </a:bodyPr>
-          <a:lstStyle/>
-          <a:p>
-            <a:r>
-              <a:rPr lang="en-US" b="1" dirty="0" smtClean="0"/>
-              <a:t>Metadata III: </a:t>
-            </a:r>
-            <a:r>
-              <a:rPr lang="en-US" b="1" dirty="0" err="1" smtClean="0"/>
-              <a:t>Crosswalking</a:t>
-            </a:r>
-            <a:r>
-              <a:rPr lang="en-US" b="1" dirty="0" smtClean="0"/>
-              <a:t>, reconciliation and propagation</a:t>
-            </a:r>
-            <a:endParaRPr lang="en-US" dirty="0"/>
-          </a:p>
-        </p:txBody>
-      </p:sp>
-      <p:pic>
-        <p:nvPicPr>
-          <p:cNvPr id="5" name="Picture 4" descr="DCWS_Banner.jpg"/>
-          <p:cNvPicPr>
-            <a:picLocks noChangeAspect="1"/>
-          </p:cNvPicPr>
-          <p:nvPr/>
-        </p:nvPicPr>
-        <p:blipFill>
-          <a:blip r:embed="rId2">
-            <a:extLst>
-              <a:ext uri="{28A0092B-C50C-407E-A947-70E740481C1C}">
-                <a14:useLocalDpi xmlns:a14="http://schemas.microsoft.com/office/drawing/2010/main" val="0"/>
-              </a:ext>
-            </a:extLst>
-          </a:blip>
-          <a:stretch>
-            <a:fillRect/>
-          </a:stretch>
-        </p:blipFill>
-        <p:spPr>
-          <a:xfrm>
-            <a:off x="0" y="5769782"/>
-            <a:ext cx="9144000" cy="1088218"/>
-          </a:xfrm>
-          <a:prstGeom prst="rect">
-            <a:avLst/>
-          </a:prstGeom>
-        </p:spPr>
-      </p:pic>
-    </p:spTree>
-    <p:extLst>
-      <p:ext uri="{BB962C8B-B14F-4D97-AF65-F5344CB8AC3E}">
-        <p14:creationId xmlns:p14="http://schemas.microsoft.com/office/powerpoint/2010/main" val="2952762318"/>
-      </p:ext>
-    </p:extLst>
-  </p:cSld>
-  <p:clrMapOvr>
-    <a:masterClrMapping/>
-  </p:clrMapOvr>
   <p:timing>
     <p:tnLst>
       <p:par>
@@ -6256,214 +6544,16 @@
         </p:nvSpPr>
         <p:spPr/>
         <p:txBody>
-          <a:bodyPr/>
+          <a:bodyPr>
+            <a:normAutofit fontScale="90000"/>
+          </a:bodyPr>
           <a:lstStyle/>
           <a:p>
             <a:r>
               <a:rPr lang="en-US" dirty="0" smtClean="0"/>
-              <a:t>Metadata in the wild</a:t>
+              <a:t>ICOADS dataset in 2 repositories</a:t>
             </a:r>
             <a:endParaRPr lang="en-US" dirty="0"/>
-          </a:p>
-        </p:txBody>
-      </p:sp>
-      <p:pic>
-        <p:nvPicPr>
-          <p:cNvPr id="5" name="Picture 4" descr="imgres.jpg"/>
-          <p:cNvPicPr>
-            <a:picLocks noChangeAspect="1"/>
-          </p:cNvPicPr>
-          <p:nvPr/>
-        </p:nvPicPr>
-        <p:blipFill>
-          <a:blip r:embed="rId3">
-            <a:extLst>
-              <a:ext uri="{28A0092B-C50C-407E-A947-70E740481C1C}">
-                <a14:useLocalDpi xmlns:a14="http://schemas.microsoft.com/office/drawing/2010/main" val="0"/>
-              </a:ext>
-            </a:extLst>
-          </a:blip>
-          <a:stretch>
-            <a:fillRect/>
-          </a:stretch>
-        </p:blipFill>
-        <p:spPr>
-          <a:xfrm>
-            <a:off x="2976960" y="2384537"/>
-            <a:ext cx="3289300" cy="2463800"/>
-          </a:xfrm>
-          <a:prstGeom prst="rect">
-            <a:avLst/>
-          </a:prstGeom>
-        </p:spPr>
-      </p:pic>
-    </p:spTree>
-    <p:extLst>
-      <p:ext uri="{BB962C8B-B14F-4D97-AF65-F5344CB8AC3E}">
-        <p14:creationId xmlns:p14="http://schemas.microsoft.com/office/powerpoint/2010/main" val="3412809358"/>
-      </p:ext>
-    </p:extLst>
-  </p:cSld>
-  <p:clrMapOvr>
-    <a:masterClrMapping/>
-  </p:clrMapOvr>
-  <p:timing>
-    <p:tnLst>
-      <p:par>
-        <p:cTn xmlns:p14="http://schemas.microsoft.com/office/powerpoint/2010/main" id="1" dur="indefinite" restart="never" nodeType="tmRoot"/>
-      </p:par>
-    </p:tnLst>
-  </p:timing>
-</p:sld>
-</file>
-
-<file path=ppt/slides/slide16.xml><?xml version="1.0" encoding="utf-8"?>
-<p:sld xmlns:a="http://schemas.openxmlformats.org/drawingml/2006/main" xmlns:r="http://schemas.openxmlformats.org/officeDocument/2006/relationships" xmlns:p="http://schemas.openxmlformats.org/presentationml/2006/main">
-  <p:cSld>
-    <p:spTree>
-      <p:nvGrpSpPr>
-        <p:cNvPr id="1" name=""/>
-        <p:cNvGrpSpPr/>
-        <p:nvPr/>
-      </p:nvGrpSpPr>
-      <p:grpSpPr>
-        <a:xfrm>
-          <a:off x="0" y="0"/>
-          <a:ext cx="0" cy="0"/>
-          <a:chOff x="0" y="0"/>
-          <a:chExt cx="0" cy="0"/>
-        </a:xfrm>
-      </p:grpSpPr>
-      <p:sp>
-        <p:nvSpPr>
-          <p:cNvPr id="2" name="Title 1"/>
-          <p:cNvSpPr>
-            <a:spLocks noGrp="1"/>
-          </p:cNvSpPr>
-          <p:nvPr>
-            <p:ph type="title"/>
-          </p:nvPr>
-        </p:nvSpPr>
-        <p:spPr/>
-        <p:txBody>
-          <a:bodyPr>
-            <a:normAutofit/>
-          </a:bodyPr>
-          <a:lstStyle/>
-          <a:p>
-            <a:r>
-              <a:rPr lang="en-US" dirty="0" smtClean="0"/>
-              <a:t>Consider the following</a:t>
-            </a:r>
-            <a:endParaRPr lang="en-US" dirty="0"/>
-          </a:p>
-        </p:txBody>
-      </p:sp>
-      <p:sp>
-        <p:nvSpPr>
-          <p:cNvPr id="3" name="Content Placeholder 2"/>
-          <p:cNvSpPr>
-            <a:spLocks noGrp="1"/>
-          </p:cNvSpPr>
-          <p:nvPr>
-            <p:ph idx="1"/>
-          </p:nvPr>
-        </p:nvSpPr>
-        <p:spPr>
-          <a:xfrm>
-            <a:off x="457199" y="1600200"/>
-            <a:ext cx="7974597" cy="1398797"/>
-          </a:xfrm>
-          <a:ln>
-            <a:solidFill>
-              <a:srgbClr val="000000"/>
-            </a:solidFill>
-          </a:ln>
-        </p:spPr>
-        <p:txBody>
-          <a:bodyPr>
-            <a:noAutofit/>
-          </a:bodyPr>
-          <a:lstStyle/>
-          <a:p>
-            <a:pPr marL="0" indent="0">
-              <a:buNone/>
-            </a:pPr>
-            <a:r>
-              <a:rPr lang="en-US" sz="2400" dirty="0"/>
-              <a:t>100	a	Shakespeare, William   d   1564-</a:t>
-            </a:r>
-            <a:r>
-              <a:rPr lang="en-US" sz="2400" dirty="0" smtClean="0"/>
-              <a:t>1616</a:t>
-            </a:r>
-          </a:p>
-          <a:p>
-            <a:pPr marL="0" indent="0">
-              <a:buNone/>
-            </a:pPr>
-            <a:r>
-              <a:rPr lang="en-US" sz="2400" dirty="0" smtClean="0"/>
-              <a:t>245</a:t>
-            </a:r>
-            <a:r>
-              <a:rPr lang="en-US" sz="2400" dirty="0"/>
-              <a:t>	</a:t>
-            </a:r>
-            <a:r>
-              <a:rPr lang="en-US" sz="2400" dirty="0" smtClean="0"/>
-              <a:t>a</a:t>
-            </a:r>
-            <a:r>
-              <a:rPr lang="en-US" sz="2400" dirty="0"/>
-              <a:t>	</a:t>
-            </a:r>
-            <a:r>
-              <a:rPr lang="en-US" sz="2400" dirty="0" smtClean="0"/>
-              <a:t>The Tempest</a:t>
-            </a:r>
-            <a:r>
-              <a:rPr lang="en-US" sz="2400" dirty="0"/>
-              <a:t>	      </a:t>
-            </a:r>
-            <a:endParaRPr lang="en-US" sz="2400" dirty="0" smtClean="0"/>
-          </a:p>
-          <a:p>
-            <a:pPr marL="0" indent="0">
-              <a:buNone/>
-            </a:pPr>
-            <a:r>
-              <a:rPr lang="en-US" sz="2400" dirty="0" smtClean="0"/>
-              <a:t>260</a:t>
-            </a:r>
-            <a:r>
-              <a:rPr lang="en-US" sz="2400" dirty="0"/>
-              <a:t>	a	</a:t>
-            </a:r>
-            <a:r>
-              <a:rPr lang="en-US" sz="2400" dirty="0" smtClean="0"/>
-              <a:t>London: </a:t>
-            </a:r>
-            <a:r>
-              <a:rPr lang="en-US" sz="2400" dirty="0"/>
-              <a:t>b  </a:t>
-            </a:r>
-            <a:r>
-              <a:rPr lang="en-US" sz="2400" dirty="0" smtClean="0"/>
-              <a:t>Arden Shakespeare,   </a:t>
-            </a:r>
-            <a:r>
-              <a:rPr lang="en-US" sz="2400" dirty="0"/>
-              <a:t>c </a:t>
-            </a:r>
-            <a:r>
-              <a:rPr lang="en-US" sz="2400" dirty="0" smtClean="0"/>
-              <a:t>1999</a:t>
-            </a:r>
-            <a:r>
-              <a:rPr lang="en-US" sz="2400" dirty="0"/>
-              <a:t>	     </a:t>
-            </a:r>
           </a:p>
         </p:txBody>
       </p:sp>
@@ -6634,16 +6724,60 @@
           </a:p>
         </p:txBody>
       </p:sp>
-      <p:sp>
-        <p:nvSpPr>
-          <p:cNvPr id="7" name="Rectangle 6"/>
-          <p:cNvSpPr/>
+      <p:pic>
+        <p:nvPicPr>
+          <p:cNvPr id="8" name="Picture 7" descr="ICOADSRDA.tiff"/>
+          <p:cNvPicPr>
+            <a:picLocks noChangeAspect="1"/>
+          </p:cNvPicPr>
           <p:nvPr/>
-        </p:nvSpPr>
+        </p:nvPicPr>
+        <p:blipFill>
+          <a:blip r:embed="rId3">
+            <a:extLst>
+              <a:ext uri="{28A0092B-C50C-407E-A947-70E740481C1C}">
+                <a14:useLocalDpi xmlns:a14="http://schemas.microsoft.com/office/drawing/2010/main" val="0"/>
+              </a:ext>
+            </a:extLst>
+          </a:blip>
+          <a:stretch>
+            <a:fillRect/>
+          </a:stretch>
+        </p:blipFill>
         <p:spPr>
           <a:xfrm>
-            <a:off x="457199" y="3752166"/>
-            <a:ext cx="8229601" cy="1569660"/>
+            <a:off x="189242" y="1383272"/>
+            <a:ext cx="6450545" cy="3202718"/>
+          </a:xfrm>
+          <a:prstGeom prst="rect">
+            <a:avLst/>
+          </a:prstGeom>
+        </p:spPr>
+      </p:pic>
+      <p:pic>
+        <p:nvPicPr>
+          <p:cNvPr id="9" name="Picture 8" descr="ICOADS.tiff"/>
+          <p:cNvPicPr>
+            <a:picLocks noChangeAspect="1"/>
+          </p:cNvPicPr>
+          <p:nvPr/>
+        </p:nvPicPr>
+        <p:blipFill>
+          <a:blip r:embed="rId4">
+            <a:extLst>
+              <a:ext uri="{28A0092B-C50C-407E-A947-70E740481C1C}">
+                <a14:useLocalDpi xmlns:a14="http://schemas.microsoft.com/office/drawing/2010/main" val="0"/>
+              </a:ext>
+            </a:extLst>
+          </a:blip>
+          <a:stretch>
+            <a:fillRect/>
+          </a:stretch>
+        </p:blipFill>
+        <p:spPr>
+          <a:xfrm>
+            <a:off x="4380226" y="2768987"/>
+            <a:ext cx="5102992" cy="3673082"/>
           </a:xfrm>
           <a:prstGeom prst="rect">
             <a:avLst/>
@@ -6654,79 +6788,320 @@
             </a:solidFill>
           </a:ln>
         </p:spPr>
-        <p:txBody>
-          <a:bodyPr wrap="square">
-            <a:spAutoFit/>
-          </a:bodyPr>
-          <a:lstStyle/>
-          <a:p>
-            <a:r>
-              <a:rPr lang="en-US" sz="2400" dirty="0" smtClean="0"/>
-              <a:t>&lt;</a:t>
-            </a:r>
-            <a:r>
-              <a:rPr lang="en-US" sz="2400" dirty="0" err="1"/>
-              <a:t>dc:creator</a:t>
-            </a:r>
-            <a:r>
-              <a:rPr lang="en-US" sz="2400" dirty="0"/>
-              <a:t>&gt;Shakespeare, William, 1564-1616&lt;/&gt;</a:t>
-            </a:r>
-          </a:p>
-          <a:p>
-            <a:r>
-              <a:rPr lang="en-US" sz="2400" dirty="0" smtClean="0"/>
-              <a:t>&lt;</a:t>
-            </a:r>
-            <a:r>
-              <a:rPr lang="en-US" sz="2400" dirty="0" err="1"/>
-              <a:t>dc:title</a:t>
-            </a:r>
-            <a:r>
-              <a:rPr lang="en-US" sz="2400" dirty="0"/>
-              <a:t>&gt;Hamlet&lt;/&gt;</a:t>
-            </a:r>
-          </a:p>
-          <a:p>
-            <a:r>
-              <a:rPr lang="en-US" sz="2400" dirty="0" smtClean="0"/>
-              <a:t>&lt;</a:t>
-            </a:r>
-            <a:r>
-              <a:rPr lang="en-US" sz="2400" dirty="0" err="1"/>
-              <a:t>dc:publisher</a:t>
-            </a:r>
-            <a:r>
-              <a:rPr lang="en-US" sz="2400" dirty="0"/>
-              <a:t>&gt;Penguin Books&lt;/&gt;</a:t>
-            </a:r>
-          </a:p>
-          <a:p>
-            <a:r>
-              <a:rPr lang="en-US" sz="2400" dirty="0" smtClean="0"/>
-              <a:t>&lt;</a:t>
-            </a:r>
-            <a:r>
-              <a:rPr lang="en-US" sz="2400" dirty="0" err="1"/>
-              <a:t>dc:date</a:t>
-            </a:r>
-            <a:r>
-              <a:rPr lang="en-US" sz="2400" dirty="0"/>
-              <a:t>&gt;2003&lt;/&gt;</a:t>
-            </a:r>
-          </a:p>
-        </p:txBody>
-      </p:sp>
+      </p:pic>
+      <p:pic>
+        <p:nvPicPr>
+          <p:cNvPr id="5" name="Picture 4" descr="GCMD.tiff"/>
+          <p:cNvPicPr>
+            <a:picLocks noChangeAspect="1"/>
+          </p:cNvPicPr>
+          <p:nvPr/>
+        </p:nvPicPr>
+        <p:blipFill>
+          <a:blip r:embed="rId5">
+            <a:extLst>
+              <a:ext uri="{28A0092B-C50C-407E-A947-70E740481C1C}">
+                <a14:useLocalDpi xmlns:a14="http://schemas.microsoft.com/office/drawing/2010/main" val="0"/>
+              </a:ext>
+            </a:extLst>
+          </a:blip>
+          <a:stretch>
+            <a:fillRect/>
+          </a:stretch>
+        </p:blipFill>
+        <p:spPr>
+          <a:xfrm>
+            <a:off x="5750839" y="5825852"/>
+            <a:ext cx="3393161" cy="596679"/>
+          </a:xfrm>
+          <a:prstGeom prst="rect">
+            <a:avLst/>
+          </a:prstGeom>
+        </p:spPr>
+      </p:pic>
     </p:spTree>
     <p:extLst>
       <p:ext uri="{BB962C8B-B14F-4D97-AF65-F5344CB8AC3E}">
-        <p14:creationId xmlns:p14="http://schemas.microsoft.com/office/powerpoint/2010/main" val="3490278807"/>
+        <p14:creationId xmlns:p14="http://schemas.microsoft.com/office/powerpoint/2010/main" val="2209146693"/>
       </p:ext>
     </p:extLst>
   </p:cSld>
   <p:clrMapOvr>
     <a:masterClrMapping/>
   </p:clrMapOvr>
+  <p:timing>
+    <p:tnLst>
+      <p:par>
+        <p:cTn xmlns:p14="http://schemas.microsoft.com/office/powerpoint/2010/main" id="1" dur="indefinite" restart="never" nodeType="tmRoot"/>
+      </p:par>
+    </p:tnLst>
+  </p:timing>
+</p:sld>
+</file>
+
+<file path=ppt/slides/slide16.xml><?xml version="1.0" encoding="utf-8"?>
+<p:sld xmlns:a="http://schemas.openxmlformats.org/drawingml/2006/main" xmlns:r="http://schemas.openxmlformats.org/officeDocument/2006/relationships" xmlns:p="http://schemas.openxmlformats.org/presentationml/2006/main">
+  <p:cSld>
+    <p:spTree>
+      <p:nvGrpSpPr>
+        <p:cNvPr id="1" name=""/>
+        <p:cNvGrpSpPr/>
+        <p:nvPr/>
+      </p:nvGrpSpPr>
+      <p:grpSpPr>
+        <a:xfrm>
+          <a:off x="0" y="0"/>
+          <a:ext cx="0" cy="0"/>
+          <a:chOff x="0" y="0"/>
+          <a:chExt cx="0" cy="0"/>
+        </a:xfrm>
+      </p:grpSpPr>
+      <p:sp>
+        <p:nvSpPr>
+          <p:cNvPr id="2" name="Title 1"/>
+          <p:cNvSpPr>
+            <a:spLocks noGrp="1"/>
+          </p:cNvSpPr>
+          <p:nvPr>
+            <p:ph type="title"/>
+          </p:nvPr>
+        </p:nvSpPr>
+        <p:spPr/>
+        <p:txBody>
+          <a:bodyPr>
+            <a:normAutofit/>
+          </a:bodyPr>
+          <a:lstStyle/>
+          <a:p>
+            <a:r>
+              <a:rPr lang="en-US" sz="3000" dirty="0" smtClean="0"/>
+              <a:t>Standards (and your ability to implement them) will always have limitations</a:t>
+            </a:r>
+            <a:endParaRPr lang="en-US" sz="3000" dirty="0"/>
+          </a:p>
+        </p:txBody>
+      </p:sp>
+      <p:sp>
+        <p:nvSpPr>
+          <p:cNvPr id="3" name="Content Placeholder 2"/>
+          <p:cNvSpPr>
+            <a:spLocks noGrp="1"/>
+          </p:cNvSpPr>
+          <p:nvPr>
+            <p:ph idx="1"/>
+          </p:nvPr>
+        </p:nvSpPr>
+        <p:spPr/>
+        <p:txBody>
+          <a:bodyPr/>
+          <a:lstStyle/>
+          <a:p>
+            <a:pPr marL="0" indent="0">
+              <a:buNone/>
+            </a:pPr>
+            <a:endParaRPr lang="en-US" dirty="0" smtClean="0"/>
+          </a:p>
+          <a:p>
+            <a:pPr marL="0" indent="0">
+              <a:buNone/>
+            </a:pPr>
+            <a:endParaRPr lang="en-US" dirty="0"/>
+          </a:p>
+          <a:p>
+            <a:pPr marL="0" indent="0">
+              <a:buNone/>
+            </a:pPr>
+            <a:endParaRPr lang="en-US" dirty="0" smtClean="0"/>
+          </a:p>
+          <a:p>
+            <a:pPr marL="0" indent="0">
+              <a:buNone/>
+            </a:pPr>
+            <a:endParaRPr lang="en-US" dirty="0"/>
+          </a:p>
+          <a:p>
+            <a:pPr marL="0" indent="0" algn="ctr">
+              <a:buNone/>
+            </a:pPr>
+            <a:endParaRPr lang="en-US" dirty="0"/>
+          </a:p>
+        </p:txBody>
+      </p:sp>
+      <p:cxnSp>
+        <p:nvCxnSpPr>
+          <p:cNvPr id="5" name="Straight Arrow Connector 4"/>
+          <p:cNvCxnSpPr/>
+          <p:nvPr/>
+        </p:nvCxnSpPr>
+        <p:spPr>
+          <a:xfrm>
+            <a:off x="2698730" y="3636211"/>
+            <a:ext cx="3475028" cy="0"/>
+          </a:xfrm>
+          <a:prstGeom prst="straightConnector1">
+            <a:avLst/>
+          </a:prstGeom>
+          <a:ln>
+            <a:headEnd type="arrow"/>
+            <a:tailEnd type="arrow"/>
+          </a:ln>
+        </p:spPr>
+        <p:style>
+          <a:lnRef idx="2">
+            <a:schemeClr val="accent1"/>
+          </a:lnRef>
+          <a:fillRef idx="0">
+            <a:schemeClr val="accent1"/>
+          </a:fillRef>
+          <a:effectRef idx="1">
+            <a:schemeClr val="accent1"/>
+          </a:effectRef>
+          <a:fontRef idx="minor">
+            <a:schemeClr val="tx1"/>
+          </a:fontRef>
+        </p:style>
+      </p:cxnSp>
+      <p:sp>
+        <p:nvSpPr>
+          <p:cNvPr id="7" name="TextBox 6"/>
+          <p:cNvSpPr txBox="1"/>
+          <p:nvPr/>
+        </p:nvSpPr>
+        <p:spPr>
+          <a:xfrm>
+            <a:off x="881322" y="3313045"/>
+            <a:ext cx="1659569" cy="369332"/>
+          </a:xfrm>
+          <a:prstGeom prst="rect">
+            <a:avLst/>
+          </a:prstGeom>
+          <a:noFill/>
+        </p:spPr>
+        <p:txBody>
+          <a:bodyPr wrap="square" rtlCol="0">
+            <a:spAutoFit/>
+          </a:bodyPr>
+          <a:lstStyle/>
+          <a:p>
+            <a:r>
+              <a:rPr lang="en-US" dirty="0" smtClean="0"/>
+              <a:t>Expressivity</a:t>
+            </a:r>
+          </a:p>
+        </p:txBody>
+      </p:sp>
+      <p:sp>
+        <p:nvSpPr>
+          <p:cNvPr id="8" name="TextBox 7"/>
+          <p:cNvSpPr txBox="1"/>
+          <p:nvPr/>
+        </p:nvSpPr>
+        <p:spPr>
+          <a:xfrm>
+            <a:off x="6590240" y="3313259"/>
+            <a:ext cx="1659569" cy="369332"/>
+          </a:xfrm>
+          <a:prstGeom prst="rect">
+            <a:avLst/>
+          </a:prstGeom>
+          <a:noFill/>
+        </p:spPr>
+        <p:txBody>
+          <a:bodyPr wrap="square" rtlCol="0">
+            <a:spAutoFit/>
+          </a:bodyPr>
+          <a:lstStyle/>
+          <a:p>
+            <a:r>
+              <a:rPr lang="en-US" dirty="0" smtClean="0"/>
+              <a:t>Interoperability</a:t>
+            </a:r>
+          </a:p>
+        </p:txBody>
+      </p:sp>
+      <p:sp>
+        <p:nvSpPr>
+          <p:cNvPr id="10" name="TextBox 9"/>
+          <p:cNvSpPr txBox="1"/>
+          <p:nvPr/>
+        </p:nvSpPr>
+        <p:spPr>
+          <a:xfrm>
+            <a:off x="6329180" y="3862809"/>
+            <a:ext cx="2357620" cy="646331"/>
+          </a:xfrm>
+          <a:prstGeom prst="rect">
+            <a:avLst/>
+          </a:prstGeom>
+          <a:noFill/>
+        </p:spPr>
+        <p:txBody>
+          <a:bodyPr wrap="square" rtlCol="0">
+            <a:spAutoFit/>
+          </a:bodyPr>
+          <a:lstStyle/>
+          <a:p>
+            <a:pPr algn="ctr"/>
+            <a:r>
+              <a:rPr lang="en-US" dirty="0" smtClean="0"/>
+              <a:t>Community needs</a:t>
+            </a:r>
+          </a:p>
+          <a:p>
+            <a:endParaRPr lang="en-US" dirty="0"/>
+          </a:p>
+        </p:txBody>
+      </p:sp>
+      <p:sp>
+        <p:nvSpPr>
+          <p:cNvPr id="11" name="TextBox 10"/>
+          <p:cNvSpPr txBox="1"/>
+          <p:nvPr/>
+        </p:nvSpPr>
+        <p:spPr>
+          <a:xfrm>
+            <a:off x="457200" y="3862800"/>
+            <a:ext cx="2357620" cy="646331"/>
+          </a:xfrm>
+          <a:prstGeom prst="rect">
+            <a:avLst/>
+          </a:prstGeom>
+          <a:noFill/>
+        </p:spPr>
+        <p:txBody>
+          <a:bodyPr wrap="square" rtlCol="0">
+            <a:spAutoFit/>
+          </a:bodyPr>
+          <a:lstStyle/>
+          <a:p>
+            <a:pPr algn="ctr"/>
+            <a:r>
+              <a:rPr lang="en-US" dirty="0" smtClean="0"/>
+              <a:t>Local needs</a:t>
+            </a:r>
+          </a:p>
+          <a:p>
+            <a:endParaRPr lang="en-US" dirty="0"/>
+          </a:p>
+        </p:txBody>
+      </p:sp>
+    </p:spTree>
+    <p:extLst>
+      <p:ext uri="{BB962C8B-B14F-4D97-AF65-F5344CB8AC3E}">
+        <p14:creationId xmlns:p14="http://schemas.microsoft.com/office/powerpoint/2010/main" val="3108970181"/>
+      </p:ext>
+    </p:extLst>
+  </p:cSld>
+  <p:clrMapOvr>
+    <a:masterClrMapping/>
+  </p:clrMapOvr>
+  <p:timing>
+    <p:tnLst>
+      <p:par>
+        <p:cTn xmlns:p14="http://schemas.microsoft.com/office/powerpoint/2010/main" id="1" dur="indefinite" restart="never" nodeType="tmRoot"/>
+      </p:par>
+    </p:tnLst>
+  </p:timing>
 </p:sld>
 </file>
 
@@ -6747,6 +7122,133 @@
           <a:chExt cx="0" cy="0"/>
         </a:xfrm>
       </p:grpSpPr>
+      <p:pic>
+        <p:nvPicPr>
+          <p:cNvPr id="4" name="Picture 3"/>
+          <p:cNvPicPr>
+            <a:picLocks noChangeAspect="1"/>
+          </p:cNvPicPr>
+          <p:nvPr/>
+        </p:nvPicPr>
+        <p:blipFill>
+          <a:blip r:embed="rId3"/>
+          <a:stretch>
+            <a:fillRect/>
+          </a:stretch>
+        </p:blipFill>
+        <p:spPr>
+          <a:xfrm>
+            <a:off x="1397000" y="1417638"/>
+            <a:ext cx="6350000" cy="3594100"/>
+          </a:xfrm>
+          <a:prstGeom prst="rect">
+            <a:avLst/>
+          </a:prstGeom>
+        </p:spPr>
+      </p:pic>
+      <p:sp>
+        <p:nvSpPr>
+          <p:cNvPr id="2" name="&quot;No&quot; Symbol 1"/>
+          <p:cNvSpPr/>
+          <p:nvPr/>
+        </p:nvSpPr>
+        <p:spPr>
+          <a:xfrm>
+            <a:off x="1789185" y="991505"/>
+            <a:ext cx="5512941" cy="4683217"/>
+          </a:xfrm>
+          <a:prstGeom prst="noSmoking">
+            <a:avLst>
+              <a:gd name="adj" fmla="val 8571"/>
+            </a:avLst>
+          </a:prstGeom>
+          <a:gradFill flip="none" rotWithShape="1">
+            <a:gsLst>
+              <a:gs pos="0">
+                <a:schemeClr val="accent1">
+                  <a:tint val="100000"/>
+                  <a:shade val="100000"/>
+                  <a:satMod val="130000"/>
+                  <a:alpha val="56000"/>
+                </a:schemeClr>
+              </a:gs>
+              <a:gs pos="100000">
+                <a:schemeClr val="accent1">
+                  <a:tint val="50000"/>
+                  <a:shade val="100000"/>
+                  <a:satMod val="350000"/>
+                  <a:alpha val="56000"/>
+                </a:schemeClr>
+              </a:gs>
+            </a:gsLst>
+            <a:lin ang="16200000" scaled="0"/>
+            <a:tileRect/>
+          </a:gradFill>
+        </p:spPr>
+        <p:style>
+          <a:lnRef idx="1">
+            <a:schemeClr val="accent1"/>
+          </a:lnRef>
+          <a:fillRef idx="3">
+            <a:schemeClr val="accent1"/>
+          </a:fillRef>
+          <a:effectRef idx="2">
+            <a:schemeClr val="accent1"/>
+          </a:effectRef>
+          <a:fontRef idx="minor">
+            <a:schemeClr val="lt1"/>
+          </a:fontRef>
+        </p:style>
+        <p:txBody>
+          <a:bodyPr rtlCol="0" anchor="ctr"/>
+          <a:lstStyle/>
+          <a:p>
+            <a:pPr algn="ctr"/>
+            <a:endParaRPr lang="en-US">
+              <a:solidFill>
+                <a:schemeClr val="tx1"/>
+              </a:solidFill>
+            </a:endParaRPr>
+          </a:p>
+        </p:txBody>
+      </p:sp>
+    </p:spTree>
+    <p:extLst>
+      <p:ext uri="{BB962C8B-B14F-4D97-AF65-F5344CB8AC3E}">
+        <p14:creationId xmlns:p14="http://schemas.microsoft.com/office/powerpoint/2010/main" val="421809245"/>
+      </p:ext>
+    </p:extLst>
+  </p:cSld>
+  <p:clrMapOvr>
+    <a:masterClrMapping/>
+  </p:clrMapOvr>
+  <p:timing>
+    <p:tnLst>
+      <p:par>
+        <p:cTn xmlns:p14="http://schemas.microsoft.com/office/powerpoint/2010/main" id="1" dur="indefinite" restart="never" nodeType="tmRoot"/>
+      </p:par>
+    </p:tnLst>
+  </p:timing>
+</p:sld>
+</file>
+
+<file path=ppt/slides/slide18.xml><?xml version="1.0" encoding="utf-8"?>
+<p:sld xmlns:a="http://schemas.openxmlformats.org/drawingml/2006/main" xmlns:r="http://schemas.openxmlformats.org/officeDocument/2006/relationships" xmlns:p="http://schemas.openxmlformats.org/presentationml/2006/main">
+  <p:cSld>
+    <p:spTree>
+      <p:nvGrpSpPr>
+        <p:cNvPr id="1" name=""/>
+        <p:cNvGrpSpPr/>
+        <p:nvPr/>
+      </p:nvGrpSpPr>
+      <p:grpSpPr>
+        <a:xfrm>
+          <a:off x="0" y="0"/>
+          <a:ext cx="0" cy="0"/>
+          <a:chOff x="0" y="0"/>
+          <a:chExt cx="0" cy="0"/>
+        </a:xfrm>
+      </p:grpSpPr>
       <p:sp>
         <p:nvSpPr>
           <p:cNvPr id="2" name="Title 1"/>
@@ -6754,19 +7256,128 @@
             <a:spLocks noGrp="1"/>
           </p:cNvSpPr>
           <p:nvPr>
+            <p:ph type="ctrTitle"/>
+          </p:nvPr>
+        </p:nvSpPr>
+        <p:spPr>
+          <a:xfrm>
+            <a:off x="685800" y="2314773"/>
+            <a:ext cx="7772400" cy="1470025"/>
+          </a:xfrm>
+        </p:spPr>
+        <p:txBody>
+          <a:bodyPr>
+            <a:normAutofit fontScale="90000"/>
+          </a:bodyPr>
+          <a:lstStyle/>
+          <a:p>
+            <a:r>
+              <a:rPr lang="en-US" b="1" dirty="0" smtClean="0"/>
+              <a:t>Metadata III: </a:t>
+            </a:r>
+            <a:r>
+              <a:rPr lang="en-US" b="1" dirty="0" err="1" smtClean="0"/>
+              <a:t>Crosswalking</a:t>
+            </a:r>
+            <a:r>
+              <a:rPr lang="en-US" b="1" dirty="0" smtClean="0"/>
+              <a:t>, reconciliation and propagation</a:t>
+            </a:r>
+            <a:endParaRPr lang="en-US" dirty="0"/>
+          </a:p>
+        </p:txBody>
+      </p:sp>
+      <p:pic>
+        <p:nvPicPr>
+          <p:cNvPr id="5" name="Picture 4" descr="DCWS_Banner.jpg"/>
+          <p:cNvPicPr>
+            <a:picLocks noChangeAspect="1"/>
+          </p:cNvPicPr>
+          <p:nvPr/>
+        </p:nvPicPr>
+        <p:blipFill>
+          <a:blip r:embed="rId2">
+            <a:extLst>
+              <a:ext uri="{28A0092B-C50C-407E-A947-70E740481C1C}">
+                <a14:useLocalDpi xmlns:a14="http://schemas.microsoft.com/office/drawing/2010/main" val="0"/>
+              </a:ext>
+            </a:extLst>
+          </a:blip>
+          <a:stretch>
+            <a:fillRect/>
+          </a:stretch>
+        </p:blipFill>
+        <p:spPr>
+          <a:xfrm>
+            <a:off x="0" y="5769782"/>
+            <a:ext cx="9144000" cy="1088218"/>
+          </a:xfrm>
+          <a:prstGeom prst="rect">
+            <a:avLst/>
+          </a:prstGeom>
+        </p:spPr>
+      </p:pic>
+    </p:spTree>
+    <p:extLst>
+      <p:ext uri="{BB962C8B-B14F-4D97-AF65-F5344CB8AC3E}">
+        <p14:creationId xmlns:p14="http://schemas.microsoft.com/office/powerpoint/2010/main" val="2952762318"/>
+      </p:ext>
+    </p:extLst>
+  </p:cSld>
+  <p:clrMapOvr>
+    <a:masterClrMapping/>
+  </p:clrMapOvr>
+  <p:timing>
+    <p:tnLst>
+      <p:par>
+        <p:cTn xmlns:p14="http://schemas.microsoft.com/office/powerpoint/2010/main" id="1" dur="indefinite" restart="never" nodeType="tmRoot"/>
+      </p:par>
+    </p:tnLst>
+  </p:timing>
+</p:sld>
+</file>
+
+<file path=ppt/slides/slide19.xml><?xml version="1.0" encoding="utf-8"?>
+<p:sld xmlns:a="http://schemas.openxmlformats.org/drawingml/2006/main" xmlns:r="http://schemas.openxmlformats.org/officeDocument/2006/relationships" xmlns:p="http://schemas.openxmlformats.org/presentationml/2006/main">
+  <p:cSld>
+    <p:spTree>
+      <p:nvGrpSpPr>
+        <p:cNvPr id="1" name=""/>
+        <p:cNvGrpSpPr/>
+        <p:nvPr/>
+      </p:nvGrpSpPr>
+      <p:grpSpPr>
+        <a:xfrm>
+          <a:off x="0" y="0"/>
+          <a:ext cx="0" cy="0"/>
+          <a:chOff x="0" y="0"/>
+          <a:chExt cx="0" cy="0"/>
+        </a:xfrm>
+      </p:grpSpPr>
+      <p:sp>
+        <p:nvSpPr>
+          <p:cNvPr id="2" name="Title 1"/>
+          <p:cNvSpPr>
+            <a:spLocks noGrp="1"/>
+          </p:cNvSpPr>
+          <p:nvPr>
             <p:ph type="title"/>
           </p:nvPr>
         </p:nvSpPr>
         <p:spPr/>
         <p:txBody>
           <a:bodyPr>
-            <a:normAutofit/>
+            <a:normAutofit fontScale="90000"/>
           </a:bodyPr>
           <a:lstStyle/>
           <a:p>
             <a:r>
               <a:rPr lang="en-US" dirty="0" smtClean="0"/>
-              <a:t>Consider the following</a:t>
+              <a:t>How would we aggregate these records</a:t>
+            </a:r>
+            <a:r>
+              <a:rPr lang="en-US" dirty="0" smtClean="0"/>
+              <a:t>?</a:t>
             </a:r>
             <a:endParaRPr lang="en-US" dirty="0"/>
           </a:p>
@@ -7133,7 +7744,7 @@
     </p:spTree>
     <p:extLst>
       <p:ext uri="{BB962C8B-B14F-4D97-AF65-F5344CB8AC3E}">
-        <p14:creationId xmlns:p14="http://schemas.microsoft.com/office/powerpoint/2010/main" val="2725698964"/>
+        <p14:creationId xmlns:p14="http://schemas.microsoft.com/office/powerpoint/2010/main" val="3490278807"/>
       </p:ext>
     </p:extLst>
   </p:cSld>
@@ -7143,7 +7754,7 @@
 </p:sld>
 </file>
 
-<file path=ppt/slides/slide18.xml><?xml version="1.0" encoding="utf-8"?>
+<file path=ppt/slides/slide2.xml><?xml version="1.0" encoding="utf-8"?>
 <p:sld xmlns:a="http://schemas.openxmlformats.org/drawingml/2006/main" xmlns:r="http://schemas.openxmlformats.org/officeDocument/2006/relationships" xmlns:p="http://schemas.openxmlformats.org/presentationml/2006/main">
   <p:cSld>
     <p:spTree>
@@ -7160,6 +7771,119 @@
           <a:chExt cx="0" cy="0"/>
         </a:xfrm>
       </p:grpSpPr>
+      <p:pic>
+        <p:nvPicPr>
+          <p:cNvPr id="2" name="Picture 1" descr="seeingstandards.pdf"/>
+          <p:cNvPicPr>
+            <a:picLocks noChangeAspect="1"/>
+          </p:cNvPicPr>
+          <p:nvPr/>
+        </p:nvPicPr>
+        <p:blipFill>
+          <a:blip r:embed="rId2">
+            <a:extLst>
+              <a:ext uri="{28A0092B-C50C-407E-A947-70E740481C1C}">
+                <a14:useLocalDpi xmlns:a14="http://schemas.microsoft.com/office/drawing/2010/main" val="0"/>
+              </a:ext>
+            </a:extLst>
+          </a:blip>
+          <a:stretch>
+            <a:fillRect/>
+          </a:stretch>
+        </p:blipFill>
+        <p:spPr>
+          <a:xfrm>
+            <a:off x="0" y="2103271"/>
+            <a:ext cx="9144000" cy="3048000"/>
+          </a:xfrm>
+          <a:prstGeom prst="rect">
+            <a:avLst/>
+          </a:prstGeom>
+        </p:spPr>
+      </p:pic>
+      <p:sp>
+        <p:nvSpPr>
+          <p:cNvPr id="3" name="Title 1"/>
+          <p:cNvSpPr txBox="1">
+            <a:spLocks/>
+          </p:cNvSpPr>
+          <p:nvPr/>
+        </p:nvSpPr>
+        <p:spPr>
+          <a:xfrm>
+            <a:off x="457200" y="274638"/>
+            <a:ext cx="8229600" cy="1143000"/>
+          </a:xfrm>
+          <a:prstGeom prst="rect">
+            <a:avLst/>
+          </a:prstGeom>
+        </p:spPr>
+        <p:txBody>
+          <a:bodyPr>
+            <a:noAutofit/>
+          </a:bodyPr>
+          <a:lstStyle>
+            <a:lvl1pPr algn="ctr" defTabSz="457200" rtl="0" eaLnBrk="1" latinLnBrk="0" hangingPunct="1">
+              <a:spcBef>
+                <a:spcPct val="0"/>
+              </a:spcBef>
+              <a:buNone/>
+              <a:defRPr sz="4400" kern="1200">
+                <a:solidFill>
+                  <a:schemeClr val="tx1"/>
+                </a:solidFill>
+                <a:latin typeface="+mj-lt"/>
+                <a:ea typeface="+mj-ea"/>
+                <a:cs typeface="+mj-cs"/>
+              </a:defRPr>
+            </a:lvl1pPr>
+          </a:lstStyle>
+          <a:p>
+            <a:r>
+              <a:rPr lang="en-US" sz="3600" dirty="0" smtClean="0"/>
+              <a:t>“The great thing about standards is that there’s so many of them”</a:t>
+            </a:r>
+            <a:endParaRPr lang="en-US" sz="3600" i="1" dirty="0"/>
+          </a:p>
+        </p:txBody>
+      </p:sp>
+    </p:spTree>
+    <p:extLst>
+      <p:ext uri="{BB962C8B-B14F-4D97-AF65-F5344CB8AC3E}">
+        <p14:creationId xmlns:p14="http://schemas.microsoft.com/office/powerpoint/2010/main" val="298525638"/>
+      </p:ext>
+    </p:extLst>
+  </p:cSld>
+  <p:clrMapOvr>
+    <a:masterClrMapping/>
+  </p:clrMapOvr>
+  <p:timing>
+    <p:tnLst>
+      <p:par>
+        <p:cTn xmlns:p14="http://schemas.microsoft.com/office/powerpoint/2010/main" id="1" dur="indefinite" restart="never" nodeType="tmRoot"/>
+      </p:par>
+    </p:tnLst>
+  </p:timing>
+</p:sld>
+</file>
+
+<file path=ppt/slides/slide20.xml><?xml version="1.0" encoding="utf-8"?>
+<p:sld xmlns:a="http://schemas.openxmlformats.org/drawingml/2006/main" xmlns:r="http://schemas.openxmlformats.org/officeDocument/2006/relationships" xmlns:p="http://schemas.openxmlformats.org/presentationml/2006/main">
+  <p:cSld>
+    <p:spTree>
+      <p:nvGrpSpPr>
+        <p:cNvPr id="1" name=""/>
+        <p:cNvGrpSpPr/>
+        <p:nvPr/>
+      </p:nvGrpSpPr>
+      <p:grpSpPr>
+        <a:xfrm>
+          <a:off x="0" y="0"/>
+          <a:ext cx="0" cy="0"/>
+          <a:chOff x="0" y="0"/>
+          <a:chExt cx="0" cy="0"/>
+        </a:xfrm>
+      </p:grpSpPr>
       <p:sp>
         <p:nvSpPr>
           <p:cNvPr id="2" name="Title 1"/>
@@ -7173,15 +7897,15 @@
         <p:spPr/>
         <p:txBody>
           <a:bodyPr>
-            <a:normAutofit/>
+            <a:noAutofit/>
           </a:bodyPr>
           <a:lstStyle/>
           <a:p>
             <a:r>
-              <a:rPr lang="en-US" dirty="0" smtClean="0"/>
-              <a:t>Consider the following</a:t>
-            </a:r>
-            <a:endParaRPr lang="en-US" dirty="0"/>
+              <a:rPr lang="en-US" sz="2800" dirty="0" smtClean="0"/>
+              <a:t>Or move this one into a more general repository?</a:t>
+            </a:r>
+            <a:endParaRPr lang="en-US" sz="2800" dirty="0"/>
           </a:p>
         </p:txBody>
       </p:sp>
@@ -7384,7 +8108,7 @@
       </p:pic>
       <p:pic>
         <p:nvPicPr>
-          <p:cNvPr id="9" name="Picture 8" descr="ICOADS.tiff"/>
+          <p:cNvPr id="5" name="Picture 4" descr="GCMD.tiff"/>
           <p:cNvPicPr>
             <a:picLocks noChangeAspect="1"/>
           </p:cNvPicPr>
@@ -7404,42 +8128,7 @@
         </p:blipFill>
         <p:spPr>
           <a:xfrm>
-            <a:off x="4380226" y="2768987"/>
-            <a:ext cx="5102992" cy="3673082"/>
-          </a:xfrm>
-          <a:prstGeom prst="rect">
-            <a:avLst/>
-          </a:prstGeom>
-          <a:ln>
-            <a:solidFill>
-              <a:srgbClr val="000000"/>
-            </a:solidFill>
-          </a:ln>
-        </p:spPr>
-      </p:pic>
-      <p:pic>
-        <p:nvPicPr>
-          <p:cNvPr id="5" name="Picture 4" descr="GCMD.tiff"/>
-          <p:cNvPicPr>
-            <a:picLocks noChangeAspect="1"/>
-          </p:cNvPicPr>
-          <p:nvPr/>
-        </p:nvPicPr>
-        <p:blipFill>
-          <a:blip r:embed="rId5">
-            <a:extLst>
-              <a:ext uri="{28A0092B-C50C-407E-A947-70E740481C1C}">
-                <a14:useLocalDpi xmlns:a14="http://schemas.microsoft.com/office/drawing/2010/main" val="0"/>
-              </a:ext>
-            </a:extLst>
-          </a:blip>
-          <a:stretch>
-            <a:fillRect/>
-          </a:stretch>
-        </p:blipFill>
-        <p:spPr>
-          <a:xfrm>
-            <a:off x="5750839" y="5825852"/>
+            <a:off x="5613528" y="4984959"/>
             <a:ext cx="3393161" cy="596679"/>
           </a:xfrm>
           <a:prstGeom prst="rect">
@@ -7447,6 +8136,44 @@
           </a:prstGeom>
         </p:spPr>
       </p:pic>
+      <p:sp>
+        <p:nvSpPr>
+          <p:cNvPr id="4" name="Bent-Up Arrow 3"/>
+          <p:cNvSpPr/>
+          <p:nvPr/>
+        </p:nvSpPr>
+        <p:spPr>
+          <a:xfrm rot="5400000">
+            <a:off x="4428254" y="4594497"/>
+            <a:ext cx="1012662" cy="995648"/>
+          </a:xfrm>
+          <a:prstGeom prst="bentUpArrow">
+            <a:avLst/>
+          </a:prstGeom>
+        </p:spPr>
+        <p:style>
+          <a:lnRef idx="1">
+            <a:schemeClr val="accent1"/>
+          </a:lnRef>
+          <a:fillRef idx="3">
+            <a:schemeClr val="accent1"/>
+          </a:fillRef>
+          <a:effectRef idx="2">
+            <a:schemeClr val="accent1"/>
+          </a:effectRef>
+          <a:fontRef idx="minor">
+            <a:schemeClr val="lt1"/>
+          </a:fontRef>
+        </p:style>
+        <p:txBody>
+          <a:bodyPr rtlCol="0" anchor="ctr"/>
+          <a:lstStyle/>
+          <a:p>
+            <a:pPr algn="ctr"/>
+            <a:endParaRPr lang="en-US"/>
+          </a:p>
+        </p:txBody>
+      </p:sp>
     </p:spTree>
     <p:extLst>
       <p:ext uri="{BB962C8B-B14F-4D97-AF65-F5344CB8AC3E}">
@@ -7460,7 +8187,7 @@
 </p:sld>
 </file>
 
-<file path=ppt/slides/slide19.xml><?xml version="1.0" encoding="utf-8"?>
+<file path=ppt/slides/slide21.xml><?xml version="1.0" encoding="utf-8"?>
 <p:sld xmlns:a="http://schemas.openxmlformats.org/drawingml/2006/main" xmlns:r="http://schemas.openxmlformats.org/officeDocument/2006/relationships" xmlns:p="http://schemas.openxmlformats.org/presentationml/2006/main">
   <p:cSld>
     <p:spTree>
@@ -7477,31 +8204,6 @@
           <a:chExt cx="0" cy="0"/>
         </a:xfrm>
       </p:grpSpPr>
-      <p:sp>
-        <p:nvSpPr>
-          <p:cNvPr id="2" name="Title 1"/>
-          <p:cNvSpPr>
-            <a:spLocks noGrp="1"/>
-          </p:cNvSpPr>
-          <p:nvPr>
-            <p:ph type="title"/>
-          </p:nvPr>
-        </p:nvSpPr>
-        <p:spPr/>
-        <p:txBody>
-          <a:bodyPr>
-            <a:normAutofit/>
-          </a:bodyPr>
-          <a:lstStyle/>
-          <a:p>
-            <a:r>
-              <a:rPr lang="en-US" dirty="0" smtClean="0"/>
-              <a:t>RDA ICOADS record</a:t>
-            </a:r>
-            <a:endParaRPr lang="en-US" dirty="0"/>
-          </a:p>
-        </p:txBody>
-      </p:sp>
       <p:sp>
         <p:nvSpPr>
           <p:cNvPr id="6" name="Content Placeholder 2"/>
@@ -7669,6 +8371,36 @@
           </a:p>
         </p:txBody>
       </p:sp>
+      <p:pic>
+        <p:nvPicPr>
+          <p:cNvPr id="4" name="Picture 3" descr="ICOADS-rda.tiff"/>
+          <p:cNvPicPr>
+            <a:picLocks noChangeAspect="1"/>
+          </p:cNvPicPr>
+          <p:nvPr/>
+        </p:nvPicPr>
+        <p:blipFill>
+          <a:blip r:embed="rId3">
+            <a:extLst>
+              <a:ext uri="{28A0092B-C50C-407E-A947-70E740481C1C}">
+                <a14:useLocalDpi xmlns:a14="http://schemas.microsoft.com/office/drawing/2010/main" val="0"/>
+              </a:ext>
+            </a:extLst>
+          </a:blip>
+          <a:stretch>
+            <a:fillRect/>
+          </a:stretch>
+        </p:blipFill>
+        <p:spPr>
+          <a:xfrm>
+            <a:off x="0" y="59393"/>
+            <a:ext cx="9144000" cy="5665977"/>
+          </a:xfrm>
+          <a:prstGeom prst="rect">
+            <a:avLst/>
+          </a:prstGeom>
+        </p:spPr>
+      </p:pic>
     </p:spTree>
     <p:extLst>
       <p:ext uri="{BB962C8B-B14F-4D97-AF65-F5344CB8AC3E}">
@@ -7682,7 +8414,7 @@
 </p:sld>
 </file>
 
-<file path=ppt/slides/slide2.xml><?xml version="1.0" encoding="utf-8"?>
+<file path=ppt/slides/slide22.xml><?xml version="1.0" encoding="utf-8"?>
 <p:sld xmlns:a="http://schemas.openxmlformats.org/drawingml/2006/main" xmlns:r="http://schemas.openxmlformats.org/officeDocument/2006/relationships" xmlns:p="http://schemas.openxmlformats.org/presentationml/2006/main">
   <p:cSld>
     <p:spTree>
@@ -7699,130 +8431,22 @@
           <a:chExt cx="0" cy="0"/>
         </a:xfrm>
       </p:grpSpPr>
-      <p:pic>
-        <p:nvPicPr>
-          <p:cNvPr id="2" name="Picture 1" descr="seeingstandards.pdf"/>
-          <p:cNvPicPr>
-            <a:picLocks noChangeAspect="1"/>
-          </p:cNvPicPr>
-          <p:nvPr/>
-        </p:nvPicPr>
-        <p:blipFill>
-          <a:blip r:embed="rId2">
-            <a:extLst>
-              <a:ext uri="{28A0092B-C50C-407E-A947-70E740481C1C}">
-                <a14:useLocalDpi xmlns:a14="http://schemas.microsoft.com/office/drawing/2010/main" val="0"/>
-              </a:ext>
-            </a:extLst>
-          </a:blip>
-          <a:stretch>
-            <a:fillRect/>
-          </a:stretch>
-        </p:blipFill>
+      <p:sp>
+        <p:nvSpPr>
+          <p:cNvPr id="2" name="Title 1"/>
+          <p:cNvSpPr>
+            <a:spLocks noGrp="1"/>
+          </p:cNvSpPr>
+          <p:nvPr>
+            <p:ph type="title"/>
+          </p:nvPr>
+        </p:nvSpPr>
         <p:spPr>
           <a:xfrm>
-            <a:off x="0" y="2103271"/>
-            <a:ext cx="9144000" cy="3048000"/>
-          </a:xfrm>
-          <a:prstGeom prst="rect">
-            <a:avLst/>
-          </a:prstGeom>
-        </p:spPr>
-      </p:pic>
-      <p:sp>
-        <p:nvSpPr>
-          <p:cNvPr id="3" name="Title 1"/>
-          <p:cNvSpPr txBox="1">
-            <a:spLocks/>
-          </p:cNvSpPr>
-          <p:nvPr/>
-        </p:nvSpPr>
-        <p:spPr>
-          <a:xfrm>
-            <a:off x="457200" y="274638"/>
+            <a:off x="457200" y="-171548"/>
             <a:ext cx="8229600" cy="1143000"/>
           </a:xfrm>
-          <a:prstGeom prst="rect">
-            <a:avLst/>
-          </a:prstGeom>
         </p:spPr>
-        <p:txBody>
-          <a:bodyPr>
-            <a:noAutofit/>
-          </a:bodyPr>
-          <a:lstStyle>
-            <a:lvl1pPr algn="ctr" defTabSz="457200" rtl="0" eaLnBrk="1" latinLnBrk="0" hangingPunct="1">
-              <a:spcBef>
-                <a:spcPct val="0"/>
-              </a:spcBef>
-              <a:buNone/>
-              <a:defRPr sz="4400" kern="1200">
-                <a:solidFill>
-                  <a:schemeClr val="tx1"/>
-                </a:solidFill>
-                <a:latin typeface="+mj-lt"/>
-                <a:ea typeface="+mj-ea"/>
-                <a:cs typeface="+mj-cs"/>
-              </a:defRPr>
-            </a:lvl1pPr>
-          </a:lstStyle>
-          <a:p>
-            <a:r>
-              <a:rPr lang="en-US" sz="3600" dirty="0" smtClean="0"/>
-              <a:t>“The great thing about standards is that there’s so many of them”</a:t>
-            </a:r>
-            <a:endParaRPr lang="en-US" sz="3600" i="1" dirty="0"/>
-          </a:p>
-        </p:txBody>
-      </p:sp>
-    </p:spTree>
-    <p:extLst>
-      <p:ext uri="{BB962C8B-B14F-4D97-AF65-F5344CB8AC3E}">
-        <p14:creationId xmlns:p14="http://schemas.microsoft.com/office/powerpoint/2010/main" val="298525638"/>
-      </p:ext>
-    </p:extLst>
-  </p:cSld>
-  <p:clrMapOvr>
-    <a:masterClrMapping/>
-  </p:clrMapOvr>
-  <p:timing>
-    <p:tnLst>
-      <p:par>
-        <p:cTn xmlns:p14="http://schemas.microsoft.com/office/powerpoint/2010/main" id="1" dur="indefinite" restart="never" nodeType="tmRoot"/>
-      </p:par>
-    </p:tnLst>
-  </p:timing>
-</p:sld>
-</file>
-
-<file path=ppt/slides/slide20.xml><?xml version="1.0" encoding="utf-8"?>
-<p:sld xmlns:a="http://schemas.openxmlformats.org/drawingml/2006/main" xmlns:r="http://schemas.openxmlformats.org/officeDocument/2006/relationships" xmlns:p="http://schemas.openxmlformats.org/presentationml/2006/main">
-  <p:cSld>
-    <p:spTree>
-      <p:nvGrpSpPr>
-        <p:cNvPr id="1" name=""/>
-        <p:cNvGrpSpPr/>
-        <p:nvPr/>
-      </p:nvGrpSpPr>
-      <p:grpSpPr>
-        <a:xfrm>
-          <a:off x="0" y="0"/>
-          <a:ext cx="0" cy="0"/>
-          <a:chOff x="0" y="0"/>
-          <a:chExt cx="0" cy="0"/>
-        </a:xfrm>
-      </p:grpSpPr>
-      <p:sp>
-        <p:nvSpPr>
-          <p:cNvPr id="2" name="Title 1"/>
-          <p:cNvSpPr>
-            <a:spLocks noGrp="1"/>
-          </p:cNvSpPr>
-          <p:nvPr>
-            <p:ph type="title"/>
-          </p:nvPr>
-        </p:nvSpPr>
-        <p:spPr/>
         <p:txBody>
           <a:bodyPr>
             <a:normAutofit/>
@@ -7831,7 +8455,7 @@
           <a:p>
             <a:r>
               <a:rPr lang="en-US" dirty="0" smtClean="0"/>
-              <a:t>GCMD ICOADS record</a:t>
+              <a:t>GCMD Result</a:t>
             </a:r>
             <a:endParaRPr lang="en-US" dirty="0"/>
           </a:p>
@@ -8004,6 +8628,41 @@
           </a:p>
         </p:txBody>
       </p:sp>
+      <p:pic>
+        <p:nvPicPr>
+          <p:cNvPr id="4" name="Picture 3" descr="ICOADS.tiff"/>
+          <p:cNvPicPr>
+            <a:picLocks noChangeAspect="1"/>
+          </p:cNvPicPr>
+          <p:nvPr/>
+        </p:nvPicPr>
+        <p:blipFill>
+          <a:blip r:embed="rId3">
+            <a:extLst>
+              <a:ext uri="{28A0092B-C50C-407E-A947-70E740481C1C}">
+                <a14:useLocalDpi xmlns:a14="http://schemas.microsoft.com/office/drawing/2010/main" val="0"/>
+              </a:ext>
+            </a:extLst>
+          </a:blip>
+          <a:stretch>
+            <a:fillRect/>
+          </a:stretch>
+        </p:blipFill>
+        <p:spPr>
+          <a:xfrm>
+            <a:off x="1336306" y="792383"/>
+            <a:ext cx="6804851" cy="4898062"/>
+          </a:xfrm>
+          <a:prstGeom prst="rect">
+            <a:avLst/>
+          </a:prstGeom>
+          <a:ln>
+            <a:solidFill>
+              <a:srgbClr val="000000"/>
+            </a:solidFill>
+          </a:ln>
+        </p:spPr>
+      </p:pic>
     </p:spTree>
     <p:extLst>
       <p:ext uri="{BB962C8B-B14F-4D97-AF65-F5344CB8AC3E}">
@@ -8017,7 +8676,7 @@
 </p:sld>
 </file>
 
-<file path=ppt/slides/slide21.xml><?xml version="1.0" encoding="utf-8"?>
+<file path=ppt/slides/slide23.xml><?xml version="1.0" encoding="utf-8"?>
 <p:sld xmlns:a="http://schemas.openxmlformats.org/drawingml/2006/main" xmlns:r="http://schemas.openxmlformats.org/officeDocument/2006/relationships" xmlns:p="http://schemas.openxmlformats.org/presentationml/2006/main">
   <p:cSld>
     <p:spTree>
@@ -8046,12 +8705,14 @@
         </p:nvSpPr>
         <p:spPr/>
         <p:txBody>
-          <a:bodyPr/>
+          <a:bodyPr>
+            <a:normAutofit/>
+          </a:bodyPr>
           <a:lstStyle/>
           <a:p>
             <a:r>
               <a:rPr lang="en-US" dirty="0" smtClean="0"/>
-              <a:t>Consider the following</a:t>
+              <a:t>GCMD Result</a:t>
             </a:r>
             <a:endParaRPr lang="en-US" dirty="0"/>
           </a:p>
@@ -8059,31 +8720,209 @@
       </p:sp>
       <p:sp>
         <p:nvSpPr>
-          <p:cNvPr id="3" name="Content Placeholder 2"/>
-          <p:cNvSpPr>
-            <a:spLocks noGrp="1"/>
-          </p:cNvSpPr>
-          <p:nvPr>
-            <p:ph idx="1"/>
-          </p:nvPr>
-        </p:nvSpPr>
-        <p:spPr/>
-        <p:txBody>
-          <a:bodyPr/>
-          <a:lstStyle/>
-          <a:p>
-            <a:r>
-              <a:rPr lang="en-US" dirty="0" smtClean="0"/>
-              <a:t>One more example – maybe HTRC?</a:t>
-            </a:r>
-            <a:endParaRPr lang="en-US" dirty="0"/>
-          </a:p>
-        </p:txBody>
-      </p:sp>
+          <p:cNvPr id="6" name="Content Placeholder 2"/>
+          <p:cNvSpPr txBox="1">
+            <a:spLocks/>
+          </p:cNvSpPr>
+          <p:nvPr/>
+        </p:nvSpPr>
+        <p:spPr>
+          <a:xfrm>
+            <a:off x="609599" y="3499075"/>
+            <a:ext cx="4129133" cy="851921"/>
+          </a:xfrm>
+          <a:prstGeom prst="rect">
+            <a:avLst/>
+          </a:prstGeom>
+        </p:spPr>
+        <p:txBody>
+          <a:bodyPr vert="horz" lIns="91440" tIns="45720" rIns="91440" bIns="45720" rtlCol="0">
+            <a:normAutofit/>
+          </a:bodyPr>
+          <a:lstStyle>
+            <a:lvl1pPr marL="342900" indent="-342900" algn="l" defTabSz="457200" rtl="0" eaLnBrk="1" latinLnBrk="0" hangingPunct="1">
+              <a:spcBef>
+                <a:spcPct val="20000"/>
+              </a:spcBef>
+              <a:buFont typeface="Arial"/>
+              <a:buChar char="•"/>
+              <a:defRPr sz="3200" kern="1200">
+                <a:solidFill>
+                  <a:schemeClr val="tx1"/>
+                </a:solidFill>
+                <a:latin typeface="+mn-lt"/>
+                <a:ea typeface="+mn-ea"/>
+                <a:cs typeface="+mn-cs"/>
+              </a:defRPr>
+            </a:lvl1pPr>
+            <a:lvl2pPr marL="742950" indent="-285750" algn="l" defTabSz="457200" rtl="0" eaLnBrk="1" latinLnBrk="0" hangingPunct="1">
+              <a:spcBef>
+                <a:spcPct val="20000"/>
+              </a:spcBef>
+              <a:buFont typeface="Arial"/>
+              <a:buChar char="–"/>
+              <a:defRPr sz="2800" kern="1200">
+                <a:solidFill>
+                  <a:schemeClr val="tx1"/>
+                </a:solidFill>
+                <a:latin typeface="+mn-lt"/>
+                <a:ea typeface="+mn-ea"/>
+                <a:cs typeface="+mn-cs"/>
+              </a:defRPr>
+            </a:lvl2pPr>
+            <a:lvl3pPr marL="1143000" indent="-228600" algn="l" defTabSz="457200" rtl="0" eaLnBrk="1" latinLnBrk="0" hangingPunct="1">
+              <a:spcBef>
+                <a:spcPct val="20000"/>
+              </a:spcBef>
+              <a:buFont typeface="Arial"/>
+              <a:buChar char="•"/>
+              <a:defRPr sz="2400" kern="1200">
+                <a:solidFill>
+                  <a:schemeClr val="tx1"/>
+                </a:solidFill>
+                <a:latin typeface="+mn-lt"/>
+                <a:ea typeface="+mn-ea"/>
+                <a:cs typeface="+mn-cs"/>
+              </a:defRPr>
+            </a:lvl3pPr>
+            <a:lvl4pPr marL="1600200" indent="-228600" algn="l" defTabSz="457200" rtl="0" eaLnBrk="1" latinLnBrk="0" hangingPunct="1">
+              <a:spcBef>
+                <a:spcPct val="20000"/>
+              </a:spcBef>
+              <a:buFont typeface="Arial"/>
+              <a:buChar char="–"/>
+              <a:defRPr sz="2000" kern="1200">
+                <a:solidFill>
+                  <a:schemeClr val="tx1"/>
+                </a:solidFill>
+                <a:latin typeface="+mn-lt"/>
+                <a:ea typeface="+mn-ea"/>
+                <a:cs typeface="+mn-cs"/>
+              </a:defRPr>
+            </a:lvl4pPr>
+            <a:lvl5pPr marL="2057400" indent="-228600" algn="l" defTabSz="457200" rtl="0" eaLnBrk="1" latinLnBrk="0" hangingPunct="1">
+              <a:spcBef>
+                <a:spcPct val="20000"/>
+              </a:spcBef>
+              <a:buFont typeface="Arial"/>
+              <a:buChar char="»"/>
+              <a:defRPr sz="2000" kern="1200">
+                <a:solidFill>
+                  <a:schemeClr val="tx1"/>
+                </a:solidFill>
+                <a:latin typeface="+mn-lt"/>
+                <a:ea typeface="+mn-ea"/>
+                <a:cs typeface="+mn-cs"/>
+              </a:defRPr>
+            </a:lvl5pPr>
+            <a:lvl6pPr marL="2514600" indent="-228600" algn="l" defTabSz="457200" rtl="0" eaLnBrk="1" latinLnBrk="0" hangingPunct="1">
+              <a:spcBef>
+                <a:spcPct val="20000"/>
+              </a:spcBef>
+              <a:buFont typeface="Arial"/>
+              <a:buChar char="•"/>
+              <a:defRPr sz="2000" kern="1200">
+                <a:solidFill>
+                  <a:schemeClr val="tx1"/>
+                </a:solidFill>
+                <a:latin typeface="+mn-lt"/>
+                <a:ea typeface="+mn-ea"/>
+                <a:cs typeface="+mn-cs"/>
+              </a:defRPr>
+            </a:lvl6pPr>
+            <a:lvl7pPr marL="2971800" indent="-228600" algn="l" defTabSz="457200" rtl="0" eaLnBrk="1" latinLnBrk="0" hangingPunct="1">
+              <a:spcBef>
+                <a:spcPct val="20000"/>
+              </a:spcBef>
+              <a:buFont typeface="Arial"/>
+              <a:buChar char="•"/>
+              <a:defRPr sz="2000" kern="1200">
+                <a:solidFill>
+                  <a:schemeClr val="tx1"/>
+                </a:solidFill>
+                <a:latin typeface="+mn-lt"/>
+                <a:ea typeface="+mn-ea"/>
+                <a:cs typeface="+mn-cs"/>
+              </a:defRPr>
+            </a:lvl7pPr>
+            <a:lvl8pPr marL="3429000" indent="-228600" algn="l" defTabSz="457200" rtl="0" eaLnBrk="1" latinLnBrk="0" hangingPunct="1">
+              <a:spcBef>
+                <a:spcPct val="20000"/>
+              </a:spcBef>
+              <a:buFont typeface="Arial"/>
+              <a:buChar char="•"/>
+              <a:defRPr sz="2000" kern="1200">
+                <a:solidFill>
+                  <a:schemeClr val="tx1"/>
+                </a:solidFill>
+                <a:latin typeface="+mn-lt"/>
+                <a:ea typeface="+mn-ea"/>
+                <a:cs typeface="+mn-cs"/>
+              </a:defRPr>
+            </a:lvl8pPr>
+            <a:lvl9pPr marL="3886200" indent="-228600" algn="l" defTabSz="457200" rtl="0" eaLnBrk="1" latinLnBrk="0" hangingPunct="1">
+              <a:spcBef>
+                <a:spcPct val="20000"/>
+              </a:spcBef>
+              <a:buFont typeface="Arial"/>
+              <a:buChar char="•"/>
+              <a:defRPr sz="2000" kern="1200">
+                <a:solidFill>
+                  <a:schemeClr val="tx1"/>
+                </a:solidFill>
+                <a:latin typeface="+mn-lt"/>
+                <a:ea typeface="+mn-ea"/>
+                <a:cs typeface="+mn-cs"/>
+              </a:defRPr>
+            </a:lvl9pPr>
+          </a:lstStyle>
+          <a:p>
+            <a:pPr marL="0" indent="0">
+              <a:buFont typeface="Arial"/>
+              <a:buNone/>
+            </a:pPr>
+            <a:endParaRPr lang="en-US" sz="1200" dirty="0"/>
+          </a:p>
+        </p:txBody>
+      </p:sp>
+      <p:pic>
+        <p:nvPicPr>
+          <p:cNvPr id="3" name="Picture 2" descr="GCMD ICOADS2.tiff"/>
+          <p:cNvPicPr>
+            <a:picLocks noChangeAspect="1"/>
+          </p:cNvPicPr>
+          <p:nvPr/>
+        </p:nvPicPr>
+        <p:blipFill rotWithShape="1">
+          <a:blip r:embed="rId3">
+            <a:extLst>
+              <a:ext uri="{28A0092B-C50C-407E-A947-70E740481C1C}">
+                <a14:useLocalDpi xmlns:a14="http://schemas.microsoft.com/office/drawing/2010/main" val="0"/>
+              </a:ext>
+            </a:extLst>
+          </a:blip>
+          <a:srcRect l="2169" r="2169"/>
+          <a:stretch/>
+        </p:blipFill>
+        <p:spPr>
+          <a:xfrm>
+            <a:off x="1167137" y="0"/>
+            <a:ext cx="6583680" cy="6858000"/>
+          </a:xfrm>
+          <a:prstGeom prst="rect">
+            <a:avLst/>
+          </a:prstGeom>
+          <a:ln>
+            <a:solidFill>
+              <a:schemeClr val="tx1"/>
+            </a:solidFill>
+          </a:ln>
+        </p:spPr>
+      </p:pic>
     </p:spTree>
     <p:extLst>
       <p:ext uri="{BB962C8B-B14F-4D97-AF65-F5344CB8AC3E}">
-        <p14:creationId xmlns:p14="http://schemas.microsoft.com/office/powerpoint/2010/main" val="725126222"/>
+        <p14:creationId xmlns:p14="http://schemas.microsoft.com/office/powerpoint/2010/main" val="1610916697"/>
       </p:ext>
     </p:extLst>
   </p:cSld>
@@ -8093,7 +8932,7 @@
 </p:sld>
 </file>
 
-<file path=ppt/slides/slide22.xml><?xml version="1.0" encoding="utf-8"?>
+<file path=ppt/slides/slide24.xml><?xml version="1.0" encoding="utf-8"?>
 <p:sld xmlns:a="http://schemas.openxmlformats.org/drawingml/2006/main" xmlns:r="http://schemas.openxmlformats.org/officeDocument/2006/relationships" xmlns:p="http://schemas.openxmlformats.org/presentationml/2006/main">
   <p:cSld>
     <p:spTree>
@@ -8157,7 +8996,11 @@
           <a:p>
             <a:r>
               <a:rPr lang="en-US" dirty="0" smtClean="0"/>
-              <a:t>bringing different overlapping standards together</a:t>
+              <a:t>Brings overlapping </a:t>
+            </a:r>
+            <a:r>
+              <a:rPr lang="en-US" dirty="0" smtClean="0"/>
+              <a:t>standards together</a:t>
             </a:r>
           </a:p>
           <a:p>
@@ -8169,7 +9012,7 @@
           <a:p>
             <a:r>
               <a:rPr lang="en-US" dirty="0" smtClean="0"/>
-              <a:t>Can be hugely time consuming!</a:t>
+              <a:t>Important but tricky</a:t>
             </a:r>
             <a:endParaRPr lang="en-US" dirty="0"/>
           </a:p>
@@ -8184,7 +9027,7 @@
           <p:nvPr/>
         </p:nvPicPr>
         <p:blipFill>
-          <a:blip r:embed="rId2">
+          <a:blip r:embed="rId3">
             <a:extLst>
               <a:ext uri="{28A0092B-C50C-407E-A947-70E740481C1C}">
                 <a14:useLocalDpi xmlns:a14="http://schemas.microsoft.com/office/drawing/2010/main" val="0"/>
@@ -8225,7 +9068,7 @@
 </p:sld>
 </file>
 
-<file path=ppt/slides/slide23.xml><?xml version="1.0" encoding="utf-8"?>
+<file path=ppt/slides/slide25.xml><?xml version="1.0" encoding="utf-8"?>
 <p:sld xmlns:a="http://schemas.openxmlformats.org/drawingml/2006/main" xmlns:r="http://schemas.openxmlformats.org/officeDocument/2006/relationships" xmlns:p="http://schemas.openxmlformats.org/presentationml/2006/main">
   <p:cSld>
     <p:spTree>
@@ -8257,119 +9100,634 @@
           <a:bodyPr/>
           <a:lstStyle/>
           <a:p>
+            <a:r>
+              <a:rPr lang="en-US" dirty="0" smtClean="0"/>
+              <a:t>A more familiar example</a:t>
+            </a:r>
             <a:endParaRPr lang="en-US" dirty="0"/>
           </a:p>
         </p:txBody>
       </p:sp>
-      <p:sp>
-        <p:nvSpPr>
-          <p:cNvPr id="3" name="Content Placeholder 2"/>
-          <p:cNvSpPr>
-            <a:spLocks noGrp="1"/>
-          </p:cNvSpPr>
+      <p:graphicFrame>
+        <p:nvGraphicFramePr>
+          <p:cNvPr id="4" name="Content Placeholder 3"/>
+          <p:cNvGraphicFramePr>
+            <a:graphicFrameLocks noGrp="1"/>
+          </p:cNvGraphicFramePr>
           <p:nvPr>
             <p:ph idx="1"/>
-          </p:nvPr>
-        </p:nvSpPr>
-        <p:spPr/>
-        <p:txBody>
-          <a:bodyPr/>
-          <a:lstStyle/>
-          <a:p>
-            <a:r>
-              <a:rPr lang="en-US" dirty="0" smtClean="0"/>
-              <a:t>Resources for </a:t>
-            </a:r>
-            <a:r>
-              <a:rPr lang="en-US" dirty="0" err="1" smtClean="0"/>
-              <a:t>crosswalking</a:t>
-            </a:r>
-            <a:r>
-              <a:rPr lang="en-US" dirty="0" smtClean="0"/>
-              <a:t>:</a:t>
-            </a:r>
-          </a:p>
-          <a:p>
-            <a:pPr lvl="1"/>
-            <a:r>
-              <a:rPr lang="en-US" dirty="0">
-                <a:hlinkClick r:id="rId2"/>
-              </a:rPr>
-              <a:t>http://www.getty.edu/research/publications/electronic_publications/intrometadata/</a:t>
-            </a:r>
-            <a:r>
-              <a:rPr lang="en-US" dirty="0" smtClean="0">
-                <a:hlinkClick r:id="rId2"/>
-              </a:rPr>
-              <a:t>crosswalks.html</a:t>
-            </a:r>
-            <a:endParaRPr lang="en-US" dirty="0" smtClean="0"/>
-          </a:p>
-          <a:p>
-            <a:pPr lvl="1"/>
-            <a:r>
-              <a:rPr lang="en-US" dirty="0"/>
-              <a:t>https://</a:t>
-            </a:r>
-            <a:r>
-              <a:rPr lang="en-US" dirty="0" err="1"/>
-              <a:t>marinemetadata.org</a:t>
-            </a:r>
-            <a:r>
-              <a:rPr lang="en-US" dirty="0"/>
-              <a:t>/guides/</a:t>
-            </a:r>
-            <a:r>
-              <a:rPr lang="en-US" dirty="0" err="1"/>
-              <a:t>mdatastandards</a:t>
-            </a:r>
-            <a:r>
-              <a:rPr lang="en-US" dirty="0"/>
-              <a:t>/crosswalks</a:t>
-            </a:r>
-            <a:endParaRPr lang="en-US" dirty="0" smtClean="0"/>
-          </a:p>
-          <a:p>
-            <a:pPr lvl="1"/>
-            <a:r>
-              <a:rPr lang="en-US" dirty="0">
-                <a:hlinkClick r:id="rId3"/>
-              </a:rPr>
-              <a:t>http://www.dlib.org/dlib/december04/godby/</a:t>
-            </a:r>
-            <a:r>
-              <a:rPr lang="en-US" dirty="0" smtClean="0">
-                <a:hlinkClick r:id="rId3"/>
-              </a:rPr>
-              <a:t>12godby.html</a:t>
-            </a:r>
-            <a:endParaRPr lang="en-US" dirty="0" smtClean="0"/>
-          </a:p>
-          <a:p>
-            <a:pPr lvl="1"/>
-            <a:r>
-              <a:rPr lang="en-US" dirty="0"/>
-              <a:t>http://</a:t>
-            </a:r>
-            <a:r>
-              <a:rPr lang="en-US" dirty="0" err="1"/>
-              <a:t>www.ukoln.ac.uk</a:t>
-            </a:r>
-            <a:r>
-              <a:rPr lang="en-US" dirty="0"/>
-              <a:t>/metadata/interoperability/</a:t>
-            </a:r>
-          </a:p>
-          <a:p>
-            <a:pPr lvl="1"/>
-            <a:endParaRPr lang="en-US" dirty="0" smtClean="0"/>
-          </a:p>
-        </p:txBody>
-      </p:sp>
+            <p:extLst>
+              <p:ext uri="{D42A27DB-BD31-4B8C-83A1-F6EECF244321}">
+                <p14:modId xmlns:p14="http://schemas.microsoft.com/office/powerpoint/2010/main" val="850381854"/>
+              </p:ext>
+            </p:extLst>
+          </p:nvPr>
+        </p:nvGraphicFramePr>
+        <p:xfrm>
+          <a:off x="457200" y="1600200"/>
+          <a:ext cx="8229600" cy="3759199"/>
+        </p:xfrm>
+        <a:graphic>
+          <a:graphicData uri="http://schemas.openxmlformats.org/drawingml/2006/table">
+            <a:tbl>
+              <a:tblPr firstRow="1" bandRow="1">
+                <a:tableStyleId>{5C22544A-7EE6-4342-B048-85BDC9FD1C3A}</a:tableStyleId>
+              </a:tblPr>
+              <a:tblGrid>
+                <a:gridCol w="2057400"/>
+                <a:gridCol w="2057400"/>
+                <a:gridCol w="2057400"/>
+                <a:gridCol w="2057400"/>
+              </a:tblGrid>
+              <a:tr h="370840">
+                <a:tc>
+                  <a:txBody>
+                    <a:bodyPr/>
+                    <a:lstStyle/>
+                    <a:p>
+                      <a:pPr algn="ctr" fontAlgn="b"/>
+                      <a:r>
+                        <a:rPr lang="en-US" sz="1800" b="1" i="0" u="sng" strike="noStrike" dirty="0" smtClean="0">
+                          <a:solidFill>
+                            <a:srgbClr val="000000"/>
+                          </a:solidFill>
+                          <a:effectLst/>
+                          <a:latin typeface="Calibri"/>
+                        </a:rPr>
+                        <a:t>CDWA</a:t>
+                      </a:r>
+                      <a:endParaRPr lang="en-US" sz="1800" b="1" i="0" u="sng" strike="noStrike" dirty="0">
+                        <a:solidFill>
+                          <a:srgbClr val="000000"/>
+                        </a:solidFill>
+                        <a:effectLst/>
+                        <a:latin typeface="Calibri"/>
+                      </a:endParaRPr>
+                    </a:p>
+                  </a:txBody>
+                  <a:tcPr marL="0" marR="0" marT="0" marB="0" anchor="ctr"/>
+                </a:tc>
+                <a:tc>
+                  <a:txBody>
+                    <a:bodyPr/>
+                    <a:lstStyle/>
+                    <a:p>
+                      <a:pPr algn="ctr" fontAlgn="b"/>
+                      <a:r>
+                        <a:rPr lang="en-US" sz="1800" b="1" i="0" u="sng" strike="noStrike" dirty="0" smtClean="0">
+                          <a:solidFill>
+                            <a:srgbClr val="000000"/>
+                          </a:solidFill>
+                          <a:effectLst/>
+                          <a:latin typeface="Calibri"/>
+                        </a:rPr>
+                        <a:t>MARC/AACR</a:t>
+                      </a:r>
+                      <a:endParaRPr lang="en-US" sz="1800" b="1" i="0" u="sng" strike="noStrike" dirty="0">
+                        <a:solidFill>
+                          <a:srgbClr val="000000"/>
+                        </a:solidFill>
+                        <a:effectLst/>
+                        <a:latin typeface="Calibri"/>
+                      </a:endParaRPr>
+                    </a:p>
+                  </a:txBody>
+                  <a:tcPr marL="0" marR="0" marT="0" marB="0" anchor="ctr"/>
+                </a:tc>
+                <a:tc>
+                  <a:txBody>
+                    <a:bodyPr/>
+                    <a:lstStyle/>
+                    <a:p>
+                      <a:pPr algn="ctr" fontAlgn="b"/>
+                      <a:r>
+                        <a:rPr lang="en-US" sz="1800" b="1" i="0" u="sng" strike="noStrike" dirty="0" smtClean="0">
+                          <a:solidFill>
+                            <a:srgbClr val="000000"/>
+                          </a:solidFill>
+                          <a:effectLst/>
+                          <a:latin typeface="Calibri"/>
+                        </a:rPr>
+                        <a:t>MODS</a:t>
+                      </a:r>
+                      <a:endParaRPr lang="en-US" sz="1800" b="1" i="0" u="sng" strike="noStrike" dirty="0">
+                        <a:solidFill>
+                          <a:srgbClr val="000000"/>
+                        </a:solidFill>
+                        <a:effectLst/>
+                        <a:latin typeface="Calibri"/>
+                      </a:endParaRPr>
+                    </a:p>
+                  </a:txBody>
+                  <a:tcPr marL="0" marR="0" marT="0" marB="0" anchor="ctr"/>
+                </a:tc>
+                <a:tc>
+                  <a:txBody>
+                    <a:bodyPr/>
+                    <a:lstStyle/>
+                    <a:p>
+                      <a:pPr algn="ctr" fontAlgn="b"/>
+                      <a:r>
+                        <a:rPr lang="en-US" sz="1800" b="1" i="0" u="sng" strike="noStrike" dirty="0" smtClean="0">
+                          <a:solidFill>
+                            <a:srgbClr val="000000"/>
+                          </a:solidFill>
+                          <a:effectLst/>
+                          <a:latin typeface="Calibri"/>
+                        </a:rPr>
+                        <a:t>Dublin Core</a:t>
+                      </a:r>
+                      <a:endParaRPr lang="en-US" sz="1800" b="1" i="0" u="sng" strike="noStrike" dirty="0">
+                        <a:solidFill>
+                          <a:srgbClr val="000000"/>
+                        </a:solidFill>
+                        <a:effectLst/>
+                        <a:latin typeface="Calibri"/>
+                      </a:endParaRPr>
+                    </a:p>
+                  </a:txBody>
+                  <a:tcPr marL="0" marR="0" marT="0" marB="0" anchor="ctr"/>
+                </a:tc>
+              </a:tr>
+              <a:tr h="370840">
+                <a:tc>
+                  <a:txBody>
+                    <a:bodyPr/>
+                    <a:lstStyle/>
+                    <a:p>
+                      <a:pPr algn="ctr" fontAlgn="b"/>
+                      <a:r>
+                        <a:rPr lang="en-US" sz="1800" b="0" i="0" u="none" strike="noStrike" dirty="0">
+                          <a:solidFill>
+                            <a:srgbClr val="000000"/>
+                          </a:solidFill>
+                          <a:effectLst/>
+                          <a:latin typeface="Calibri"/>
+                        </a:rPr>
+                        <a:t>Catalog Level</a:t>
+                      </a:r>
+                    </a:p>
+                  </a:txBody>
+                  <a:tcPr marL="0" marR="0" marT="0" marB="0" anchor="ctr"/>
+                </a:tc>
+                <a:tc>
+                  <a:txBody>
+                    <a:bodyPr/>
+                    <a:lstStyle/>
+                    <a:p>
+                      <a:pPr algn="ctr" fontAlgn="b"/>
+                      <a:r>
+                        <a:rPr lang="en-US" sz="1800" b="0" i="0" u="none" strike="noStrike" dirty="0">
+                          <a:solidFill>
+                            <a:srgbClr val="000000"/>
+                          </a:solidFill>
+                          <a:effectLst/>
+                          <a:latin typeface="Calibri"/>
+                        </a:rPr>
+                        <a:t>655 Genre/Form </a:t>
+                      </a:r>
+                      <a:br>
+                        <a:rPr lang="en-US" sz="1800" b="0" i="0" u="none" strike="noStrike" dirty="0">
+                          <a:solidFill>
+                            <a:srgbClr val="000000"/>
+                          </a:solidFill>
+                          <a:effectLst/>
+                          <a:latin typeface="Calibri"/>
+                        </a:rPr>
+                      </a:br>
+                      <a:r>
+                        <a:rPr lang="en-US" sz="1800" b="0" i="0" u="none" strike="noStrike" dirty="0">
+                          <a:solidFill>
+                            <a:srgbClr val="000000"/>
+                          </a:solidFill>
+                          <a:effectLst/>
+                          <a:latin typeface="Calibri"/>
+                        </a:rPr>
+                        <a:t>300a Physical Description - Extent</a:t>
+                      </a:r>
+                    </a:p>
+                  </a:txBody>
+                  <a:tcPr marL="0" marR="0" marT="0" marB="0" anchor="ctr"/>
+                </a:tc>
+                <a:tc>
+                  <a:txBody>
+                    <a:bodyPr/>
+                    <a:lstStyle/>
+                    <a:p>
+                      <a:pPr algn="ctr" fontAlgn="b"/>
+                      <a:r>
+                        <a:rPr lang="en-US" sz="1800" b="0" i="0" u="none" strike="noStrike" dirty="0">
+                          <a:solidFill>
+                            <a:srgbClr val="000000"/>
+                          </a:solidFill>
+                          <a:effectLst/>
+                          <a:latin typeface="Calibri"/>
+                        </a:rPr>
+                        <a:t>&lt;genre&gt;</a:t>
+                      </a:r>
+                      <a:br>
+                        <a:rPr lang="en-US" sz="1800" b="0" i="0" u="none" strike="noStrike" dirty="0">
+                          <a:solidFill>
+                            <a:srgbClr val="000000"/>
+                          </a:solidFill>
+                          <a:effectLst/>
+                          <a:latin typeface="Calibri"/>
+                        </a:rPr>
+                      </a:br>
+                      <a:r>
+                        <a:rPr lang="en-US" sz="1800" b="0" i="0" u="none" strike="noStrike" dirty="0">
+                          <a:solidFill>
+                            <a:srgbClr val="000000"/>
+                          </a:solidFill>
+                          <a:effectLst/>
+                          <a:latin typeface="Calibri"/>
+                        </a:rPr>
+                        <a:t>&lt;extent&gt;</a:t>
+                      </a:r>
+                    </a:p>
+                  </a:txBody>
+                  <a:tcPr marL="0" marR="0" marT="0" marB="0" anchor="ctr"/>
+                </a:tc>
+                <a:tc>
+                  <a:txBody>
+                    <a:bodyPr/>
+                    <a:lstStyle/>
+                    <a:p>
+                      <a:pPr algn="ctr" fontAlgn="b"/>
+                      <a:endParaRPr lang="en-US" sz="1800" b="0" i="0" u="none" strike="noStrike">
+                        <a:solidFill>
+                          <a:srgbClr val="000000"/>
+                        </a:solidFill>
+                        <a:effectLst/>
+                        <a:latin typeface="Calibri"/>
+                      </a:endParaRPr>
+                    </a:p>
+                  </a:txBody>
+                  <a:tcPr marL="0" marR="0" marT="0" marB="0" anchor="ctr"/>
+                </a:tc>
+              </a:tr>
+              <a:tr h="370840">
+                <a:tc>
+                  <a:txBody>
+                    <a:bodyPr/>
+                    <a:lstStyle/>
+                    <a:p>
+                      <a:pPr algn="ctr" fontAlgn="b"/>
+                      <a:r>
+                        <a:rPr lang="en-US" sz="1800" b="0" i="0" u="none" strike="noStrike">
+                          <a:solidFill>
+                            <a:srgbClr val="000000"/>
+                          </a:solidFill>
+                          <a:effectLst/>
+                          <a:latin typeface="Calibri"/>
+                        </a:rPr>
+                        <a:t>Object/Work Type</a:t>
+                      </a:r>
+                    </a:p>
+                  </a:txBody>
+                  <a:tcPr marL="0" marR="0" marT="0" marB="0" anchor="ctr"/>
+                </a:tc>
+                <a:tc>
+                  <a:txBody>
+                    <a:bodyPr/>
+                    <a:lstStyle/>
+                    <a:p>
+                      <a:pPr algn="ctr" fontAlgn="b"/>
+                      <a:r>
+                        <a:rPr lang="en-US" sz="1800" b="0" i="0" u="none" strike="noStrike">
+                          <a:solidFill>
+                            <a:srgbClr val="000000"/>
+                          </a:solidFill>
+                          <a:effectLst/>
+                          <a:latin typeface="Calibri"/>
+                        </a:rPr>
+                        <a:t>655 Genre - Form</a:t>
+                      </a:r>
+                    </a:p>
+                  </a:txBody>
+                  <a:tcPr marL="0" marR="0" marT="0" marB="0" anchor="ctr"/>
+                </a:tc>
+                <a:tc>
+                  <a:txBody>
+                    <a:bodyPr/>
+                    <a:lstStyle/>
+                    <a:p>
+                      <a:pPr algn="ctr" fontAlgn="b"/>
+                      <a:r>
+                        <a:rPr lang="en-US" sz="1800" b="0" i="0" u="none" strike="noStrike">
+                          <a:solidFill>
+                            <a:srgbClr val="000000"/>
+                          </a:solidFill>
+                          <a:effectLst/>
+                          <a:latin typeface="Calibri"/>
+                        </a:rPr>
+                        <a:t>&lt;genre&gt;</a:t>
+                      </a:r>
+                    </a:p>
+                  </a:txBody>
+                  <a:tcPr marL="0" marR="0" marT="0" marB="0" anchor="ctr"/>
+                </a:tc>
+                <a:tc>
+                  <a:txBody>
+                    <a:bodyPr/>
+                    <a:lstStyle/>
+                    <a:p>
+                      <a:pPr algn="ctr" fontAlgn="b"/>
+                      <a:r>
+                        <a:rPr lang="en-US" sz="1800" b="0" i="0" u="none" strike="noStrike" dirty="0">
+                          <a:solidFill>
+                            <a:srgbClr val="000000"/>
+                          </a:solidFill>
+                          <a:effectLst/>
+                          <a:latin typeface="Calibri"/>
+                        </a:rPr>
+                        <a:t>Type</a:t>
+                      </a:r>
+                    </a:p>
+                  </a:txBody>
+                  <a:tcPr marL="0" marR="0" marT="0" marB="0" anchor="ctr"/>
+                </a:tc>
+              </a:tr>
+              <a:tr h="370840">
+                <a:tc>
+                  <a:txBody>
+                    <a:bodyPr/>
+                    <a:lstStyle/>
+                    <a:p>
+                      <a:pPr algn="ctr" fontAlgn="b"/>
+                      <a:r>
+                        <a:rPr lang="en-US" sz="1800" b="0" i="0" u="none" strike="noStrike">
+                          <a:solidFill>
+                            <a:srgbClr val="000000"/>
+                          </a:solidFill>
+                          <a:effectLst/>
+                          <a:latin typeface="Calibri"/>
+                        </a:rPr>
+                        <a:t>Components/Parts</a:t>
+                      </a:r>
+                    </a:p>
+                  </a:txBody>
+                  <a:tcPr marL="0" marR="0" marT="0" marB="0" anchor="ctr"/>
+                </a:tc>
+                <a:tc>
+                  <a:txBody>
+                    <a:bodyPr/>
+                    <a:lstStyle/>
+                    <a:p>
+                      <a:pPr algn="ctr" fontAlgn="b"/>
+                      <a:r>
+                        <a:rPr lang="en-US" sz="1800" b="0" i="0" u="none" strike="noStrike">
+                          <a:solidFill>
+                            <a:srgbClr val="000000"/>
+                          </a:solidFill>
+                          <a:effectLst/>
+                          <a:latin typeface="Calibri"/>
+                        </a:rPr>
+                        <a:t>300a Physical Description - Extent</a:t>
+                      </a:r>
+                    </a:p>
+                  </a:txBody>
+                  <a:tcPr marL="0" marR="0" marT="0" marB="0" anchor="ctr"/>
+                </a:tc>
+                <a:tc>
+                  <a:txBody>
+                    <a:bodyPr/>
+                    <a:lstStyle/>
+                    <a:p>
+                      <a:pPr algn="ctr" fontAlgn="b"/>
+                      <a:r>
+                        <a:rPr lang="en-US" sz="1800" b="0" i="0" u="none" strike="noStrike" dirty="0">
+                          <a:solidFill>
+                            <a:srgbClr val="000000"/>
+                          </a:solidFill>
+                          <a:effectLst/>
+                          <a:latin typeface="Calibri"/>
+                        </a:rPr>
+                        <a:t>&lt;extent&gt;</a:t>
+                      </a:r>
+                    </a:p>
+                  </a:txBody>
+                  <a:tcPr marL="0" marR="0" marT="0" marB="0" anchor="ctr"/>
+                </a:tc>
+                <a:tc>
+                  <a:txBody>
+                    <a:bodyPr/>
+                    <a:lstStyle/>
+                    <a:p>
+                      <a:pPr algn="ctr" fontAlgn="b"/>
+                      <a:r>
+                        <a:rPr lang="en-US" sz="1800" b="0" i="0" u="none" strike="noStrike" dirty="0" err="1">
+                          <a:solidFill>
+                            <a:srgbClr val="000000"/>
+                          </a:solidFill>
+                          <a:effectLst/>
+                          <a:latin typeface="Calibri"/>
+                        </a:rPr>
+                        <a:t>Format.Extent</a:t>
+                      </a:r>
+                      <a:endParaRPr lang="en-US" sz="1800" b="0" i="0" u="none" strike="noStrike" dirty="0">
+                        <a:solidFill>
+                          <a:srgbClr val="000000"/>
+                        </a:solidFill>
+                        <a:effectLst/>
+                        <a:latin typeface="Calibri"/>
+                      </a:endParaRPr>
+                    </a:p>
+                  </a:txBody>
+                  <a:tcPr marL="0" marR="0" marT="0" marB="0" anchor="ctr"/>
+                </a:tc>
+              </a:tr>
+              <a:tr h="370840">
+                <a:tc>
+                  <a:txBody>
+                    <a:bodyPr/>
+                    <a:lstStyle/>
+                    <a:p>
+                      <a:pPr algn="ctr" fontAlgn="b"/>
+                      <a:r>
+                        <a:rPr lang="en-US" sz="1800" b="0" i="0" u="none" strike="noStrike">
+                          <a:solidFill>
+                            <a:srgbClr val="000000"/>
+                          </a:solidFill>
+                          <a:effectLst/>
+                          <a:latin typeface="Calibri"/>
+                        </a:rPr>
+                        <a:t>Classification Term</a:t>
+                      </a:r>
+                    </a:p>
+                  </a:txBody>
+                  <a:tcPr marL="0" marR="0" marT="0" marB="0" anchor="ctr"/>
+                </a:tc>
+                <a:tc>
+                  <a:txBody>
+                    <a:bodyPr/>
+                    <a:lstStyle/>
+                    <a:p>
+                      <a:pPr algn="ctr" fontAlgn="b"/>
+                      <a:r>
+                        <a:rPr lang="en-US" sz="1800" b="0" i="0" u="none" strike="noStrike">
+                          <a:solidFill>
+                            <a:srgbClr val="000000"/>
+                          </a:solidFill>
+                          <a:effectLst/>
+                          <a:latin typeface="Calibri"/>
+                        </a:rPr>
+                        <a:t>050 </a:t>
+                      </a:r>
+                      <a:br>
+                        <a:rPr lang="en-US" sz="1800" b="0" i="0" u="none" strike="noStrike">
+                          <a:solidFill>
+                            <a:srgbClr val="000000"/>
+                          </a:solidFill>
+                          <a:effectLst/>
+                          <a:latin typeface="Calibri"/>
+                        </a:rPr>
+                      </a:br>
+                      <a:r>
+                        <a:rPr lang="en-US" sz="1800" b="0" i="0" u="none" strike="noStrike">
+                          <a:solidFill>
+                            <a:srgbClr val="000000"/>
+                          </a:solidFill>
+                          <a:effectLst/>
+                          <a:latin typeface="Calibri"/>
+                        </a:rPr>
+                        <a:t>084 "Other classification number"</a:t>
+                      </a:r>
+                    </a:p>
+                  </a:txBody>
+                  <a:tcPr marL="0" marR="0" marT="0" marB="0" anchor="ctr"/>
+                </a:tc>
+                <a:tc>
+                  <a:txBody>
+                    <a:bodyPr/>
+                    <a:lstStyle/>
+                    <a:p>
+                      <a:pPr algn="ctr" fontAlgn="b"/>
+                      <a:r>
+                        <a:rPr lang="en-US" sz="1800" b="0" i="0" u="none" strike="noStrike">
+                          <a:solidFill>
+                            <a:srgbClr val="000000"/>
+                          </a:solidFill>
+                          <a:effectLst/>
+                          <a:latin typeface="Calibri"/>
+                        </a:rPr>
+                        <a:t>&lt;classification&gt;</a:t>
+                      </a:r>
+                    </a:p>
+                  </a:txBody>
+                  <a:tcPr marL="0" marR="0" marT="0" marB="0" anchor="ctr"/>
+                </a:tc>
+                <a:tc>
+                  <a:txBody>
+                    <a:bodyPr/>
+                    <a:lstStyle/>
+                    <a:p>
+                      <a:pPr algn="ctr" fontAlgn="b"/>
+                      <a:r>
+                        <a:rPr lang="en-US" sz="1800" b="0" i="0" u="none" strike="noStrike" dirty="0">
+                          <a:solidFill>
+                            <a:srgbClr val="000000"/>
+                          </a:solidFill>
+                          <a:effectLst/>
+                          <a:latin typeface="Calibri"/>
+                        </a:rPr>
+                        <a:t>Subject (classification schema)</a:t>
+                      </a:r>
+                    </a:p>
+                  </a:txBody>
+                  <a:tcPr marL="0" marR="0" marT="0" marB="0" anchor="ctr"/>
+                </a:tc>
+              </a:tr>
+              <a:tr h="370840">
+                <a:tc>
+                  <a:txBody>
+                    <a:bodyPr/>
+                    <a:lstStyle/>
+                    <a:p>
+                      <a:pPr algn="ctr" fontAlgn="b"/>
+                      <a:r>
+                        <a:rPr lang="en-US" sz="1800" b="0" i="0" u="none" strike="noStrike">
+                          <a:solidFill>
+                            <a:srgbClr val="000000"/>
+                          </a:solidFill>
+                          <a:effectLst/>
+                          <a:latin typeface="Calibri"/>
+                        </a:rPr>
+                        <a:t>Title Text</a:t>
+                      </a:r>
+                    </a:p>
+                  </a:txBody>
+                  <a:tcPr marL="0" marR="0" marT="0" marB="0" anchor="ctr"/>
+                </a:tc>
+                <a:tc>
+                  <a:txBody>
+                    <a:bodyPr/>
+                    <a:lstStyle/>
+                    <a:p>
+                      <a:pPr algn="ctr" fontAlgn="b"/>
+                      <a:r>
+                        <a:rPr lang="en-US" sz="1800" b="0" i="0" u="none" strike="noStrike">
+                          <a:solidFill>
+                            <a:srgbClr val="000000"/>
+                          </a:solidFill>
+                          <a:effectLst/>
+                          <a:latin typeface="Calibri"/>
+                        </a:rPr>
+                        <a:t>24Xa Title and Title - Related Information</a:t>
+                      </a:r>
+                    </a:p>
+                  </a:txBody>
+                  <a:tcPr marL="0" marR="0" marT="0" marB="0" anchor="ctr"/>
+                </a:tc>
+                <a:tc>
+                  <a:txBody>
+                    <a:bodyPr/>
+                    <a:lstStyle/>
+                    <a:p>
+                      <a:pPr algn="ctr" fontAlgn="b"/>
+                      <a:r>
+                        <a:rPr lang="en-US" sz="1800" b="0" i="0" u="none" strike="noStrike">
+                          <a:solidFill>
+                            <a:srgbClr val="000000"/>
+                          </a:solidFill>
+                          <a:effectLst/>
+                          <a:latin typeface="Calibri"/>
+                        </a:rPr>
+                        <a:t>&lt;classification&gt;</a:t>
+                      </a:r>
+                    </a:p>
+                  </a:txBody>
+                  <a:tcPr marL="0" marR="0" marT="0" marB="0" anchor="ctr"/>
+                </a:tc>
+                <a:tc>
+                  <a:txBody>
+                    <a:bodyPr/>
+                    <a:lstStyle/>
+                    <a:p>
+                      <a:pPr algn="ctr" fontAlgn="b"/>
+                      <a:r>
+                        <a:rPr lang="en-US" sz="1800" b="0" i="0" u="none" strike="noStrike" dirty="0">
+                          <a:solidFill>
+                            <a:srgbClr val="000000"/>
+                          </a:solidFill>
+                          <a:effectLst/>
+                          <a:latin typeface="Calibri"/>
+                        </a:rPr>
+                        <a:t>Subject (classification schema)</a:t>
+                      </a:r>
+                    </a:p>
+                  </a:txBody>
+                  <a:tcPr marL="0" marR="0" marT="0" marB="0" anchor="ctr"/>
+                </a:tc>
+              </a:tr>
+            </a:tbl>
+          </a:graphicData>
+        </a:graphic>
+      </p:graphicFrame>
     </p:spTree>
     <p:extLst>
       <p:ext uri="{BB962C8B-B14F-4D97-AF65-F5344CB8AC3E}">
-        <p14:creationId xmlns:p14="http://schemas.microsoft.com/office/powerpoint/2010/main" val="969117781"/>
+        <p14:creationId xmlns:p14="http://schemas.microsoft.com/office/powerpoint/2010/main" val="624647464"/>
       </p:ext>
     </p:extLst>
   </p:cSld>
@@ -8379,7 +9737,482 @@
 </p:sld>
 </file>
 
-<file path=ppt/slides/slide24.xml><?xml version="1.0" encoding="utf-8"?>
+<file path=ppt/slides/slide26.xml><?xml version="1.0" encoding="utf-8"?>
+<p:sld xmlns:a="http://schemas.openxmlformats.org/drawingml/2006/main" xmlns:r="http://schemas.openxmlformats.org/officeDocument/2006/relationships" xmlns:p="http://schemas.openxmlformats.org/presentationml/2006/main">
+  <p:cSld>
+    <p:spTree>
+      <p:nvGrpSpPr>
+        <p:cNvPr id="1" name=""/>
+        <p:cNvGrpSpPr/>
+        <p:nvPr/>
+      </p:nvGrpSpPr>
+      <p:grpSpPr>
+        <a:xfrm>
+          <a:off x="0" y="0"/>
+          <a:ext cx="0" cy="0"/>
+          <a:chOff x="0" y="0"/>
+          <a:chExt cx="0" cy="0"/>
+        </a:xfrm>
+      </p:grpSpPr>
+      <p:sp>
+        <p:nvSpPr>
+          <p:cNvPr id="2" name="Title 1"/>
+          <p:cNvSpPr>
+            <a:spLocks noGrp="1"/>
+          </p:cNvSpPr>
+          <p:nvPr>
+            <p:ph type="title"/>
+          </p:nvPr>
+        </p:nvSpPr>
+        <p:spPr/>
+        <p:txBody>
+          <a:bodyPr/>
+          <a:lstStyle/>
+          <a:p>
+            <a:r>
+              <a:rPr lang="en-US" dirty="0" err="1" smtClean="0"/>
+              <a:t>Crosswalking</a:t>
+            </a:r>
+            <a:r>
+              <a:rPr lang="en-US" dirty="0" smtClean="0"/>
+              <a:t> research </a:t>
+            </a:r>
+            <a:r>
+              <a:rPr lang="en-US" dirty="0"/>
+              <a:t>data</a:t>
+            </a:r>
+            <a:endParaRPr lang="en-US" dirty="0"/>
+          </a:p>
+        </p:txBody>
+      </p:sp>
+      <p:sp>
+        <p:nvSpPr>
+          <p:cNvPr id="3" name="Content Placeholder 2"/>
+          <p:cNvSpPr>
+            <a:spLocks noGrp="1"/>
+          </p:cNvSpPr>
+          <p:nvPr>
+            <p:ph idx="1"/>
+          </p:nvPr>
+        </p:nvSpPr>
+        <p:spPr>
+          <a:xfrm>
+            <a:off x="4551053" y="1600201"/>
+            <a:ext cx="3986581" cy="4062612"/>
+          </a:xfrm>
+        </p:spPr>
+        <p:txBody>
+          <a:bodyPr/>
+          <a:lstStyle/>
+          <a:p>
+            <a:r>
+              <a:rPr lang="en-US" dirty="0" smtClean="0"/>
+              <a:t>Can be more complicated</a:t>
+            </a:r>
+          </a:p>
+          <a:p>
+            <a:pPr lvl="1"/>
+            <a:r>
+              <a:rPr lang="en-US" dirty="0" smtClean="0"/>
+              <a:t>Unit conversion</a:t>
+            </a:r>
+          </a:p>
+          <a:p>
+            <a:pPr lvl="1"/>
+            <a:r>
+              <a:rPr lang="en-US" dirty="0" smtClean="0"/>
+              <a:t>Idiosyncratic controlled vocabularies</a:t>
+            </a:r>
+          </a:p>
+          <a:p>
+            <a:r>
+              <a:rPr lang="en-US" dirty="0" smtClean="0"/>
+              <a:t>Can be “</a:t>
+            </a:r>
+            <a:r>
+              <a:rPr lang="en-US" dirty="0" err="1" smtClean="0"/>
+              <a:t>lossy</a:t>
+            </a:r>
+            <a:r>
+              <a:rPr lang="en-US" dirty="0" smtClean="0"/>
+              <a:t>”</a:t>
+            </a:r>
+            <a:endParaRPr lang="en-US" dirty="0" smtClean="0"/>
+          </a:p>
+          <a:p>
+            <a:pPr lvl="1"/>
+            <a:endParaRPr lang="en-US" dirty="0"/>
+          </a:p>
+        </p:txBody>
+      </p:sp>
+      <p:pic>
+        <p:nvPicPr>
+          <p:cNvPr id="5" name="Picture 4" descr="imgres.jpg"/>
+          <p:cNvPicPr>
+            <a:picLocks noChangeAspect="1"/>
+          </p:cNvPicPr>
+          <p:nvPr/>
+        </p:nvPicPr>
+        <p:blipFill>
+          <a:blip r:embed="rId2">
+            <a:extLst>
+              <a:ext uri="{28A0092B-C50C-407E-A947-70E740481C1C}">
+                <a14:useLocalDpi xmlns:a14="http://schemas.microsoft.com/office/drawing/2010/main" val="0"/>
+              </a:ext>
+            </a:extLst>
+          </a:blip>
+          <a:stretch>
+            <a:fillRect/>
+          </a:stretch>
+        </p:blipFill>
+        <p:spPr>
+          <a:xfrm>
+            <a:off x="568061" y="1842643"/>
+            <a:ext cx="2959887" cy="3551865"/>
+          </a:xfrm>
+          <a:prstGeom prst="rect">
+            <a:avLst/>
+          </a:prstGeom>
+        </p:spPr>
+      </p:pic>
+    </p:spTree>
+    <p:extLst>
+      <p:ext uri="{BB962C8B-B14F-4D97-AF65-F5344CB8AC3E}">
+        <p14:creationId xmlns:p14="http://schemas.microsoft.com/office/powerpoint/2010/main" val="3104686356"/>
+      </p:ext>
+    </p:extLst>
+  </p:cSld>
+  <p:clrMapOvr>
+    <a:masterClrMapping/>
+  </p:clrMapOvr>
+  <p:timing>
+    <p:tnLst>
+      <p:par>
+        <p:cTn xmlns:p14="http://schemas.microsoft.com/office/powerpoint/2010/main" id="1" dur="indefinite" restart="never" nodeType="tmRoot"/>
+      </p:par>
+    </p:tnLst>
+  </p:timing>
+</p:sld>
+</file>
+
+<file path=ppt/slides/slide27.xml><?xml version="1.0" encoding="utf-8"?>
+<p:sld xmlns:a="http://schemas.openxmlformats.org/drawingml/2006/main" xmlns:r="http://schemas.openxmlformats.org/officeDocument/2006/relationships" xmlns:p="http://schemas.openxmlformats.org/presentationml/2006/main">
+  <p:cSld>
+    <p:spTree>
+      <p:nvGrpSpPr>
+        <p:cNvPr id="1" name=""/>
+        <p:cNvGrpSpPr/>
+        <p:nvPr/>
+      </p:nvGrpSpPr>
+      <p:grpSpPr>
+        <a:xfrm>
+          <a:off x="0" y="0"/>
+          <a:ext cx="0" cy="0"/>
+          <a:chOff x="0" y="0"/>
+          <a:chExt cx="0" cy="0"/>
+        </a:xfrm>
+      </p:grpSpPr>
+      <p:sp>
+        <p:nvSpPr>
+          <p:cNvPr id="6" name="Content Placeholder 2"/>
+          <p:cNvSpPr txBox="1">
+            <a:spLocks/>
+          </p:cNvSpPr>
+          <p:nvPr/>
+        </p:nvSpPr>
+        <p:spPr>
+          <a:xfrm>
+            <a:off x="609599" y="3499075"/>
+            <a:ext cx="4129133" cy="851921"/>
+          </a:xfrm>
+          <a:prstGeom prst="rect">
+            <a:avLst/>
+          </a:prstGeom>
+        </p:spPr>
+        <p:txBody>
+          <a:bodyPr vert="horz" lIns="91440" tIns="45720" rIns="91440" bIns="45720" rtlCol="0">
+            <a:normAutofit/>
+          </a:bodyPr>
+          <a:lstStyle>
+            <a:lvl1pPr marL="342900" indent="-342900" algn="l" defTabSz="457200" rtl="0" eaLnBrk="1" latinLnBrk="0" hangingPunct="1">
+              <a:spcBef>
+                <a:spcPct val="20000"/>
+              </a:spcBef>
+              <a:buFont typeface="Arial"/>
+              <a:buChar char="•"/>
+              <a:defRPr sz="3200" kern="1200">
+                <a:solidFill>
+                  <a:schemeClr val="tx1"/>
+                </a:solidFill>
+                <a:latin typeface="+mn-lt"/>
+                <a:ea typeface="+mn-ea"/>
+                <a:cs typeface="+mn-cs"/>
+              </a:defRPr>
+            </a:lvl1pPr>
+            <a:lvl2pPr marL="742950" indent="-285750" algn="l" defTabSz="457200" rtl="0" eaLnBrk="1" latinLnBrk="0" hangingPunct="1">
+              <a:spcBef>
+                <a:spcPct val="20000"/>
+              </a:spcBef>
+              <a:buFont typeface="Arial"/>
+              <a:buChar char="–"/>
+              <a:defRPr sz="2800" kern="1200">
+                <a:solidFill>
+                  <a:schemeClr val="tx1"/>
+                </a:solidFill>
+                <a:latin typeface="+mn-lt"/>
+                <a:ea typeface="+mn-ea"/>
+                <a:cs typeface="+mn-cs"/>
+              </a:defRPr>
+            </a:lvl2pPr>
+            <a:lvl3pPr marL="1143000" indent="-228600" algn="l" defTabSz="457200" rtl="0" eaLnBrk="1" latinLnBrk="0" hangingPunct="1">
+              <a:spcBef>
+                <a:spcPct val="20000"/>
+              </a:spcBef>
+              <a:buFont typeface="Arial"/>
+              <a:buChar char="•"/>
+              <a:defRPr sz="2400" kern="1200">
+                <a:solidFill>
+                  <a:schemeClr val="tx1"/>
+                </a:solidFill>
+                <a:latin typeface="+mn-lt"/>
+                <a:ea typeface="+mn-ea"/>
+                <a:cs typeface="+mn-cs"/>
+              </a:defRPr>
+            </a:lvl3pPr>
+            <a:lvl4pPr marL="1600200" indent="-228600" algn="l" defTabSz="457200" rtl="0" eaLnBrk="1" latinLnBrk="0" hangingPunct="1">
+              <a:spcBef>
+                <a:spcPct val="20000"/>
+              </a:spcBef>
+              <a:buFont typeface="Arial"/>
+              <a:buChar char="–"/>
+              <a:defRPr sz="2000" kern="1200">
+                <a:solidFill>
+                  <a:schemeClr val="tx1"/>
+                </a:solidFill>
+                <a:latin typeface="+mn-lt"/>
+                <a:ea typeface="+mn-ea"/>
+                <a:cs typeface="+mn-cs"/>
+              </a:defRPr>
+            </a:lvl4pPr>
+            <a:lvl5pPr marL="2057400" indent="-228600" algn="l" defTabSz="457200" rtl="0" eaLnBrk="1" latinLnBrk="0" hangingPunct="1">
+              <a:spcBef>
+                <a:spcPct val="20000"/>
+              </a:spcBef>
+              <a:buFont typeface="Arial"/>
+              <a:buChar char="»"/>
+              <a:defRPr sz="2000" kern="1200">
+                <a:solidFill>
+                  <a:schemeClr val="tx1"/>
+                </a:solidFill>
+                <a:latin typeface="+mn-lt"/>
+                <a:ea typeface="+mn-ea"/>
+                <a:cs typeface="+mn-cs"/>
+              </a:defRPr>
+            </a:lvl5pPr>
+            <a:lvl6pPr marL="2514600" indent="-228600" algn="l" defTabSz="457200" rtl="0" eaLnBrk="1" latinLnBrk="0" hangingPunct="1">
+              <a:spcBef>
+                <a:spcPct val="20000"/>
+              </a:spcBef>
+              <a:buFont typeface="Arial"/>
+              <a:buChar char="•"/>
+              <a:defRPr sz="2000" kern="1200">
+                <a:solidFill>
+                  <a:schemeClr val="tx1"/>
+                </a:solidFill>
+                <a:latin typeface="+mn-lt"/>
+                <a:ea typeface="+mn-ea"/>
+                <a:cs typeface="+mn-cs"/>
+              </a:defRPr>
+            </a:lvl6pPr>
+            <a:lvl7pPr marL="2971800" indent="-228600" algn="l" defTabSz="457200" rtl="0" eaLnBrk="1" latinLnBrk="0" hangingPunct="1">
+              <a:spcBef>
+                <a:spcPct val="20000"/>
+              </a:spcBef>
+              <a:buFont typeface="Arial"/>
+              <a:buChar char="•"/>
+              <a:defRPr sz="2000" kern="1200">
+                <a:solidFill>
+                  <a:schemeClr val="tx1"/>
+                </a:solidFill>
+                <a:latin typeface="+mn-lt"/>
+                <a:ea typeface="+mn-ea"/>
+                <a:cs typeface="+mn-cs"/>
+              </a:defRPr>
+            </a:lvl7pPr>
+            <a:lvl8pPr marL="3429000" indent="-228600" algn="l" defTabSz="457200" rtl="0" eaLnBrk="1" latinLnBrk="0" hangingPunct="1">
+              <a:spcBef>
+                <a:spcPct val="20000"/>
+              </a:spcBef>
+              <a:buFont typeface="Arial"/>
+              <a:buChar char="•"/>
+              <a:defRPr sz="2000" kern="1200">
+                <a:solidFill>
+                  <a:schemeClr val="tx1"/>
+                </a:solidFill>
+                <a:latin typeface="+mn-lt"/>
+                <a:ea typeface="+mn-ea"/>
+                <a:cs typeface="+mn-cs"/>
+              </a:defRPr>
+            </a:lvl8pPr>
+            <a:lvl9pPr marL="3886200" indent="-228600" algn="l" defTabSz="457200" rtl="0" eaLnBrk="1" latinLnBrk="0" hangingPunct="1">
+              <a:spcBef>
+                <a:spcPct val="20000"/>
+              </a:spcBef>
+              <a:buFont typeface="Arial"/>
+              <a:buChar char="•"/>
+              <a:defRPr sz="2000" kern="1200">
+                <a:solidFill>
+                  <a:schemeClr val="tx1"/>
+                </a:solidFill>
+                <a:latin typeface="+mn-lt"/>
+                <a:ea typeface="+mn-ea"/>
+                <a:cs typeface="+mn-cs"/>
+              </a:defRPr>
+            </a:lvl9pPr>
+          </a:lstStyle>
+          <a:p>
+            <a:pPr marL="0" indent="0">
+              <a:buFont typeface="Arial"/>
+              <a:buNone/>
+            </a:pPr>
+            <a:endParaRPr lang="en-US" sz="1200" dirty="0"/>
+          </a:p>
+        </p:txBody>
+      </p:sp>
+      <p:pic>
+        <p:nvPicPr>
+          <p:cNvPr id="4" name="Picture 3" descr="ICOADS-rda.tiff"/>
+          <p:cNvPicPr>
+            <a:picLocks noChangeAspect="1"/>
+          </p:cNvPicPr>
+          <p:nvPr/>
+        </p:nvPicPr>
+        <p:blipFill>
+          <a:blip r:embed="rId3">
+            <a:extLst>
+              <a:ext uri="{28A0092B-C50C-407E-A947-70E740481C1C}">
+                <a14:useLocalDpi xmlns:a14="http://schemas.microsoft.com/office/drawing/2010/main" val="0"/>
+              </a:ext>
+            </a:extLst>
+          </a:blip>
+          <a:stretch>
+            <a:fillRect/>
+          </a:stretch>
+        </p:blipFill>
+        <p:spPr>
+          <a:xfrm>
+            <a:off x="0" y="-2166902"/>
+            <a:ext cx="9144000" cy="5665977"/>
+          </a:xfrm>
+          <a:prstGeom prst="rect">
+            <a:avLst/>
+          </a:prstGeom>
+        </p:spPr>
+      </p:pic>
+    </p:spTree>
+    <p:extLst>
+      <p:ext uri="{BB962C8B-B14F-4D97-AF65-F5344CB8AC3E}">
+        <p14:creationId xmlns:p14="http://schemas.microsoft.com/office/powerpoint/2010/main" val="787732323"/>
+      </p:ext>
+    </p:extLst>
+  </p:cSld>
+  <p:clrMapOvr>
+    <a:masterClrMapping/>
+  </p:clrMapOvr>
+</p:sld>
+</file>
+
+<file path=ppt/slides/slide28.xml><?xml version="1.0" encoding="utf-8"?>
+<p:sld xmlns:a="http://schemas.openxmlformats.org/drawingml/2006/main" xmlns:r="http://schemas.openxmlformats.org/officeDocument/2006/relationships" xmlns:p="http://schemas.openxmlformats.org/presentationml/2006/main">
+  <p:cSld>
+    <p:spTree>
+      <p:nvGrpSpPr>
+        <p:cNvPr id="1" name=""/>
+        <p:cNvGrpSpPr/>
+        <p:nvPr/>
+      </p:nvGrpSpPr>
+      <p:grpSpPr>
+        <a:xfrm>
+          <a:off x="0" y="0"/>
+          <a:ext cx="0" cy="0"/>
+          <a:chOff x="0" y="0"/>
+          <a:chExt cx="0" cy="0"/>
+        </a:xfrm>
+      </p:grpSpPr>
+      <p:sp>
+        <p:nvSpPr>
+          <p:cNvPr id="2" name="Title 1"/>
+          <p:cNvSpPr>
+            <a:spLocks noGrp="1"/>
+          </p:cNvSpPr>
+          <p:nvPr>
+            <p:ph type="title"/>
+          </p:nvPr>
+        </p:nvSpPr>
+        <p:spPr/>
+        <p:txBody>
+          <a:bodyPr/>
+          <a:lstStyle/>
+          <a:p>
+            <a:r>
+              <a:rPr lang="en-US" dirty="0" smtClean="0"/>
+              <a:t>Metadata in the wild</a:t>
+            </a:r>
+            <a:endParaRPr lang="en-US" dirty="0"/>
+          </a:p>
+        </p:txBody>
+      </p:sp>
+      <p:pic>
+        <p:nvPicPr>
+          <p:cNvPr id="5" name="Picture 4" descr="imgres.jpg"/>
+          <p:cNvPicPr>
+            <a:picLocks noChangeAspect="1"/>
+          </p:cNvPicPr>
+          <p:nvPr/>
+        </p:nvPicPr>
+        <p:blipFill>
+          <a:blip r:embed="rId3">
+            <a:extLst>
+              <a:ext uri="{28A0092B-C50C-407E-A947-70E740481C1C}">
+                <a14:useLocalDpi xmlns:a14="http://schemas.microsoft.com/office/drawing/2010/main" val="0"/>
+              </a:ext>
+            </a:extLst>
+          </a:blip>
+          <a:stretch>
+            <a:fillRect/>
+          </a:stretch>
+        </p:blipFill>
+        <p:spPr>
+          <a:xfrm>
+            <a:off x="2976960" y="2384537"/>
+            <a:ext cx="3289300" cy="2463800"/>
+          </a:xfrm>
+          <a:prstGeom prst="rect">
+            <a:avLst/>
+          </a:prstGeom>
+        </p:spPr>
+      </p:pic>
+    </p:spTree>
+    <p:extLst>
+      <p:ext uri="{BB962C8B-B14F-4D97-AF65-F5344CB8AC3E}">
+        <p14:creationId xmlns:p14="http://schemas.microsoft.com/office/powerpoint/2010/main" val="3412809358"/>
+      </p:ext>
+    </p:extLst>
+  </p:cSld>
+  <p:clrMapOvr>
+    <a:masterClrMapping/>
+  </p:clrMapOvr>
+  <p:timing>
+    <p:tnLst>
+      <p:par>
+        <p:cTn xmlns:p14="http://schemas.microsoft.com/office/powerpoint/2010/main" id="1" dur="indefinite" restart="never" nodeType="tmRoot"/>
+      </p:par>
+    </p:tnLst>
+  </p:timing>
+</p:sld>
+</file>
+
+<file path=ppt/slides/slide29.xml><?xml version="1.0" encoding="utf-8"?>
 <p:sld xmlns:a="http://schemas.openxmlformats.org/drawingml/2006/main" xmlns:r="http://schemas.openxmlformats.org/officeDocument/2006/relationships" xmlns:p="http://schemas.openxmlformats.org/presentationml/2006/main">
   <p:cSld>
     <p:spTree>
@@ -8439,7 +10272,7 @@
 </p:sld>
 </file>
 
-<file path=ppt/slides/slide25.xml><?xml version="1.0" encoding="utf-8"?>
+<file path=ppt/slides/slide3.xml><?xml version="1.0" encoding="utf-8"?>
 <p:sld xmlns:a="http://schemas.openxmlformats.org/drawingml/2006/main" xmlns:r="http://schemas.openxmlformats.org/officeDocument/2006/relationships" xmlns:p="http://schemas.openxmlformats.org/presentationml/2006/main">
   <p:cSld>
     <p:spTree>
@@ -8456,87 +10289,122 @@
           <a:chExt cx="0" cy="0"/>
         </a:xfrm>
       </p:grpSpPr>
-      <p:sp>
-        <p:nvSpPr>
-          <p:cNvPr id="2" name="Title 1"/>
-          <p:cNvSpPr>
-            <a:spLocks noGrp="1"/>
-          </p:cNvSpPr>
-          <p:nvPr>
-            <p:ph type="title"/>
-          </p:nvPr>
-        </p:nvSpPr>
-        <p:spPr/>
-        <p:txBody>
-          <a:bodyPr/>
-          <a:lstStyle/>
-          <a:p>
-            <a:r>
-              <a:rPr lang="en-US" dirty="0" err="1" smtClean="0"/>
-              <a:t>Crosswalking</a:t>
-            </a:r>
-            <a:endParaRPr lang="en-US" dirty="0"/>
-          </a:p>
-        </p:txBody>
-      </p:sp>
-      <p:sp>
-        <p:nvSpPr>
-          <p:cNvPr id="3" name="Content Placeholder 2"/>
-          <p:cNvSpPr>
-            <a:spLocks noGrp="1"/>
-          </p:cNvSpPr>
-          <p:nvPr>
-            <p:ph idx="1"/>
-          </p:nvPr>
-        </p:nvSpPr>
-        <p:spPr>
-          <a:xfrm>
-            <a:off x="4551053" y="1600201"/>
-            <a:ext cx="3986581" cy="4062612"/>
-          </a:xfrm>
-        </p:spPr>
-        <p:txBody>
-          <a:bodyPr/>
-          <a:lstStyle/>
-          <a:p>
-            <a:endParaRPr lang="en-US" dirty="0"/>
-          </a:p>
-        </p:txBody>
-      </p:sp>
       <p:pic>
         <p:nvPicPr>
-          <p:cNvPr id="5" name="Picture 4" descr="imgres.jpg"/>
+          <p:cNvPr id="4" name="Picture 3"/>
           <p:cNvPicPr>
             <a:picLocks noChangeAspect="1"/>
           </p:cNvPicPr>
           <p:nvPr/>
         </p:nvPicPr>
         <p:blipFill>
-          <a:blip r:embed="rId2">
-            <a:extLst>
-              <a:ext uri="{28A0092B-C50C-407E-A947-70E740481C1C}">
-                <a14:useLocalDpi xmlns:a14="http://schemas.microsoft.com/office/drawing/2010/main" val="0"/>
-              </a:ext>
-            </a:extLst>
-          </a:blip>
+          <a:blip r:embed="rId3"/>
           <a:stretch>
             <a:fillRect/>
           </a:stretch>
         </p:blipFill>
         <p:spPr>
           <a:xfrm>
-            <a:off x="568061" y="1842643"/>
-            <a:ext cx="2959887" cy="3551865"/>
+            <a:off x="1397000" y="1843770"/>
+            <a:ext cx="6350000" cy="3594100"/>
           </a:xfrm>
           <a:prstGeom prst="rect">
             <a:avLst/>
           </a:prstGeom>
         </p:spPr>
       </p:pic>
+      <p:sp>
+        <p:nvSpPr>
+          <p:cNvPr id="7" name="Title 1"/>
+          <p:cNvSpPr txBox="1">
+            <a:spLocks/>
+          </p:cNvSpPr>
+          <p:nvPr/>
+        </p:nvSpPr>
+        <p:spPr>
+          <a:xfrm>
+            <a:off x="457200" y="274638"/>
+            <a:ext cx="8229600" cy="1143000"/>
+          </a:xfrm>
+          <a:prstGeom prst="rect">
+            <a:avLst/>
+          </a:prstGeom>
+        </p:spPr>
+        <p:txBody>
+          <a:bodyPr>
+            <a:noAutofit/>
+          </a:bodyPr>
+          <a:lstStyle>
+            <a:lvl1pPr algn="ctr" defTabSz="457200" rtl="0" eaLnBrk="1" latinLnBrk="0" hangingPunct="1">
+              <a:spcBef>
+                <a:spcPct val="0"/>
+              </a:spcBef>
+              <a:buNone/>
+              <a:defRPr sz="4400" kern="1200">
+                <a:solidFill>
+                  <a:schemeClr val="tx1"/>
+                </a:solidFill>
+                <a:latin typeface="+mj-lt"/>
+                <a:ea typeface="+mj-ea"/>
+                <a:cs typeface="+mj-cs"/>
+              </a:defRPr>
+            </a:lvl1pPr>
+          </a:lstStyle>
+          <a:p>
+            <a:endParaRPr lang="en-US" sz="3600" i="1" dirty="0"/>
+          </a:p>
+        </p:txBody>
+      </p:sp>
+      <p:sp>
+        <p:nvSpPr>
+          <p:cNvPr id="8" name="Title 1"/>
+          <p:cNvSpPr txBox="1">
+            <a:spLocks/>
+          </p:cNvSpPr>
+          <p:nvPr/>
+        </p:nvSpPr>
+        <p:spPr>
+          <a:xfrm>
+            <a:off x="609600" y="427038"/>
+            <a:ext cx="8229600" cy="1143000"/>
+          </a:xfrm>
+          <a:prstGeom prst="rect">
+            <a:avLst/>
+          </a:prstGeom>
+        </p:spPr>
+        <p:txBody>
+          <a:bodyPr>
+            <a:noAutofit/>
+          </a:bodyPr>
+          <a:lstStyle>
+            <a:lvl1pPr algn="ctr" defTabSz="457200" rtl="0" eaLnBrk="1" latinLnBrk="0" hangingPunct="1">
+              <a:spcBef>
+                <a:spcPct val="0"/>
+              </a:spcBef>
+              <a:buNone/>
+              <a:defRPr sz="4400" kern="1200">
+                <a:solidFill>
+                  <a:schemeClr val="tx1"/>
+                </a:solidFill>
+                <a:latin typeface="+mj-lt"/>
+                <a:ea typeface="+mj-ea"/>
+                <a:cs typeface="+mj-cs"/>
+              </a:defRPr>
+            </a:lvl1pPr>
+          </a:lstStyle>
+          <a:p>
+            <a:r>
+              <a:rPr lang="en-US" sz="3600" dirty="0" smtClean="0"/>
+              <a:t>And yet </a:t>
+            </a:r>
+            <a:endParaRPr lang="en-US" sz="3600" i="1" dirty="0"/>
+          </a:p>
+        </p:txBody>
+      </p:sp>
     </p:spTree>
     <p:extLst>
       <p:ext uri="{BB962C8B-B14F-4D97-AF65-F5344CB8AC3E}">
-        <p14:creationId xmlns:p14="http://schemas.microsoft.com/office/powerpoint/2010/main" val="3104686356"/>
+        <p14:creationId xmlns:p14="http://schemas.microsoft.com/office/powerpoint/2010/main" val="2628918621"/>
       </p:ext>
     </p:extLst>
   </p:cSld>
@@ -8553,7 +10421,7 @@
 </p:sld>
 </file>
 
-<file path=ppt/slides/slide26.xml><?xml version="1.0" encoding="utf-8"?>
+<file path=ppt/slides/slide30.xml><?xml version="1.0" encoding="utf-8"?>
 <p:sld xmlns:a="http://schemas.openxmlformats.org/drawingml/2006/main" xmlns:r="http://schemas.openxmlformats.org/officeDocument/2006/relationships" xmlns:p="http://schemas.openxmlformats.org/presentationml/2006/main">
   <p:cSld>
     <p:spTree>
@@ -8643,7 +10511,7 @@
 </p:sld>
 </file>
 
-<file path=ppt/slides/slide27.xml><?xml version="1.0" encoding="utf-8"?>
+<file path=ppt/slides/slide31.xml><?xml version="1.0" encoding="utf-8"?>
 <p:sld xmlns:a="http://schemas.openxmlformats.org/drawingml/2006/main" xmlns:r="http://schemas.openxmlformats.org/officeDocument/2006/relationships" xmlns:p="http://schemas.openxmlformats.org/presentationml/2006/main">
   <p:cSld>
     <p:spTree>
@@ -8772,7 +10640,7 @@
 </p:sld>
 </file>
 
-<file path=ppt/slides/slide28.xml><?xml version="1.0" encoding="utf-8"?>
+<file path=ppt/slides/slide32.xml><?xml version="1.0" encoding="utf-8"?>
 <p:sld xmlns:a="http://schemas.openxmlformats.org/drawingml/2006/main" xmlns:r="http://schemas.openxmlformats.org/officeDocument/2006/relationships" xmlns:p="http://schemas.openxmlformats.org/presentationml/2006/main">
   <p:cSld>
     <p:spTree>
@@ -8904,7 +10772,7 @@
 </p:sld>
 </file>
 
-<file path=ppt/slides/slide29.xml><?xml version="1.0" encoding="utf-8"?>
+<file path=ppt/slides/slide33.xml><?xml version="1.0" encoding="utf-8"?>
 <p:sld xmlns:a="http://schemas.openxmlformats.org/drawingml/2006/main" xmlns:r="http://schemas.openxmlformats.org/officeDocument/2006/relationships" xmlns:p="http://schemas.openxmlformats.org/presentationml/2006/main">
   <p:cSld>
     <p:spTree>
@@ -9039,159 +10907,6 @@
   <p:clrMapOvr>
     <a:masterClrMapping/>
   </p:clrMapOvr>
-</p:sld>
-</file>
-
-<file path=ppt/slides/slide3.xml><?xml version="1.0" encoding="utf-8"?>
-<p:sld xmlns:a="http://schemas.openxmlformats.org/drawingml/2006/main" xmlns:r="http://schemas.openxmlformats.org/officeDocument/2006/relationships" xmlns:p="http://schemas.openxmlformats.org/presentationml/2006/main">
-  <p:cSld>
-    <p:spTree>
-      <p:nvGrpSpPr>
-        <p:cNvPr id="1" name=""/>
-        <p:cNvGrpSpPr/>
-        <p:nvPr/>
-      </p:nvGrpSpPr>
-      <p:grpSpPr>
-        <a:xfrm>
-          <a:off x="0" y="0"/>
-          <a:ext cx="0" cy="0"/>
-          <a:chOff x="0" y="0"/>
-          <a:chExt cx="0" cy="0"/>
-        </a:xfrm>
-      </p:grpSpPr>
-      <p:pic>
-        <p:nvPicPr>
-          <p:cNvPr id="4" name="Picture 3"/>
-          <p:cNvPicPr>
-            <a:picLocks noChangeAspect="1"/>
-          </p:cNvPicPr>
-          <p:nvPr/>
-        </p:nvPicPr>
-        <p:blipFill>
-          <a:blip r:embed="rId3"/>
-          <a:stretch>
-            <a:fillRect/>
-          </a:stretch>
-        </p:blipFill>
-        <p:spPr>
-          <a:xfrm>
-            <a:off x="1397000" y="1843770"/>
-            <a:ext cx="6350000" cy="3594100"/>
-          </a:xfrm>
-          <a:prstGeom prst="rect">
-            <a:avLst/>
-          </a:prstGeom>
-        </p:spPr>
-      </p:pic>
-      <p:sp>
-        <p:nvSpPr>
-          <p:cNvPr id="7" name="Title 1"/>
-          <p:cNvSpPr txBox="1">
-            <a:spLocks/>
-          </p:cNvSpPr>
-          <p:nvPr/>
-        </p:nvSpPr>
-        <p:spPr>
-          <a:xfrm>
-            <a:off x="457200" y="274638"/>
-            <a:ext cx="8229600" cy="1143000"/>
-          </a:xfrm>
-          <a:prstGeom prst="rect">
-            <a:avLst/>
-          </a:prstGeom>
-        </p:spPr>
-        <p:txBody>
-          <a:bodyPr>
-            <a:noAutofit/>
-          </a:bodyPr>
-          <a:lstStyle>
-            <a:lvl1pPr algn="ctr" defTabSz="457200" rtl="0" eaLnBrk="1" latinLnBrk="0" hangingPunct="1">
-              <a:spcBef>
-                <a:spcPct val="0"/>
-              </a:spcBef>
-              <a:buNone/>
-              <a:defRPr sz="4400" kern="1200">
-                <a:solidFill>
-                  <a:schemeClr val="tx1"/>
-                </a:solidFill>
-                <a:latin typeface="+mj-lt"/>
-                <a:ea typeface="+mj-ea"/>
-                <a:cs typeface="+mj-cs"/>
-              </a:defRPr>
-            </a:lvl1pPr>
-          </a:lstStyle>
-          <a:p>
-            <a:endParaRPr lang="en-US" sz="3600" i="1" dirty="0"/>
-          </a:p>
-        </p:txBody>
-      </p:sp>
-      <p:sp>
-        <p:nvSpPr>
-          <p:cNvPr id="8" name="Title 1"/>
-          <p:cNvSpPr txBox="1">
-            <a:spLocks/>
-          </p:cNvSpPr>
-          <p:nvPr/>
-        </p:nvSpPr>
-        <p:spPr>
-          <a:xfrm>
-            <a:off x="609600" y="427038"/>
-            <a:ext cx="8229600" cy="1143000"/>
-          </a:xfrm>
-          <a:prstGeom prst="rect">
-            <a:avLst/>
-          </a:prstGeom>
-        </p:spPr>
-        <p:txBody>
-          <a:bodyPr>
-            <a:noAutofit/>
-          </a:bodyPr>
-          <a:lstStyle>
-            <a:lvl1pPr algn="ctr" defTabSz="457200" rtl="0" eaLnBrk="1" latinLnBrk="0" hangingPunct="1">
-              <a:spcBef>
-                <a:spcPct val="0"/>
-              </a:spcBef>
-              <a:buNone/>
-              <a:defRPr sz="4400" kern="1200">
-                <a:solidFill>
-                  <a:schemeClr val="tx1"/>
-                </a:solidFill>
-                <a:latin typeface="+mj-lt"/>
-                <a:ea typeface="+mj-ea"/>
-                <a:cs typeface="+mj-cs"/>
-              </a:defRPr>
-            </a:lvl1pPr>
-          </a:lstStyle>
-          <a:p>
-            <a:r>
-              <a:rPr lang="en-US" sz="3600" dirty="0" smtClean="0"/>
-              <a:t>And </a:t>
-            </a:r>
-            <a:r>
-              <a:rPr lang="en-US" sz="3600" dirty="0" smtClean="0"/>
-              <a:t>yet </a:t>
-            </a:r>
-            <a:endParaRPr lang="en-US" sz="3600" i="1" dirty="0"/>
-          </a:p>
-        </p:txBody>
-      </p:sp>
-    </p:spTree>
-    <p:extLst>
-      <p:ext uri="{BB962C8B-B14F-4D97-AF65-F5344CB8AC3E}">
-        <p14:creationId xmlns:p14="http://schemas.microsoft.com/office/powerpoint/2010/main" val="2628918621"/>
-      </p:ext>
-    </p:extLst>
-  </p:cSld>
-  <p:clrMapOvr>
-    <a:masterClrMapping/>
-  </p:clrMapOvr>
-  <p:timing>
-    <p:tnLst>
-      <p:par>
-        <p:cTn xmlns:p14="http://schemas.microsoft.com/office/powerpoint/2010/main" id="1" dur="indefinite" restart="never" nodeType="tmRoot"/>
-      </p:par>
-    </p:tnLst>
-  </p:timing>
 </p:sld>
 </file>
 
@@ -9224,14 +10939,12 @@
         </p:nvSpPr>
         <p:spPr/>
         <p:txBody>
-          <a:bodyPr>
-            <a:normAutofit fontScale="90000"/>
-          </a:bodyPr>
+          <a:bodyPr/>
           <a:lstStyle/>
           <a:p>
             <a:r>
               <a:rPr lang="en-US" dirty="0" smtClean="0"/>
-              <a:t>Understanding needs before selecting standards</a:t>
+              <a:t>Metadata for research data</a:t>
             </a:r>
             <a:endParaRPr lang="en-US" dirty="0"/>
           </a:p>
@@ -9254,58 +10967,29 @@
           <a:p>
             <a:r>
               <a:rPr lang="en-US" dirty="0" smtClean="0"/>
-              <a:t>Before </a:t>
-            </a:r>
-            <a:r>
-              <a:rPr lang="en-US" dirty="0"/>
-              <a:t>looking at schemas, </a:t>
+              <a:t>Tie back to </a:t>
+            </a:r>
+            <a:r>
+              <a:rPr lang="en-US" dirty="0" err="1" smtClean="0"/>
+              <a:t>nic’s</a:t>
             </a:r>
             <a:r>
               <a:rPr lang="en-US" dirty="0" smtClean="0"/>
-              <a:t>articulate the </a:t>
-            </a:r>
-            <a:r>
-              <a:rPr lang="en-US" dirty="0"/>
-              <a:t>specificities of your repository and your users</a:t>
-            </a:r>
-          </a:p>
-          <a:p>
-            <a:endParaRPr lang="en-US" dirty="0" smtClean="0"/>
-          </a:p>
-          <a:p>
-            <a:r>
-              <a:rPr lang="en-US" dirty="0" smtClean="0"/>
-              <a:t>What are </a:t>
-            </a:r>
-            <a:r>
-              <a:rPr lang="en-US" i="1" dirty="0" smtClean="0"/>
-              <a:t>your</a:t>
-            </a:r>
-            <a:r>
-              <a:rPr lang="en-US" dirty="0" smtClean="0"/>
-              <a:t> needs?  What are the practical constraints of your work?</a:t>
-            </a:r>
-            <a:endParaRPr lang="en-US" dirty="0"/>
+              <a:t> section about how research data has particular needs</a:t>
+            </a:r>
           </a:p>
         </p:txBody>
       </p:sp>
     </p:spTree>
     <p:extLst>
       <p:ext uri="{BB962C8B-B14F-4D97-AF65-F5344CB8AC3E}">
-        <p14:creationId xmlns:p14="http://schemas.microsoft.com/office/powerpoint/2010/main" val="143422272"/>
+        <p14:creationId xmlns:p14="http://schemas.microsoft.com/office/powerpoint/2010/main" val="1779448611"/>
       </p:ext>
     </p:extLst>
   </p:cSld>
   <p:clrMapOvr>
     <a:masterClrMapping/>
   </p:clrMapOvr>
-  <p:timing>
-    <p:tnLst>
-      <p:par>
-        <p:cTn xmlns:p14="http://schemas.microsoft.com/office/powerpoint/2010/main" id="1" dur="indefinite" restart="never" nodeType="tmRoot"/>
-      </p:par>
-    </p:tnLst>
-  </p:timing>
 </p:sld>
 </file>
 
@@ -9339,101 +11023,148 @@
         <p:spPr/>
         <p:txBody>
           <a:bodyPr>
-            <a:noAutofit/>
+            <a:normAutofit fontScale="90000"/>
           </a:bodyPr>
           <a:lstStyle/>
           <a:p>
             <a:r>
-              <a:rPr lang="en-US" sz="3600" dirty="0" smtClean="0"/>
-              <a:t>“Nine questions”</a:t>
-            </a:r>
-            <a:endParaRPr lang="en-US" sz="3600" i="1" dirty="0"/>
-          </a:p>
-        </p:txBody>
-      </p:sp>
-      <p:sp>
-        <p:nvSpPr>
-          <p:cNvPr id="3" name="Content Placeholder 2"/>
-          <p:cNvSpPr>
-            <a:spLocks noGrp="1"/>
-          </p:cNvSpPr>
+              <a:rPr lang="en-US" dirty="0" smtClean="0"/>
+              <a:t>Producer vs. </a:t>
+            </a:r>
+            <a:r>
+              <a:rPr lang="en-US" dirty="0" smtClean="0"/>
+              <a:t>Manager vs.</a:t>
+            </a:r>
+            <a:r>
+              <a:rPr lang="en-US" dirty="0" smtClean="0"/>
+              <a:t> Consumer needs</a:t>
+            </a:r>
+            <a:endParaRPr lang="en-US" dirty="0"/>
+          </a:p>
+        </p:txBody>
+      </p:sp>
+      <p:pic>
+        <p:nvPicPr>
+          <p:cNvPr id="4" name="Content Placeholder 3"/>
+          <p:cNvPicPr>
+            <a:picLocks noGrp="1" noChangeAspect="1"/>
+          </p:cNvPicPr>
           <p:nvPr>
             <p:ph idx="1"/>
           </p:nvPr>
-        </p:nvSpPr>
-        <p:spPr/>
-        <p:txBody>
-          <a:bodyPr>
-            <a:normAutofit/>
-          </a:bodyPr>
-          <a:lstStyle/>
-          <a:p>
-            <a:r>
-              <a:rPr lang="en-US" dirty="0" smtClean="0"/>
-              <a:t>Some questions to ask (from Kennedy, 2008): </a:t>
-            </a:r>
-          </a:p>
-          <a:p>
-            <a:endParaRPr lang="en-US" dirty="0"/>
-          </a:p>
-          <a:p>
-            <a:pPr lvl="1"/>
-            <a:r>
-              <a:rPr lang="en-US" dirty="0" smtClean="0"/>
-              <a:t>Who will be using the collection?</a:t>
-            </a:r>
-          </a:p>
-          <a:p>
-            <a:pPr lvl="1"/>
-            <a:r>
-              <a:rPr lang="en-US" dirty="0" smtClean="0"/>
-              <a:t>Who is the collection cataloguer?</a:t>
-            </a:r>
-          </a:p>
-          <a:p>
-            <a:pPr lvl="1"/>
-            <a:r>
-              <a:rPr lang="en-US" dirty="0" smtClean="0"/>
-              <a:t>How much time/money do you have</a:t>
-            </a:r>
-            <a:r>
-              <a:rPr lang="en-US" dirty="0" smtClean="0"/>
-              <a:t>?</a:t>
-            </a:r>
-          </a:p>
-          <a:p>
-            <a:pPr lvl="1"/>
-            <a:r>
-              <a:rPr lang="en-US" dirty="0"/>
-              <a:t>How will your collection be accessed?</a:t>
-            </a:r>
-          </a:p>
-          <a:p>
-            <a:pPr lvl="1"/>
-            <a:endParaRPr lang="en-US" dirty="0" smtClean="0"/>
-          </a:p>
-          <a:p>
-            <a:endParaRPr lang="en-US" dirty="0" smtClean="0"/>
+        </p:nvPicPr>
+        <p:blipFill>
+          <a:blip r:embed="rId3"/>
+          <a:srcRect l="702" r="702"/>
+          <a:stretch>
+            <a:fillRect/>
+          </a:stretch>
+        </p:blipFill>
+        <p:spPr>
+          <a:xfrm>
+            <a:off x="1144494" y="1600201"/>
+            <a:ext cx="7103035" cy="3906396"/>
+          </a:xfrm>
+        </p:spPr>
+      </p:pic>
+      <p:sp>
+        <p:nvSpPr>
+          <p:cNvPr id="3" name="Donut 2"/>
+          <p:cNvSpPr/>
+          <p:nvPr/>
+        </p:nvSpPr>
+        <p:spPr>
+          <a:xfrm>
+            <a:off x="3415591" y="4805103"/>
+            <a:ext cx="1853688" cy="978183"/>
+          </a:xfrm>
+          <a:prstGeom prst="donut">
+            <a:avLst>
+              <a:gd name="adj" fmla="val 8663"/>
+            </a:avLst>
+          </a:prstGeom>
+        </p:spPr>
+        <p:style>
+          <a:lnRef idx="1">
+            <a:schemeClr val="accent1"/>
+          </a:lnRef>
+          <a:fillRef idx="3">
+            <a:schemeClr val="accent1"/>
+          </a:fillRef>
+          <a:effectRef idx="2">
+            <a:schemeClr val="accent1"/>
+          </a:effectRef>
+          <a:fontRef idx="minor">
+            <a:schemeClr val="lt1"/>
+          </a:fontRef>
+        </p:style>
+        <p:txBody>
+          <a:bodyPr rtlCol="0" anchor="ctr"/>
+          <a:lstStyle/>
+          <a:p>
+            <a:pPr algn="ctr"/>
+            <a:endParaRPr lang="en-US">
+              <a:solidFill>
+                <a:schemeClr val="tx1"/>
+              </a:solidFill>
+            </a:endParaRPr>
+          </a:p>
+        </p:txBody>
+      </p:sp>
+      <p:sp>
+        <p:nvSpPr>
+          <p:cNvPr id="5" name="Donut 4"/>
+          <p:cNvSpPr/>
+          <p:nvPr/>
+        </p:nvSpPr>
+        <p:spPr>
+          <a:xfrm rot="5400000">
+            <a:off x="7270864" y="2812368"/>
+            <a:ext cx="1853688" cy="978183"/>
+          </a:xfrm>
+          <a:prstGeom prst="donut">
+            <a:avLst>
+              <a:gd name="adj" fmla="val 8663"/>
+            </a:avLst>
+          </a:prstGeom>
+        </p:spPr>
+        <p:style>
+          <a:lnRef idx="1">
+            <a:schemeClr val="accent1"/>
+          </a:lnRef>
+          <a:fillRef idx="3">
+            <a:schemeClr val="accent1"/>
+          </a:fillRef>
+          <a:effectRef idx="2">
+            <a:schemeClr val="accent1"/>
+          </a:effectRef>
+          <a:fontRef idx="minor">
+            <a:schemeClr val="lt1"/>
+          </a:fontRef>
+        </p:style>
+        <p:txBody>
+          <a:bodyPr rtlCol="0" anchor="ctr"/>
+          <a:lstStyle/>
+          <a:p>
+            <a:pPr algn="ctr"/>
+            <a:endParaRPr lang="en-US">
+              <a:solidFill>
+                <a:schemeClr val="tx1"/>
+              </a:solidFill>
+            </a:endParaRPr>
           </a:p>
         </p:txBody>
       </p:sp>
     </p:spTree>
     <p:extLst>
       <p:ext uri="{BB962C8B-B14F-4D97-AF65-F5344CB8AC3E}">
-        <p14:creationId xmlns:p14="http://schemas.microsoft.com/office/powerpoint/2010/main" val="386159260"/>
+        <p14:creationId xmlns:p14="http://schemas.microsoft.com/office/powerpoint/2010/main" val="51966781"/>
       </p:ext>
     </p:extLst>
   </p:cSld>
   <p:clrMapOvr>
     <a:masterClrMapping/>
   </p:clrMapOvr>
-  <p:timing>
-    <p:tnLst>
-      <p:par>
-        <p:cTn xmlns:p14="http://schemas.microsoft.com/office/powerpoint/2010/main" id="1" dur="indefinite" restart="never" nodeType="tmRoot"/>
-      </p:par>
-    </p:tnLst>
-  </p:timing>
 </p:sld>
 </file>
 
@@ -9467,79 +11198,78 @@
         <p:spPr/>
         <p:txBody>
           <a:bodyPr>
-            <a:noAutofit/>
-          </a:bodyPr>
-          <a:lstStyle/>
-          <a:p>
-            <a:r>
-              <a:rPr lang="en-US" sz="3600" dirty="0" smtClean="0"/>
-              <a:t>Kennedy 2008 continued</a:t>
-            </a:r>
-            <a:endParaRPr lang="en-US" sz="3600" dirty="0"/>
-          </a:p>
-        </p:txBody>
-      </p:sp>
-      <p:sp>
-        <p:nvSpPr>
-          <p:cNvPr id="3" name="Content Placeholder 2"/>
-          <p:cNvSpPr>
-            <a:spLocks noGrp="1"/>
-          </p:cNvSpPr>
-          <p:nvPr>
-            <p:ph idx="1"/>
-          </p:nvPr>
-        </p:nvSpPr>
-        <p:spPr/>
-        <p:txBody>
-          <a:bodyPr>
             <a:normAutofit/>
           </a:bodyPr>
           <a:lstStyle/>
           <a:p>
-            <a:pPr lvl="1"/>
             <a:r>
               <a:rPr lang="en-US" dirty="0" smtClean="0"/>
-              <a:t>How </a:t>
+              <a:t>Manager (e.g. your) Needs</a:t>
+            </a:r>
+            <a:endParaRPr lang="en-US" dirty="0"/>
+          </a:p>
+        </p:txBody>
+      </p:sp>
+      <p:sp>
+        <p:nvSpPr>
+          <p:cNvPr id="3" name="Content Placeholder 2"/>
+          <p:cNvSpPr>
+            <a:spLocks noGrp="1"/>
+          </p:cNvSpPr>
+          <p:nvPr>
+            <p:ph idx="1"/>
+          </p:nvPr>
+        </p:nvSpPr>
+        <p:spPr/>
+        <p:txBody>
+          <a:bodyPr/>
+          <a:lstStyle/>
+          <a:p>
+            <a:r>
+              <a:rPr lang="en-US" dirty="0" smtClean="0"/>
+              <a:t>Before </a:t>
             </a:r>
             <a:r>
               <a:rPr lang="en-US" dirty="0"/>
-              <a:t>is your collection related to other collections</a:t>
+              <a:t>looking at schemas, </a:t>
             </a:r>
             <a:r>
               <a:rPr lang="en-US" dirty="0" smtClean="0"/>
-              <a:t>?</a:t>
-            </a:r>
-          </a:p>
-          <a:p>
-            <a:pPr lvl="1"/>
+              <a:t>articulate the </a:t>
+            </a:r>
             <a:r>
               <a:rPr lang="en-US" dirty="0" smtClean="0"/>
-              <a:t>What </a:t>
+              <a:t>“specificities” </a:t>
             </a:r>
             <a:r>
               <a:rPr lang="en-US" dirty="0"/>
-              <a:t>is the scope of your collection?</a:t>
-            </a:r>
-          </a:p>
-          <a:p>
-            <a:pPr lvl="1"/>
+              <a:t>of your </a:t>
+            </a:r>
             <a:r>
               <a:rPr lang="en-US" dirty="0" smtClean="0"/>
-              <a:t>Will your metadata be harvested?</a:t>
-            </a:r>
-          </a:p>
-          <a:p>
-            <a:pPr lvl="1"/>
+              <a:t>repository</a:t>
+            </a:r>
+            <a:endParaRPr lang="en-US" dirty="0"/>
+          </a:p>
+          <a:p>
+            <a:endParaRPr lang="en-US" dirty="0" smtClean="0"/>
+          </a:p>
+          <a:p>
             <a:r>
               <a:rPr lang="en-US" dirty="0" smtClean="0"/>
-              <a:t>Do you want your collection to work with other collections?</a:t>
-            </a:r>
-          </a:p>
-          <a:p>
-            <a:pPr lvl="1"/>
+              <a:t>What are </a:t>
+            </a:r>
+            <a:r>
+              <a:rPr lang="en-US" i="1" dirty="0" smtClean="0"/>
+              <a:t>your institution’s</a:t>
+            </a:r>
             <a:r>
               <a:rPr lang="en-US" dirty="0" smtClean="0"/>
-              <a:t>How much maintenance or quality control do you wish?</a:t>
+              <a:t> </a:t>
+            </a:r>
+            <a:r>
+              <a:rPr lang="en-US" dirty="0" smtClean="0"/>
+              <a:t>needs?  What are the practical constraints of your work?</a:t>
             </a:r>
             <a:endParaRPr lang="en-US" dirty="0"/>
           </a:p>
@@ -9548,7 +11278,7 @@
     </p:spTree>
     <p:extLst>
       <p:ext uri="{BB962C8B-B14F-4D97-AF65-F5344CB8AC3E}">
-        <p14:creationId xmlns:p14="http://schemas.microsoft.com/office/powerpoint/2010/main" val="164152073"/>
+        <p14:creationId xmlns:p14="http://schemas.microsoft.com/office/powerpoint/2010/main" val="143422272"/>
       </p:ext>
     </p:extLst>
   </p:cSld>
@@ -9601,9 +11331,13 @@
           <a:p>
             <a:r>
               <a:rPr lang="en-US" sz="3600" dirty="0" smtClean="0"/>
-              <a:t>Kennedy 2008 continued</a:t>
-            </a:r>
-            <a:endParaRPr lang="en-US" sz="3600" dirty="0"/>
+              <a:t>“Nine questions</a:t>
+            </a:r>
+            <a:r>
+              <a:rPr lang="en-US" sz="3600" dirty="0" smtClean="0"/>
+              <a:t>” for needs assessment</a:t>
+            </a:r>
+            <a:endParaRPr lang="en-US" sz="3600" i="1" dirty="0"/>
           </a:p>
         </p:txBody>
       </p:sp>
@@ -9624,59 +11358,64 @@
           </a:bodyPr>
           <a:lstStyle/>
           <a:p>
+            <a:r>
+              <a:rPr lang="en-US" dirty="0" smtClean="0"/>
+              <a:t>From </a:t>
+            </a:r>
+            <a:r>
+              <a:rPr lang="en-US" dirty="0" smtClean="0"/>
+              <a:t>Kennedy, </a:t>
+            </a:r>
+            <a:r>
+              <a:rPr lang="en-US" dirty="0" smtClean="0"/>
+              <a:t>2008: </a:t>
+            </a:r>
+            <a:endParaRPr lang="en-US" dirty="0" smtClean="0"/>
+          </a:p>
+          <a:p>
+            <a:endParaRPr lang="en-US" dirty="0"/>
+          </a:p>
+          <a:p>
             <a:pPr lvl="1"/>
             <a:r>
-              <a:rPr lang="en-US" b="1" dirty="0" smtClean="0"/>
-              <a:t>How </a:t>
-            </a:r>
-            <a:r>
-              <a:rPr lang="en-US" b="1" dirty="0"/>
-              <a:t>is your collection related to other collections</a:t>
-            </a:r>
-            <a:r>
-              <a:rPr lang="en-US" b="1" dirty="0" smtClean="0"/>
-              <a:t>?</a:t>
+              <a:rPr lang="en-US" dirty="0" smtClean="0"/>
+              <a:t>Who will be using the collection?</a:t>
             </a:r>
           </a:p>
           <a:p>
             <a:pPr lvl="1"/>
             <a:r>
               <a:rPr lang="en-US" dirty="0" smtClean="0"/>
-              <a:t>What </a:t>
-            </a:r>
+              <a:t>Who is the collection cataloguer?</a:t>
+            </a:r>
+          </a:p>
+          <a:p>
+            <a:pPr lvl="1"/>
+            <a:r>
+              <a:rPr lang="en-US" dirty="0" smtClean="0"/>
+              <a:t>How much time/money do you have?</a:t>
+            </a:r>
+          </a:p>
+          <a:p>
+            <a:pPr lvl="1"/>
             <a:r>
               <a:rPr lang="en-US" dirty="0"/>
-              <a:t>is the scope of your collection?</a:t>
+              <a:t>How will your collection be accessed?</a:t>
             </a:r>
           </a:p>
           <a:p>
             <a:pPr lvl="1"/>
-            <a:r>
-              <a:rPr lang="en-US" b="1" dirty="0" smtClean="0"/>
-              <a:t>Will your metadata be harvested?</a:t>
-            </a:r>
-          </a:p>
-          <a:p>
-            <a:pPr lvl="1"/>
-            <a:r>
-              <a:rPr lang="en-US" b="1" dirty="0" smtClean="0"/>
-              <a:t>Do you want your collection to work with other collections?</a:t>
-            </a:r>
-          </a:p>
-          <a:p>
-            <a:pPr lvl="1"/>
-            <a:r>
-              <a:rPr lang="en-US" dirty="0" smtClean="0"/>
-              <a:t>How much maintenance or quality control do you wish?</a:t>
-            </a:r>
-            <a:endParaRPr lang="en-US" dirty="0"/>
+            <a:endParaRPr lang="en-US" dirty="0" smtClean="0"/>
+          </a:p>
+          <a:p>
+            <a:endParaRPr lang="en-US" dirty="0" smtClean="0"/>
           </a:p>
         </p:txBody>
       </p:sp>
     </p:spTree>
     <p:extLst>
       <p:ext uri="{BB962C8B-B14F-4D97-AF65-F5344CB8AC3E}">
-        <p14:creationId xmlns:p14="http://schemas.microsoft.com/office/powerpoint/2010/main" val="3413669261"/>
+        <p14:creationId xmlns:p14="http://schemas.microsoft.com/office/powerpoint/2010/main" val="386159260"/>
       </p:ext>
     </p:extLst>
   </p:cSld>
@@ -9722,56 +11461,80 @@
         </p:nvSpPr>
         <p:spPr/>
         <p:txBody>
-          <a:bodyPr/>
-          <a:lstStyle/>
-          <a:p>
+          <a:bodyPr>
+            <a:noAutofit/>
+          </a:bodyPr>
+          <a:lstStyle/>
+          <a:p>
+            <a:r>
+              <a:rPr lang="en-US" sz="3600" dirty="0" smtClean="0"/>
+              <a:t>Kennedy 2008 continued</a:t>
+            </a:r>
+            <a:endParaRPr lang="en-US" sz="3600" dirty="0"/>
+          </a:p>
+        </p:txBody>
+      </p:sp>
+      <p:sp>
+        <p:nvSpPr>
+          <p:cNvPr id="3" name="Content Placeholder 2"/>
+          <p:cNvSpPr>
+            <a:spLocks noGrp="1"/>
+          </p:cNvSpPr>
+          <p:nvPr>
+            <p:ph idx="1"/>
+          </p:nvPr>
+        </p:nvSpPr>
+        <p:spPr/>
+        <p:txBody>
+          <a:bodyPr>
+            <a:normAutofit/>
+          </a:bodyPr>
+          <a:lstStyle/>
+          <a:p>
+            <a:pPr lvl="1"/>
             <a:r>
               <a:rPr lang="en-US" dirty="0" smtClean="0"/>
-              <a:t>Community needs</a:t>
-            </a:r>
-            <a:endParaRPr lang="en-US" dirty="0"/>
-          </a:p>
-        </p:txBody>
-      </p:sp>
-      <p:sp>
-        <p:nvSpPr>
-          <p:cNvPr id="3" name="Content Placeholder 2"/>
-          <p:cNvSpPr>
-            <a:spLocks noGrp="1"/>
-          </p:cNvSpPr>
-          <p:nvPr>
-            <p:ph idx="1"/>
-          </p:nvPr>
-        </p:nvSpPr>
-        <p:spPr/>
-        <p:txBody>
-          <a:bodyPr/>
-          <a:lstStyle/>
-          <a:p>
+              <a:t>How </a:t>
+            </a:r>
+            <a:r>
+              <a:rPr lang="en-US" dirty="0"/>
+              <a:t>is your collection related to other collections</a:t>
+            </a:r>
             <a:r>
               <a:rPr lang="en-US" dirty="0" smtClean="0"/>
-              <a:t>Remember your Designated Community?</a:t>
+              <a:t>?</a:t>
             </a:r>
           </a:p>
           <a:p>
             <a:pPr lvl="1"/>
             <a:r>
               <a:rPr lang="en-US" dirty="0" smtClean="0"/>
-              <a:t>What are their needs?</a:t>
+              <a:t>What </a:t>
+            </a:r>
+            <a:r>
+              <a:rPr lang="en-US" dirty="0"/>
+              <a:t>is the scope of your collection?</a:t>
             </a:r>
           </a:p>
           <a:p>
             <a:pPr lvl="1"/>
             <a:r>
               <a:rPr lang="en-US" dirty="0" smtClean="0"/>
-              <a:t>What standards do they use?</a:t>
+              <a:t>Will your metadata be harvested?</a:t>
             </a:r>
           </a:p>
           <a:p>
             <a:pPr lvl="1"/>
             <a:r>
               <a:rPr lang="en-US" dirty="0" smtClean="0"/>
-              <a:t>What constraints do they have?</a:t>
+              <a:t>Do you want your collection to work with other collections?</a:t>
+            </a:r>
+          </a:p>
+          <a:p>
+            <a:pPr lvl="1"/>
+            <a:r>
+              <a:rPr lang="en-US" dirty="0" smtClean="0"/>
+              <a:t>How much maintenance or quality control do you wish?</a:t>
             </a:r>
             <a:endParaRPr lang="en-US" dirty="0"/>
           </a:p>
@@ -9780,13 +11543,20 @@
     </p:spTree>
     <p:extLst>
       <p:ext uri="{BB962C8B-B14F-4D97-AF65-F5344CB8AC3E}">
-        <p14:creationId xmlns:p14="http://schemas.microsoft.com/office/powerpoint/2010/main" val="4043475452"/>
+        <p14:creationId xmlns:p14="http://schemas.microsoft.com/office/powerpoint/2010/main" val="164152073"/>
       </p:ext>
     </p:extLst>
   </p:cSld>
   <p:clrMapOvr>
     <a:masterClrMapping/>
   </p:clrMapOvr>
+  <p:timing>
+    <p:tnLst>
+      <p:par>
+        <p:cTn xmlns:p14="http://schemas.microsoft.com/office/powerpoint/2010/main" id="1" dur="indefinite" restart="never" nodeType="tmRoot"/>
+      </p:par>
+    </p:tnLst>
+  </p:timing>
 </p:sld>
 </file>
 
@@ -9820,65 +11590,79 @@
         <p:spPr/>
         <p:txBody>
           <a:bodyPr>
-            <a:normAutofit fontScale="90000"/>
+            <a:noAutofit/>
           </a:bodyPr>
           <a:lstStyle/>
           <a:p>
             <a:r>
+              <a:rPr lang="en-US" sz="3600" dirty="0" smtClean="0"/>
+              <a:t>Kennedy 2008 continued</a:t>
+            </a:r>
+            <a:endParaRPr lang="en-US" sz="3600" dirty="0"/>
+          </a:p>
+        </p:txBody>
+      </p:sp>
+      <p:sp>
+        <p:nvSpPr>
+          <p:cNvPr id="3" name="Content Placeholder 2"/>
+          <p:cNvSpPr>
+            <a:spLocks noGrp="1"/>
+          </p:cNvSpPr>
+          <p:nvPr>
+            <p:ph idx="1"/>
+          </p:nvPr>
+        </p:nvSpPr>
+        <p:spPr/>
+        <p:txBody>
+          <a:bodyPr>
+            <a:normAutofit/>
+          </a:bodyPr>
+          <a:lstStyle/>
+          <a:p>
+            <a:pPr lvl="1"/>
+            <a:r>
+              <a:rPr lang="en-US" u="sng" dirty="0" smtClean="0"/>
+              <a:t>How </a:t>
+            </a:r>
+            <a:r>
+              <a:rPr lang="en-US" u="sng" dirty="0"/>
+              <a:t>is your collection related to other collections</a:t>
+            </a:r>
+            <a:r>
+              <a:rPr lang="en-US" u="sng" dirty="0" smtClean="0"/>
+              <a:t>?</a:t>
+            </a:r>
+          </a:p>
+          <a:p>
+            <a:pPr lvl="1"/>
+            <a:r>
               <a:rPr lang="en-US" dirty="0" smtClean="0"/>
-              <a:t>Some communities have very specific standards and needs </a:t>
-            </a:r>
-            <a:endParaRPr lang="en-US" dirty="0"/>
-          </a:p>
-        </p:txBody>
-      </p:sp>
-      <p:sp>
-        <p:nvSpPr>
-          <p:cNvPr id="3" name="Content Placeholder 2"/>
-          <p:cNvSpPr>
-            <a:spLocks noGrp="1"/>
-          </p:cNvSpPr>
-          <p:nvPr>
-            <p:ph idx="1"/>
-          </p:nvPr>
-        </p:nvSpPr>
-        <p:spPr/>
-        <p:txBody>
-          <a:bodyPr/>
-          <a:lstStyle/>
-          <a:p>
+              <a:t>What </a:t>
+            </a:r>
+            <a:r>
+              <a:rPr lang="en-US" dirty="0"/>
+              <a:t>is the scope of your collection?</a:t>
+            </a:r>
+          </a:p>
+          <a:p>
+            <a:pPr lvl="1"/>
+            <a:r>
+              <a:rPr lang="en-US" u="sng" dirty="0" smtClean="0"/>
+              <a:t>Will your metadata be harvested?</a:t>
+            </a:r>
+          </a:p>
+          <a:p>
+            <a:pPr lvl="1"/>
+            <a:r>
+              <a:rPr lang="en-US" u="sng" dirty="0" smtClean="0"/>
+              <a:t>Do you want your collection to work with other collections?</a:t>
+            </a:r>
+          </a:p>
+          <a:p>
+            <a:pPr lvl="1"/>
             <a:r>
               <a:rPr lang="en-US" dirty="0" smtClean="0"/>
-              <a:t>For instance:</a:t>
-            </a:r>
-          </a:p>
-          <a:p>
-            <a:pPr lvl="1"/>
-            <a:r>
-              <a:rPr lang="en-US" dirty="0" smtClean="0"/>
-              <a:t>Biodiversity scientists use </a:t>
-            </a:r>
-            <a:r>
-              <a:rPr lang="en-US" dirty="0" err="1" smtClean="0"/>
-              <a:t>DarwinCore</a:t>
-            </a:r>
-            <a:r>
-              <a:rPr lang="en-US" dirty="0" smtClean="0"/>
-              <a:t> records</a:t>
-            </a:r>
-          </a:p>
-          <a:p>
-            <a:pPr lvl="1"/>
-            <a:r>
-              <a:rPr lang="en-US" dirty="0" smtClean="0"/>
-              <a:t>GIS data are increasingly rendered in FGDC</a:t>
-            </a:r>
-          </a:p>
-          <a:p>
-            <a:pPr lvl="1"/>
-            <a:r>
-              <a:rPr lang="en-US" dirty="0" smtClean="0"/>
-              <a:t>Something else</a:t>
+              <a:t>How much maintenance or quality control do you wish?</a:t>
             </a:r>
             <a:endParaRPr lang="en-US" dirty="0"/>
           </a:p>
@@ -9887,13 +11671,20 @@
     </p:spTree>
     <p:extLst>
       <p:ext uri="{BB962C8B-B14F-4D97-AF65-F5344CB8AC3E}">
-        <p14:creationId xmlns:p14="http://schemas.microsoft.com/office/powerpoint/2010/main" val="4265355696"/>
+        <p14:creationId xmlns:p14="http://schemas.microsoft.com/office/powerpoint/2010/main" val="3413669261"/>
       </p:ext>
     </p:extLst>
   </p:cSld>
   <p:clrMapOvr>
     <a:masterClrMapping/>
   </p:clrMapOvr>
+  <p:timing>
+    <p:tnLst>
+      <p:par>
+        <p:cTn xmlns:p14="http://schemas.microsoft.com/office/powerpoint/2010/main" id="1" dur="indefinite" restart="never" nodeType="tmRoot"/>
+      </p:par>
+    </p:tnLst>
+  </p:timing>
 </p:sld>
 </file>
 
